--- a/spring13/slides13/ranvar-independence.pptx
+++ b/spring13/slides13/ranvar-independence.pptx
@@ -5,10 +5,10 @@
     <p:sldMasterId id="2147483648" r:id="rId1"/>
   </p:sldMasterIdLst>
   <p:notesMasterIdLst>
-    <p:notesMasterId r:id="rId12"/>
+    <p:notesMasterId r:id="rId15"/>
   </p:notesMasterIdLst>
   <p:handoutMasterIdLst>
-    <p:handoutMasterId r:id="rId13"/>
+    <p:handoutMasterId r:id="rId16"/>
   </p:handoutMasterIdLst>
   <p:sldIdLst>
     <p:sldId id="257" r:id="rId2"/>
@@ -21,6 +21,9 @@
     <p:sldId id="293" r:id="rId9"/>
     <p:sldId id="290" r:id="rId10"/>
     <p:sldId id="360" r:id="rId11"/>
+    <p:sldId id="362" r:id="rId12"/>
+    <p:sldId id="361" r:id="rId13"/>
+    <p:sldId id="363" r:id="rId14"/>
   </p:sldIdLst>
   <p:sldSz cx="9144000" cy="6858000" type="screen4x3"/>
   <p:notesSz cx="9601200" cy="7315200"/>
@@ -1098,6 +1101,98 @@
 </p:notes>
 </file>
 
+<file path=ppt/notesSlides/notesSlide11.xml><?xml version="1.0" encoding="utf-8"?>
+<p:notes xmlns:a="http://schemas.openxmlformats.org/drawingml/2006/main" xmlns:r="http://schemas.openxmlformats.org/officeDocument/2006/relationships" xmlns:p="http://schemas.openxmlformats.org/presentationml/2006/main">
+  <p:cSld>
+    <p:spTree>
+      <p:nvGrpSpPr>
+        <p:cNvPr id="1" name=""/>
+        <p:cNvGrpSpPr/>
+        <p:nvPr/>
+      </p:nvGrpSpPr>
+      <p:grpSpPr>
+        <a:xfrm>
+          <a:off x="0" y="0"/>
+          <a:ext cx="0" cy="0"/>
+          <a:chOff x="0" y="0"/>
+          <a:chExt cx="0" cy="0"/>
+        </a:xfrm>
+      </p:grpSpPr>
+      <p:sp>
+        <p:nvSpPr>
+          <p:cNvPr id="62466" name="Rectangle 7"/>
+          <p:cNvSpPr>
+            <a:spLocks noGrp="1" noChangeArrowheads="1"/>
+          </p:cNvSpPr>
+          <p:nvPr>
+            <p:ph type="sldNum" sz="quarter" idx="5"/>
+          </p:nvPr>
+        </p:nvSpPr>
+        <p:spPr>
+          <a:noFill/>
+        </p:spPr>
+        <p:txBody>
+          <a:bodyPr/>
+          <a:lstStyle/>
+          <a:p>
+            <a:fld id="{3F25F964-877D-4E0C-8F3A-875E866A06BA}" type="slidenum">
+              <a:rPr lang="en-US" smtClean="0"/>
+              <a:pPr/>
+              <a:t>11</a:t>
+            </a:fld>
+            <a:endParaRPr lang="en-US" smtClean="0"/>
+          </a:p>
+        </p:txBody>
+      </p:sp>
+      <p:sp>
+        <p:nvSpPr>
+          <p:cNvPr id="62467" name="Rectangle 2"/>
+          <p:cNvSpPr>
+            <a:spLocks noGrp="1" noRot="1" noChangeAspect="1" noChangeArrowheads="1" noTextEdit="1"/>
+          </p:cNvSpPr>
+          <p:nvPr>
+            <p:ph type="sldImg"/>
+          </p:nvPr>
+        </p:nvSpPr>
+        <p:spPr>
+          <a:xfrm>
+            <a:off x="2973388" y="549275"/>
+            <a:ext cx="3659187" cy="2743200"/>
+          </a:xfrm>
+          <a:ln/>
+        </p:spPr>
+      </p:sp>
+      <p:sp>
+        <p:nvSpPr>
+          <p:cNvPr id="62468" name="Rectangle 3"/>
+          <p:cNvSpPr>
+            <a:spLocks noGrp="1" noChangeArrowheads="1"/>
+          </p:cNvSpPr>
+          <p:nvPr>
+            <p:ph type="body" idx="1"/>
+          </p:nvPr>
+        </p:nvSpPr>
+        <p:spPr>
+          <a:noFill/>
+          <a:ln/>
+        </p:spPr>
+        <p:txBody>
+          <a:bodyPr/>
+          <a:lstStyle/>
+          <a:p>
+            <a:pPr eaLnBrk="1" hangingPunct="1"/>
+            <a:endParaRPr lang="en-US" smtClean="0"/>
+          </a:p>
+        </p:txBody>
+      </p:sp>
+    </p:spTree>
+  </p:cSld>
+  <p:clrMapOvr>
+    <a:masterClrMapping/>
+  </p:clrMapOvr>
+</p:notes>
+</file>
+
 <file path=ppt/notesSlides/notesSlide2.xml><?xml version="1.0" encoding="utf-8"?>
 <p:notes xmlns:a="http://schemas.openxmlformats.org/drawingml/2006/main" xmlns:r="http://schemas.openxmlformats.org/officeDocument/2006/relationships" xmlns:p="http://schemas.openxmlformats.org/presentationml/2006/main">
   <p:cSld>
@@ -1990,6 +2085,9 @@
   <p:clrMapOvr>
     <a:masterClrMapping/>
   </p:clrMapOvr>
+  <p:transition xmlns:p14="http://schemas.microsoft.com/office/powerpoint/2010/main" spd="slow" advClick="0">
+    <p:fade/>
+  </p:transition>
 </p:sldLayout>
 </file>
 
@@ -2162,6 +2260,9 @@
   <p:clrMapOvr>
     <a:masterClrMapping/>
   </p:clrMapOvr>
+  <p:transition xmlns:p14="http://schemas.microsoft.com/office/powerpoint/2010/main" spd="slow" advClick="0">
+    <p:fade/>
+  </p:transition>
 </p:sldLayout>
 </file>
 
@@ -2255,6 +2356,9 @@
   <p:clrMapOvr>
     <a:masterClrMapping/>
   </p:clrMapOvr>
+  <p:transition xmlns:p14="http://schemas.microsoft.com/office/powerpoint/2010/main" spd="slow" advClick="0">
+    <p:fade/>
+  </p:transition>
 </p:sldLayout>
 </file>
 
@@ -2321,6 +2425,9 @@
   <p:clrMapOvr>
     <a:masterClrMapping/>
   </p:clrMapOvr>
+  <p:transition xmlns:p14="http://schemas.microsoft.com/office/powerpoint/2010/main" spd="slow" advClick="0">
+    <p:fade/>
+  </p:transition>
 </p:sldLayout>
 </file>
 
@@ -2607,22 +2714,7 @@
                 <a:uFillTx/>
                 <a:latin typeface="Comic Sans MS" pitchFamily="66" charset="0"/>
               </a:rPr>
-              <a:t>Albert R Meyer           May </a:t>
-            </a:r>
-            <a:r>
-              <a:rPr kumimoji="0" lang="en-US" sz="1200" b="0" i="0" u="none" strike="noStrike" kern="1200" cap="none" spc="0" normalizeH="0" baseline="0" noProof="0" dirty="0" smtClean="0">
-                <a:ln>
-                  <a:noFill/>
-                </a:ln>
-                <a:solidFill>
-                  <a:schemeClr val="tx1"/>
-                </a:solidFill>
-                <a:effectLst/>
-                <a:uLnTx/>
-                <a:uFillTx/>
-                <a:latin typeface="Comic Sans MS" pitchFamily="66" charset="0"/>
-              </a:rPr>
-              <a:t>6, 2013</a:t>
+              <a:t>Albert R Meyer           May 6, 2013</a:t>
             </a:r>
             <a:endParaRPr kumimoji="0" lang="en-US" sz="1200" b="0" i="0" u="none" strike="noStrike" kern="1200" cap="none" spc="0" normalizeH="0" baseline="0" noProof="0" dirty="0">
               <a:ln>
@@ -2672,6 +2764,9 @@
     <p:sldLayoutId id="2147483809" r:id="rId3"/>
     <p:sldLayoutId id="2147483810" r:id="rId4"/>
   </p:sldLayoutIdLst>
+  <p:transition xmlns:p14="http://schemas.microsoft.com/office/powerpoint/2010/main" spd="slow" advClick="0">
+    <p:fade/>
+  </p:transition>
   <p:timing>
     <p:tnLst>
       <p:par>
@@ -3231,9 +3326,14 @@
   <p:clrMapOvr>
     <a:masterClrMapping/>
   </p:clrMapOvr>
-  <p:transition xmlns:p14="http://schemas.microsoft.com/office/powerpoint/2010/main">
-    <p:fade/>
-  </p:transition>
+  <mc:AlternateContent xmlns:mc="http://schemas.openxmlformats.org/markup-compatibility/2006">
+    <mc:Choice xmlns:p14="http://schemas.microsoft.com/office/powerpoint/2010/main" Requires="p14">
+      <p:transition p14:dur="0" advClick="0"/>
+    </mc:Choice>
+    <mc:Fallback>
+      <p:transition xmlns:p14="http://schemas.microsoft.com/office/powerpoint/2010/main" advClick="0"/>
+    </mc:Fallback>
+  </mc:AlternateContent>
   <p:timing>
     <p:tnLst>
       <p:par>
@@ -3487,7 +3587,7 @@
           <a:graphicData uri="http://schemas.openxmlformats.org/presentationml/2006/ole">
             <mc:AlternateContent xmlns:mc="http://schemas.openxmlformats.org/markup-compatibility/2006">
               <mc:Choice xmlns:v="urn:schemas-microsoft-com:vml" Requires="v">
-                <p:oleObj spid="_x0000_s484390" name="Equation" r:id="rId4" imgW="2133600" imgH="533400" progId="Equation.DSMT4">
+                <p:oleObj spid="_x0000_s484397" name="Equation" r:id="rId4" imgW="2133600" imgH="533400" progId="Equation.DSMT4">
                   <p:embed/>
                 </p:oleObj>
               </mc:Choice>
@@ -3574,8 +3674,8 @@
   <p:clrMapOvr>
     <a:masterClrMapping/>
   </p:clrMapOvr>
-  <p:transition xmlns:p14="http://schemas.microsoft.com/office/powerpoint/2010/main" spd="slow">
-    <p:fade thruBlk="1"/>
+  <p:transition xmlns:p14="http://schemas.microsoft.com/office/powerpoint/2010/main" spd="slow" advClick="0">
+    <p:fade/>
   </p:transition>
   <p:timing>
     <p:tnLst>
@@ -3819,6 +3919,1604 @@
 </p:sld>
 </file>
 
+<file path=ppt/slides/slide11.xml><?xml version="1.0" encoding="utf-8"?>
+<p:sld xmlns:a="http://schemas.openxmlformats.org/drawingml/2006/main" xmlns:r="http://schemas.openxmlformats.org/officeDocument/2006/relationships" xmlns:p="http://schemas.openxmlformats.org/presentationml/2006/main">
+  <p:cSld>
+    <p:spTree>
+      <p:nvGrpSpPr>
+        <p:cNvPr id="1" name=""/>
+        <p:cNvGrpSpPr/>
+        <p:nvPr/>
+      </p:nvGrpSpPr>
+      <p:grpSpPr>
+        <a:xfrm>
+          <a:off x="0" y="0"/>
+          <a:ext cx="0" cy="0"/>
+          <a:chOff x="0" y="0"/>
+          <a:chExt cx="0" cy="0"/>
+        </a:xfrm>
+      </p:grpSpPr>
+      <p:sp>
+        <p:nvSpPr>
+          <p:cNvPr id="6" name="Slide Number Placeholder 3"/>
+          <p:cNvSpPr>
+            <a:spLocks noGrp="1"/>
+          </p:cNvSpPr>
+          <p:nvPr>
+            <p:ph type="sldNum" sz="quarter" idx="11"/>
+          </p:nvPr>
+        </p:nvSpPr>
+        <p:spPr/>
+        <p:txBody>
+          <a:bodyPr/>
+          <a:lstStyle/>
+          <a:p>
+            <a:pPr>
+              <a:defRPr/>
+            </a:pPr>
+            <a:r>
+              <a:rPr lang="en-US" dirty="0" err="1" smtClean="0"/>
+              <a:t>ranvarindep</a:t>
+            </a:r>
+            <a:r>
+              <a:rPr lang="en-US" dirty="0" smtClean="0"/>
+              <a:t>.</a:t>
+            </a:r>
+            <a:fld id="{95F672D9-7FDA-4DF5-84B2-B60196FF4FEA}" type="slidenum">
+              <a:rPr lang="en-US" smtClean="0"/>
+              <a:pPr>
+                <a:defRPr/>
+              </a:pPr>
+              <a:t>11</a:t>
+            </a:fld>
+            <a:endParaRPr lang="en-US" dirty="0"/>
+          </a:p>
+        </p:txBody>
+      </p:sp>
+      <p:sp>
+        <p:nvSpPr>
+          <p:cNvPr id="32772" name="Rectangle 3"/>
+          <p:cNvSpPr>
+            <a:spLocks noGrp="1" noChangeArrowheads="1"/>
+          </p:cNvSpPr>
+          <p:nvPr>
+            <p:ph idx="4294967295"/>
+          </p:nvPr>
+        </p:nvSpPr>
+        <p:spPr>
+          <a:xfrm>
+            <a:off x="568391" y="1143761"/>
+            <a:ext cx="7953310" cy="4609339"/>
+          </a:xfrm>
+        </p:spPr>
+        <p:txBody>
+          <a:bodyPr/>
+          <a:lstStyle/>
+          <a:p>
+            <a:pPr eaLnBrk="1" hangingPunct="1"/>
+            <a:r>
+              <a:rPr lang="en-US" sz="6000" dirty="0" smtClean="0">
+                <a:solidFill>
+                  <a:srgbClr val="0000FF"/>
+                </a:solidFill>
+              </a:rPr>
+              <a:t>O </a:t>
+            </a:r>
+            <a:r>
+              <a:rPr lang="en-US" sz="6000" dirty="0" smtClean="0"/>
+              <a:t>::= odd #Heads</a:t>
+            </a:r>
+            <a:r>
+              <a:rPr lang="en-US" sz="6000" dirty="0" smtClean="0">
+                <a:solidFill>
+                  <a:srgbClr val="0000FF"/>
+                </a:solidFill>
+              </a:rPr>
+              <a:t>  </a:t>
+            </a:r>
+            <a:r>
+              <a:rPr lang="en-US" sz="6000" dirty="0" smtClean="0"/>
+              <a:t>  </a:t>
+            </a:r>
+          </a:p>
+          <a:p>
+            <a:pPr eaLnBrk="1" hangingPunct="1"/>
+            <a:r>
+              <a:rPr lang="en-US" sz="6000" dirty="0" smtClean="0"/>
+              <a:t>Are </a:t>
+            </a:r>
+            <a:r>
+              <a:rPr lang="en-US" sz="6000" dirty="0" smtClean="0">
+                <a:solidFill>
+                  <a:srgbClr val="3333FF"/>
+                </a:solidFill>
+              </a:rPr>
+              <a:t>M</a:t>
+            </a:r>
+            <a:r>
+              <a:rPr lang="en-US" sz="6000" dirty="0" smtClean="0"/>
+              <a:t> </a:t>
+            </a:r>
+            <a:r>
+              <a:rPr lang="en-US" sz="6000" dirty="0" smtClean="0"/>
+              <a:t>and </a:t>
+            </a:r>
+            <a:r>
+              <a:rPr lang="en-US" sz="6000" dirty="0" smtClean="0">
+                <a:solidFill>
+                  <a:srgbClr val="0000FF"/>
+                </a:solidFill>
+              </a:rPr>
+              <a:t>I</a:t>
+            </a:r>
+            <a:r>
+              <a:rPr lang="en-US" sz="6000" baseline="-25000" dirty="0" smtClean="0">
+                <a:solidFill>
+                  <a:srgbClr val="0000FF"/>
+                </a:solidFill>
+              </a:rPr>
+              <a:t>O</a:t>
+            </a:r>
+            <a:endParaRPr lang="en-US" sz="6000" baseline="-25000" dirty="0" smtClean="0">
+              <a:solidFill>
+                <a:srgbClr val="0000FF"/>
+              </a:solidFill>
+            </a:endParaRPr>
+          </a:p>
+          <a:p>
+            <a:pPr eaLnBrk="1" hangingPunct="1"/>
+            <a:r>
+              <a:rPr lang="en-US" sz="6000" dirty="0" smtClean="0"/>
+              <a:t>    </a:t>
+            </a:r>
+            <a:r>
+              <a:rPr lang="en-US" sz="6000" dirty="0" smtClean="0"/>
+              <a:t>independent?</a:t>
+            </a:r>
+          </a:p>
+        </p:txBody>
+      </p:sp>
+      <p:sp>
+        <p:nvSpPr>
+          <p:cNvPr id="8" name="Rectangle 2"/>
+          <p:cNvSpPr txBox="1">
+            <a:spLocks noChangeArrowheads="1"/>
+          </p:cNvSpPr>
+          <p:nvPr/>
+        </p:nvSpPr>
+        <p:spPr bwMode="auto">
+          <a:xfrm>
+            <a:off x="1143000" y="58738"/>
+            <a:ext cx="7543800" cy="1143000"/>
+          </a:xfrm>
+          <a:prstGeom prst="rect">
+            <a:avLst/>
+          </a:prstGeom>
+          <a:noFill/>
+          <a:ln w="9525">
+            <a:noFill/>
+            <a:miter lim="800000"/>
+            <a:headEnd/>
+            <a:tailEnd/>
+          </a:ln>
+        </p:spPr>
+        <p:txBody>
+          <a:bodyPr vert="horz" wrap="square" lIns="91440" tIns="45720" rIns="91440" bIns="45720" numCol="1" anchor="ctr" anchorCtr="0" compatLnSpc="1">
+            <a:prstTxWarp prst="textNoShape">
+              <a:avLst/>
+            </a:prstTxWarp>
+          </a:bodyPr>
+          <a:lstStyle/>
+          <a:p>
+            <a:pPr marL="0" marR="0" lvl="0" indent="0" algn="ctr" defTabSz="914400" rtl="0" eaLnBrk="1" fontAlgn="base" latinLnBrk="0" hangingPunct="1">
+              <a:lnSpc>
+                <a:spcPct val="100000"/>
+              </a:lnSpc>
+              <a:spcBef>
+                <a:spcPct val="0"/>
+              </a:spcBef>
+              <a:spcAft>
+                <a:spcPct val="0"/>
+              </a:spcAft>
+              <a:buClrTx/>
+              <a:buSzTx/>
+              <a:buFontTx/>
+              <a:buNone/>
+              <a:tabLst/>
+              <a:defRPr/>
+            </a:pPr>
+            <a:r>
+              <a:rPr kumimoji="0" lang="en-US" sz="4000" b="1" i="0" u="none" strike="noStrike" kern="0" cap="none" spc="0" normalizeH="0" baseline="0" noProof="0" smtClean="0">
+                <a:ln>
+                  <a:noFill/>
+                </a:ln>
+                <a:solidFill>
+                  <a:schemeClr val="tx2"/>
+                </a:solidFill>
+                <a:effectLst/>
+                <a:uLnTx/>
+                <a:uFillTx/>
+                <a:latin typeface="+mj-lt"/>
+                <a:ea typeface="+mj-ea"/>
+                <a:cs typeface="+mj-cs"/>
+              </a:rPr>
+              <a:t>Independent Variables</a:t>
+            </a:r>
+            <a:endParaRPr kumimoji="0" lang="en-US" sz="4000" b="1" i="0" u="none" strike="noStrike" kern="0" cap="none" spc="0" normalizeH="0" baseline="0" noProof="0" dirty="0" smtClean="0">
+              <a:ln>
+                <a:noFill/>
+              </a:ln>
+              <a:solidFill>
+                <a:schemeClr val="tx2"/>
+              </a:solidFill>
+              <a:effectLst/>
+              <a:uLnTx/>
+              <a:uFillTx/>
+              <a:latin typeface="+mj-lt"/>
+              <a:ea typeface="+mj-ea"/>
+              <a:cs typeface="+mj-cs"/>
+            </a:endParaRPr>
+          </a:p>
+        </p:txBody>
+      </p:sp>
+      <p:sp>
+        <p:nvSpPr>
+          <p:cNvPr id="5" name="TextBox 4"/>
+          <p:cNvSpPr txBox="1"/>
+          <p:nvPr/>
+        </p:nvSpPr>
+        <p:spPr>
+          <a:xfrm>
+            <a:off x="6594051" y="3239316"/>
+            <a:ext cx="1837763" cy="1107996"/>
+          </a:xfrm>
+          <a:prstGeom prst="rect">
+            <a:avLst/>
+          </a:prstGeom>
+          <a:noFill/>
+        </p:spPr>
+        <p:txBody>
+          <a:bodyPr wrap="none" rtlCol="0">
+            <a:spAutoFit/>
+          </a:bodyPr>
+          <a:lstStyle/>
+          <a:p>
+            <a:r>
+              <a:rPr lang="en-US" sz="6600" dirty="0" smtClean="0">
+                <a:solidFill>
+                  <a:srgbClr val="008000"/>
+                </a:solidFill>
+                <a:latin typeface="+mj-lt"/>
+              </a:rPr>
+              <a:t>YES</a:t>
+            </a:r>
+          </a:p>
+        </p:txBody>
+      </p:sp>
+      <p:sp>
+        <p:nvSpPr>
+          <p:cNvPr id="2" name="TextBox 1"/>
+          <p:cNvSpPr txBox="1"/>
+          <p:nvPr/>
+        </p:nvSpPr>
+        <p:spPr>
+          <a:xfrm>
+            <a:off x="1211627" y="4470400"/>
+            <a:ext cx="6773509" cy="1323439"/>
+          </a:xfrm>
+          <a:prstGeom prst="rect">
+            <a:avLst/>
+          </a:prstGeom>
+          <a:noFill/>
+        </p:spPr>
+        <p:txBody>
+          <a:bodyPr wrap="none" rtlCol="0">
+            <a:spAutoFit/>
+          </a:bodyPr>
+          <a:lstStyle/>
+          <a:p>
+            <a:r>
+              <a:rPr lang="en-US" sz="8000" dirty="0" smtClean="0">
+                <a:latin typeface="Comic Sans MS"/>
+                <a:cs typeface="Comic Sans MS"/>
+              </a:rPr>
+              <a:t>(Work it out!)</a:t>
+            </a:r>
+            <a:endParaRPr lang="en-US" sz="8000" dirty="0">
+              <a:latin typeface="Comic Sans MS"/>
+              <a:cs typeface="Comic Sans MS"/>
+            </a:endParaRPr>
+          </a:p>
+        </p:txBody>
+      </p:sp>
+    </p:spTree>
+    <p:extLst>
+      <p:ext uri="{BB962C8B-B14F-4D97-AF65-F5344CB8AC3E}">
+        <p14:creationId xmlns:p14="http://schemas.microsoft.com/office/powerpoint/2010/main" val="3181645826"/>
+      </p:ext>
+    </p:extLst>
+  </p:cSld>
+  <p:clrMapOvr>
+    <a:masterClrMapping/>
+  </p:clrMapOvr>
+  <p:transition xmlns:p14="http://schemas.microsoft.com/office/powerpoint/2010/main" spd="slow" advClick="0">
+    <p:fade/>
+  </p:transition>
+  <p:timing>
+    <p:tnLst>
+      <p:par>
+        <p:cTn xmlns:p14="http://schemas.microsoft.com/office/powerpoint/2010/main" id="1" dur="indefinite" restart="never" nodeType="tmRoot">
+          <p:childTnLst>
+            <p:seq concurrent="1" nextAc="seek">
+              <p:cTn id="2" dur="indefinite" nodeType="mainSeq">
+                <p:childTnLst>
+                  <p:par>
+                    <p:cTn id="3" fill="hold">
+                      <p:stCondLst>
+                        <p:cond delay="indefinite"/>
+                      </p:stCondLst>
+                      <p:childTnLst>
+                        <p:par>
+                          <p:cTn id="4" fill="hold">
+                            <p:stCondLst>
+                              <p:cond delay="0"/>
+                            </p:stCondLst>
+                            <p:childTnLst>
+                              <p:par>
+                                <p:cTn id="5" presetID="10" presetClass="entr" presetSubtype="0" fill="hold" grpId="0" nodeType="clickEffect">
+                                  <p:stCondLst>
+                                    <p:cond delay="0"/>
+                                  </p:stCondLst>
+                                  <p:childTnLst>
+                                    <p:set>
+                                      <p:cBhvr>
+                                        <p:cTn id="6" dur="1" fill="hold">
+                                          <p:stCondLst>
+                                            <p:cond delay="0"/>
+                                          </p:stCondLst>
+                                        </p:cTn>
+                                        <p:tgtEl>
+                                          <p:spTgt spid="32772">
+                                            <p:txEl>
+                                              <p:pRg st="0" end="0"/>
+                                            </p:txEl>
+                                          </p:spTgt>
+                                        </p:tgtEl>
+                                        <p:attrNameLst>
+                                          <p:attrName>style.visibility</p:attrName>
+                                        </p:attrNameLst>
+                                      </p:cBhvr>
+                                      <p:to>
+                                        <p:strVal val="visible"/>
+                                      </p:to>
+                                    </p:set>
+                                    <p:animEffect transition="in" filter="fade">
+                                      <p:cBhvr>
+                                        <p:cTn id="7" dur="500"/>
+                                        <p:tgtEl>
+                                          <p:spTgt spid="32772">
+                                            <p:txEl>
+                                              <p:pRg st="0" end="0"/>
+                                            </p:txEl>
+                                          </p:spTgt>
+                                        </p:tgtEl>
+                                      </p:cBhvr>
+                                    </p:animEffect>
+                                  </p:childTnLst>
+                                </p:cTn>
+                              </p:par>
+                            </p:childTnLst>
+                          </p:cTn>
+                        </p:par>
+                      </p:childTnLst>
+                    </p:cTn>
+                  </p:par>
+                  <p:par>
+                    <p:cTn id="8" fill="hold">
+                      <p:stCondLst>
+                        <p:cond delay="indefinite"/>
+                      </p:stCondLst>
+                      <p:childTnLst>
+                        <p:par>
+                          <p:cTn id="9" fill="hold">
+                            <p:stCondLst>
+                              <p:cond delay="0"/>
+                            </p:stCondLst>
+                            <p:childTnLst>
+                              <p:par>
+                                <p:cTn id="10" presetID="10" presetClass="entr" presetSubtype="0" fill="hold" grpId="0" nodeType="clickEffect">
+                                  <p:stCondLst>
+                                    <p:cond delay="0"/>
+                                  </p:stCondLst>
+                                  <p:childTnLst>
+                                    <p:set>
+                                      <p:cBhvr>
+                                        <p:cTn id="11" dur="1" fill="hold">
+                                          <p:stCondLst>
+                                            <p:cond delay="0"/>
+                                          </p:stCondLst>
+                                        </p:cTn>
+                                        <p:tgtEl>
+                                          <p:spTgt spid="32772">
+                                            <p:txEl>
+                                              <p:pRg st="1" end="1"/>
+                                            </p:txEl>
+                                          </p:spTgt>
+                                        </p:tgtEl>
+                                        <p:attrNameLst>
+                                          <p:attrName>style.visibility</p:attrName>
+                                        </p:attrNameLst>
+                                      </p:cBhvr>
+                                      <p:to>
+                                        <p:strVal val="visible"/>
+                                      </p:to>
+                                    </p:set>
+                                    <p:animEffect transition="in" filter="fade">
+                                      <p:cBhvr>
+                                        <p:cTn id="12" dur="500"/>
+                                        <p:tgtEl>
+                                          <p:spTgt spid="32772">
+                                            <p:txEl>
+                                              <p:pRg st="1" end="1"/>
+                                            </p:txEl>
+                                          </p:spTgt>
+                                        </p:tgtEl>
+                                      </p:cBhvr>
+                                    </p:animEffect>
+                                  </p:childTnLst>
+                                </p:cTn>
+                              </p:par>
+                              <p:par>
+                                <p:cTn id="13" presetID="10" presetClass="entr" presetSubtype="0" fill="hold" grpId="0" nodeType="withEffect">
+                                  <p:stCondLst>
+                                    <p:cond delay="0"/>
+                                  </p:stCondLst>
+                                  <p:childTnLst>
+                                    <p:set>
+                                      <p:cBhvr>
+                                        <p:cTn id="14" dur="1" fill="hold">
+                                          <p:stCondLst>
+                                            <p:cond delay="0"/>
+                                          </p:stCondLst>
+                                        </p:cTn>
+                                        <p:tgtEl>
+                                          <p:spTgt spid="32772">
+                                            <p:txEl>
+                                              <p:pRg st="2" end="2"/>
+                                            </p:txEl>
+                                          </p:spTgt>
+                                        </p:tgtEl>
+                                        <p:attrNameLst>
+                                          <p:attrName>style.visibility</p:attrName>
+                                        </p:attrNameLst>
+                                      </p:cBhvr>
+                                      <p:to>
+                                        <p:strVal val="visible"/>
+                                      </p:to>
+                                    </p:set>
+                                    <p:animEffect transition="in" filter="fade">
+                                      <p:cBhvr>
+                                        <p:cTn id="15" dur="500"/>
+                                        <p:tgtEl>
+                                          <p:spTgt spid="32772">
+                                            <p:txEl>
+                                              <p:pRg st="2" end="2"/>
+                                            </p:txEl>
+                                          </p:spTgt>
+                                        </p:tgtEl>
+                                      </p:cBhvr>
+                                    </p:animEffect>
+                                  </p:childTnLst>
+                                </p:cTn>
+                              </p:par>
+                            </p:childTnLst>
+                          </p:cTn>
+                        </p:par>
+                      </p:childTnLst>
+                    </p:cTn>
+                  </p:par>
+                  <p:par>
+                    <p:cTn id="16" fill="hold">
+                      <p:stCondLst>
+                        <p:cond delay="indefinite"/>
+                      </p:stCondLst>
+                      <p:childTnLst>
+                        <p:par>
+                          <p:cTn id="17" fill="hold">
+                            <p:stCondLst>
+                              <p:cond delay="0"/>
+                            </p:stCondLst>
+                            <p:childTnLst>
+                              <p:par>
+                                <p:cTn id="18" presetID="10" presetClass="entr" presetSubtype="0" fill="hold" grpId="0" nodeType="clickEffect">
+                                  <p:stCondLst>
+                                    <p:cond delay="0"/>
+                                  </p:stCondLst>
+                                  <p:childTnLst>
+                                    <p:set>
+                                      <p:cBhvr>
+                                        <p:cTn id="19" dur="1" fill="hold">
+                                          <p:stCondLst>
+                                            <p:cond delay="0"/>
+                                          </p:stCondLst>
+                                        </p:cTn>
+                                        <p:tgtEl>
+                                          <p:spTgt spid="5">
+                                            <p:txEl>
+                                              <p:pRg st="0" end="0"/>
+                                            </p:txEl>
+                                          </p:spTgt>
+                                        </p:tgtEl>
+                                        <p:attrNameLst>
+                                          <p:attrName>style.visibility</p:attrName>
+                                        </p:attrNameLst>
+                                      </p:cBhvr>
+                                      <p:to>
+                                        <p:strVal val="visible"/>
+                                      </p:to>
+                                    </p:set>
+                                    <p:animEffect transition="in" filter="fade">
+                                      <p:cBhvr>
+                                        <p:cTn id="20" dur="500"/>
+                                        <p:tgtEl>
+                                          <p:spTgt spid="5">
+                                            <p:txEl>
+                                              <p:pRg st="0" end="0"/>
+                                            </p:txEl>
+                                          </p:spTgt>
+                                        </p:tgtEl>
+                                      </p:cBhvr>
+                                    </p:animEffect>
+                                  </p:childTnLst>
+                                </p:cTn>
+                              </p:par>
+                            </p:childTnLst>
+                          </p:cTn>
+                        </p:par>
+                      </p:childTnLst>
+                    </p:cTn>
+                  </p:par>
+                  <p:par>
+                    <p:cTn id="21" fill="hold">
+                      <p:stCondLst>
+                        <p:cond delay="indefinite"/>
+                      </p:stCondLst>
+                      <p:childTnLst>
+                        <p:par>
+                          <p:cTn id="22" fill="hold">
+                            <p:stCondLst>
+                              <p:cond delay="0"/>
+                            </p:stCondLst>
+                            <p:childTnLst>
+                              <p:par>
+                                <p:cTn id="23" presetID="10" presetClass="entr" presetSubtype="0" fill="hold" grpId="0" nodeType="clickEffect">
+                                  <p:stCondLst>
+                                    <p:cond delay="0"/>
+                                  </p:stCondLst>
+                                  <p:childTnLst>
+                                    <p:set>
+                                      <p:cBhvr>
+                                        <p:cTn id="24" dur="1" fill="hold">
+                                          <p:stCondLst>
+                                            <p:cond delay="0"/>
+                                          </p:stCondLst>
+                                        </p:cTn>
+                                        <p:tgtEl>
+                                          <p:spTgt spid="2"/>
+                                        </p:tgtEl>
+                                        <p:attrNameLst>
+                                          <p:attrName>style.visibility</p:attrName>
+                                        </p:attrNameLst>
+                                      </p:cBhvr>
+                                      <p:to>
+                                        <p:strVal val="visible"/>
+                                      </p:to>
+                                    </p:set>
+                                    <p:animEffect transition="in" filter="fade">
+                                      <p:cBhvr>
+                                        <p:cTn id="25" dur="500"/>
+                                        <p:tgtEl>
+                                          <p:spTgt spid="2"/>
+                                        </p:tgtEl>
+                                      </p:cBhvr>
+                                    </p:animEffect>
+                                  </p:childTnLst>
+                                </p:cTn>
+                              </p:par>
+                            </p:childTnLst>
+                          </p:cTn>
+                        </p:par>
+                      </p:childTnLst>
+                    </p:cTn>
+                  </p:par>
+                </p:childTnLst>
+              </p:cTn>
+              <p:prevCondLst>
+                <p:cond evt="onPrev" delay="0">
+                  <p:tgtEl>
+                    <p:sldTgt/>
+                  </p:tgtEl>
+                </p:cond>
+              </p:prevCondLst>
+              <p:nextCondLst>
+                <p:cond evt="onNext" delay="0">
+                  <p:tgtEl>
+                    <p:sldTgt/>
+                  </p:tgtEl>
+                </p:cond>
+              </p:nextCondLst>
+            </p:seq>
+          </p:childTnLst>
+        </p:cTn>
+      </p:par>
+    </p:tnLst>
+    <p:bldLst>
+      <p:bldP spid="32772" grpId="0" build="p"/>
+      <p:bldP spid="5" grpId="0" build="p"/>
+      <p:bldP spid="2" grpId="0"/>
+    </p:bldLst>
+  </p:timing>
+</p:sld>
+</file>
+
+<file path=ppt/slides/slide12.xml><?xml version="1.0" encoding="utf-8"?>
+<p:sld xmlns:a="http://schemas.openxmlformats.org/drawingml/2006/main" xmlns:r="http://schemas.openxmlformats.org/officeDocument/2006/relationships" xmlns:p="http://schemas.openxmlformats.org/presentationml/2006/main">
+  <p:cSld>
+    <p:spTree>
+      <p:nvGrpSpPr>
+        <p:cNvPr id="1" name=""/>
+        <p:cNvGrpSpPr/>
+        <p:nvPr/>
+      </p:nvGrpSpPr>
+      <p:grpSpPr>
+        <a:xfrm>
+          <a:off x="0" y="0"/>
+          <a:ext cx="0" cy="0"/>
+          <a:chOff x="0" y="0"/>
+          <a:chExt cx="0" cy="0"/>
+        </a:xfrm>
+      </p:grpSpPr>
+      <p:sp>
+        <p:nvSpPr>
+          <p:cNvPr id="2" name="Slide Number Placeholder 1"/>
+          <p:cNvSpPr>
+            <a:spLocks noGrp="1"/>
+          </p:cNvSpPr>
+          <p:nvPr>
+            <p:ph type="sldNum" sz="quarter" idx="11"/>
+          </p:nvPr>
+        </p:nvSpPr>
+        <p:spPr/>
+        <p:txBody>
+          <a:bodyPr/>
+          <a:lstStyle/>
+          <a:p>
+            <a:pPr>
+              <a:defRPr/>
+            </a:pPr>
+            <a:r>
+              <a:rPr lang="en-US" smtClean="0"/>
+              <a:t>ranvarindep.</a:t>
+            </a:r>
+            <a:fld id="{4E62291C-8AD8-4AE0-8F6D-A8437E91FB33}" type="slidenum">
+              <a:rPr lang="en-US" smtClean="0"/>
+              <a:pPr>
+                <a:defRPr/>
+              </a:pPr>
+              <a:t>12</a:t>
+            </a:fld>
+            <a:endParaRPr lang="en-US" dirty="0"/>
+          </a:p>
+        </p:txBody>
+      </p:sp>
+      <p:sp>
+        <p:nvSpPr>
+          <p:cNvPr id="3" name="Rectangle 2"/>
+          <p:cNvSpPr txBox="1">
+            <a:spLocks noChangeArrowheads="1"/>
+          </p:cNvSpPr>
+          <p:nvPr/>
+        </p:nvSpPr>
+        <p:spPr bwMode="auto">
+          <a:xfrm>
+            <a:off x="1143000" y="58738"/>
+            <a:ext cx="7543800" cy="1143000"/>
+          </a:xfrm>
+          <a:prstGeom prst="rect">
+            <a:avLst/>
+          </a:prstGeom>
+          <a:noFill/>
+          <a:ln w="9525">
+            <a:noFill/>
+            <a:miter lim="800000"/>
+            <a:headEnd/>
+            <a:tailEnd/>
+          </a:ln>
+        </p:spPr>
+        <p:txBody>
+          <a:bodyPr vert="horz" wrap="square" lIns="91440" tIns="45720" rIns="91440" bIns="45720" numCol="1" anchor="ctr" anchorCtr="0" compatLnSpc="1">
+            <a:prstTxWarp prst="textNoShape">
+              <a:avLst/>
+            </a:prstTxWarp>
+          </a:bodyPr>
+          <a:lstStyle/>
+          <a:p>
+            <a:pPr marL="0" marR="0" lvl="0" indent="0" algn="ctr" defTabSz="914400" rtl="0" eaLnBrk="1" fontAlgn="base" latinLnBrk="0" hangingPunct="1">
+              <a:lnSpc>
+                <a:spcPct val="100000"/>
+              </a:lnSpc>
+              <a:spcBef>
+                <a:spcPct val="0"/>
+              </a:spcBef>
+              <a:spcAft>
+                <a:spcPct val="0"/>
+              </a:spcAft>
+              <a:buClrTx/>
+              <a:buSzTx/>
+              <a:buFontTx/>
+              <a:buNone/>
+              <a:tabLst/>
+              <a:defRPr/>
+            </a:pPr>
+            <a:r>
+              <a:rPr kumimoji="0" lang="en-US" sz="4000" b="1" i="0" u="none" strike="noStrike" kern="0" cap="none" spc="0" normalizeH="0" baseline="0" noProof="0" smtClean="0">
+                <a:ln>
+                  <a:noFill/>
+                </a:ln>
+                <a:solidFill>
+                  <a:schemeClr val="tx2"/>
+                </a:solidFill>
+                <a:effectLst/>
+                <a:uLnTx/>
+                <a:uFillTx/>
+                <a:latin typeface="+mj-lt"/>
+                <a:ea typeface="+mj-ea"/>
+                <a:cs typeface="+mj-cs"/>
+              </a:rPr>
+              <a:t>Independent Variables</a:t>
+            </a:r>
+            <a:endParaRPr kumimoji="0" lang="en-US" sz="4000" b="1" i="0" u="none" strike="noStrike" kern="0" cap="none" spc="0" normalizeH="0" baseline="0" noProof="0" dirty="0" smtClean="0">
+              <a:ln>
+                <a:noFill/>
+              </a:ln>
+              <a:solidFill>
+                <a:schemeClr val="tx2"/>
+              </a:solidFill>
+              <a:effectLst/>
+              <a:uLnTx/>
+              <a:uFillTx/>
+              <a:latin typeface="+mj-lt"/>
+              <a:ea typeface="+mj-ea"/>
+              <a:cs typeface="+mj-cs"/>
+            </a:endParaRPr>
+          </a:p>
+        </p:txBody>
+      </p:sp>
+      <p:sp>
+        <p:nvSpPr>
+          <p:cNvPr id="4" name="TextBox 3"/>
+          <p:cNvSpPr txBox="1"/>
+          <p:nvPr/>
+        </p:nvSpPr>
+        <p:spPr>
+          <a:xfrm>
+            <a:off x="467734" y="1714500"/>
+            <a:ext cx="8233932" cy="3416320"/>
+          </a:xfrm>
+          <a:prstGeom prst="rect">
+            <a:avLst/>
+          </a:prstGeom>
+          <a:noFill/>
+        </p:spPr>
+        <p:txBody>
+          <a:bodyPr wrap="none" rtlCol="0">
+            <a:spAutoFit/>
+          </a:bodyPr>
+          <a:lstStyle/>
+          <a:p>
+            <a:pPr lvl="0"/>
+            <a:r>
+              <a:rPr lang="en-US" sz="4400" dirty="0">
+                <a:solidFill>
+                  <a:srgbClr val="9B2894"/>
+                </a:solidFill>
+                <a:latin typeface="Comic Sans MS"/>
+                <a:cs typeface="Comic Sans MS"/>
+              </a:rPr>
+              <a:t>Lemma</a:t>
+            </a:r>
+            <a:r>
+              <a:rPr lang="en-US" sz="4400" dirty="0" smtClean="0">
+                <a:solidFill>
+                  <a:srgbClr val="9B2894"/>
+                </a:solidFill>
+                <a:latin typeface="Comic Sans MS"/>
+                <a:cs typeface="Comic Sans MS"/>
+              </a:rPr>
+              <a:t>:</a:t>
+            </a:r>
+            <a:endParaRPr lang="en-US" sz="5400" dirty="0" smtClean="0">
+              <a:latin typeface="Comic Sans MS"/>
+              <a:cs typeface="Comic Sans MS"/>
+            </a:endParaRPr>
+          </a:p>
+          <a:p>
+            <a:r>
+              <a:rPr lang="en-US" sz="5400" dirty="0" smtClean="0">
+                <a:latin typeface="Comic Sans MS"/>
+                <a:cs typeface="Comic Sans MS"/>
+              </a:rPr>
+              <a:t>If </a:t>
+            </a:r>
+            <a:r>
+              <a:rPr lang="en-US" sz="5400" dirty="0" smtClean="0">
+                <a:solidFill>
+                  <a:srgbClr val="0000FF"/>
+                </a:solidFill>
+                <a:latin typeface="Comic Sans MS"/>
+                <a:cs typeface="Comic Sans MS"/>
+              </a:rPr>
+              <a:t>R</a:t>
+            </a:r>
+            <a:r>
+              <a:rPr lang="en-US" sz="5400" dirty="0" smtClean="0">
+                <a:latin typeface="Comic Sans MS"/>
+                <a:cs typeface="Comic Sans MS"/>
+              </a:rPr>
+              <a:t> is independent of </a:t>
+            </a:r>
+            <a:r>
+              <a:rPr lang="en-US" sz="5400" dirty="0" smtClean="0">
+                <a:solidFill>
+                  <a:srgbClr val="0000FF"/>
+                </a:solidFill>
+                <a:latin typeface="Comic Sans MS"/>
+                <a:cs typeface="Comic Sans MS"/>
+              </a:rPr>
+              <a:t>S</a:t>
+            </a:r>
+            <a:r>
+              <a:rPr lang="en-US" sz="5400" dirty="0" smtClean="0">
+                <a:latin typeface="Comic Sans MS"/>
+                <a:cs typeface="Comic Sans MS"/>
+              </a:rPr>
+              <a:t>,</a:t>
+            </a:r>
+          </a:p>
+          <a:p>
+            <a:r>
+              <a:rPr lang="en-US" sz="5400" dirty="0" smtClean="0">
+                <a:latin typeface="Comic Sans MS"/>
+                <a:cs typeface="Comic Sans MS"/>
+              </a:rPr>
+              <a:t>then </a:t>
+            </a:r>
+            <a:r>
+              <a:rPr lang="en-US" sz="5400" dirty="0" smtClean="0">
+                <a:solidFill>
+                  <a:srgbClr val="3333FF"/>
+                </a:solidFill>
+                <a:latin typeface="Comic Sans MS"/>
+                <a:cs typeface="Comic Sans MS"/>
+              </a:rPr>
+              <a:t>R</a:t>
+            </a:r>
+            <a:r>
+              <a:rPr lang="en-US" sz="5400" dirty="0" smtClean="0">
+                <a:latin typeface="Comic Sans MS"/>
+                <a:cs typeface="Comic Sans MS"/>
+              </a:rPr>
+              <a:t> is independent of</a:t>
+            </a:r>
+          </a:p>
+          <a:p>
+            <a:r>
+              <a:rPr lang="en-US" sz="5400" dirty="0" smtClean="0">
+                <a:solidFill>
+                  <a:srgbClr val="FF00FF"/>
+                </a:solidFill>
+                <a:latin typeface="Comic Sans MS"/>
+                <a:cs typeface="Comic Sans MS"/>
+              </a:rPr>
+              <a:t>any information</a:t>
+            </a:r>
+            <a:r>
+              <a:rPr lang="en-US" sz="5400" dirty="0" smtClean="0">
+                <a:latin typeface="Comic Sans MS"/>
+                <a:cs typeface="Comic Sans MS"/>
+              </a:rPr>
+              <a:t> about </a:t>
+            </a:r>
+            <a:r>
+              <a:rPr lang="en-US" sz="5400" dirty="0" smtClean="0">
+                <a:solidFill>
+                  <a:srgbClr val="3333FF"/>
+                </a:solidFill>
+                <a:latin typeface="Comic Sans MS"/>
+                <a:cs typeface="Comic Sans MS"/>
+              </a:rPr>
+              <a:t>S.</a:t>
+            </a:r>
+          </a:p>
+        </p:txBody>
+      </p:sp>
+    </p:spTree>
+    <p:extLst>
+      <p:ext uri="{BB962C8B-B14F-4D97-AF65-F5344CB8AC3E}">
+        <p14:creationId xmlns:p14="http://schemas.microsoft.com/office/powerpoint/2010/main" val="1421773915"/>
+      </p:ext>
+    </p:extLst>
+  </p:cSld>
+  <p:clrMapOvr>
+    <a:masterClrMapping/>
+  </p:clrMapOvr>
+  <mc:AlternateContent xmlns:mc="http://schemas.openxmlformats.org/markup-compatibility/2006">
+    <mc:Choice xmlns:p14="http://schemas.microsoft.com/office/powerpoint/2010/main" Requires="p14">
+      <p:transition spd="slow" p14:dur="1100" advClick="0">
+        <p:fade thruBlk="1"/>
+      </p:transition>
+    </mc:Choice>
+    <mc:Fallback>
+      <p:transition xmlns:p14="http://schemas.microsoft.com/office/powerpoint/2010/main" spd="slow" advClick="0">
+        <p:fade thruBlk="1"/>
+      </p:transition>
+    </mc:Fallback>
+  </mc:AlternateContent>
+  <p:timing>
+    <p:tnLst>
+      <p:par>
+        <p:cTn xmlns:p14="http://schemas.microsoft.com/office/powerpoint/2010/main" id="1" dur="indefinite" restart="never" nodeType="tmRoot">
+          <p:childTnLst>
+            <p:seq concurrent="1" nextAc="seek">
+              <p:cTn id="2" dur="indefinite" nodeType="mainSeq">
+                <p:childTnLst>
+                  <p:par>
+                    <p:cTn id="3" fill="hold">
+                      <p:stCondLst>
+                        <p:cond delay="indefinite"/>
+                      </p:stCondLst>
+                      <p:childTnLst>
+                        <p:par>
+                          <p:cTn id="4" fill="hold">
+                            <p:stCondLst>
+                              <p:cond delay="0"/>
+                            </p:stCondLst>
+                            <p:childTnLst>
+                              <p:par>
+                                <p:cTn id="5" presetID="10" presetClass="entr" presetSubtype="0" fill="hold" grpId="0" nodeType="clickEffect">
+                                  <p:stCondLst>
+                                    <p:cond delay="0"/>
+                                  </p:stCondLst>
+                                  <p:childTnLst>
+                                    <p:set>
+                                      <p:cBhvr>
+                                        <p:cTn id="6" dur="1" fill="hold">
+                                          <p:stCondLst>
+                                            <p:cond delay="0"/>
+                                          </p:stCondLst>
+                                        </p:cTn>
+                                        <p:tgtEl>
+                                          <p:spTgt spid="4">
+                                            <p:txEl>
+                                              <p:pRg st="1" end="1"/>
+                                            </p:txEl>
+                                          </p:spTgt>
+                                        </p:tgtEl>
+                                        <p:attrNameLst>
+                                          <p:attrName>style.visibility</p:attrName>
+                                        </p:attrNameLst>
+                                      </p:cBhvr>
+                                      <p:to>
+                                        <p:strVal val="visible"/>
+                                      </p:to>
+                                    </p:set>
+                                    <p:animEffect transition="in" filter="fade">
+                                      <p:cBhvr>
+                                        <p:cTn id="7" dur="500"/>
+                                        <p:tgtEl>
+                                          <p:spTgt spid="4">
+                                            <p:txEl>
+                                              <p:pRg st="1" end="1"/>
+                                            </p:txEl>
+                                          </p:spTgt>
+                                        </p:tgtEl>
+                                      </p:cBhvr>
+                                    </p:animEffect>
+                                  </p:childTnLst>
+                                </p:cTn>
+                              </p:par>
+                            </p:childTnLst>
+                          </p:cTn>
+                        </p:par>
+                      </p:childTnLst>
+                    </p:cTn>
+                  </p:par>
+                  <p:par>
+                    <p:cTn id="8" fill="hold">
+                      <p:stCondLst>
+                        <p:cond delay="indefinite"/>
+                      </p:stCondLst>
+                      <p:childTnLst>
+                        <p:par>
+                          <p:cTn id="9" fill="hold">
+                            <p:stCondLst>
+                              <p:cond delay="0"/>
+                            </p:stCondLst>
+                            <p:childTnLst>
+                              <p:par>
+                                <p:cTn id="10" presetID="10" presetClass="entr" presetSubtype="0" fill="hold" grpId="0" nodeType="clickEffect">
+                                  <p:stCondLst>
+                                    <p:cond delay="0"/>
+                                  </p:stCondLst>
+                                  <p:childTnLst>
+                                    <p:set>
+                                      <p:cBhvr>
+                                        <p:cTn id="11" dur="1" fill="hold">
+                                          <p:stCondLst>
+                                            <p:cond delay="0"/>
+                                          </p:stCondLst>
+                                        </p:cTn>
+                                        <p:tgtEl>
+                                          <p:spTgt spid="4">
+                                            <p:txEl>
+                                              <p:pRg st="2" end="2"/>
+                                            </p:txEl>
+                                          </p:spTgt>
+                                        </p:tgtEl>
+                                        <p:attrNameLst>
+                                          <p:attrName>style.visibility</p:attrName>
+                                        </p:attrNameLst>
+                                      </p:cBhvr>
+                                      <p:to>
+                                        <p:strVal val="visible"/>
+                                      </p:to>
+                                    </p:set>
+                                    <p:animEffect transition="in" filter="fade">
+                                      <p:cBhvr>
+                                        <p:cTn id="12" dur="500"/>
+                                        <p:tgtEl>
+                                          <p:spTgt spid="4">
+                                            <p:txEl>
+                                              <p:pRg st="2" end="2"/>
+                                            </p:txEl>
+                                          </p:spTgt>
+                                        </p:tgtEl>
+                                      </p:cBhvr>
+                                    </p:animEffect>
+                                  </p:childTnLst>
+                                </p:cTn>
+                              </p:par>
+                              <p:par>
+                                <p:cTn id="13" presetID="10" presetClass="entr" presetSubtype="0" fill="hold" grpId="0" nodeType="withEffect">
+                                  <p:stCondLst>
+                                    <p:cond delay="0"/>
+                                  </p:stCondLst>
+                                  <p:childTnLst>
+                                    <p:set>
+                                      <p:cBhvr>
+                                        <p:cTn id="14" dur="1" fill="hold">
+                                          <p:stCondLst>
+                                            <p:cond delay="0"/>
+                                          </p:stCondLst>
+                                        </p:cTn>
+                                        <p:tgtEl>
+                                          <p:spTgt spid="4">
+                                            <p:txEl>
+                                              <p:pRg st="3" end="3"/>
+                                            </p:txEl>
+                                          </p:spTgt>
+                                        </p:tgtEl>
+                                        <p:attrNameLst>
+                                          <p:attrName>style.visibility</p:attrName>
+                                        </p:attrNameLst>
+                                      </p:cBhvr>
+                                      <p:to>
+                                        <p:strVal val="visible"/>
+                                      </p:to>
+                                    </p:set>
+                                    <p:animEffect transition="in" filter="fade">
+                                      <p:cBhvr>
+                                        <p:cTn id="15" dur="500"/>
+                                        <p:tgtEl>
+                                          <p:spTgt spid="4">
+                                            <p:txEl>
+                                              <p:pRg st="3" end="3"/>
+                                            </p:txEl>
+                                          </p:spTgt>
+                                        </p:tgtEl>
+                                      </p:cBhvr>
+                                    </p:animEffect>
+                                  </p:childTnLst>
+                                </p:cTn>
+                              </p:par>
+                            </p:childTnLst>
+                          </p:cTn>
+                        </p:par>
+                      </p:childTnLst>
+                    </p:cTn>
+                  </p:par>
+                </p:childTnLst>
+              </p:cTn>
+              <p:prevCondLst>
+                <p:cond evt="onPrev" delay="0">
+                  <p:tgtEl>
+                    <p:sldTgt/>
+                  </p:tgtEl>
+                </p:cond>
+              </p:prevCondLst>
+              <p:nextCondLst>
+                <p:cond evt="onNext" delay="0">
+                  <p:tgtEl>
+                    <p:sldTgt/>
+                  </p:tgtEl>
+                </p:cond>
+              </p:nextCondLst>
+            </p:seq>
+          </p:childTnLst>
+        </p:cTn>
+      </p:par>
+    </p:tnLst>
+    <p:bldLst>
+      <p:bldP spid="4" grpId="0" build="p"/>
+    </p:bldLst>
+  </p:timing>
+</p:sld>
+</file>
+
+<file path=ppt/slides/slide13.xml><?xml version="1.0" encoding="utf-8"?>
+<p:sld xmlns:a="http://schemas.openxmlformats.org/drawingml/2006/main" xmlns:r="http://schemas.openxmlformats.org/officeDocument/2006/relationships" xmlns:p="http://schemas.openxmlformats.org/presentationml/2006/main">
+  <p:cSld>
+    <p:spTree>
+      <p:nvGrpSpPr>
+        <p:cNvPr id="1" name=""/>
+        <p:cNvGrpSpPr/>
+        <p:nvPr/>
+      </p:nvGrpSpPr>
+      <p:grpSpPr>
+        <a:xfrm>
+          <a:off x="0" y="0"/>
+          <a:ext cx="0" cy="0"/>
+          <a:chOff x="0" y="0"/>
+          <a:chExt cx="0" cy="0"/>
+        </a:xfrm>
+      </p:grpSpPr>
+      <p:sp>
+        <p:nvSpPr>
+          <p:cNvPr id="2" name="Slide Number Placeholder 1"/>
+          <p:cNvSpPr>
+            <a:spLocks noGrp="1"/>
+          </p:cNvSpPr>
+          <p:nvPr>
+            <p:ph type="sldNum" sz="quarter" idx="11"/>
+          </p:nvPr>
+        </p:nvSpPr>
+        <p:spPr/>
+        <p:txBody>
+          <a:bodyPr/>
+          <a:lstStyle/>
+          <a:p>
+            <a:pPr>
+              <a:defRPr/>
+            </a:pPr>
+            <a:r>
+              <a:rPr lang="en-US" smtClean="0"/>
+              <a:t>ranvarindep.</a:t>
+            </a:r>
+            <a:fld id="{4E62291C-8AD8-4AE0-8F6D-A8437E91FB33}" type="slidenum">
+              <a:rPr lang="en-US" smtClean="0"/>
+              <a:pPr>
+                <a:defRPr/>
+              </a:pPr>
+              <a:t>13</a:t>
+            </a:fld>
+            <a:endParaRPr lang="en-US" dirty="0"/>
+          </a:p>
+        </p:txBody>
+      </p:sp>
+      <p:sp>
+        <p:nvSpPr>
+          <p:cNvPr id="3" name="Rectangle 2"/>
+          <p:cNvSpPr txBox="1">
+            <a:spLocks noChangeArrowheads="1"/>
+          </p:cNvSpPr>
+          <p:nvPr/>
+        </p:nvSpPr>
+        <p:spPr bwMode="auto">
+          <a:xfrm>
+            <a:off x="1143000" y="58738"/>
+            <a:ext cx="7543800" cy="1143000"/>
+          </a:xfrm>
+          <a:prstGeom prst="rect">
+            <a:avLst/>
+          </a:prstGeom>
+          <a:noFill/>
+          <a:ln w="9525">
+            <a:noFill/>
+            <a:miter lim="800000"/>
+            <a:headEnd/>
+            <a:tailEnd/>
+          </a:ln>
+        </p:spPr>
+        <p:txBody>
+          <a:bodyPr vert="horz" wrap="square" lIns="91440" tIns="45720" rIns="91440" bIns="45720" numCol="1" anchor="ctr" anchorCtr="0" compatLnSpc="1">
+            <a:prstTxWarp prst="textNoShape">
+              <a:avLst/>
+            </a:prstTxWarp>
+          </a:bodyPr>
+          <a:lstStyle/>
+          <a:p>
+            <a:pPr marL="0" marR="0" lvl="0" indent="0" algn="ctr" defTabSz="914400" rtl="0" eaLnBrk="1" fontAlgn="base" latinLnBrk="0" hangingPunct="1">
+              <a:lnSpc>
+                <a:spcPct val="100000"/>
+              </a:lnSpc>
+              <a:spcBef>
+                <a:spcPct val="0"/>
+              </a:spcBef>
+              <a:spcAft>
+                <a:spcPct val="0"/>
+              </a:spcAft>
+              <a:buClrTx/>
+              <a:buSzTx/>
+              <a:buFontTx/>
+              <a:buNone/>
+              <a:tabLst/>
+              <a:defRPr/>
+            </a:pPr>
+            <a:r>
+              <a:rPr kumimoji="0" lang="en-US" sz="4000" b="1" i="0" u="none" strike="noStrike" kern="0" cap="none" spc="0" normalizeH="0" baseline="0" noProof="0" smtClean="0">
+                <a:ln>
+                  <a:noFill/>
+                </a:ln>
+                <a:solidFill>
+                  <a:schemeClr val="tx2"/>
+                </a:solidFill>
+                <a:effectLst/>
+                <a:uLnTx/>
+                <a:uFillTx/>
+                <a:latin typeface="+mj-lt"/>
+                <a:ea typeface="+mj-ea"/>
+                <a:cs typeface="+mj-cs"/>
+              </a:rPr>
+              <a:t>Independent Variables</a:t>
+            </a:r>
+            <a:endParaRPr kumimoji="0" lang="en-US" sz="4000" b="1" i="0" u="none" strike="noStrike" kern="0" cap="none" spc="0" normalizeH="0" baseline="0" noProof="0" dirty="0" smtClean="0">
+              <a:ln>
+                <a:noFill/>
+              </a:ln>
+              <a:solidFill>
+                <a:schemeClr val="tx2"/>
+              </a:solidFill>
+              <a:effectLst/>
+              <a:uLnTx/>
+              <a:uFillTx/>
+              <a:latin typeface="+mj-lt"/>
+              <a:ea typeface="+mj-ea"/>
+              <a:cs typeface="+mj-cs"/>
+            </a:endParaRPr>
+          </a:p>
+        </p:txBody>
+      </p:sp>
+      <p:sp>
+        <p:nvSpPr>
+          <p:cNvPr id="4" name="TextBox 3"/>
+          <p:cNvSpPr txBox="1"/>
+          <p:nvPr/>
+        </p:nvSpPr>
+        <p:spPr>
+          <a:xfrm>
+            <a:off x="467734" y="1714500"/>
+            <a:ext cx="8233932" cy="3416320"/>
+          </a:xfrm>
+          <a:prstGeom prst="rect">
+            <a:avLst/>
+          </a:prstGeom>
+          <a:noFill/>
+        </p:spPr>
+        <p:txBody>
+          <a:bodyPr wrap="none" rtlCol="0">
+            <a:spAutoFit/>
+          </a:bodyPr>
+          <a:lstStyle/>
+          <a:p>
+            <a:pPr lvl="0"/>
+            <a:r>
+              <a:rPr lang="en-US" sz="4400" dirty="0">
+                <a:solidFill>
+                  <a:srgbClr val="9B2894"/>
+                </a:solidFill>
+                <a:latin typeface="Comic Sans MS"/>
+                <a:cs typeface="Comic Sans MS"/>
+              </a:rPr>
+              <a:t>Lemma</a:t>
+            </a:r>
+            <a:r>
+              <a:rPr lang="en-US" sz="4400" dirty="0" smtClean="0">
+                <a:solidFill>
+                  <a:srgbClr val="9B2894"/>
+                </a:solidFill>
+                <a:latin typeface="Comic Sans MS"/>
+                <a:cs typeface="Comic Sans MS"/>
+              </a:rPr>
+              <a:t>:</a:t>
+            </a:r>
+            <a:endParaRPr lang="en-US" sz="5400" dirty="0" smtClean="0">
+              <a:latin typeface="Comic Sans MS"/>
+              <a:cs typeface="Comic Sans MS"/>
+            </a:endParaRPr>
+          </a:p>
+          <a:p>
+            <a:r>
+              <a:rPr lang="en-US" sz="5400" dirty="0" smtClean="0">
+                <a:latin typeface="Comic Sans MS"/>
+                <a:cs typeface="Comic Sans MS"/>
+              </a:rPr>
+              <a:t>If </a:t>
+            </a:r>
+            <a:r>
+              <a:rPr lang="en-US" sz="5400" dirty="0" smtClean="0">
+                <a:solidFill>
+                  <a:srgbClr val="0000FF"/>
+                </a:solidFill>
+                <a:latin typeface="Comic Sans MS"/>
+                <a:cs typeface="Comic Sans MS"/>
+              </a:rPr>
+              <a:t>R</a:t>
+            </a:r>
+            <a:r>
+              <a:rPr lang="en-US" sz="5400" dirty="0" smtClean="0">
+                <a:latin typeface="Comic Sans MS"/>
+                <a:cs typeface="Comic Sans MS"/>
+              </a:rPr>
+              <a:t> is independent of </a:t>
+            </a:r>
+            <a:r>
+              <a:rPr lang="en-US" sz="5400" dirty="0" smtClean="0">
+                <a:solidFill>
+                  <a:srgbClr val="0000FF"/>
+                </a:solidFill>
+                <a:latin typeface="Comic Sans MS"/>
+                <a:cs typeface="Comic Sans MS"/>
+              </a:rPr>
+              <a:t>S</a:t>
+            </a:r>
+            <a:r>
+              <a:rPr lang="en-US" sz="5400" dirty="0" smtClean="0">
+                <a:latin typeface="Comic Sans MS"/>
+                <a:cs typeface="Comic Sans MS"/>
+              </a:rPr>
+              <a:t>,</a:t>
+            </a:r>
+          </a:p>
+          <a:p>
+            <a:r>
+              <a:rPr lang="en-US" sz="5400" dirty="0" smtClean="0">
+                <a:latin typeface="Comic Sans MS"/>
+                <a:cs typeface="Comic Sans MS"/>
+              </a:rPr>
+              <a:t>and                  , then</a:t>
+            </a:r>
+          </a:p>
+          <a:p>
+            <a:r>
+              <a:rPr lang="en-US" sz="5400" dirty="0">
+                <a:solidFill>
+                  <a:srgbClr val="0000FF"/>
+                </a:solidFill>
+                <a:latin typeface="Comic Sans MS"/>
+                <a:cs typeface="Comic Sans MS"/>
+              </a:rPr>
+              <a:t>R</a:t>
+            </a:r>
+            <a:r>
+              <a:rPr lang="en-US" sz="5400" dirty="0">
+                <a:latin typeface="Comic Sans MS"/>
+                <a:cs typeface="Comic Sans MS"/>
+              </a:rPr>
+              <a:t> is independent of </a:t>
+            </a:r>
+            <a:r>
+              <a:rPr lang="en-US" sz="5400" dirty="0" smtClean="0">
+                <a:solidFill>
+                  <a:srgbClr val="3333FF"/>
+                </a:solidFill>
+                <a:latin typeface="Comic Sans MS"/>
+                <a:cs typeface="Comic Sans MS"/>
+              </a:rPr>
+              <a:t>f(</a:t>
+            </a:r>
+            <a:r>
+              <a:rPr lang="en-US" sz="5400" dirty="0" smtClean="0">
+                <a:solidFill>
+                  <a:srgbClr val="0000FF"/>
+                </a:solidFill>
+                <a:latin typeface="Comic Sans MS"/>
+                <a:cs typeface="Comic Sans MS"/>
+              </a:rPr>
+              <a:t>S)</a:t>
+            </a:r>
+            <a:endParaRPr lang="en-US" sz="5400" dirty="0" smtClean="0">
+              <a:solidFill>
+                <a:srgbClr val="3333FF"/>
+              </a:solidFill>
+              <a:latin typeface="Comic Sans MS"/>
+              <a:cs typeface="Comic Sans MS"/>
+            </a:endParaRPr>
+          </a:p>
+        </p:txBody>
+      </p:sp>
+      <p:graphicFrame>
+        <p:nvGraphicFramePr>
+          <p:cNvPr id="5" name="Object 4"/>
+          <p:cNvGraphicFramePr>
+            <a:graphicFrameLocks noChangeAspect="1"/>
+          </p:cNvGraphicFramePr>
+          <p:nvPr>
+            <p:extLst>
+              <p:ext uri="{D42A27DB-BD31-4B8C-83A1-F6EECF244321}">
+                <p14:modId xmlns:p14="http://schemas.microsoft.com/office/powerpoint/2010/main" val="1855986619"/>
+              </p:ext>
+            </p:extLst>
+          </p:nvPr>
+        </p:nvGraphicFramePr>
+        <p:xfrm>
+          <a:off x="1828799" y="3238500"/>
+          <a:ext cx="3544993" cy="1003300"/>
+        </p:xfrm>
+        <a:graphic>
+          <a:graphicData uri="http://schemas.openxmlformats.org/presentationml/2006/ole">
+            <mc:AlternateContent xmlns:mc="http://schemas.openxmlformats.org/markup-compatibility/2006">
+              <mc:Choice xmlns:v="urn:schemas-microsoft-com:vml" Requires="v">
+                <p:oleObj spid="_x0000_s1028" name="Equation" r:id="rId3" imgW="673100" imgH="190500" progId="Equation.DSMT4">
+                  <p:embed/>
+                </p:oleObj>
+              </mc:Choice>
+              <mc:Fallback>
+                <p:oleObj name="Equation" r:id="rId3" imgW="673100" imgH="190500" progId="Equation.DSMT4">
+                  <p:embed/>
+                  <p:pic>
+                    <p:nvPicPr>
+                      <p:cNvPr id="0" name=""/>
+                      <p:cNvPicPr/>
+                      <p:nvPr/>
+                    </p:nvPicPr>
+                    <p:blipFill>
+                      <a:blip r:embed="rId4"/>
+                      <a:stretch>
+                        <a:fillRect/>
+                      </a:stretch>
+                    </p:blipFill>
+                    <p:spPr>
+                      <a:xfrm>
+                        <a:off x="1828799" y="3238500"/>
+                        <a:ext cx="3544993" cy="1003300"/>
+                      </a:xfrm>
+                      <a:prstGeom prst="rect">
+                        <a:avLst/>
+                      </a:prstGeom>
+                    </p:spPr>
+                  </p:pic>
+                </p:oleObj>
+              </mc:Fallback>
+            </mc:AlternateContent>
+          </a:graphicData>
+        </a:graphic>
+      </p:graphicFrame>
+    </p:spTree>
+    <p:extLst>
+      <p:ext uri="{BB962C8B-B14F-4D97-AF65-F5344CB8AC3E}">
+        <p14:creationId xmlns:p14="http://schemas.microsoft.com/office/powerpoint/2010/main" val="2270588882"/>
+      </p:ext>
+    </p:extLst>
+  </p:cSld>
+  <p:clrMapOvr>
+    <a:masterClrMapping/>
+  </p:clrMapOvr>
+  <mc:AlternateContent xmlns:mc="http://schemas.openxmlformats.org/markup-compatibility/2006">
+    <mc:Choice xmlns:p14="http://schemas.microsoft.com/office/powerpoint/2010/main" Requires="p14">
+      <p:transition spd="med" p14:dur="600" advClick="0">
+        <p:fade/>
+      </p:transition>
+    </mc:Choice>
+    <mc:Fallback>
+      <p:transition xmlns:p14="http://schemas.microsoft.com/office/powerpoint/2010/main" spd="med" advClick="0">
+        <p:fade/>
+      </p:transition>
+    </mc:Fallback>
+  </mc:AlternateContent>
+  <p:timing>
+    <p:tnLst>
+      <p:par>
+        <p:cTn xmlns:p14="http://schemas.microsoft.com/office/powerpoint/2010/main" id="1" dur="indefinite" restart="never" nodeType="tmRoot">
+          <p:childTnLst>
+            <p:seq concurrent="1" nextAc="seek">
+              <p:cTn id="2" dur="indefinite" nodeType="mainSeq">
+                <p:childTnLst>
+                  <p:par>
+                    <p:cTn id="3" fill="hold">
+                      <p:stCondLst>
+                        <p:cond delay="indefinite"/>
+                      </p:stCondLst>
+                      <p:childTnLst>
+                        <p:par>
+                          <p:cTn id="4" fill="hold">
+                            <p:stCondLst>
+                              <p:cond delay="0"/>
+                            </p:stCondLst>
+                            <p:childTnLst>
+                              <p:par>
+                                <p:cTn id="5" presetID="10" presetClass="entr" presetSubtype="0" fill="hold" nodeType="clickEffect">
+                                  <p:stCondLst>
+                                    <p:cond delay="0"/>
+                                  </p:stCondLst>
+                                  <p:childTnLst>
+                                    <p:set>
+                                      <p:cBhvr>
+                                        <p:cTn id="6" dur="1" fill="hold">
+                                          <p:stCondLst>
+                                            <p:cond delay="0"/>
+                                          </p:stCondLst>
+                                        </p:cTn>
+                                        <p:tgtEl>
+                                          <p:spTgt spid="4">
+                                            <p:txEl>
+                                              <p:pRg st="3" end="3"/>
+                                            </p:txEl>
+                                          </p:spTgt>
+                                        </p:tgtEl>
+                                        <p:attrNameLst>
+                                          <p:attrName>style.visibility</p:attrName>
+                                        </p:attrNameLst>
+                                      </p:cBhvr>
+                                      <p:to>
+                                        <p:strVal val="visible"/>
+                                      </p:to>
+                                    </p:set>
+                                    <p:animEffect transition="in" filter="fade">
+                                      <p:cBhvr>
+                                        <p:cTn id="7" dur="500"/>
+                                        <p:tgtEl>
+                                          <p:spTgt spid="4">
+                                            <p:txEl>
+                                              <p:pRg st="3" end="3"/>
+                                            </p:txEl>
+                                          </p:spTgt>
+                                        </p:tgtEl>
+                                      </p:cBhvr>
+                                    </p:animEffect>
+                                  </p:childTnLst>
+                                </p:cTn>
+                              </p:par>
+                            </p:childTnLst>
+                          </p:cTn>
+                        </p:par>
+                      </p:childTnLst>
+                    </p:cTn>
+                  </p:par>
+                </p:childTnLst>
+              </p:cTn>
+              <p:prevCondLst>
+                <p:cond evt="onPrev" delay="0">
+                  <p:tgtEl>
+                    <p:sldTgt/>
+                  </p:tgtEl>
+                </p:cond>
+              </p:prevCondLst>
+              <p:nextCondLst>
+                <p:cond evt="onNext" delay="0">
+                  <p:tgtEl>
+                    <p:sldTgt/>
+                  </p:tgtEl>
+                </p:cond>
+              </p:nextCondLst>
+            </p:seq>
+          </p:childTnLst>
+        </p:cTn>
+      </p:par>
+    </p:tnLst>
+  </p:timing>
+</p:sld>
+</file>
+
 <file path=ppt/slides/slide2.xml><?xml version="1.0" encoding="utf-8"?>
 <p:sld xmlns:a="http://schemas.openxmlformats.org/drawingml/2006/main" xmlns:r="http://schemas.openxmlformats.org/officeDocument/2006/relationships" xmlns:p="http://schemas.openxmlformats.org/presentationml/2006/main">
   <p:cSld>
@@ -4018,7 +5716,7 @@
   <p:clrMapOvr>
     <a:masterClrMapping/>
   </p:clrMapOvr>
-  <p:transition xmlns:p14="http://schemas.microsoft.com/office/powerpoint/2010/main" spd="slow">
+  <p:transition xmlns:p14="http://schemas.microsoft.com/office/powerpoint/2010/main" spd="slow" advClick="0">
     <p:fade thruBlk="1"/>
   </p:transition>
   <p:timing>
@@ -4450,7 +6148,7 @@
   <p:clrMapOvr>
     <a:masterClrMapping/>
   </p:clrMapOvr>
-  <p:transition xmlns:p14="http://schemas.microsoft.com/office/powerpoint/2010/main" spd="med">
+  <p:transition xmlns:p14="http://schemas.microsoft.com/office/powerpoint/2010/main" spd="slow" advClick="0">
     <p:fade/>
   </p:transition>
   <p:timing>
@@ -4737,14 +6435,22 @@
           <a:p>
             <a:pPr eaLnBrk="1" hangingPunct="1"/>
             <a:r>
-              <a:rPr lang="en-US" smtClean="0"/>
-              <a:t>Example: Flip three fair coins</a:t>
+              <a:rPr lang="en-US" sz="3600" dirty="0" smtClean="0">
+                <a:solidFill>
+                  <a:srgbClr val="9B2894"/>
+                </a:solidFill>
+              </a:rPr>
+              <a:t>Example:</a:t>
+            </a:r>
+            <a:r>
+              <a:rPr lang="en-US" dirty="0" smtClean="0"/>
+              <a:t> Flip three fair coins</a:t>
             </a:r>
           </a:p>
           <a:p>
             <a:pPr algn="ctr" eaLnBrk="1" hangingPunct="1"/>
             <a:r>
-              <a:rPr lang="en-US" sz="6000" smtClean="0">
+              <a:rPr lang="en-US" sz="6000" dirty="0" smtClean="0">
                 <a:solidFill>
                   <a:srgbClr val="3333FF"/>
                 </a:solidFill>
@@ -4752,7 +6458,7 @@
               <a:t>C</a:t>
             </a:r>
             <a:r>
-              <a:rPr lang="en-US" sz="6000" i="1" smtClean="0">
+              <a:rPr lang="en-US" sz="6000" i="1" dirty="0" smtClean="0">
                 <a:solidFill>
                   <a:schemeClr val="accent2"/>
                 </a:solidFill>
@@ -4760,19 +6466,19 @@
               <a:t> </a:t>
             </a:r>
             <a:r>
-              <a:rPr lang="en-US" sz="6000" smtClean="0"/>
+              <a:rPr lang="en-US" sz="6000" dirty="0" smtClean="0"/>
               <a:t>::=</a:t>
             </a:r>
             <a:r>
-              <a:rPr lang="en-US" sz="6000" i="1" smtClean="0"/>
+              <a:rPr lang="en-US" sz="6000" i="1" dirty="0" smtClean="0"/>
               <a:t> </a:t>
             </a:r>
             <a:r>
-              <a:rPr lang="en-US" sz="6000" smtClean="0"/>
+              <a:rPr lang="en-US" sz="6000" dirty="0" smtClean="0"/>
               <a:t># heads (</a:t>
             </a:r>
             <a:r>
-              <a:rPr lang="en-US" sz="6000" b="1" smtClean="0">
+              <a:rPr lang="en-US" sz="6000" b="1" dirty="0" smtClean="0">
                 <a:solidFill>
                   <a:srgbClr val="3333FF"/>
                 </a:solidFill>
@@ -4780,7 +6486,7 @@
               <a:t>C</a:t>
             </a:r>
             <a:r>
-              <a:rPr lang="en-US" sz="6000" smtClean="0"/>
+              <a:rPr lang="en-US" sz="6000" dirty="0" smtClean="0"/>
               <a:t>ount)</a:t>
             </a:r>
           </a:p>
@@ -4802,7 +6508,7 @@
           <a:graphicData uri="http://schemas.openxmlformats.org/presentationml/2006/ole">
             <mc:AlternateContent xmlns:mc="http://schemas.openxmlformats.org/markup-compatibility/2006">
               <mc:Choice xmlns:v="urn:schemas-microsoft-com:vml" Requires="v">
-                <p:oleObj spid="_x0000_s6182" name="Equation" r:id="rId4" imgW="1638000" imgH="507960" progId="Equation.DSMT4">
+                <p:oleObj spid="_x0000_s6189" name="Equation" r:id="rId4" imgW="1638000" imgH="507960" progId="Equation.DSMT4">
                   <p:embed/>
                 </p:oleObj>
               </mc:Choice>
@@ -4861,7 +6567,7 @@
   <p:clrMapOvr>
     <a:masterClrMapping/>
   </p:clrMapOvr>
-  <p:transition xmlns:p14="http://schemas.microsoft.com/office/powerpoint/2010/main" spd="slow">
+  <p:transition xmlns:p14="http://schemas.microsoft.com/office/powerpoint/2010/main" spd="slow" advClick="0">
     <p:fade thruBlk="1"/>
   </p:transition>
   <p:timing>
@@ -4885,7 +6591,7 @@
                             </p:stCondLst>
                             <p:childTnLst>
                               <p:par>
-                                <p:cTn id="5" presetID="1" presetClass="entr" presetSubtype="0" fill="hold" nodeType="clickEffect">
+                                <p:cTn id="5" presetID="22" presetClass="entr" presetSubtype="8" fill="hold" nodeType="clickEffect">
                                   <p:stCondLst>
                                     <p:cond delay="0"/>
                                   </p:stCondLst>
@@ -4912,6 +6618,18 @@
                                         <p:strVal val="visible"/>
                                       </p:to>
                                     </p:set>
+                                    <p:animEffect transition="in" filter="wipe(left)">
+                                      <p:cBhvr>
+                                        <p:cTn id="7" dur="1000"/>
+                                        <p:tgtEl>
+                                          <p:spTgt spid="142339">
+                                            <p:txEl>
+                                              <p:pRg st="1" end="1"/>
+                                            </p:txEl>
+                                          </p:spTgt>
+                                        </p:tgtEl>
+                                      </p:cBhvr>
+                                    </p:animEffect>
                                   </p:childTnLst>
                                 </p:cTn>
                               </p:par>
@@ -4922,26 +6640,26 @@
                     </p:cTn>
                   </p:par>
                   <p:par>
-                    <p:cTn id="7" fill="hold">
+                    <p:cTn id="8" fill="hold">
                       <p:stCondLst>
                         <p:cond delay="indefinite"/>
                       </p:stCondLst>
                       <p:childTnLst>
                         <p:par>
-                          <p:cTn id="8" fill="hold">
+                          <p:cTn id="9" fill="hold">
                             <p:stCondLst>
                               <p:cond delay="0"/>
                             </p:stCondLst>
                             <p:childTnLst>
                               <p:par>
-                                <p:cTn id="9" presetID="1" presetClass="entr" presetSubtype="0" fill="hold" nodeType="clickEffect">
+                                <p:cTn id="10" presetID="22" presetClass="entr" presetSubtype="8" fill="hold" nodeType="clickEffect">
                                   <p:stCondLst>
                                     <p:cond delay="0"/>
                                   </p:stCondLst>
                                   <p:childTnLst>
                                     <p:set>
                                       <p:cBhvr>
-                                        <p:cTn id="10" dur="1" fill="hold">
+                                        <p:cTn id="11" dur="1" fill="hold">
                                           <p:stCondLst>
                                             <p:cond delay="0"/>
                                           </p:stCondLst>
@@ -4957,6 +6675,14 @@
                                         <p:strVal val="visible"/>
                                       </p:to>
                                     </p:set>
+                                    <p:animEffect transition="in" filter="wipe(left)">
+                                      <p:cBhvr>
+                                        <p:cTn id="12" dur="1000"/>
+                                        <p:tgtEl>
+                                          <p:spTgt spid="142340"/>
+                                        </p:tgtEl>
+                                      </p:cBhvr>
+                                    </p:animEffect>
                                   </p:childTnLst>
                                 </p:cTn>
                               </p:par>
@@ -5190,19 +6916,7 @@
               <a:rPr lang="en-US" sz="4000" dirty="0" smtClean="0">
                 <a:cs typeface="Times New Roman" pitchFamily="18" charset="0"/>
               </a:rPr>
-              <a:t> </a:t>
-            </a:r>
-            <a:r>
-              <a:rPr lang="en-US" sz="4000" dirty="0" smtClean="0">
-                <a:cs typeface="Times New Roman" pitchFamily="18" charset="0"/>
-              </a:rPr>
-              <a:t>1] </a:t>
-            </a:r>
-            <a:r>
-              <a:rPr lang="en-US" sz="4000" dirty="0" smtClean="0">
-                <a:cs typeface="Times New Roman" pitchFamily="18" charset="0"/>
-              </a:rPr>
-              <a:t>= 7/8</a:t>
+              <a:t> 1] = 7/8</a:t>
             </a:r>
           </a:p>
           <a:p>
@@ -5262,19 +6976,7 @@
               <a:rPr lang="en-US" sz="4000" dirty="0" smtClean="0">
                 <a:cs typeface="Times New Roman" pitchFamily="18" charset="0"/>
               </a:rPr>
-              <a:t> </a:t>
-            </a:r>
-            <a:r>
-              <a:rPr lang="en-US" sz="4000" dirty="0" smtClean="0">
-                <a:cs typeface="Times New Roman" pitchFamily="18" charset="0"/>
-              </a:rPr>
-              <a:t>0] </a:t>
-            </a:r>
-            <a:r>
-              <a:rPr lang="en-US" sz="4000" dirty="0" smtClean="0">
-                <a:cs typeface="Times New Roman" pitchFamily="18" charset="0"/>
-              </a:rPr>
-              <a:t>= </a:t>
+              <a:t> 0] = </a:t>
             </a:r>
             <a:r>
               <a:rPr lang="en-US" sz="4000" dirty="0" err="1" smtClean="0">
@@ -5347,9 +7049,6 @@
               </a:rPr>
               <a:t>0]</a:t>
             </a:r>
-            <a:endParaRPr lang="en-US" sz="4000" dirty="0" smtClean="0">
-              <a:cs typeface="Times New Roman" pitchFamily="18" charset="0"/>
-            </a:endParaRPr>
           </a:p>
           <a:p>
             <a:pPr lvl="1" eaLnBrk="1" hangingPunct="1"/>
@@ -5369,13 +7068,7 @@
               <a:rPr lang="en-US" sz="4000" dirty="0" smtClean="0">
                 <a:cs typeface="Times New Roman" pitchFamily="18" charset="0"/>
               </a:rPr>
-              <a:t>[all heads] </a:t>
-            </a:r>
-            <a:r>
-              <a:rPr lang="en-US" sz="4000" dirty="0" smtClean="0">
-                <a:cs typeface="Times New Roman" pitchFamily="18" charset="0"/>
-              </a:rPr>
-              <a:t>= 1/8</a:t>
+              <a:t>[all heads] = 1/8</a:t>
             </a:r>
           </a:p>
         </p:txBody>
@@ -5385,7 +7078,7 @@
   <p:clrMapOvr>
     <a:masterClrMapping/>
   </p:clrMapOvr>
-  <p:transition xmlns:p14="http://schemas.microsoft.com/office/powerpoint/2010/main" spd="slow">
+  <p:transition xmlns:p14="http://schemas.microsoft.com/office/powerpoint/2010/main" spd="slow" advClick="0">
     <p:fade/>
   </p:transition>
   <p:timing>
@@ -6138,9 +7831,18 @@
   <p:clrMapOvr>
     <a:masterClrMapping/>
   </p:clrMapOvr>
-  <p:transition xmlns:p14="http://schemas.microsoft.com/office/powerpoint/2010/main">
-    <p:fade/>
-  </p:transition>
+  <mc:AlternateContent xmlns:mc="http://schemas.openxmlformats.org/markup-compatibility/2006">
+    <mc:Choice xmlns:p14="http://schemas.microsoft.com/office/powerpoint/2010/main" Requires="p14">
+      <p:transition spd="slow" p14:dur="1200" advClick="0">
+        <p:fade thruBlk="1"/>
+      </p:transition>
+    </mc:Choice>
+    <mc:Fallback>
+      <p:transition xmlns:p14="http://schemas.microsoft.com/office/powerpoint/2010/main" spd="slow" advClick="0">
+        <p:fade thruBlk="1"/>
+      </p:transition>
+    </mc:Fallback>
+  </mc:AlternateContent>
   <p:timing>
     <p:tnLst>
       <p:par>
@@ -6654,9 +8356,18 @@
   <p:clrMapOvr>
     <a:masterClrMapping/>
   </p:clrMapOvr>
-  <p:transition xmlns:p14="http://schemas.microsoft.com/office/powerpoint/2010/main" spd="slow">
-    <p:fade thruBlk="1"/>
-  </p:transition>
+  <mc:AlternateContent xmlns:mc="http://schemas.openxmlformats.org/markup-compatibility/2006">
+    <mc:Choice xmlns:p14="http://schemas.microsoft.com/office/powerpoint/2010/main" Requires="p14">
+      <p:transition spd="slow" p14:dur="900" advClick="0">
+        <p:fade thruBlk="1"/>
+      </p:transition>
+    </mc:Choice>
+    <mc:Fallback>
+      <p:transition xmlns:p14="http://schemas.microsoft.com/office/powerpoint/2010/main" spd="slow" advClick="0">
+        <p:fade thruBlk="1"/>
+      </p:transition>
+    </mc:Fallback>
+  </mc:AlternateContent>
   <p:timing>
     <p:tnLst>
       <p:par>
@@ -6693,7 +8404,7 @@
                                         <p:tgtEl>
                                           <p:spTgt spid="2">
                                             <p:txEl>
-                                              <p:pRg st="0" end="0"/>
+                                              <p:pRg st="2" end="2"/>
                                             </p:txEl>
                                           </p:spTgt>
                                         </p:tgtEl>
@@ -6711,7 +8422,7 @@
                                         <p:tgtEl>
                                           <p:spTgt spid="2">
                                             <p:txEl>
-                                              <p:pRg st="0" end="0"/>
+                                              <p:pRg st="2" end="2"/>
                                             </p:txEl>
                                           </p:spTgt>
                                         </p:tgtEl>
@@ -6736,7 +8447,7 @@
                                         <p:tgtEl>
                                           <p:spTgt spid="2">
                                             <p:txEl>
-                                              <p:pRg st="1" end="1"/>
+                                              <p:pRg st="3" end="3"/>
                                             </p:txEl>
                                           </p:spTgt>
                                         </p:tgtEl>
@@ -6754,110 +8465,6 @@
                                         <p:tgtEl>
                                           <p:spTgt spid="2">
                                             <p:txEl>
-                                              <p:pRg st="1" end="1"/>
-                                            </p:txEl>
-                                          </p:spTgt>
-                                        </p:tgtEl>
-                                      </p:cBhvr>
-                                    </p:animEffect>
-                                  </p:childTnLst>
-                                </p:cTn>
-                              </p:par>
-                            </p:childTnLst>
-                          </p:cTn>
-                        </p:par>
-                      </p:childTnLst>
-                    </p:cTn>
-                  </p:par>
-                  <p:par>
-                    <p:cTn id="11" fill="hold">
-                      <p:stCondLst>
-                        <p:cond delay="indefinite"/>
-                      </p:stCondLst>
-                      <p:childTnLst>
-                        <p:par>
-                          <p:cTn id="12" fill="hold">
-                            <p:stCondLst>
-                              <p:cond delay="0"/>
-                            </p:stCondLst>
-                            <p:childTnLst>
-                              <p:par>
-                                <p:cTn id="13" presetID="9" presetClass="entr" presetSubtype="0" fill="hold" nodeType="clickEffect">
-                                  <p:stCondLst>
-                                    <p:cond delay="0"/>
-                                  </p:stCondLst>
-                                  <p:childTnLst>
-                                    <p:set>
-                                      <p:cBhvr>
-                                        <p:cTn id="14" dur="1" fill="hold">
-                                          <p:stCondLst>
-                                            <p:cond delay="0"/>
-                                          </p:stCondLst>
-                                        </p:cTn>
-                                        <p:tgtEl>
-                                          <p:spTgt spid="2">
-                                            <p:txEl>
-                                              <p:pRg st="2" end="2"/>
-                                            </p:txEl>
-                                          </p:spTgt>
-                                        </p:tgtEl>
-                                        <p:attrNameLst>
-                                          <p:attrName>style.visibility</p:attrName>
-                                        </p:attrNameLst>
-                                      </p:cBhvr>
-                                      <p:to>
-                                        <p:strVal val="visible"/>
-                                      </p:to>
-                                    </p:set>
-                                    <p:animEffect transition="in" filter="dissolve">
-                                      <p:cBhvr>
-                                        <p:cTn id="15" dur="500"/>
-                                        <p:tgtEl>
-                                          <p:spTgt spid="2">
-                                            <p:txEl>
-                                              <p:pRg st="2" end="2"/>
-                                            </p:txEl>
-                                          </p:spTgt>
-                                        </p:tgtEl>
-                                      </p:cBhvr>
-                                    </p:animEffect>
-                                  </p:childTnLst>
-                                </p:cTn>
-                              </p:par>
-                              <p:par>
-                                <p:cTn id="16" presetID="9" presetClass="entr" presetSubtype="0" fill="hold" nodeType="withEffect">
-                                  <p:stCondLst>
-                                    <p:cond delay="0"/>
-                                  </p:stCondLst>
-                                  <p:childTnLst>
-                                    <p:set>
-                                      <p:cBhvr>
-                                        <p:cTn id="17" dur="1" fill="hold">
-                                          <p:stCondLst>
-                                            <p:cond delay="0"/>
-                                          </p:stCondLst>
-                                        </p:cTn>
-                                        <p:tgtEl>
-                                          <p:spTgt spid="2">
-                                            <p:txEl>
-                                              <p:pRg st="3" end="3"/>
-                                            </p:txEl>
-                                          </p:spTgt>
-                                        </p:tgtEl>
-                                        <p:attrNameLst>
-                                          <p:attrName>style.visibility</p:attrName>
-                                        </p:attrNameLst>
-                                      </p:cBhvr>
-                                      <p:to>
-                                        <p:strVal val="visible"/>
-                                      </p:to>
-                                    </p:set>
-                                    <p:animEffect transition="in" filter="dissolve">
-                                      <p:cBhvr>
-                                        <p:cTn id="18" dur="500"/>
-                                        <p:tgtEl>
-                                          <p:spTgt spid="2">
-                                            <p:txEl>
                                               <p:pRg st="3" end="3"/>
                                             </p:txEl>
                                           </p:spTgt>
@@ -6868,14 +8475,14 @@
                                 </p:cTn>
                               </p:par>
                               <p:par>
-                                <p:cTn id="19" presetID="9" presetClass="entr" presetSubtype="0" fill="hold" nodeType="withEffect">
+                                <p:cTn id="11" presetID="9" presetClass="entr" presetSubtype="0" fill="hold" nodeType="withEffect">
                                   <p:stCondLst>
                                     <p:cond delay="0"/>
                                   </p:stCondLst>
                                   <p:childTnLst>
                                     <p:set>
                                       <p:cBhvr>
-                                        <p:cTn id="20" dur="1" fill="hold">
+                                        <p:cTn id="12" dur="1" fill="hold">
                                           <p:stCondLst>
                                             <p:cond delay="0"/>
                                           </p:stCondLst>
@@ -6897,7 +8504,7 @@
                                     </p:set>
                                     <p:animEffect transition="in" filter="dissolve">
                                       <p:cBhvr>
-                                        <p:cTn id="21" dur="500"/>
+                                        <p:cTn id="13" dur="500"/>
                                         <p:tgtEl>
                                           <p:spTgt spid="2">
                                             <p:txEl>
@@ -7148,11 +8755,7 @@
             </a:r>
             <a:r>
               <a:rPr lang="en-US" sz="6000" dirty="0" smtClean="0"/>
-              <a:t>] </a:t>
-            </a:r>
-            <a:r>
-              <a:rPr lang="en-US" sz="6000" dirty="0" smtClean="0"/>
-              <a:t>=</a:t>
+              <a:t>] =</a:t>
             </a:r>
             <a:endParaRPr lang="en-US" sz="6000" dirty="0" smtClean="0">
               <a:solidFill>
@@ -7299,7 +8902,6 @@
               <a:rPr lang="en-US" sz="6000" dirty="0" smtClean="0"/>
               <a:t>]</a:t>
             </a:r>
-            <a:endParaRPr lang="en-US" sz="6000" dirty="0" smtClean="0"/>
           </a:p>
         </p:txBody>
       </p:sp>
@@ -7391,8 +8993,8 @@
   <p:clrMapOvr>
     <a:masterClrMapping/>
   </p:clrMapOvr>
-  <p:transition xmlns:p14="http://schemas.microsoft.com/office/powerpoint/2010/main">
-    <p:fade thruBlk="1"/>
+  <p:transition xmlns:p14="http://schemas.microsoft.com/office/powerpoint/2010/main" spd="slow" advClick="0">
+    <p:fade/>
   </p:transition>
   <p:timing>
     <p:tnLst>
@@ -7641,11 +9243,7 @@
             </a:r>
             <a:r>
               <a:rPr lang="en-US" sz="6000" dirty="0" smtClean="0"/>
-              <a:t>=</a:t>
-            </a:r>
-            <a:r>
-              <a:rPr lang="en-US" sz="6000" dirty="0" smtClean="0"/>
-              <a:t>1]⋅</a:t>
+              <a:t>=1]⋅</a:t>
             </a:r>
             <a:r>
               <a:rPr lang="en-US" sz="6000" dirty="0" err="1" smtClean="0"/>
@@ -7665,11 +9263,7 @@
             </a:r>
             <a:r>
               <a:rPr lang="en-US" sz="6000" dirty="0" smtClean="0"/>
-              <a:t>=</a:t>
-            </a:r>
-            <a:r>
-              <a:rPr lang="en-US" sz="6000" dirty="0" smtClean="0"/>
-              <a:t>1] </a:t>
+              <a:t>=1] </a:t>
             </a:r>
             <a:r>
               <a:rPr lang="en-US" sz="6000" b="1" dirty="0" smtClean="0">
@@ -7726,11 +9320,7 @@
             </a:r>
             <a:r>
               <a:rPr lang="en-US" sz="6000" dirty="0" smtClean="0"/>
-              <a:t>=</a:t>
-            </a:r>
-            <a:r>
-              <a:rPr lang="en-US" sz="6000" dirty="0" smtClean="0"/>
-              <a:t>1] </a:t>
+              <a:t>=1] </a:t>
             </a:r>
             <a:r>
               <a:rPr lang="en-US" sz="6000" b="1" dirty="0" smtClean="0">
@@ -7744,13 +9334,8 @@
             </a:r>
             <a:r>
               <a:rPr lang="en-US" sz="6000" dirty="0" smtClean="0"/>
-              <a:t> </a:t>
-            </a:r>
-            <a:r>
-              <a:rPr lang="en-US" sz="6000" dirty="0" smtClean="0"/>
-              <a:t>0</a:t>
-            </a:r>
-            <a:endParaRPr lang="en-US" sz="6000" dirty="0" smtClean="0"/>
+              <a:t> 0</a:t>
+            </a:r>
           </a:p>
         </p:txBody>
       </p:sp>
@@ -7885,7 +9470,7 @@
   <p:clrMapOvr>
     <a:masterClrMapping/>
   </p:clrMapOvr>
-  <p:transition xmlns:p14="http://schemas.microsoft.com/office/powerpoint/2010/main">
+  <p:transition xmlns:p14="http://schemas.microsoft.com/office/powerpoint/2010/main" spd="slow" advClick="0">
     <p:fade/>
   </p:transition>
   <p:timing>

--- a/spring13/slides13/ranvar-independence.pptx
+++ b/spring13/slides13/ranvar-independence.pptx
@@ -5,25 +5,31 @@
     <p:sldMasterId id="2147483648" r:id="rId1"/>
   </p:sldMasterIdLst>
   <p:notesMasterIdLst>
-    <p:notesMasterId r:id="rId15"/>
+    <p:notesMasterId r:id="rId21"/>
   </p:notesMasterIdLst>
   <p:handoutMasterIdLst>
-    <p:handoutMasterId r:id="rId16"/>
+    <p:handoutMasterId r:id="rId22"/>
   </p:handoutMasterIdLst>
   <p:sldIdLst>
     <p:sldId id="257" r:id="rId2"/>
-    <p:sldId id="268" r:id="rId3"/>
-    <p:sldId id="292" r:id="rId4"/>
-    <p:sldId id="269" r:id="rId5"/>
-    <p:sldId id="270" r:id="rId6"/>
-    <p:sldId id="274" r:id="rId7"/>
-    <p:sldId id="271" r:id="rId8"/>
-    <p:sldId id="293" r:id="rId9"/>
-    <p:sldId id="290" r:id="rId10"/>
-    <p:sldId id="360" r:id="rId11"/>
-    <p:sldId id="362" r:id="rId12"/>
-    <p:sldId id="361" r:id="rId13"/>
-    <p:sldId id="363" r:id="rId14"/>
+    <p:sldId id="364" r:id="rId3"/>
+    <p:sldId id="269" r:id="rId4"/>
+    <p:sldId id="270" r:id="rId5"/>
+    <p:sldId id="274" r:id="rId6"/>
+    <p:sldId id="365" r:id="rId7"/>
+    <p:sldId id="372" r:id="rId8"/>
+    <p:sldId id="373" r:id="rId9"/>
+    <p:sldId id="271" r:id="rId10"/>
+    <p:sldId id="293" r:id="rId11"/>
+    <p:sldId id="290" r:id="rId12"/>
+    <p:sldId id="360" r:id="rId13"/>
+    <p:sldId id="362" r:id="rId14"/>
+    <p:sldId id="361" r:id="rId15"/>
+    <p:sldId id="363" r:id="rId16"/>
+    <p:sldId id="368" r:id="rId17"/>
+    <p:sldId id="369" r:id="rId18"/>
+    <p:sldId id="370" r:id="rId19"/>
+    <p:sldId id="371" r:id="rId20"/>
   </p:sldIdLst>
   <p:sldSz cx="9144000" cy="6858000" type="screen4x3"/>
   <p:notesSz cx="9601200" cy="7315200"/>
@@ -1028,7 +1034,7 @@
       </p:grpSpPr>
       <p:sp>
         <p:nvSpPr>
-          <p:cNvPr id="71682" name="Rectangle 7"/>
+          <p:cNvPr id="61442" name="Rectangle 7"/>
           <p:cNvSpPr>
             <a:spLocks noGrp="1" noChangeArrowheads="1"/>
           </p:cNvSpPr>
@@ -1043,7 +1049,7 @@
           <a:bodyPr/>
           <a:lstStyle/>
           <a:p>
-            <a:fld id="{B2071B43-808F-4048-B1A6-DC5CBB081F20}" type="slidenum">
+            <a:fld id="{6FA770B3-82EB-47F0-8AE9-DEF535E9EF4A}" type="slidenum">
               <a:rPr lang="en-US" smtClean="0"/>
               <a:pPr/>
               <a:t>10</a:t>
@@ -1054,7 +1060,7 @@
       </p:sp>
       <p:sp>
         <p:nvSpPr>
-          <p:cNvPr id="71683" name="Rectangle 2"/>
+          <p:cNvPr id="61443" name="Rectangle 2"/>
           <p:cNvSpPr>
             <a:spLocks noGrp="1" noRot="1" noChangeAspect="1" noChangeArrowheads="1" noTextEdit="1"/>
           </p:cNvSpPr>
@@ -1072,7 +1078,7 @@
       </p:sp>
       <p:sp>
         <p:nvSpPr>
-          <p:cNvPr id="71684" name="Rectangle 3"/>
+          <p:cNvPr id="61444" name="Rectangle 3"/>
           <p:cNvSpPr>
             <a:spLocks noGrp="1" noChangeArrowheads="1"/>
           </p:cNvSpPr>
@@ -1193,6 +1199,558 @@
 </p:notes>
 </file>
 
+<file path=ppt/notesSlides/notesSlide12.xml><?xml version="1.0" encoding="utf-8"?>
+<p:notes xmlns:a="http://schemas.openxmlformats.org/drawingml/2006/main" xmlns:r="http://schemas.openxmlformats.org/officeDocument/2006/relationships" xmlns:p="http://schemas.openxmlformats.org/presentationml/2006/main">
+  <p:cSld>
+    <p:spTree>
+      <p:nvGrpSpPr>
+        <p:cNvPr id="1" name=""/>
+        <p:cNvGrpSpPr/>
+        <p:nvPr/>
+      </p:nvGrpSpPr>
+      <p:grpSpPr>
+        <a:xfrm>
+          <a:off x="0" y="0"/>
+          <a:ext cx="0" cy="0"/>
+          <a:chOff x="0" y="0"/>
+          <a:chExt cx="0" cy="0"/>
+        </a:xfrm>
+      </p:grpSpPr>
+      <p:sp>
+        <p:nvSpPr>
+          <p:cNvPr id="71682" name="Rectangle 7"/>
+          <p:cNvSpPr>
+            <a:spLocks noGrp="1" noChangeArrowheads="1"/>
+          </p:cNvSpPr>
+          <p:nvPr>
+            <p:ph type="sldNum" sz="quarter" idx="5"/>
+          </p:nvPr>
+        </p:nvSpPr>
+        <p:spPr>
+          <a:noFill/>
+        </p:spPr>
+        <p:txBody>
+          <a:bodyPr/>
+          <a:lstStyle/>
+          <a:p>
+            <a:fld id="{B2071B43-808F-4048-B1A6-DC5CBB081F20}" type="slidenum">
+              <a:rPr lang="en-US" smtClean="0"/>
+              <a:pPr/>
+              <a:t>12</a:t>
+            </a:fld>
+            <a:endParaRPr lang="en-US" smtClean="0"/>
+          </a:p>
+        </p:txBody>
+      </p:sp>
+      <p:sp>
+        <p:nvSpPr>
+          <p:cNvPr id="71683" name="Rectangle 2"/>
+          <p:cNvSpPr>
+            <a:spLocks noGrp="1" noRot="1" noChangeAspect="1" noChangeArrowheads="1" noTextEdit="1"/>
+          </p:cNvSpPr>
+          <p:nvPr>
+            <p:ph type="sldImg"/>
+          </p:nvPr>
+        </p:nvSpPr>
+        <p:spPr>
+          <a:xfrm>
+            <a:off x="2973388" y="549275"/>
+            <a:ext cx="3659187" cy="2743200"/>
+          </a:xfrm>
+          <a:ln/>
+        </p:spPr>
+      </p:sp>
+      <p:sp>
+        <p:nvSpPr>
+          <p:cNvPr id="71684" name="Rectangle 3"/>
+          <p:cNvSpPr>
+            <a:spLocks noGrp="1" noChangeArrowheads="1"/>
+          </p:cNvSpPr>
+          <p:nvPr>
+            <p:ph type="body" idx="1"/>
+          </p:nvPr>
+        </p:nvSpPr>
+        <p:spPr>
+          <a:noFill/>
+          <a:ln/>
+        </p:spPr>
+        <p:txBody>
+          <a:bodyPr/>
+          <a:lstStyle/>
+          <a:p>
+            <a:pPr eaLnBrk="1" hangingPunct="1"/>
+            <a:endParaRPr lang="en-US" smtClean="0"/>
+          </a:p>
+        </p:txBody>
+      </p:sp>
+    </p:spTree>
+  </p:cSld>
+  <p:clrMapOvr>
+    <a:masterClrMapping/>
+  </p:clrMapOvr>
+</p:notes>
+</file>
+
+<file path=ppt/notesSlides/notesSlide13.xml><?xml version="1.0" encoding="utf-8"?>
+<p:notes xmlns:a="http://schemas.openxmlformats.org/drawingml/2006/main" xmlns:r="http://schemas.openxmlformats.org/officeDocument/2006/relationships" xmlns:p="http://schemas.openxmlformats.org/presentationml/2006/main">
+  <p:cSld>
+    <p:spTree>
+      <p:nvGrpSpPr>
+        <p:cNvPr id="1" name=""/>
+        <p:cNvGrpSpPr/>
+        <p:nvPr/>
+      </p:nvGrpSpPr>
+      <p:grpSpPr>
+        <a:xfrm>
+          <a:off x="0" y="0"/>
+          <a:ext cx="0" cy="0"/>
+          <a:chOff x="0" y="0"/>
+          <a:chExt cx="0" cy="0"/>
+        </a:xfrm>
+      </p:grpSpPr>
+      <p:sp>
+        <p:nvSpPr>
+          <p:cNvPr id="62466" name="Rectangle 7"/>
+          <p:cNvSpPr>
+            <a:spLocks noGrp="1" noChangeArrowheads="1"/>
+          </p:cNvSpPr>
+          <p:nvPr>
+            <p:ph type="sldNum" sz="quarter" idx="5"/>
+          </p:nvPr>
+        </p:nvSpPr>
+        <p:spPr>
+          <a:noFill/>
+        </p:spPr>
+        <p:txBody>
+          <a:bodyPr/>
+          <a:lstStyle/>
+          <a:p>
+            <a:fld id="{3F25F964-877D-4E0C-8F3A-875E866A06BA}" type="slidenum">
+              <a:rPr lang="en-US" smtClean="0"/>
+              <a:pPr/>
+              <a:t>13</a:t>
+            </a:fld>
+            <a:endParaRPr lang="en-US" smtClean="0"/>
+          </a:p>
+        </p:txBody>
+      </p:sp>
+      <p:sp>
+        <p:nvSpPr>
+          <p:cNvPr id="62467" name="Rectangle 2"/>
+          <p:cNvSpPr>
+            <a:spLocks noGrp="1" noRot="1" noChangeAspect="1" noChangeArrowheads="1" noTextEdit="1"/>
+          </p:cNvSpPr>
+          <p:nvPr>
+            <p:ph type="sldImg"/>
+          </p:nvPr>
+        </p:nvSpPr>
+        <p:spPr>
+          <a:xfrm>
+            <a:off x="2973388" y="549275"/>
+            <a:ext cx="3659187" cy="2743200"/>
+          </a:xfrm>
+          <a:ln/>
+        </p:spPr>
+      </p:sp>
+      <p:sp>
+        <p:nvSpPr>
+          <p:cNvPr id="62468" name="Rectangle 3"/>
+          <p:cNvSpPr>
+            <a:spLocks noGrp="1" noChangeArrowheads="1"/>
+          </p:cNvSpPr>
+          <p:nvPr>
+            <p:ph type="body" idx="1"/>
+          </p:nvPr>
+        </p:nvSpPr>
+        <p:spPr>
+          <a:noFill/>
+          <a:ln/>
+        </p:spPr>
+        <p:txBody>
+          <a:bodyPr/>
+          <a:lstStyle/>
+          <a:p>
+            <a:pPr eaLnBrk="1" hangingPunct="1"/>
+            <a:endParaRPr lang="en-US" smtClean="0"/>
+          </a:p>
+        </p:txBody>
+      </p:sp>
+    </p:spTree>
+  </p:cSld>
+  <p:clrMapOvr>
+    <a:masterClrMapping/>
+  </p:clrMapOvr>
+</p:notes>
+</file>
+
+<file path=ppt/notesSlides/notesSlide14.xml><?xml version="1.0" encoding="utf-8"?>
+<p:notes xmlns:a="http://schemas.openxmlformats.org/drawingml/2006/main" xmlns:r="http://schemas.openxmlformats.org/officeDocument/2006/relationships" xmlns:p="http://schemas.openxmlformats.org/presentationml/2006/main">
+  <p:cSld>
+    <p:spTree>
+      <p:nvGrpSpPr>
+        <p:cNvPr id="1" name=""/>
+        <p:cNvGrpSpPr/>
+        <p:nvPr/>
+      </p:nvGrpSpPr>
+      <p:grpSpPr>
+        <a:xfrm>
+          <a:off x="0" y="0"/>
+          <a:ext cx="0" cy="0"/>
+          <a:chOff x="0" y="0"/>
+          <a:chExt cx="0" cy="0"/>
+        </a:xfrm>
+      </p:grpSpPr>
+      <p:sp>
+        <p:nvSpPr>
+          <p:cNvPr id="63490" name="Rectangle 7"/>
+          <p:cNvSpPr>
+            <a:spLocks noGrp="1" noChangeArrowheads="1"/>
+          </p:cNvSpPr>
+          <p:nvPr>
+            <p:ph type="sldNum" sz="quarter" idx="5"/>
+          </p:nvPr>
+        </p:nvSpPr>
+        <p:spPr>
+          <a:noFill/>
+        </p:spPr>
+        <p:txBody>
+          <a:bodyPr/>
+          <a:lstStyle/>
+          <a:p>
+            <a:fld id="{C5D5AFAC-17F1-45BC-A07D-9B04D5AC45E9}" type="slidenum">
+              <a:rPr lang="en-US" smtClean="0"/>
+              <a:pPr/>
+              <a:t>16</a:t>
+            </a:fld>
+            <a:endParaRPr lang="en-US" smtClean="0"/>
+          </a:p>
+        </p:txBody>
+      </p:sp>
+      <p:sp>
+        <p:nvSpPr>
+          <p:cNvPr id="63491" name="Rectangle 2"/>
+          <p:cNvSpPr>
+            <a:spLocks noGrp="1" noRot="1" noChangeAspect="1" noChangeArrowheads="1" noTextEdit="1"/>
+          </p:cNvSpPr>
+          <p:nvPr>
+            <p:ph type="sldImg"/>
+          </p:nvPr>
+        </p:nvSpPr>
+        <p:spPr>
+          <a:xfrm>
+            <a:off x="2973388" y="549275"/>
+            <a:ext cx="3659187" cy="2743200"/>
+          </a:xfrm>
+          <a:ln/>
+        </p:spPr>
+      </p:sp>
+      <p:sp>
+        <p:nvSpPr>
+          <p:cNvPr id="63492" name="Rectangle 3"/>
+          <p:cNvSpPr>
+            <a:spLocks noGrp="1" noChangeArrowheads="1"/>
+          </p:cNvSpPr>
+          <p:nvPr>
+            <p:ph type="body" idx="1"/>
+          </p:nvPr>
+        </p:nvSpPr>
+        <p:spPr>
+          <a:noFill/>
+          <a:ln/>
+        </p:spPr>
+        <p:txBody>
+          <a:bodyPr/>
+          <a:lstStyle/>
+          <a:p>
+            <a:pPr eaLnBrk="1" hangingPunct="1"/>
+            <a:endParaRPr lang="en-US" smtClean="0"/>
+          </a:p>
+        </p:txBody>
+      </p:sp>
+    </p:spTree>
+  </p:cSld>
+  <p:clrMapOvr>
+    <a:masterClrMapping/>
+  </p:clrMapOvr>
+</p:notes>
+</file>
+
+<file path=ppt/notesSlides/notesSlide15.xml><?xml version="1.0" encoding="utf-8"?>
+<p:notes xmlns:a="http://schemas.openxmlformats.org/drawingml/2006/main" xmlns:r="http://schemas.openxmlformats.org/officeDocument/2006/relationships" xmlns:p="http://schemas.openxmlformats.org/presentationml/2006/main">
+  <p:cSld>
+    <p:spTree>
+      <p:nvGrpSpPr>
+        <p:cNvPr id="1" name=""/>
+        <p:cNvGrpSpPr/>
+        <p:nvPr/>
+      </p:nvGrpSpPr>
+      <p:grpSpPr>
+        <a:xfrm>
+          <a:off x="0" y="0"/>
+          <a:ext cx="0" cy="0"/>
+          <a:chOff x="0" y="0"/>
+          <a:chExt cx="0" cy="0"/>
+        </a:xfrm>
+      </p:grpSpPr>
+      <p:sp>
+        <p:nvSpPr>
+          <p:cNvPr id="66562" name="Rectangle 7"/>
+          <p:cNvSpPr>
+            <a:spLocks noGrp="1" noChangeArrowheads="1"/>
+          </p:cNvSpPr>
+          <p:nvPr>
+            <p:ph type="sldNum" sz="quarter" idx="5"/>
+          </p:nvPr>
+        </p:nvSpPr>
+        <p:spPr>
+          <a:noFill/>
+        </p:spPr>
+        <p:txBody>
+          <a:bodyPr/>
+          <a:lstStyle/>
+          <a:p>
+            <a:fld id="{C9C358DA-6D36-4924-98C4-87E7A62A18E6}" type="slidenum">
+              <a:rPr lang="en-US" smtClean="0"/>
+              <a:pPr/>
+              <a:t>17</a:t>
+            </a:fld>
+            <a:endParaRPr lang="en-US" smtClean="0"/>
+          </a:p>
+        </p:txBody>
+      </p:sp>
+      <p:sp>
+        <p:nvSpPr>
+          <p:cNvPr id="66563" name="Rectangle 1026"/>
+          <p:cNvSpPr>
+            <a:spLocks noGrp="1" noRot="1" noChangeAspect="1" noChangeArrowheads="1" noTextEdit="1"/>
+          </p:cNvSpPr>
+          <p:nvPr>
+            <p:ph type="sldImg"/>
+          </p:nvPr>
+        </p:nvSpPr>
+        <p:spPr>
+          <a:xfrm>
+            <a:off x="2973388" y="549275"/>
+            <a:ext cx="3659187" cy="2743200"/>
+          </a:xfrm>
+          <a:ln/>
+        </p:spPr>
+      </p:sp>
+      <p:sp>
+        <p:nvSpPr>
+          <p:cNvPr id="66564" name="Rectangle 1027"/>
+          <p:cNvSpPr>
+            <a:spLocks noGrp="1" noChangeArrowheads="1"/>
+          </p:cNvSpPr>
+          <p:nvPr>
+            <p:ph type="body" idx="1"/>
+          </p:nvPr>
+        </p:nvSpPr>
+        <p:spPr>
+          <a:noFill/>
+          <a:ln/>
+        </p:spPr>
+        <p:txBody>
+          <a:bodyPr/>
+          <a:lstStyle/>
+          <a:p>
+            <a:pPr eaLnBrk="1" hangingPunct="1"/>
+            <a:endParaRPr lang="en-US" smtClean="0"/>
+          </a:p>
+        </p:txBody>
+      </p:sp>
+    </p:spTree>
+  </p:cSld>
+  <p:clrMapOvr>
+    <a:masterClrMapping/>
+  </p:clrMapOvr>
+</p:notes>
+</file>
+
+<file path=ppt/notesSlides/notesSlide16.xml><?xml version="1.0" encoding="utf-8"?>
+<p:notes xmlns:a="http://schemas.openxmlformats.org/drawingml/2006/main" xmlns:r="http://schemas.openxmlformats.org/officeDocument/2006/relationships" xmlns:p="http://schemas.openxmlformats.org/presentationml/2006/main">
+  <p:cSld>
+    <p:spTree>
+      <p:nvGrpSpPr>
+        <p:cNvPr id="1" name=""/>
+        <p:cNvGrpSpPr/>
+        <p:nvPr/>
+      </p:nvGrpSpPr>
+      <p:grpSpPr>
+        <a:xfrm>
+          <a:off x="0" y="0"/>
+          <a:ext cx="0" cy="0"/>
+          <a:chOff x="0" y="0"/>
+          <a:chExt cx="0" cy="0"/>
+        </a:xfrm>
+      </p:grpSpPr>
+      <p:sp>
+        <p:nvSpPr>
+          <p:cNvPr id="63490" name="Rectangle 7"/>
+          <p:cNvSpPr>
+            <a:spLocks noGrp="1" noChangeArrowheads="1"/>
+          </p:cNvSpPr>
+          <p:nvPr>
+            <p:ph type="sldNum" sz="quarter" idx="5"/>
+          </p:nvPr>
+        </p:nvSpPr>
+        <p:spPr>
+          <a:noFill/>
+        </p:spPr>
+        <p:txBody>
+          <a:bodyPr/>
+          <a:lstStyle/>
+          <a:p>
+            <a:fld id="{C5D5AFAC-17F1-45BC-A07D-9B04D5AC45E9}" type="slidenum">
+              <a:rPr lang="en-US" smtClean="0"/>
+              <a:pPr/>
+              <a:t>18</a:t>
+            </a:fld>
+            <a:endParaRPr lang="en-US" smtClean="0"/>
+          </a:p>
+        </p:txBody>
+      </p:sp>
+      <p:sp>
+        <p:nvSpPr>
+          <p:cNvPr id="63491" name="Rectangle 2"/>
+          <p:cNvSpPr>
+            <a:spLocks noGrp="1" noRot="1" noChangeAspect="1" noChangeArrowheads="1" noTextEdit="1"/>
+          </p:cNvSpPr>
+          <p:nvPr>
+            <p:ph type="sldImg"/>
+          </p:nvPr>
+        </p:nvSpPr>
+        <p:spPr>
+          <a:xfrm>
+            <a:off x="2973388" y="549275"/>
+            <a:ext cx="3659187" cy="2743200"/>
+          </a:xfrm>
+          <a:ln/>
+        </p:spPr>
+      </p:sp>
+      <p:sp>
+        <p:nvSpPr>
+          <p:cNvPr id="63492" name="Rectangle 3"/>
+          <p:cNvSpPr>
+            <a:spLocks noGrp="1" noChangeArrowheads="1"/>
+          </p:cNvSpPr>
+          <p:nvPr>
+            <p:ph type="body" idx="1"/>
+          </p:nvPr>
+        </p:nvSpPr>
+        <p:spPr>
+          <a:noFill/>
+          <a:ln/>
+        </p:spPr>
+        <p:txBody>
+          <a:bodyPr/>
+          <a:lstStyle/>
+          <a:p>
+            <a:pPr eaLnBrk="1" hangingPunct="1"/>
+            <a:endParaRPr lang="en-US" smtClean="0"/>
+          </a:p>
+        </p:txBody>
+      </p:sp>
+    </p:spTree>
+  </p:cSld>
+  <p:clrMapOvr>
+    <a:masterClrMapping/>
+  </p:clrMapOvr>
+</p:notes>
+</file>
+
+<file path=ppt/notesSlides/notesSlide17.xml><?xml version="1.0" encoding="utf-8"?>
+<p:notes xmlns:a="http://schemas.openxmlformats.org/drawingml/2006/main" xmlns:r="http://schemas.openxmlformats.org/officeDocument/2006/relationships" xmlns:p="http://schemas.openxmlformats.org/presentationml/2006/main">
+  <p:cSld>
+    <p:spTree>
+      <p:nvGrpSpPr>
+        <p:cNvPr id="1" name=""/>
+        <p:cNvGrpSpPr/>
+        <p:nvPr/>
+      </p:nvGrpSpPr>
+      <p:grpSpPr>
+        <a:xfrm>
+          <a:off x="0" y="0"/>
+          <a:ext cx="0" cy="0"/>
+          <a:chOff x="0" y="0"/>
+          <a:chExt cx="0" cy="0"/>
+        </a:xfrm>
+      </p:grpSpPr>
+      <p:sp>
+        <p:nvSpPr>
+          <p:cNvPr id="67586" name="Rectangle 7"/>
+          <p:cNvSpPr>
+            <a:spLocks noGrp="1" noChangeArrowheads="1"/>
+          </p:cNvSpPr>
+          <p:nvPr>
+            <p:ph type="sldNum" sz="quarter" idx="5"/>
+          </p:nvPr>
+        </p:nvSpPr>
+        <p:spPr>
+          <a:noFill/>
+        </p:spPr>
+        <p:txBody>
+          <a:bodyPr/>
+          <a:lstStyle/>
+          <a:p>
+            <a:fld id="{72B480E2-8651-40C1-B1F4-6F2CB3632D16}" type="slidenum">
+              <a:rPr lang="en-US" smtClean="0"/>
+              <a:pPr/>
+              <a:t>19</a:t>
+            </a:fld>
+            <a:endParaRPr lang="en-US" smtClean="0"/>
+          </a:p>
+        </p:txBody>
+      </p:sp>
+      <p:sp>
+        <p:nvSpPr>
+          <p:cNvPr id="67587" name="Rectangle 2"/>
+          <p:cNvSpPr>
+            <a:spLocks noGrp="1" noRot="1" noChangeAspect="1" noChangeArrowheads="1" noTextEdit="1"/>
+          </p:cNvSpPr>
+          <p:nvPr>
+            <p:ph type="sldImg"/>
+          </p:nvPr>
+        </p:nvSpPr>
+        <p:spPr>
+          <a:xfrm>
+            <a:off x="2973388" y="549275"/>
+            <a:ext cx="3659187" cy="2743200"/>
+          </a:xfrm>
+          <a:ln/>
+        </p:spPr>
+      </p:sp>
+      <p:sp>
+        <p:nvSpPr>
+          <p:cNvPr id="67588" name="Rectangle 3"/>
+          <p:cNvSpPr>
+            <a:spLocks noGrp="1" noChangeArrowheads="1"/>
+          </p:cNvSpPr>
+          <p:nvPr>
+            <p:ph type="body" idx="1"/>
+          </p:nvPr>
+        </p:nvSpPr>
+        <p:spPr>
+          <a:noFill/>
+          <a:ln/>
+        </p:spPr>
+        <p:txBody>
+          <a:bodyPr/>
+          <a:lstStyle/>
+          <a:p>
+            <a:pPr eaLnBrk="1" hangingPunct="1"/>
+            <a:endParaRPr lang="en-US" smtClean="0"/>
+          </a:p>
+        </p:txBody>
+      </p:sp>
+    </p:spTree>
+  </p:cSld>
+  <p:clrMapOvr>
+    <a:masterClrMapping/>
+  </p:clrMapOvr>
+</p:notes>
+</file>
+
 <file path=ppt/notesSlides/notesSlide2.xml><?xml version="1.0" encoding="utf-8"?>
 <p:notes xmlns:a="http://schemas.openxmlformats.org/drawingml/2006/main" xmlns:r="http://schemas.openxmlformats.org/officeDocument/2006/relationships" xmlns:p="http://schemas.openxmlformats.org/presentationml/2006/main">
   <p:cSld>
@@ -1304,98 +1862,6 @@
       </p:grpSpPr>
       <p:sp>
         <p:nvSpPr>
-          <p:cNvPr id="56322" name="Rectangle 7"/>
-          <p:cNvSpPr>
-            <a:spLocks noGrp="1" noChangeArrowheads="1"/>
-          </p:cNvSpPr>
-          <p:nvPr>
-            <p:ph type="sldNum" sz="quarter" idx="5"/>
-          </p:nvPr>
-        </p:nvSpPr>
-        <p:spPr>
-          <a:noFill/>
-        </p:spPr>
-        <p:txBody>
-          <a:bodyPr/>
-          <a:lstStyle/>
-          <a:p>
-            <a:fld id="{9CF3396C-60EE-461A-A552-CDEB6E7090F5}" type="slidenum">
-              <a:rPr lang="en-US" smtClean="0"/>
-              <a:pPr/>
-              <a:t>3</a:t>
-            </a:fld>
-            <a:endParaRPr lang="en-US" smtClean="0"/>
-          </a:p>
-        </p:txBody>
-      </p:sp>
-      <p:sp>
-        <p:nvSpPr>
-          <p:cNvPr id="56323" name="Rectangle 2"/>
-          <p:cNvSpPr>
-            <a:spLocks noGrp="1" noRot="1" noChangeAspect="1" noChangeArrowheads="1" noTextEdit="1"/>
-          </p:cNvSpPr>
-          <p:nvPr>
-            <p:ph type="sldImg"/>
-          </p:nvPr>
-        </p:nvSpPr>
-        <p:spPr>
-          <a:xfrm>
-            <a:off x="2973388" y="549275"/>
-            <a:ext cx="3659187" cy="2743200"/>
-          </a:xfrm>
-          <a:ln/>
-        </p:spPr>
-      </p:sp>
-      <p:sp>
-        <p:nvSpPr>
-          <p:cNvPr id="56324" name="Rectangle 3"/>
-          <p:cNvSpPr>
-            <a:spLocks noGrp="1" noChangeArrowheads="1"/>
-          </p:cNvSpPr>
-          <p:nvPr>
-            <p:ph type="body" idx="1"/>
-          </p:nvPr>
-        </p:nvSpPr>
-        <p:spPr>
-          <a:noFill/>
-          <a:ln/>
-        </p:spPr>
-        <p:txBody>
-          <a:bodyPr/>
-          <a:lstStyle/>
-          <a:p>
-            <a:pPr eaLnBrk="1" hangingPunct="1"/>
-            <a:endParaRPr lang="en-US" smtClean="0"/>
-          </a:p>
-        </p:txBody>
-      </p:sp>
-    </p:spTree>
-  </p:cSld>
-  <p:clrMapOvr>
-    <a:masterClrMapping/>
-  </p:clrMapOvr>
-</p:notes>
-</file>
-
-<file path=ppt/notesSlides/notesSlide4.xml><?xml version="1.0" encoding="utf-8"?>
-<p:notes xmlns:a="http://schemas.openxmlformats.org/drawingml/2006/main" xmlns:r="http://schemas.openxmlformats.org/officeDocument/2006/relationships" xmlns:p="http://schemas.openxmlformats.org/presentationml/2006/main">
-  <p:cSld>
-    <p:spTree>
-      <p:nvGrpSpPr>
-        <p:cNvPr id="1" name=""/>
-        <p:cNvGrpSpPr/>
-        <p:nvPr/>
-      </p:nvGrpSpPr>
-      <p:grpSpPr>
-        <a:xfrm>
-          <a:off x="0" y="0"/>
-          <a:ext cx="0" cy="0"/>
-          <a:chOff x="0" y="0"/>
-          <a:chExt cx="0" cy="0"/>
-        </a:xfrm>
-      </p:grpSpPr>
-      <p:sp>
-        <p:nvSpPr>
           <p:cNvPr id="58370" name="Rectangle 7"/>
           <p:cNvSpPr>
             <a:spLocks noGrp="1" noChangeArrowheads="1"/>
@@ -1414,7 +1880,7 @@
             <a:fld id="{DA84B10E-C470-4F74-AF4E-ADF6072E4C63}" type="slidenum">
               <a:rPr lang="en-US" smtClean="0"/>
               <a:pPr/>
-              <a:t>4</a:t>
+              <a:t>3</a:t>
             </a:fld>
             <a:endParaRPr lang="en-US" smtClean="0"/>
           </a:p>
@@ -1469,7 +1935,7 @@
 </p:notes>
 </file>
 
-<file path=ppt/notesSlides/notesSlide5.xml><?xml version="1.0" encoding="utf-8"?>
+<file path=ppt/notesSlides/notesSlide4.xml><?xml version="1.0" encoding="utf-8"?>
 <p:notes xmlns:a="http://schemas.openxmlformats.org/drawingml/2006/main" xmlns:r="http://schemas.openxmlformats.org/officeDocument/2006/relationships" xmlns:p="http://schemas.openxmlformats.org/presentationml/2006/main">
   <p:cSld>
     <p:spTree>
@@ -1506,7 +1972,7 @@
             <a:fld id="{9B4EE01B-AE1E-47AD-AE80-63840EE1615E}" type="slidenum">
               <a:rPr lang="en-US" smtClean="0"/>
               <a:pPr/>
-              <a:t>5</a:t>
+              <a:t>4</a:t>
             </a:fld>
             <a:endParaRPr lang="en-US" smtClean="0"/>
           </a:p>
@@ -1533,6 +1999,98 @@
       <p:sp>
         <p:nvSpPr>
           <p:cNvPr id="59396" name="Rectangle 3"/>
+          <p:cNvSpPr>
+            <a:spLocks noGrp="1" noChangeArrowheads="1"/>
+          </p:cNvSpPr>
+          <p:nvPr>
+            <p:ph type="body" idx="1"/>
+          </p:nvPr>
+        </p:nvSpPr>
+        <p:spPr>
+          <a:noFill/>
+          <a:ln/>
+        </p:spPr>
+        <p:txBody>
+          <a:bodyPr/>
+          <a:lstStyle/>
+          <a:p>
+            <a:pPr eaLnBrk="1" hangingPunct="1"/>
+            <a:endParaRPr lang="en-US" smtClean="0"/>
+          </a:p>
+        </p:txBody>
+      </p:sp>
+    </p:spTree>
+  </p:cSld>
+  <p:clrMapOvr>
+    <a:masterClrMapping/>
+  </p:clrMapOvr>
+</p:notes>
+</file>
+
+<file path=ppt/notesSlides/notesSlide5.xml><?xml version="1.0" encoding="utf-8"?>
+<p:notes xmlns:a="http://schemas.openxmlformats.org/drawingml/2006/main" xmlns:r="http://schemas.openxmlformats.org/officeDocument/2006/relationships" xmlns:p="http://schemas.openxmlformats.org/presentationml/2006/main">
+  <p:cSld>
+    <p:spTree>
+      <p:nvGrpSpPr>
+        <p:cNvPr id="1" name=""/>
+        <p:cNvGrpSpPr/>
+        <p:nvPr/>
+      </p:nvGrpSpPr>
+      <p:grpSpPr>
+        <a:xfrm>
+          <a:off x="0" y="0"/>
+          <a:ext cx="0" cy="0"/>
+          <a:chOff x="0" y="0"/>
+          <a:chExt cx="0" cy="0"/>
+        </a:xfrm>
+      </p:grpSpPr>
+      <p:sp>
+        <p:nvSpPr>
+          <p:cNvPr id="57346" name="Rectangle 7"/>
+          <p:cNvSpPr>
+            <a:spLocks noGrp="1" noChangeArrowheads="1"/>
+          </p:cNvSpPr>
+          <p:nvPr>
+            <p:ph type="sldNum" sz="quarter" idx="5"/>
+          </p:nvPr>
+        </p:nvSpPr>
+        <p:spPr>
+          <a:noFill/>
+        </p:spPr>
+        <p:txBody>
+          <a:bodyPr/>
+          <a:lstStyle/>
+          <a:p>
+            <a:fld id="{30F31704-E9D8-41B1-82B1-E420A1203671}" type="slidenum">
+              <a:rPr lang="en-US" smtClean="0"/>
+              <a:pPr/>
+              <a:t>5</a:t>
+            </a:fld>
+            <a:endParaRPr lang="en-US" smtClean="0"/>
+          </a:p>
+        </p:txBody>
+      </p:sp>
+      <p:sp>
+        <p:nvSpPr>
+          <p:cNvPr id="57347" name="Rectangle 1026"/>
+          <p:cNvSpPr>
+            <a:spLocks noGrp="1" noRot="1" noChangeAspect="1" noChangeArrowheads="1" noTextEdit="1"/>
+          </p:cNvSpPr>
+          <p:nvPr>
+            <p:ph type="sldImg"/>
+          </p:nvPr>
+        </p:nvSpPr>
+        <p:spPr>
+          <a:xfrm>
+            <a:off x="2973388" y="549275"/>
+            <a:ext cx="3659187" cy="2743200"/>
+          </a:xfrm>
+          <a:ln/>
+        </p:spPr>
+      </p:sp>
+      <p:sp>
+        <p:nvSpPr>
+          <p:cNvPr id="57348" name="Rectangle 1027"/>
           <p:cNvSpPr>
             <a:spLocks noGrp="1" noChangeArrowheads="1"/>
           </p:cNvSpPr>
@@ -1672,7 +2230,7 @@
       </p:grpSpPr>
       <p:sp>
         <p:nvSpPr>
-          <p:cNvPr id="60418" name="Rectangle 7"/>
+          <p:cNvPr id="64514" name="Rectangle 7"/>
           <p:cNvSpPr>
             <a:spLocks noGrp="1" noChangeArrowheads="1"/>
           </p:cNvSpPr>
@@ -1687,7 +2245,7 @@
           <a:bodyPr/>
           <a:lstStyle/>
           <a:p>
-            <a:fld id="{ABA88D4F-2887-4794-93DE-00404A66AB3E}" type="slidenum">
+            <a:fld id="{6405B505-F088-4430-974F-2AC4B1C187A3}" type="slidenum">
               <a:rPr lang="en-US" smtClean="0"/>
               <a:pPr/>
               <a:t>7</a:t>
@@ -1698,7 +2256,7 @@
       </p:sp>
       <p:sp>
         <p:nvSpPr>
-          <p:cNvPr id="60419" name="Rectangle 2"/>
+          <p:cNvPr id="64515" name="Rectangle 2"/>
           <p:cNvSpPr>
             <a:spLocks noGrp="1" noRot="1" noChangeAspect="1" noChangeArrowheads="1" noTextEdit="1"/>
           </p:cNvSpPr>
@@ -1716,7 +2274,7 @@
       </p:sp>
       <p:sp>
         <p:nvSpPr>
-          <p:cNvPr id="60420" name="Rectangle 3"/>
+          <p:cNvPr id="64516" name="Rectangle 3"/>
           <p:cNvSpPr>
             <a:spLocks noGrp="1" noChangeArrowheads="1"/>
           </p:cNvSpPr>
@@ -1764,7 +2322,7 @@
       </p:grpSpPr>
       <p:sp>
         <p:nvSpPr>
-          <p:cNvPr id="61442" name="Rectangle 7"/>
+          <p:cNvPr id="64514" name="Rectangle 7"/>
           <p:cNvSpPr>
             <a:spLocks noGrp="1" noChangeArrowheads="1"/>
           </p:cNvSpPr>
@@ -1779,7 +2337,7 @@
           <a:bodyPr/>
           <a:lstStyle/>
           <a:p>
-            <a:fld id="{6FA770B3-82EB-47F0-8AE9-DEF535E9EF4A}" type="slidenum">
+            <a:fld id="{6405B505-F088-4430-974F-2AC4B1C187A3}" type="slidenum">
               <a:rPr lang="en-US" smtClean="0"/>
               <a:pPr/>
               <a:t>8</a:t>
@@ -1790,7 +2348,7 @@
       </p:sp>
       <p:sp>
         <p:nvSpPr>
-          <p:cNvPr id="61443" name="Rectangle 2"/>
+          <p:cNvPr id="64515" name="Rectangle 2"/>
           <p:cNvSpPr>
             <a:spLocks noGrp="1" noRot="1" noChangeAspect="1" noChangeArrowheads="1" noTextEdit="1"/>
           </p:cNvSpPr>
@@ -1808,7 +2366,7 @@
       </p:sp>
       <p:sp>
         <p:nvSpPr>
-          <p:cNvPr id="61444" name="Rectangle 3"/>
+          <p:cNvPr id="64516" name="Rectangle 3"/>
           <p:cNvSpPr>
             <a:spLocks noGrp="1" noChangeArrowheads="1"/>
           </p:cNvSpPr>
@@ -1856,7 +2414,7 @@
       </p:grpSpPr>
       <p:sp>
         <p:nvSpPr>
-          <p:cNvPr id="62466" name="Rectangle 7"/>
+          <p:cNvPr id="60418" name="Rectangle 7"/>
           <p:cNvSpPr>
             <a:spLocks noGrp="1" noChangeArrowheads="1"/>
           </p:cNvSpPr>
@@ -1871,7 +2429,7 @@
           <a:bodyPr/>
           <a:lstStyle/>
           <a:p>
-            <a:fld id="{3F25F964-877D-4E0C-8F3A-875E866A06BA}" type="slidenum">
+            <a:fld id="{ABA88D4F-2887-4794-93DE-00404A66AB3E}" type="slidenum">
               <a:rPr lang="en-US" smtClean="0"/>
               <a:pPr/>
               <a:t>9</a:t>
@@ -1882,7 +2440,7 @@
       </p:sp>
       <p:sp>
         <p:nvSpPr>
-          <p:cNvPr id="62467" name="Rectangle 2"/>
+          <p:cNvPr id="60419" name="Rectangle 2"/>
           <p:cNvSpPr>
             <a:spLocks noGrp="1" noRot="1" noChangeAspect="1" noChangeArrowheads="1" noTextEdit="1"/>
           </p:cNvSpPr>
@@ -1900,7 +2458,7 @@
       </p:sp>
       <p:sp>
         <p:nvSpPr>
-          <p:cNvPr id="62468" name="Rectangle 3"/>
+          <p:cNvPr id="60420" name="Rectangle 3"/>
           <p:cNvSpPr>
             <a:spLocks noGrp="1" noChangeArrowheads="1"/>
           </p:cNvSpPr>
@@ -3304,8 +3862,17 @@
               <a:rPr lang="en-US" sz="6000" b="1" dirty="0" smtClean="0">
                 <a:latin typeface="Comic Sans MS" pitchFamily="66" charset="0"/>
               </a:rPr>
-              <a:t>Random Variables:</a:t>
-            </a:r>
+              <a:t>Random </a:t>
+            </a:r>
+            <a:r>
+              <a:rPr lang="en-US" sz="6000" b="1" dirty="0" smtClean="0">
+                <a:latin typeface="Comic Sans MS" pitchFamily="66" charset="0"/>
+              </a:rPr>
+              <a:t>Variables</a:t>
+            </a:r>
+            <a:endParaRPr lang="en-US" sz="6000" b="1" dirty="0" smtClean="0">
+              <a:latin typeface="Comic Sans MS" pitchFamily="66" charset="0"/>
+            </a:endParaRPr>
           </a:p>
           <a:p>
             <a:pPr algn="ctr"/>
@@ -3326,18 +3893,102 @@
   <p:clrMapOvr>
     <a:masterClrMapping/>
   </p:clrMapOvr>
-  <mc:AlternateContent xmlns:mc="http://schemas.openxmlformats.org/markup-compatibility/2006">
-    <mc:Choice xmlns:p14="http://schemas.microsoft.com/office/powerpoint/2010/main" Requires="p14">
+  <mc:AlternateContent xmlns:mc="http://schemas.openxmlformats.org/markup-compatibility/2006" xmlns:p14="http://schemas.microsoft.com/office/powerpoint/2010/main">
+    <mc:Choice Requires="p14">
       <p:transition p14:dur="0" advClick="0"/>
     </mc:Choice>
-    <mc:Fallback>
+    <mc:Fallback xmlns="">
       <p:transition xmlns:p14="http://schemas.microsoft.com/office/powerpoint/2010/main" advClick="0"/>
     </mc:Fallback>
   </mc:AlternateContent>
   <p:timing>
     <p:tnLst>
       <p:par>
-        <p:cTn xmlns:p14="http://schemas.microsoft.com/office/powerpoint/2010/main" id="1" dur="indefinite" restart="never" nodeType="tmRoot"/>
+        <p:cTn xmlns:p14="http://schemas.microsoft.com/office/powerpoint/2010/main" id="1" dur="indefinite" restart="never" nodeType="tmRoot">
+          <p:childTnLst>
+            <p:seq concurrent="1" nextAc="seek">
+              <p:cTn id="2" dur="indefinite" nodeType="mainSeq">
+                <p:childTnLst>
+                  <p:par>
+                    <p:cTn id="3" fill="hold">
+                      <p:stCondLst>
+                        <p:cond delay="indefinite"/>
+                      </p:stCondLst>
+                      <p:childTnLst>
+                        <p:par>
+                          <p:cTn id="4" fill="hold">
+                            <p:stCondLst>
+                              <p:cond delay="0"/>
+                            </p:stCondLst>
+                            <p:childTnLst>
+                              <p:par>
+                                <p:cTn id="5" presetID="10" presetClass="entr" presetSubtype="0" fill="hold" nodeType="clickEffect">
+                                  <p:stCondLst>
+                                    <p:cond delay="0"/>
+                                  </p:stCondLst>
+                                  <p:childTnLst>
+                                    <p:set>
+                                      <p:cBhvr>
+                                        <p:cTn id="6" dur="1" fill="hold">
+                                          <p:stCondLst>
+                                            <p:cond delay="0"/>
+                                          </p:stCondLst>
+                                        </p:cTn>
+                                        <p:tgtEl>
+                                          <p:spTgt spid="22532">
+                                            <p:txEl>
+                                              <p:pRg st="1" end="1"/>
+                                            </p:txEl>
+                                          </p:spTgt>
+                                        </p:tgtEl>
+                                        <p:attrNameLst>
+                                          <p:attrName>style.visibility</p:attrName>
+                                        </p:attrNameLst>
+                                      </p:cBhvr>
+                                      <p:to>
+                                        <p:strVal val="visible"/>
+                                      </p:to>
+                                    </p:set>
+                                    <p:animEffect transition="in" filter="fade">
+                                      <p:cBhvr>
+                                        <p:cTn id="7" dur="500"/>
+                                        <p:tgtEl>
+                                          <p:spTgt spid="22532">
+                                            <p:txEl>
+                                              <p:pRg st="1" end="1"/>
+                                            </p:txEl>
+                                          </p:spTgt>
+                                        </p:tgtEl>
+                                      </p:cBhvr>
+                                    </p:animEffect>
+                                  </p:childTnLst>
+                                </p:cTn>
+                              </p:par>
+                            </p:childTnLst>
+                          </p:cTn>
+                        </p:par>
+                      </p:childTnLst>
+                    </p:cTn>
+                  </p:par>
+                </p:childTnLst>
+              </p:cTn>
+              <p:prevCondLst>
+                <p:cond evt="onPrev" delay="0">
+                  <p:tgtEl>
+                    <p:sldTgt/>
+                  </p:tgtEl>
+                </p:cond>
+              </p:prevCondLst>
+              <p:nextCondLst>
+                <p:cond evt="onNext" delay="0">
+                  <p:tgtEl>
+                    <p:sldTgt/>
+                  </p:tgtEl>
+                </p:cond>
+              </p:nextCondLst>
+            </p:seq>
+          </p:childTnLst>
+        </p:cTn>
       </p:par>
     </p:tnLst>
   </p:timing>
@@ -3345,6 +3996,1137 @@
 </file>
 
 <file path=ppt/slides/slide10.xml><?xml version="1.0" encoding="utf-8"?>
+<p:sld xmlns:a="http://schemas.openxmlformats.org/drawingml/2006/main" xmlns:r="http://schemas.openxmlformats.org/officeDocument/2006/relationships" xmlns:p="http://schemas.openxmlformats.org/presentationml/2006/main" show="0">
+  <p:cSld>
+    <p:spTree>
+      <p:nvGrpSpPr>
+        <p:cNvPr id="1" name=""/>
+        <p:cNvGrpSpPr/>
+        <p:nvPr/>
+      </p:nvGrpSpPr>
+      <p:grpSpPr>
+        <a:xfrm>
+          <a:off x="0" y="0"/>
+          <a:ext cx="0" cy="0"/>
+          <a:chOff x="0" y="0"/>
+          <a:chExt cx="0" cy="0"/>
+        </a:xfrm>
+      </p:grpSpPr>
+      <p:sp>
+        <p:nvSpPr>
+          <p:cNvPr id="6" name="Slide Number Placeholder 3"/>
+          <p:cNvSpPr>
+            <a:spLocks noGrp="1"/>
+          </p:cNvSpPr>
+          <p:nvPr>
+            <p:ph type="sldNum" sz="quarter" idx="11"/>
+          </p:nvPr>
+        </p:nvSpPr>
+        <p:spPr/>
+        <p:txBody>
+          <a:bodyPr/>
+          <a:lstStyle/>
+          <a:p>
+            <a:pPr>
+              <a:defRPr/>
+            </a:pPr>
+            <a:r>
+              <a:rPr lang="en-US" dirty="0" err="1" smtClean="0"/>
+              <a:t>ranvarindep</a:t>
+            </a:r>
+            <a:r>
+              <a:rPr lang="en-US" dirty="0" smtClean="0"/>
+              <a:t>.</a:t>
+            </a:r>
+            <a:fld id="{4BEEAA87-0C16-438F-8FC8-D5EDAE475F35}" type="slidenum">
+              <a:rPr lang="en-US" smtClean="0"/>
+              <a:pPr>
+                <a:defRPr/>
+              </a:pPr>
+              <a:t>10</a:t>
+            </a:fld>
+            <a:endParaRPr lang="en-US" dirty="0"/>
+          </a:p>
+        </p:txBody>
+      </p:sp>
+      <p:sp>
+        <p:nvSpPr>
+          <p:cNvPr id="146435" name="Rectangle 3"/>
+          <p:cNvSpPr>
+            <a:spLocks noGrp="1" noChangeArrowheads="1"/>
+          </p:cNvSpPr>
+          <p:nvPr>
+            <p:ph idx="4294967295"/>
+          </p:nvPr>
+        </p:nvSpPr>
+        <p:spPr>
+          <a:xfrm>
+            <a:off x="576383" y="1767846"/>
+            <a:ext cx="8001000" cy="3321904"/>
+          </a:xfrm>
+        </p:spPr>
+        <p:txBody>
+          <a:bodyPr/>
+          <a:lstStyle/>
+          <a:p>
+            <a:pPr eaLnBrk="1" hangingPunct="1">
+              <a:lnSpc>
+                <a:spcPct val="90000"/>
+              </a:lnSpc>
+            </a:pPr>
+            <a:r>
+              <a:rPr lang="en-US" sz="6000" dirty="0" smtClean="0">
+                <a:sym typeface="Symbol" pitchFamily="18" charset="2"/>
+              </a:rPr>
+              <a:t>alternate version:</a:t>
+            </a:r>
+          </a:p>
+          <a:p>
+            <a:pPr algn="ctr" eaLnBrk="1" hangingPunct="1">
+              <a:lnSpc>
+                <a:spcPct val="90000"/>
+              </a:lnSpc>
+            </a:pPr>
+            <a:r>
+              <a:rPr lang="en-US" sz="6000" dirty="0" err="1" smtClean="0"/>
+              <a:t>Pr</a:t>
+            </a:r>
+            <a:r>
+              <a:rPr lang="en-US" sz="6000" dirty="0" smtClean="0"/>
+              <a:t>[</a:t>
+            </a:r>
+            <a:r>
+              <a:rPr lang="en-US" sz="6000" dirty="0" smtClean="0">
+                <a:solidFill>
+                  <a:srgbClr val="3333FF"/>
+                </a:solidFill>
+              </a:rPr>
+              <a:t>R</a:t>
+            </a:r>
+            <a:r>
+              <a:rPr lang="en-US" sz="6000" dirty="0" smtClean="0">
+                <a:solidFill>
+                  <a:srgbClr val="008000"/>
+                </a:solidFill>
+              </a:rPr>
+              <a:t> </a:t>
+            </a:r>
+            <a:r>
+              <a:rPr lang="en-US" sz="6000" dirty="0" smtClean="0">
+                <a:solidFill>
+                  <a:srgbClr val="0000FF"/>
+                </a:solidFill>
+              </a:rPr>
+              <a:t>=</a:t>
+            </a:r>
+            <a:r>
+              <a:rPr lang="en-US" sz="6000" dirty="0" smtClean="0">
+                <a:solidFill>
+                  <a:srgbClr val="008000"/>
+                </a:solidFill>
+              </a:rPr>
+              <a:t> </a:t>
+            </a:r>
+            <a:r>
+              <a:rPr lang="en-US" sz="6000" dirty="0" smtClean="0">
+                <a:solidFill>
+                  <a:srgbClr val="3333FF"/>
+                </a:solidFill>
+              </a:rPr>
+              <a:t>a</a:t>
+            </a:r>
+            <a:r>
+              <a:rPr lang="en-US" sz="6000" dirty="0" smtClean="0">
+                <a:solidFill>
+                  <a:srgbClr val="008000"/>
+                </a:solidFill>
+              </a:rPr>
+              <a:t> </a:t>
+            </a:r>
+            <a:r>
+              <a:rPr lang="en-US" dirty="0" smtClean="0">
+                <a:solidFill>
+                  <a:srgbClr val="006600"/>
+                </a:solidFill>
+                <a:sym typeface="Symbol" pitchFamily="18" charset="2"/>
+              </a:rPr>
+              <a:t>AND</a:t>
+            </a:r>
+            <a:r>
+              <a:rPr lang="en-US" sz="6000" dirty="0" smtClean="0">
+                <a:solidFill>
+                  <a:srgbClr val="008000"/>
+                </a:solidFill>
+              </a:rPr>
+              <a:t> </a:t>
+            </a:r>
+            <a:r>
+              <a:rPr lang="en-US" sz="6000" dirty="0" smtClean="0">
+                <a:solidFill>
+                  <a:srgbClr val="3333FF"/>
+                </a:solidFill>
+              </a:rPr>
+              <a:t>S</a:t>
+            </a:r>
+            <a:r>
+              <a:rPr lang="en-US" sz="6000" dirty="0" smtClean="0">
+                <a:solidFill>
+                  <a:srgbClr val="008000"/>
+                </a:solidFill>
+              </a:rPr>
+              <a:t> </a:t>
+            </a:r>
+            <a:r>
+              <a:rPr lang="en-US" sz="6000" dirty="0" smtClean="0">
+                <a:solidFill>
+                  <a:srgbClr val="0000FF"/>
+                </a:solidFill>
+              </a:rPr>
+              <a:t>=</a:t>
+            </a:r>
+            <a:r>
+              <a:rPr lang="en-US" sz="6000" dirty="0" smtClean="0">
+                <a:solidFill>
+                  <a:srgbClr val="008000"/>
+                </a:solidFill>
+              </a:rPr>
+              <a:t> </a:t>
+            </a:r>
+            <a:r>
+              <a:rPr lang="en-US" sz="6000" dirty="0" smtClean="0">
+                <a:solidFill>
+                  <a:srgbClr val="3333FF"/>
+                </a:solidFill>
+              </a:rPr>
+              <a:t>b</a:t>
+            </a:r>
+            <a:r>
+              <a:rPr lang="en-US" sz="6000" dirty="0" smtClean="0"/>
+              <a:t>] =</a:t>
+            </a:r>
+            <a:endParaRPr lang="en-US" sz="6000" dirty="0" smtClean="0">
+              <a:solidFill>
+                <a:srgbClr val="008000"/>
+              </a:solidFill>
+            </a:endParaRPr>
+          </a:p>
+          <a:p>
+            <a:pPr algn="ctr" eaLnBrk="1" hangingPunct="1">
+              <a:lnSpc>
+                <a:spcPct val="90000"/>
+              </a:lnSpc>
+              <a:spcBef>
+                <a:spcPts val="600"/>
+              </a:spcBef>
+            </a:pPr>
+            <a:r>
+              <a:rPr lang="en-US" sz="6000" dirty="0" err="1" smtClean="0"/>
+              <a:t>Pr</a:t>
+            </a:r>
+            <a:r>
+              <a:rPr lang="en-US" sz="6000" dirty="0" smtClean="0"/>
+              <a:t>[</a:t>
+            </a:r>
+            <a:r>
+              <a:rPr lang="en-US" sz="6000" dirty="0" smtClean="0">
+                <a:solidFill>
+                  <a:srgbClr val="3333FF"/>
+                </a:solidFill>
+              </a:rPr>
+              <a:t>R</a:t>
+            </a:r>
+            <a:r>
+              <a:rPr lang="en-US" sz="6000" dirty="0" smtClean="0">
+                <a:solidFill>
+                  <a:srgbClr val="008000"/>
+                </a:solidFill>
+              </a:rPr>
+              <a:t> </a:t>
+            </a:r>
+            <a:r>
+              <a:rPr lang="en-US" sz="6000" dirty="0" smtClean="0">
+                <a:solidFill>
+                  <a:srgbClr val="0000FF"/>
+                </a:solidFill>
+              </a:rPr>
+              <a:t>=</a:t>
+            </a:r>
+            <a:r>
+              <a:rPr lang="en-US" sz="6000" dirty="0" smtClean="0">
+                <a:solidFill>
+                  <a:srgbClr val="008000"/>
+                </a:solidFill>
+              </a:rPr>
+              <a:t> </a:t>
+            </a:r>
+            <a:r>
+              <a:rPr lang="en-US" sz="6000" dirty="0" smtClean="0">
+                <a:solidFill>
+                  <a:srgbClr val="3333FF"/>
+                </a:solidFill>
+              </a:rPr>
+              <a:t>a</a:t>
+            </a:r>
+            <a:r>
+              <a:rPr lang="en-US" sz="6000" dirty="0" smtClean="0"/>
+              <a:t>]</a:t>
+            </a:r>
+            <a:r>
+              <a:rPr lang="en-US" sz="6000" dirty="0" smtClean="0">
+                <a:solidFill>
+                  <a:srgbClr val="008000"/>
+                </a:solidFill>
+              </a:rPr>
+              <a:t> </a:t>
+            </a:r>
+            <a:r>
+              <a:rPr lang="en-US" sz="6000" dirty="0" smtClean="0">
+                <a:solidFill>
+                  <a:srgbClr val="006600"/>
+                </a:solidFill>
+                <a:cs typeface="Times New Roman" pitchFamily="18" charset="0"/>
+              </a:rPr>
+              <a:t>·</a:t>
+            </a:r>
+            <a:r>
+              <a:rPr lang="en-US" sz="6000" dirty="0" smtClean="0">
+                <a:solidFill>
+                  <a:srgbClr val="008000"/>
+                </a:solidFill>
+                <a:cs typeface="Times New Roman" pitchFamily="18" charset="0"/>
+              </a:rPr>
+              <a:t> </a:t>
+            </a:r>
+            <a:r>
+              <a:rPr lang="en-US" sz="6000" dirty="0" err="1" smtClean="0"/>
+              <a:t>Pr</a:t>
+            </a:r>
+            <a:r>
+              <a:rPr lang="en-US" sz="6000" dirty="0" smtClean="0"/>
+              <a:t>[</a:t>
+            </a:r>
+            <a:r>
+              <a:rPr lang="en-US" sz="6000" dirty="0" smtClean="0">
+                <a:solidFill>
+                  <a:srgbClr val="3333FF"/>
+                </a:solidFill>
+              </a:rPr>
+              <a:t>S</a:t>
+            </a:r>
+            <a:r>
+              <a:rPr lang="en-US" sz="6000" dirty="0" smtClean="0">
+                <a:solidFill>
+                  <a:srgbClr val="008000"/>
+                </a:solidFill>
+              </a:rPr>
+              <a:t> </a:t>
+            </a:r>
+            <a:r>
+              <a:rPr lang="en-US" sz="6000" dirty="0" smtClean="0">
+                <a:solidFill>
+                  <a:srgbClr val="0000FF"/>
+                </a:solidFill>
+              </a:rPr>
+              <a:t>=</a:t>
+            </a:r>
+            <a:r>
+              <a:rPr lang="en-US" sz="6000" dirty="0" smtClean="0">
+                <a:solidFill>
+                  <a:srgbClr val="008000"/>
+                </a:solidFill>
+              </a:rPr>
+              <a:t> </a:t>
+            </a:r>
+            <a:r>
+              <a:rPr lang="en-US" sz="6000" dirty="0" smtClean="0">
+                <a:solidFill>
+                  <a:srgbClr val="3333FF"/>
+                </a:solidFill>
+              </a:rPr>
+              <a:t>b</a:t>
+            </a:r>
+            <a:r>
+              <a:rPr lang="en-US" sz="6000" dirty="0" smtClean="0"/>
+              <a:t>]</a:t>
+            </a:r>
+          </a:p>
+        </p:txBody>
+      </p:sp>
+      <p:sp>
+        <p:nvSpPr>
+          <p:cNvPr id="7" name="Rectangle 2"/>
+          <p:cNvSpPr txBox="1">
+            <a:spLocks noChangeArrowheads="1"/>
+          </p:cNvSpPr>
+          <p:nvPr/>
+        </p:nvSpPr>
+        <p:spPr bwMode="auto">
+          <a:xfrm>
+            <a:off x="1143000" y="58738"/>
+            <a:ext cx="7543800" cy="1143000"/>
+          </a:xfrm>
+          <a:prstGeom prst="rect">
+            <a:avLst/>
+          </a:prstGeom>
+          <a:noFill/>
+          <a:ln w="9525">
+            <a:noFill/>
+            <a:miter lim="800000"/>
+            <a:headEnd/>
+            <a:tailEnd/>
+          </a:ln>
+        </p:spPr>
+        <p:txBody>
+          <a:bodyPr vert="horz" wrap="square" lIns="91440" tIns="45720" rIns="91440" bIns="45720" numCol="1" anchor="ctr" anchorCtr="0" compatLnSpc="1">
+            <a:prstTxWarp prst="textNoShape">
+              <a:avLst/>
+            </a:prstTxWarp>
+          </a:bodyPr>
+          <a:lstStyle/>
+          <a:p>
+            <a:pPr marL="0" marR="0" lvl="0" indent="0" algn="ctr" defTabSz="914400" rtl="0" eaLnBrk="1" fontAlgn="base" latinLnBrk="0" hangingPunct="1">
+              <a:lnSpc>
+                <a:spcPct val="100000"/>
+              </a:lnSpc>
+              <a:spcBef>
+                <a:spcPct val="0"/>
+              </a:spcBef>
+              <a:spcAft>
+                <a:spcPct val="0"/>
+              </a:spcAft>
+              <a:buClrTx/>
+              <a:buSzTx/>
+              <a:buFontTx/>
+              <a:buNone/>
+              <a:tabLst/>
+              <a:defRPr/>
+            </a:pPr>
+            <a:r>
+              <a:rPr kumimoji="0" lang="en-US" sz="4000" b="1" i="0" u="none" strike="noStrike" kern="0" cap="none" spc="0" normalizeH="0" baseline="0" noProof="0" smtClean="0">
+                <a:ln>
+                  <a:noFill/>
+                </a:ln>
+                <a:solidFill>
+                  <a:schemeClr val="tx2"/>
+                </a:solidFill>
+                <a:effectLst/>
+                <a:uLnTx/>
+                <a:uFillTx/>
+                <a:latin typeface="+mj-lt"/>
+                <a:ea typeface="+mj-ea"/>
+                <a:cs typeface="+mj-cs"/>
+              </a:rPr>
+              <a:t>Independent Variables</a:t>
+            </a:r>
+            <a:endParaRPr kumimoji="0" lang="en-US" sz="4000" b="1" i="0" u="none" strike="noStrike" kern="0" cap="none" spc="0" normalizeH="0" baseline="0" noProof="0" dirty="0" smtClean="0">
+              <a:ln>
+                <a:noFill/>
+              </a:ln>
+              <a:solidFill>
+                <a:schemeClr val="tx2"/>
+              </a:solidFill>
+              <a:effectLst/>
+              <a:uLnTx/>
+              <a:uFillTx/>
+              <a:latin typeface="+mj-lt"/>
+              <a:ea typeface="+mj-ea"/>
+              <a:cs typeface="+mj-cs"/>
+            </a:endParaRPr>
+          </a:p>
+        </p:txBody>
+      </p:sp>
+    </p:spTree>
+  </p:cSld>
+  <p:clrMapOvr>
+    <a:masterClrMapping/>
+  </p:clrMapOvr>
+  <p:transition xmlns:p14="http://schemas.microsoft.com/office/powerpoint/2010/main" spd="slow" advClick="0">
+    <p:fade/>
+  </p:transition>
+  <p:timing>
+    <p:tnLst>
+      <p:par>
+        <p:cTn xmlns:p14="http://schemas.microsoft.com/office/powerpoint/2010/main" id="1" dur="indefinite" restart="never" nodeType="tmRoot">
+          <p:childTnLst>
+            <p:seq concurrent="1" nextAc="seek">
+              <p:cTn id="2" dur="indefinite" nodeType="mainSeq">
+                <p:childTnLst>
+                  <p:par>
+                    <p:cTn id="3" fill="hold">
+                      <p:stCondLst>
+                        <p:cond delay="indefinite"/>
+                        <p:cond evt="onBegin" delay="0">
+                          <p:tn val="2"/>
+                        </p:cond>
+                      </p:stCondLst>
+                      <p:childTnLst>
+                        <p:par>
+                          <p:cTn id="4" fill="hold">
+                            <p:stCondLst>
+                              <p:cond delay="0"/>
+                            </p:stCondLst>
+                            <p:childTnLst>
+                              <p:par>
+                                <p:cTn id="5" presetID="1" presetClass="entr" presetSubtype="0" fill="hold" nodeType="withEffect">
+                                  <p:stCondLst>
+                                    <p:cond delay="0"/>
+                                  </p:stCondLst>
+                                  <p:childTnLst>
+                                    <p:set>
+                                      <p:cBhvr>
+                                        <p:cTn id="6" dur="1" fill="hold">
+                                          <p:stCondLst>
+                                            <p:cond delay="0"/>
+                                          </p:stCondLst>
+                                        </p:cTn>
+                                        <p:tgtEl>
+                                          <p:spTgt spid="146435">
+                                            <p:txEl>
+                                              <p:pRg st="1" end="1"/>
+                                            </p:txEl>
+                                          </p:spTgt>
+                                        </p:tgtEl>
+                                        <p:attrNameLst>
+                                          <p:attrName>style.visibility</p:attrName>
+                                        </p:attrNameLst>
+                                      </p:cBhvr>
+                                      <p:to>
+                                        <p:strVal val="visible"/>
+                                      </p:to>
+                                    </p:set>
+                                  </p:childTnLst>
+                                </p:cTn>
+                              </p:par>
+                              <p:par>
+                                <p:cTn id="7" presetID="1" presetClass="entr" presetSubtype="0" fill="hold" nodeType="withEffect">
+                                  <p:stCondLst>
+                                    <p:cond delay="0"/>
+                                  </p:stCondLst>
+                                  <p:childTnLst>
+                                    <p:set>
+                                      <p:cBhvr>
+                                        <p:cTn id="8" dur="1" fill="hold">
+                                          <p:stCondLst>
+                                            <p:cond delay="0"/>
+                                          </p:stCondLst>
+                                        </p:cTn>
+                                        <p:tgtEl>
+                                          <p:spTgt spid="146435">
+                                            <p:txEl>
+                                              <p:pRg st="2" end="2"/>
+                                            </p:txEl>
+                                          </p:spTgt>
+                                        </p:tgtEl>
+                                        <p:attrNameLst>
+                                          <p:attrName>style.visibility</p:attrName>
+                                        </p:attrNameLst>
+                                      </p:cBhvr>
+                                      <p:to>
+                                        <p:strVal val="visible"/>
+                                      </p:to>
+                                    </p:set>
+                                  </p:childTnLst>
+                                </p:cTn>
+                              </p:par>
+                            </p:childTnLst>
+                          </p:cTn>
+                        </p:par>
+                      </p:childTnLst>
+                    </p:cTn>
+                  </p:par>
+                </p:childTnLst>
+              </p:cTn>
+              <p:prevCondLst>
+                <p:cond evt="onPrev" delay="0">
+                  <p:tgtEl>
+                    <p:sldTgt/>
+                  </p:tgtEl>
+                </p:cond>
+              </p:prevCondLst>
+              <p:nextCondLst>
+                <p:cond evt="onNext" delay="0">
+                  <p:tgtEl>
+                    <p:sldTgt/>
+                  </p:tgtEl>
+                </p:cond>
+              </p:nextCondLst>
+            </p:seq>
+          </p:childTnLst>
+        </p:cTn>
+      </p:par>
+    </p:tnLst>
+  </p:timing>
+</p:sld>
+</file>
+
+<file path=ppt/slides/slide11.xml><?xml version="1.0" encoding="utf-8"?>
+<p:sld xmlns:a="http://schemas.openxmlformats.org/drawingml/2006/main" xmlns:r="http://schemas.openxmlformats.org/officeDocument/2006/relationships" xmlns:p="http://schemas.openxmlformats.org/presentationml/2006/main">
+  <p:cSld>
+    <p:spTree>
+      <p:nvGrpSpPr>
+        <p:cNvPr id="1" name=""/>
+        <p:cNvGrpSpPr/>
+        <p:nvPr/>
+      </p:nvGrpSpPr>
+      <p:grpSpPr>
+        <a:xfrm>
+          <a:off x="0" y="0"/>
+          <a:ext cx="0" cy="0"/>
+          <a:chOff x="0" y="0"/>
+          <a:chExt cx="0" cy="0"/>
+        </a:xfrm>
+      </p:grpSpPr>
+      <p:sp>
+        <p:nvSpPr>
+          <p:cNvPr id="6" name="Slide Number Placeholder 3"/>
+          <p:cNvSpPr>
+            <a:spLocks noGrp="1"/>
+          </p:cNvSpPr>
+          <p:nvPr>
+            <p:ph type="sldNum" sz="quarter" idx="11"/>
+          </p:nvPr>
+        </p:nvSpPr>
+        <p:spPr/>
+        <p:txBody>
+          <a:bodyPr/>
+          <a:lstStyle/>
+          <a:p>
+            <a:pPr>
+              <a:defRPr/>
+            </a:pPr>
+            <a:r>
+              <a:rPr lang="en-US" dirty="0" err="1" smtClean="0"/>
+              <a:t>ranvarindep</a:t>
+            </a:r>
+            <a:r>
+              <a:rPr lang="en-US" dirty="0" smtClean="0"/>
+              <a:t>.</a:t>
+            </a:r>
+            <a:fld id="{95F672D9-7FDA-4DF5-84B2-B60196FF4FEA}" type="slidenum">
+              <a:rPr lang="en-US" smtClean="0"/>
+              <a:pPr>
+                <a:defRPr/>
+              </a:pPr>
+              <a:t>11</a:t>
+            </a:fld>
+            <a:endParaRPr lang="en-US" dirty="0"/>
+          </a:p>
+        </p:txBody>
+      </p:sp>
+      <p:sp>
+        <p:nvSpPr>
+          <p:cNvPr id="32772" name="Rectangle 3"/>
+          <p:cNvSpPr>
+            <a:spLocks noGrp="1" noChangeArrowheads="1"/>
+          </p:cNvSpPr>
+          <p:nvPr>
+            <p:ph idx="4294967295"/>
+          </p:nvPr>
+        </p:nvSpPr>
+        <p:spPr>
+          <a:xfrm>
+            <a:off x="149290" y="1143761"/>
+            <a:ext cx="8870719" cy="4585523"/>
+          </a:xfrm>
+        </p:spPr>
+        <p:txBody>
+          <a:bodyPr/>
+          <a:lstStyle/>
+          <a:p>
+            <a:pPr eaLnBrk="1" hangingPunct="1"/>
+            <a:r>
+              <a:rPr lang="en-US" sz="6000" dirty="0" smtClean="0"/>
+              <a:t>    Are </a:t>
+            </a:r>
+            <a:r>
+              <a:rPr lang="en-US" sz="6000" dirty="0" smtClean="0">
+                <a:solidFill>
+                  <a:srgbClr val="3333FF"/>
+                </a:solidFill>
+              </a:rPr>
+              <a:t>C</a:t>
+            </a:r>
+            <a:r>
+              <a:rPr lang="en-US" sz="6000" dirty="0" smtClean="0"/>
+              <a:t> and </a:t>
+            </a:r>
+            <a:r>
+              <a:rPr lang="en-US" sz="6000" dirty="0" smtClean="0">
+                <a:solidFill>
+                  <a:srgbClr val="3333FF"/>
+                </a:solidFill>
+              </a:rPr>
+              <a:t>M</a:t>
+            </a:r>
+            <a:r>
+              <a:rPr lang="en-US" sz="6000" dirty="0" smtClean="0"/>
+              <a:t> </a:t>
+            </a:r>
+          </a:p>
+          <a:p>
+            <a:pPr eaLnBrk="1" hangingPunct="1"/>
+            <a:r>
+              <a:rPr lang="en-US" sz="6000" dirty="0" smtClean="0"/>
+              <a:t>    independent?</a:t>
+            </a:r>
+          </a:p>
+          <a:p>
+            <a:pPr algn="ctr" eaLnBrk="1" hangingPunct="1"/>
+            <a:r>
+              <a:rPr lang="en-US" sz="6000" dirty="0" err="1" smtClean="0"/>
+              <a:t>Pr</a:t>
+            </a:r>
+            <a:r>
+              <a:rPr lang="en-US" sz="6000" dirty="0" smtClean="0"/>
+              <a:t>[</a:t>
+            </a:r>
+            <a:r>
+              <a:rPr lang="en-US" sz="6000" dirty="0" smtClean="0">
+                <a:solidFill>
+                  <a:srgbClr val="0000FF"/>
+                </a:solidFill>
+              </a:rPr>
+              <a:t>M</a:t>
+            </a:r>
+            <a:r>
+              <a:rPr lang="en-US" sz="6000" dirty="0" smtClean="0"/>
+              <a:t>=1]⋅</a:t>
+            </a:r>
+            <a:r>
+              <a:rPr lang="en-US" sz="6000" dirty="0" err="1" smtClean="0"/>
+              <a:t>Pr</a:t>
+            </a:r>
+            <a:r>
+              <a:rPr lang="en-US" sz="6000" dirty="0" smtClean="0"/>
+              <a:t>[</a:t>
+            </a:r>
+            <a:r>
+              <a:rPr lang="en-US" sz="6000" dirty="0" smtClean="0">
+                <a:solidFill>
+                  <a:srgbClr val="0000FF"/>
+                </a:solidFill>
+              </a:rPr>
+              <a:t>C</a:t>
+            </a:r>
+            <a:r>
+              <a:rPr lang="en-US" sz="6000" dirty="0" smtClean="0"/>
+              <a:t>=1] </a:t>
+            </a:r>
+            <a:r>
+              <a:rPr lang="en-US" sz="6000" b="1" dirty="0" smtClean="0">
+                <a:solidFill>
+                  <a:srgbClr val="3333FF"/>
+                </a:solidFill>
+                <a:latin typeface="Euclid Symbol" charset="2"/>
+                <a:cs typeface="Euclid Symbol" charset="2"/>
+              </a:rPr>
+              <a:t>&gt;</a:t>
+            </a:r>
+            <a:r>
+              <a:rPr lang="en-US" sz="6000" dirty="0" smtClean="0"/>
+              <a:t> </a:t>
+            </a:r>
+            <a:r>
+              <a:rPr lang="en-US" sz="6000" dirty="0" smtClean="0">
+                <a:solidFill>
+                  <a:schemeClr val="tx2"/>
+                </a:solidFill>
+              </a:rPr>
+              <a:t>0</a:t>
+            </a:r>
+          </a:p>
+          <a:p>
+            <a:pPr algn="ctr" eaLnBrk="1" hangingPunct="1"/>
+            <a:r>
+              <a:rPr lang="en-US" sz="6000" dirty="0" err="1" smtClean="0"/>
+              <a:t>Pr</a:t>
+            </a:r>
+            <a:r>
+              <a:rPr lang="en-US" sz="6000" dirty="0" smtClean="0"/>
+              <a:t>[</a:t>
+            </a:r>
+            <a:r>
+              <a:rPr lang="en-US" sz="6000" dirty="0" smtClean="0">
+                <a:solidFill>
+                  <a:srgbClr val="0000FF"/>
+                </a:solidFill>
+              </a:rPr>
+              <a:t>M</a:t>
+            </a:r>
+            <a:r>
+              <a:rPr lang="en-US" sz="6000" dirty="0" smtClean="0"/>
+              <a:t>=1 and </a:t>
+            </a:r>
+            <a:r>
+              <a:rPr lang="en-US" sz="6000" dirty="0" smtClean="0">
+                <a:solidFill>
+                  <a:srgbClr val="0000FF"/>
+                </a:solidFill>
+              </a:rPr>
+              <a:t>C</a:t>
+            </a:r>
+            <a:r>
+              <a:rPr lang="en-US" sz="6000" dirty="0" smtClean="0"/>
+              <a:t>=1] </a:t>
+            </a:r>
+            <a:r>
+              <a:rPr lang="en-US" sz="6000" b="1" dirty="0" smtClean="0">
+                <a:solidFill>
+                  <a:srgbClr val="FF00FF"/>
+                </a:solidFill>
+                <a:latin typeface="Euclid Symbol" charset="2"/>
+                <a:cs typeface="Euclid Symbol" charset="2"/>
+              </a:rPr>
+              <a:t>=</a:t>
+            </a:r>
+            <a:r>
+              <a:rPr lang="en-US" sz="6000" dirty="0" smtClean="0"/>
+              <a:t> 0</a:t>
+            </a:r>
+          </a:p>
+        </p:txBody>
+      </p:sp>
+      <p:sp>
+        <p:nvSpPr>
+          <p:cNvPr id="8" name="Rectangle 2"/>
+          <p:cNvSpPr txBox="1">
+            <a:spLocks noChangeArrowheads="1"/>
+          </p:cNvSpPr>
+          <p:nvPr/>
+        </p:nvSpPr>
+        <p:spPr bwMode="auto">
+          <a:xfrm>
+            <a:off x="1143000" y="58738"/>
+            <a:ext cx="7543800" cy="1143000"/>
+          </a:xfrm>
+          <a:prstGeom prst="rect">
+            <a:avLst/>
+          </a:prstGeom>
+          <a:noFill/>
+          <a:ln w="9525">
+            <a:noFill/>
+            <a:miter lim="800000"/>
+            <a:headEnd/>
+            <a:tailEnd/>
+          </a:ln>
+        </p:spPr>
+        <p:txBody>
+          <a:bodyPr vert="horz" wrap="square" lIns="91440" tIns="45720" rIns="91440" bIns="45720" numCol="1" anchor="ctr" anchorCtr="0" compatLnSpc="1">
+            <a:prstTxWarp prst="textNoShape">
+              <a:avLst/>
+            </a:prstTxWarp>
+          </a:bodyPr>
+          <a:lstStyle/>
+          <a:p>
+            <a:pPr marL="0" marR="0" lvl="0" indent="0" algn="ctr" defTabSz="914400" rtl="0" eaLnBrk="1" fontAlgn="base" latinLnBrk="0" hangingPunct="1">
+              <a:lnSpc>
+                <a:spcPct val="100000"/>
+              </a:lnSpc>
+              <a:spcBef>
+                <a:spcPct val="0"/>
+              </a:spcBef>
+              <a:spcAft>
+                <a:spcPct val="0"/>
+              </a:spcAft>
+              <a:buClrTx/>
+              <a:buSzTx/>
+              <a:buFontTx/>
+              <a:buNone/>
+              <a:tabLst/>
+              <a:defRPr/>
+            </a:pPr>
+            <a:r>
+              <a:rPr kumimoji="0" lang="en-US" sz="4000" b="1" i="0" u="none" strike="noStrike" kern="0" cap="none" spc="0" normalizeH="0" baseline="0" noProof="0" smtClean="0">
+                <a:ln>
+                  <a:noFill/>
+                </a:ln>
+                <a:solidFill>
+                  <a:schemeClr val="tx2"/>
+                </a:solidFill>
+                <a:effectLst/>
+                <a:uLnTx/>
+                <a:uFillTx/>
+                <a:latin typeface="+mj-lt"/>
+                <a:ea typeface="+mj-ea"/>
+                <a:cs typeface="+mj-cs"/>
+              </a:rPr>
+              <a:t>Independent Variables</a:t>
+            </a:r>
+            <a:endParaRPr kumimoji="0" lang="en-US" sz="4000" b="1" i="0" u="none" strike="noStrike" kern="0" cap="none" spc="0" normalizeH="0" baseline="0" noProof="0" dirty="0" smtClean="0">
+              <a:ln>
+                <a:noFill/>
+              </a:ln>
+              <a:solidFill>
+                <a:schemeClr val="tx2"/>
+              </a:solidFill>
+              <a:effectLst/>
+              <a:uLnTx/>
+              <a:uFillTx/>
+              <a:latin typeface="+mj-lt"/>
+              <a:ea typeface="+mj-ea"/>
+              <a:cs typeface="+mj-cs"/>
+            </a:endParaRPr>
+          </a:p>
+        </p:txBody>
+      </p:sp>
+      <p:sp>
+        <p:nvSpPr>
+          <p:cNvPr id="5" name="TextBox 4"/>
+          <p:cNvSpPr txBox="1"/>
+          <p:nvPr/>
+        </p:nvSpPr>
+        <p:spPr>
+          <a:xfrm>
+            <a:off x="6378151" y="2134416"/>
+            <a:ext cx="1534833" cy="1107996"/>
+          </a:xfrm>
+          <a:prstGeom prst="rect">
+            <a:avLst/>
+          </a:prstGeom>
+          <a:noFill/>
+        </p:spPr>
+        <p:txBody>
+          <a:bodyPr wrap="none" rtlCol="0">
+            <a:spAutoFit/>
+          </a:bodyPr>
+          <a:lstStyle/>
+          <a:p>
+            <a:r>
+              <a:rPr lang="en-US" sz="6600" dirty="0" smtClean="0">
+                <a:solidFill>
+                  <a:srgbClr val="C00000"/>
+                </a:solidFill>
+                <a:latin typeface="+mj-lt"/>
+              </a:rPr>
+              <a:t>NO</a:t>
+            </a:r>
+            <a:endParaRPr lang="en-US" sz="6600" dirty="0">
+              <a:latin typeface="+mj-lt"/>
+            </a:endParaRPr>
+          </a:p>
+        </p:txBody>
+      </p:sp>
+    </p:spTree>
+  </p:cSld>
+  <p:clrMapOvr>
+    <a:masterClrMapping/>
+  </p:clrMapOvr>
+  <p:transition xmlns:p14="http://schemas.microsoft.com/office/powerpoint/2010/main" spd="slow" advClick="0">
+    <p:fade/>
+  </p:transition>
+  <p:timing>
+    <p:tnLst>
+      <p:par>
+        <p:cTn xmlns:p14="http://schemas.microsoft.com/office/powerpoint/2010/main" id="1" dur="indefinite" restart="never" nodeType="tmRoot">
+          <p:childTnLst>
+            <p:seq concurrent="1" nextAc="seek">
+              <p:cTn id="2" dur="indefinite" nodeType="mainSeq">
+                <p:childTnLst>
+                  <p:par>
+                    <p:cTn id="3" fill="hold">
+                      <p:stCondLst>
+                        <p:cond delay="indefinite"/>
+                      </p:stCondLst>
+                      <p:childTnLst>
+                        <p:par>
+                          <p:cTn id="4" fill="hold">
+                            <p:stCondLst>
+                              <p:cond delay="0"/>
+                            </p:stCondLst>
+                            <p:childTnLst>
+                              <p:par>
+                                <p:cTn id="5" presetID="22" presetClass="entr" presetSubtype="8" fill="hold" grpId="0" nodeType="clickEffect">
+                                  <p:stCondLst>
+                                    <p:cond delay="0"/>
+                                  </p:stCondLst>
+                                  <p:childTnLst>
+                                    <p:set>
+                                      <p:cBhvr>
+                                        <p:cTn id="6" dur="1" fill="hold">
+                                          <p:stCondLst>
+                                            <p:cond delay="0"/>
+                                          </p:stCondLst>
+                                        </p:cTn>
+                                        <p:tgtEl>
+                                          <p:spTgt spid="32772">
+                                            <p:txEl>
+                                              <p:pRg st="2" end="2"/>
+                                            </p:txEl>
+                                          </p:spTgt>
+                                        </p:tgtEl>
+                                        <p:attrNameLst>
+                                          <p:attrName>style.visibility</p:attrName>
+                                        </p:attrNameLst>
+                                      </p:cBhvr>
+                                      <p:to>
+                                        <p:strVal val="visible"/>
+                                      </p:to>
+                                    </p:set>
+                                    <p:animEffect transition="in" filter="wipe(left)">
+                                      <p:cBhvr>
+                                        <p:cTn id="7" dur="1000"/>
+                                        <p:tgtEl>
+                                          <p:spTgt spid="32772">
+                                            <p:txEl>
+                                              <p:pRg st="2" end="2"/>
+                                            </p:txEl>
+                                          </p:spTgt>
+                                        </p:tgtEl>
+                                      </p:cBhvr>
+                                    </p:animEffect>
+                                  </p:childTnLst>
+                                </p:cTn>
+                              </p:par>
+                            </p:childTnLst>
+                          </p:cTn>
+                        </p:par>
+                      </p:childTnLst>
+                    </p:cTn>
+                  </p:par>
+                  <p:par>
+                    <p:cTn id="8" fill="hold">
+                      <p:stCondLst>
+                        <p:cond delay="indefinite"/>
+                      </p:stCondLst>
+                      <p:childTnLst>
+                        <p:par>
+                          <p:cTn id="9" fill="hold">
+                            <p:stCondLst>
+                              <p:cond delay="0"/>
+                            </p:stCondLst>
+                            <p:childTnLst>
+                              <p:par>
+                                <p:cTn id="10" presetID="22" presetClass="entr" presetSubtype="8" fill="hold" grpId="0" nodeType="clickEffect">
+                                  <p:stCondLst>
+                                    <p:cond delay="0"/>
+                                  </p:stCondLst>
+                                  <p:childTnLst>
+                                    <p:set>
+                                      <p:cBhvr>
+                                        <p:cTn id="11" dur="1" fill="hold">
+                                          <p:stCondLst>
+                                            <p:cond delay="0"/>
+                                          </p:stCondLst>
+                                        </p:cTn>
+                                        <p:tgtEl>
+                                          <p:spTgt spid="32772">
+                                            <p:txEl>
+                                              <p:pRg st="3" end="3"/>
+                                            </p:txEl>
+                                          </p:spTgt>
+                                        </p:tgtEl>
+                                        <p:attrNameLst>
+                                          <p:attrName>style.visibility</p:attrName>
+                                        </p:attrNameLst>
+                                      </p:cBhvr>
+                                      <p:to>
+                                        <p:strVal val="visible"/>
+                                      </p:to>
+                                    </p:set>
+                                    <p:animEffect transition="in" filter="wipe(left)">
+                                      <p:cBhvr>
+                                        <p:cTn id="12" dur="1000"/>
+                                        <p:tgtEl>
+                                          <p:spTgt spid="32772">
+                                            <p:txEl>
+                                              <p:pRg st="3" end="3"/>
+                                            </p:txEl>
+                                          </p:spTgt>
+                                        </p:tgtEl>
+                                      </p:cBhvr>
+                                    </p:animEffect>
+                                  </p:childTnLst>
+                                </p:cTn>
+                              </p:par>
+                            </p:childTnLst>
+                          </p:cTn>
+                        </p:par>
+                      </p:childTnLst>
+                    </p:cTn>
+                  </p:par>
+                  <p:par>
+                    <p:cTn id="13" fill="hold">
+                      <p:stCondLst>
+                        <p:cond delay="indefinite"/>
+                      </p:stCondLst>
+                      <p:childTnLst>
+                        <p:par>
+                          <p:cTn id="14" fill="hold">
+                            <p:stCondLst>
+                              <p:cond delay="0"/>
+                            </p:stCondLst>
+                            <p:childTnLst>
+                              <p:par>
+                                <p:cTn id="15" presetID="10" presetClass="entr" presetSubtype="0" fill="hold" grpId="0" nodeType="clickEffect">
+                                  <p:stCondLst>
+                                    <p:cond delay="0"/>
+                                  </p:stCondLst>
+                                  <p:childTnLst>
+                                    <p:set>
+                                      <p:cBhvr>
+                                        <p:cTn id="16" dur="1" fill="hold">
+                                          <p:stCondLst>
+                                            <p:cond delay="0"/>
+                                          </p:stCondLst>
+                                        </p:cTn>
+                                        <p:tgtEl>
+                                          <p:spTgt spid="5"/>
+                                        </p:tgtEl>
+                                        <p:attrNameLst>
+                                          <p:attrName>style.visibility</p:attrName>
+                                        </p:attrNameLst>
+                                      </p:cBhvr>
+                                      <p:to>
+                                        <p:strVal val="visible"/>
+                                      </p:to>
+                                    </p:set>
+                                    <p:animEffect transition="in" filter="fade">
+                                      <p:cBhvr>
+                                        <p:cTn id="17" dur="500"/>
+                                        <p:tgtEl>
+                                          <p:spTgt spid="5"/>
+                                        </p:tgtEl>
+                                      </p:cBhvr>
+                                    </p:animEffect>
+                                  </p:childTnLst>
+                                </p:cTn>
+                              </p:par>
+                            </p:childTnLst>
+                          </p:cTn>
+                        </p:par>
+                      </p:childTnLst>
+                    </p:cTn>
+                  </p:par>
+                </p:childTnLst>
+              </p:cTn>
+              <p:prevCondLst>
+                <p:cond evt="onPrev" delay="0">
+                  <p:tgtEl>
+                    <p:sldTgt/>
+                  </p:tgtEl>
+                </p:cond>
+              </p:prevCondLst>
+              <p:nextCondLst>
+                <p:cond evt="onNext" delay="0">
+                  <p:tgtEl>
+                    <p:sldTgt/>
+                  </p:tgtEl>
+                </p:cond>
+              </p:nextCondLst>
+            </p:seq>
+          </p:childTnLst>
+        </p:cTn>
+      </p:par>
+    </p:tnLst>
+    <p:bldLst>
+      <p:bldP spid="32772" grpId="0" build="p"/>
+      <p:bldP spid="5" grpId="0"/>
+    </p:bldLst>
+  </p:timing>
+</p:sld>
+</file>
+
+<file path=ppt/slides/slide12.xml><?xml version="1.0" encoding="utf-8"?>
 <p:sld xmlns:a="http://schemas.openxmlformats.org/drawingml/2006/main" xmlns:r="http://schemas.openxmlformats.org/officeDocument/2006/relationships" xmlns:p="http://schemas.openxmlformats.org/presentationml/2006/main">
   <p:cSld>
     <p:spTree>
@@ -3392,7 +5174,7 @@
               <a:pPr>
                 <a:defRPr/>
               </a:pPr>
-              <a:t>10</a:t>
+              <a:t>12</a:t>
             </a:fld>
             <a:endParaRPr lang="en-US" dirty="0"/>
           </a:p>
@@ -3426,10 +5208,18 @@
             <a:r>
               <a:rPr lang="en-US" sz="4400" dirty="0" smtClean="0">
                 <a:solidFill>
+                  <a:srgbClr val="9B2894"/>
+                </a:solidFill>
+              </a:rPr>
+              <a:t>indicator variable</a:t>
+            </a:r>
+            <a:r>
+              <a:rPr lang="en-US" sz="4400" dirty="0" smtClean="0">
+                <a:solidFill>
                   <a:srgbClr val="006600"/>
                 </a:solidFill>
               </a:rPr>
-              <a:t>indicator variable </a:t>
+              <a:t> </a:t>
             </a:r>
             <a:r>
               <a:rPr lang="en-US" sz="4400" dirty="0" smtClean="0"/>
@@ -3564,8 +5354,13 @@
             </a:r>
             <a:r>
               <a:rPr lang="en-US" sz="4400" dirty="0" smtClean="0"/>
-              <a:t> are independent.)</a:t>
-            </a:r>
+              <a:t> are </a:t>
+            </a:r>
+            <a:r>
+              <a:rPr lang="en-US" sz="4400" dirty="0" smtClean="0"/>
+              <a:t>independent)</a:t>
+            </a:r>
+            <a:endParaRPr lang="en-US" sz="4400" dirty="0" smtClean="0"/>
           </a:p>
         </p:txBody>
       </p:sp>
@@ -3577,17 +5372,22 @@
           </p:cNvGraphicFramePr>
           <p:nvPr>
             <p:ph sz="quarter" idx="4294967295"/>
+            <p:extLst>
+              <p:ext uri="{D42A27DB-BD31-4B8C-83A1-F6EECF244321}">
+                <p14:modId xmlns:p14="http://schemas.microsoft.com/office/powerpoint/2010/main" val="3411310627"/>
+              </p:ext>
+            </p:extLst>
           </p:nvPr>
         </p:nvGraphicFramePr>
         <p:xfrm>
-          <a:off x="1171575" y="2116138"/>
-          <a:ext cx="6761163" cy="1690687"/>
+          <a:off x="799027" y="2116138"/>
+          <a:ext cx="7620329" cy="1905529"/>
         </p:xfrm>
         <a:graphic>
           <a:graphicData uri="http://schemas.openxmlformats.org/presentationml/2006/ole">
             <mc:AlternateContent xmlns:mc="http://schemas.openxmlformats.org/markup-compatibility/2006">
               <mc:Choice xmlns:v="urn:schemas-microsoft-com:vml" Requires="v">
-                <p:oleObj spid="_x0000_s484397" name="Equation" r:id="rId4" imgW="2133600" imgH="533400" progId="Equation.DSMT4">
+                <p:oleObj spid="_x0000_s484405" name="Equation" r:id="rId4" imgW="2133600" imgH="533400" progId="Equation.DSMT4">
                   <p:embed/>
                 </p:oleObj>
               </mc:Choice>
@@ -3617,22 +5417,14 @@
                     </p:blipFill>
                     <p:spPr bwMode="auto">
                       <a:xfrm>
-                        <a:off x="1171575" y="2116138"/>
-                        <a:ext cx="6761163" cy="1690687"/>
+                        <a:off x="799027" y="2116138"/>
+                        <a:ext cx="7620329" cy="1905529"/>
                       </a:xfrm>
                       <a:prstGeom prst="rect">
                         <a:avLst/>
                       </a:prstGeom>
                       <a:noFill/>
-                      <a:extLst>
-                        <a:ext uri="{909E8E84-426E-40dd-AFC4-6F175D3DCCD1}">
-                          <a14:hiddenFill xmlns:a14="http://schemas.microsoft.com/office/drawing/2010/main">
-                            <a:solidFill>
-                              <a:srgbClr val="FFFFFF"/>
-                            </a:solidFill>
-                          </a14:hiddenFill>
-                        </a:ext>
-                      </a:extLst>
+                      <a:extLst/>
                     </p:spPr>
                   </p:pic>
                 </p:oleObj>
@@ -3723,7 +5515,7 @@
                                     </p:set>
                                     <p:animEffect transition="in" filter="wipe(left)">
                                       <p:cBhvr>
-                                        <p:cTn id="7" dur="500"/>
+                                        <p:cTn id="7" dur="2000"/>
                                         <p:tgtEl>
                                           <p:spTgt spid="8194"/>
                                         </p:tgtEl>
@@ -3793,15 +5585,33 @@
                                   </p:childTnLst>
                                 </p:cTn>
                               </p:par>
+                            </p:childTnLst>
+                          </p:cTn>
+                        </p:par>
+                      </p:childTnLst>
+                    </p:cTn>
+                  </p:par>
+                  <p:par>
+                    <p:cTn id="13" fill="hold">
+                      <p:stCondLst>
+                        <p:cond delay="indefinite"/>
+                      </p:stCondLst>
+                      <p:childTnLst>
+                        <p:par>
+                          <p:cTn id="14" fill="hold">
+                            <p:stCondLst>
+                              <p:cond delay="0"/>
+                            </p:stCondLst>
+                            <p:childTnLst>
                               <p:par>
-                                <p:cTn id="13" presetID="9" presetClass="entr" presetSubtype="0" fill="hold" nodeType="withEffect">
+                                <p:cTn id="15" presetID="9" presetClass="entr" presetSubtype="0" fill="hold" nodeType="clickEffect">
                                   <p:stCondLst>
                                     <p:cond delay="0"/>
                                   </p:stCondLst>
                                   <p:childTnLst>
                                     <p:set>
                                       <p:cBhvr>
-                                        <p:cTn id="14" dur="1" fill="hold">
+                                        <p:cTn id="16" dur="1" fill="hold">
                                           <p:stCondLst>
                                             <p:cond delay="0"/>
                                           </p:stCondLst>
@@ -3823,7 +5633,7 @@
                                     </p:set>
                                     <p:animEffect transition="in" filter="dissolve">
                                       <p:cBhvr>
-                                        <p:cTn id="15" dur="500"/>
+                                        <p:cTn id="17" dur="500"/>
                                         <p:tgtEl>
                                           <p:spTgt spid="155651">
                                             <p:txEl>
@@ -3839,21 +5649,30 @@
                             </p:childTnLst>
                           </p:cTn>
                         </p:par>
+                      </p:childTnLst>
+                    </p:cTn>
+                  </p:par>
+                  <p:par>
+                    <p:cTn id="18" fill="hold">
+                      <p:stCondLst>
+                        <p:cond delay="indefinite"/>
+                      </p:stCondLst>
+                      <p:childTnLst>
                         <p:par>
-                          <p:cTn id="16" fill="hold">
+                          <p:cTn id="19" fill="hold">
                             <p:stCondLst>
-                              <p:cond delay="500"/>
+                              <p:cond delay="0"/>
                             </p:stCondLst>
                             <p:childTnLst>
                               <p:par>
-                                <p:cTn id="17" presetID="9" presetClass="entr" presetSubtype="0" fill="hold" nodeType="afterEffect">
+                                <p:cTn id="20" presetID="9" presetClass="entr" presetSubtype="0" fill="hold" nodeType="clickEffect">
                                   <p:stCondLst>
                                     <p:cond delay="0"/>
                                   </p:stCondLst>
                                   <p:childTnLst>
                                     <p:set>
                                       <p:cBhvr>
-                                        <p:cTn id="18" dur="1" fill="hold">
+                                        <p:cTn id="21" dur="1" fill="hold">
                                           <p:stCondLst>
                                             <p:cond delay="0"/>
                                           </p:stCondLst>
@@ -3875,7 +5694,7 @@
                                     </p:set>
                                     <p:animEffect transition="in" filter="dissolve">
                                       <p:cBhvr>
-                                        <p:cTn id="19" dur="1000"/>
+                                        <p:cTn id="22" dur="1000"/>
                                         <p:tgtEl>
                                           <p:spTgt spid="155651">
                                             <p:txEl>
@@ -3919,7 +5738,7 @@
 </p:sld>
 </file>
 
-<file path=ppt/slides/slide11.xml><?xml version="1.0" encoding="utf-8"?>
+<file path=ppt/slides/slide13.xml><?xml version="1.0" encoding="utf-8"?>
 <p:sld xmlns:a="http://schemas.openxmlformats.org/drawingml/2006/main" xmlns:r="http://schemas.openxmlformats.org/officeDocument/2006/relationships" xmlns:p="http://schemas.openxmlformats.org/presentationml/2006/main">
   <p:cSld>
     <p:spTree>
@@ -3967,7 +5786,7 @@
               <a:pPr>
                 <a:defRPr/>
               </a:pPr>
-              <a:t>11</a:t>
+              <a:t>13</a:t>
             </a:fld>
             <a:endParaRPr lang="en-US" dirty="0"/>
           </a:p>
@@ -4035,43 +5854,30 @@
             </a:r>
             <a:r>
               <a:rPr lang="en-US" sz="6000" dirty="0" smtClean="0"/>
-              <a:t> </a:t>
-            </a:r>
+              <a:t> and </a:t>
+            </a:r>
+            <a:r>
+              <a:rPr lang="en-US" sz="6000" dirty="0" smtClean="0">
+                <a:solidFill>
+                  <a:srgbClr val="0000FF"/>
+                </a:solidFill>
+              </a:rPr>
+              <a:t>I</a:t>
+            </a:r>
+            <a:r>
+              <a:rPr lang="en-US" sz="6000" baseline="-25000" dirty="0" smtClean="0">
+                <a:solidFill>
+                  <a:srgbClr val="0000FF"/>
+                </a:solidFill>
+              </a:rPr>
+              <a:t>O</a:t>
+            </a:r>
+          </a:p>
+          <a:p>
+            <a:pPr eaLnBrk="1" hangingPunct="1"/>
             <a:r>
               <a:rPr lang="en-US" sz="6000" dirty="0" smtClean="0"/>
-              <a:t>and </a:t>
-            </a:r>
-            <a:r>
-              <a:rPr lang="en-US" sz="6000" dirty="0" smtClean="0">
-                <a:solidFill>
-                  <a:srgbClr val="0000FF"/>
-                </a:solidFill>
-              </a:rPr>
-              <a:t>I</a:t>
-            </a:r>
-            <a:r>
-              <a:rPr lang="en-US" sz="6000" baseline="-25000" dirty="0" smtClean="0">
-                <a:solidFill>
-                  <a:srgbClr val="0000FF"/>
-                </a:solidFill>
-              </a:rPr>
-              <a:t>O</a:t>
-            </a:r>
-            <a:endParaRPr lang="en-US" sz="6000" baseline="-25000" dirty="0" smtClean="0">
-              <a:solidFill>
-                <a:srgbClr val="0000FF"/>
-              </a:solidFill>
-            </a:endParaRPr>
-          </a:p>
-          <a:p>
-            <a:pPr eaLnBrk="1" hangingPunct="1"/>
-            <a:r>
-              <a:rPr lang="en-US" sz="6000" dirty="0" smtClean="0"/>
-              <a:t>    </a:t>
-            </a:r>
-            <a:r>
-              <a:rPr lang="en-US" sz="6000" dirty="0" smtClean="0"/>
-              <a:t>independent?</a:t>
+              <a:t>    independent?</a:t>
             </a:r>
           </a:p>
         </p:txBody>
@@ -4239,9 +6045,18 @@
   <p:clrMapOvr>
     <a:masterClrMapping/>
   </p:clrMapOvr>
-  <p:transition xmlns:p14="http://schemas.microsoft.com/office/powerpoint/2010/main" spd="slow" advClick="0">
-    <p:fade/>
-  </p:transition>
+  <mc:AlternateContent xmlns:mc="http://schemas.openxmlformats.org/markup-compatibility/2006">
+    <mc:Choice xmlns:p14="http://schemas.microsoft.com/office/powerpoint/2010/main" Requires="p14">
+      <p:transition spd="slow" p14:dur="800" advClick="0">
+        <p:fade/>
+      </p:transition>
+    </mc:Choice>
+    <mc:Fallback>
+      <p:transition xmlns:p14="http://schemas.microsoft.com/office/powerpoint/2010/main" spd="slow" advClick="0">
+        <p:fade/>
+      </p:transition>
+    </mc:Fallback>
+  </mc:AlternateContent>
   <p:timing>
     <p:tnLst>
       <p:par>
@@ -4254,6 +6069,9 @@
                     <p:cTn id="3" fill="hold">
                       <p:stCondLst>
                         <p:cond delay="indefinite"/>
+                        <p:cond evt="onBegin" delay="0">
+                          <p:tn val="2"/>
+                        </p:cond>
                       </p:stCondLst>
                       <p:childTnLst>
                         <p:par>
@@ -4263,7 +6081,7 @@
                             </p:stCondLst>
                             <p:childTnLst>
                               <p:par>
-                                <p:cTn id="5" presetID="10" presetClass="entr" presetSubtype="0" fill="hold" grpId="0" nodeType="clickEffect">
+                                <p:cTn id="5" presetID="10" presetClass="entr" presetSubtype="0" fill="hold" grpId="0" nodeType="withEffect">
                                   <p:stCondLst>
                                     <p:cond delay="0"/>
                                   </p:stCondLst>
@@ -4559,7 +6377,7 @@
 </p:sld>
 </file>
 
-<file path=ppt/slides/slide12.xml><?xml version="1.0" encoding="utf-8"?>
+<file path=ppt/slides/slide14.xml><?xml version="1.0" encoding="utf-8"?>
 <p:sld xmlns:a="http://schemas.openxmlformats.org/drawingml/2006/main" xmlns:r="http://schemas.openxmlformats.org/officeDocument/2006/relationships" xmlns:p="http://schemas.openxmlformats.org/presentationml/2006/main">
   <p:cSld>
     <p:spTree>
@@ -4603,7 +6421,7 @@
               <a:pPr>
                 <a:defRPr/>
               </a:pPr>
-              <a:t>12</a:t>
+              <a:t>14</a:t>
             </a:fld>
             <a:endParaRPr lang="en-US" dirty="0"/>
           </a:p>
@@ -4850,13 +6668,13 @@
   <p:clrMapOvr>
     <a:masterClrMapping/>
   </p:clrMapOvr>
-  <mc:AlternateContent xmlns:mc="http://schemas.openxmlformats.org/markup-compatibility/2006">
-    <mc:Choice xmlns:p14="http://schemas.microsoft.com/office/powerpoint/2010/main" Requires="p14">
+  <mc:AlternateContent xmlns:mc="http://schemas.openxmlformats.org/markup-compatibility/2006" xmlns:p14="http://schemas.microsoft.com/office/powerpoint/2010/main">
+    <mc:Choice Requires="p14">
       <p:transition spd="slow" p14:dur="1100" advClick="0">
         <p:fade thruBlk="1"/>
       </p:transition>
     </mc:Choice>
-    <mc:Fallback>
+    <mc:Fallback xmlns="">
       <p:transition xmlns:p14="http://schemas.microsoft.com/office/powerpoint/2010/main" spd="slow" advClick="0">
         <p:fade thruBlk="1"/>
       </p:transition>
@@ -5063,7 +6881,7 @@
 </p:sld>
 </file>
 
-<file path=ppt/slides/slide13.xml><?xml version="1.0" encoding="utf-8"?>
+<file path=ppt/slides/slide15.xml><?xml version="1.0" encoding="utf-8"?>
 <p:sld xmlns:a="http://schemas.openxmlformats.org/drawingml/2006/main" xmlns:r="http://schemas.openxmlformats.org/officeDocument/2006/relationships" xmlns:p="http://schemas.openxmlformats.org/presentationml/2006/main">
   <p:cSld>
     <p:spTree>
@@ -5107,7 +6925,7 @@
               <a:pPr>
                 <a:defRPr/>
               </a:pPr>
-              <a:t>13</a:t>
+              <a:t>15</a:t>
             </a:fld>
             <a:endParaRPr lang="en-US" dirty="0"/>
           </a:p>
@@ -5366,7 +7184,7 @@
           <a:graphicData uri="http://schemas.openxmlformats.org/presentationml/2006/ole">
             <mc:AlternateContent xmlns:mc="http://schemas.openxmlformats.org/markup-compatibility/2006">
               <mc:Choice xmlns:v="urn:schemas-microsoft-com:vml" Requires="v">
-                <p:oleObj spid="_x0000_s1028" name="Equation" r:id="rId3" imgW="673100" imgH="190500" progId="Equation.DSMT4">
+                <p:oleObj spid="_x0000_s1034" name="Equation" r:id="rId3" imgW="673100" imgH="190500" progId="Equation.DSMT4">
                   <p:embed/>
                 </p:oleObj>
               </mc:Choice>
@@ -5411,13 +7229,13 @@
   <p:clrMapOvr>
     <a:masterClrMapping/>
   </p:clrMapOvr>
-  <mc:AlternateContent xmlns:mc="http://schemas.openxmlformats.org/markup-compatibility/2006">
-    <mc:Choice xmlns:p14="http://schemas.microsoft.com/office/powerpoint/2010/main" Requires="p14">
+  <mc:AlternateContent xmlns:mc="http://schemas.openxmlformats.org/markup-compatibility/2006" xmlns:p14="http://schemas.microsoft.com/office/powerpoint/2010/main">
+    <mc:Choice Requires="p14">
       <p:transition spd="med" p14:dur="600" advClick="0">
         <p:fade/>
       </p:transition>
     </mc:Choice>
-    <mc:Fallback>
+    <mc:Fallback xmlns="">
       <p:transition xmlns:p14="http://schemas.microsoft.com/office/powerpoint/2010/main" spd="med" advClick="0">
         <p:fade/>
       </p:transition>
@@ -5517,7 +7335,994 @@
 </p:sld>
 </file>
 
-<file path=ppt/slides/slide2.xml><?xml version="1.0" encoding="utf-8"?>
+<file path=ppt/slides/slide16.xml><?xml version="1.0" encoding="utf-8"?>
+<p:sld xmlns:a="http://schemas.openxmlformats.org/drawingml/2006/main" xmlns:r="http://schemas.openxmlformats.org/officeDocument/2006/relationships" xmlns:p="http://schemas.openxmlformats.org/presentationml/2006/main" show="0">
+  <p:cSld>
+    <p:spTree>
+      <p:nvGrpSpPr>
+        <p:cNvPr id="1" name=""/>
+        <p:cNvGrpSpPr/>
+        <p:nvPr/>
+      </p:nvGrpSpPr>
+      <p:grpSpPr>
+        <a:xfrm>
+          <a:off x="0" y="0"/>
+          <a:ext cx="0" cy="0"/>
+          <a:chOff x="0" y="0"/>
+          <a:chExt cx="0" cy="0"/>
+        </a:xfrm>
+      </p:grpSpPr>
+      <p:sp>
+        <p:nvSpPr>
+          <p:cNvPr id="6" name="Slide Number Placeholder 3"/>
+          <p:cNvSpPr>
+            <a:spLocks noGrp="1"/>
+          </p:cNvSpPr>
+          <p:nvPr>
+            <p:ph type="sldNum" sz="quarter" idx="11"/>
+          </p:nvPr>
+        </p:nvSpPr>
+        <p:spPr/>
+        <p:txBody>
+          <a:bodyPr/>
+          <a:lstStyle/>
+          <a:p>
+            <a:pPr>
+              <a:defRPr/>
+            </a:pPr>
+            <a:r>
+              <a:rPr lang="en-US" dirty="0" err="1" smtClean="0"/>
+              <a:t>ranvar</a:t>
+            </a:r>
+            <a:r>
+              <a:rPr lang="en-US" dirty="0" smtClean="0"/>
+              <a:t>-mutual.</a:t>
+            </a:r>
+            <a:fld id="{49480264-560C-4B6D-AA11-2CFC3B5E1642}" type="slidenum">
+              <a:rPr lang="en-US" smtClean="0"/>
+              <a:pPr>
+                <a:defRPr/>
+              </a:pPr>
+              <a:t>16</a:t>
+            </a:fld>
+            <a:endParaRPr lang="en-US" dirty="0"/>
+          </a:p>
+        </p:txBody>
+      </p:sp>
+      <p:sp>
+        <p:nvSpPr>
+          <p:cNvPr id="33795" name="Rectangle 2"/>
+          <p:cNvSpPr>
+            <a:spLocks noGrp="1" noChangeArrowheads="1"/>
+          </p:cNvSpPr>
+          <p:nvPr>
+            <p:ph type="title" idx="4294967295"/>
+          </p:nvPr>
+        </p:nvSpPr>
+        <p:spPr>
+          <a:xfrm>
+            <a:off x="990600" y="0"/>
+            <a:ext cx="7086600" cy="1143000"/>
+          </a:xfrm>
+        </p:spPr>
+        <p:txBody>
+          <a:bodyPr/>
+          <a:lstStyle/>
+          <a:p>
+            <a:pPr eaLnBrk="1" hangingPunct="1"/>
+            <a:r>
+              <a:rPr lang="en-US" dirty="0" smtClean="0"/>
+              <a:t>Independent Variables</a:t>
+            </a:r>
+          </a:p>
+        </p:txBody>
+      </p:sp>
+      <p:sp>
+        <p:nvSpPr>
+          <p:cNvPr id="150531" name="Rectangle 3"/>
+          <p:cNvSpPr>
+            <a:spLocks noGrp="1" noChangeArrowheads="1"/>
+          </p:cNvSpPr>
+          <p:nvPr>
+            <p:ph idx="4294967295"/>
+          </p:nvPr>
+        </p:nvSpPr>
+        <p:spPr>
+          <a:xfrm>
+            <a:off x="457200" y="952500"/>
+            <a:ext cx="8191500" cy="5334000"/>
+          </a:xfrm>
+        </p:spPr>
+        <p:txBody>
+          <a:bodyPr/>
+          <a:lstStyle/>
+          <a:p>
+            <a:pPr algn="ctr" eaLnBrk="1" hangingPunct="1"/>
+            <a:r>
+              <a:rPr lang="en-US" sz="3600" dirty="0" smtClean="0">
+                <a:solidFill>
+                  <a:srgbClr val="3333FF"/>
+                </a:solidFill>
+              </a:rPr>
+              <a:t>H</a:t>
+            </a:r>
+            <a:r>
+              <a:rPr lang="en-US" sz="3600" baseline="-25000" dirty="0" smtClean="0">
+                <a:solidFill>
+                  <a:srgbClr val="3333FF"/>
+                </a:solidFill>
+              </a:rPr>
+              <a:t>1</a:t>
+            </a:r>
+            <a:r>
+              <a:rPr lang="en-US" sz="3600" baseline="-25000" dirty="0" smtClean="0"/>
+              <a:t> </a:t>
+            </a:r>
+            <a:r>
+              <a:rPr lang="en-US" sz="3600" dirty="0" smtClean="0"/>
+              <a:t>::= indicator for Head on coin 1</a:t>
+            </a:r>
+            <a:endParaRPr lang="en-US" sz="3600" baseline="-25000" dirty="0" smtClean="0"/>
+          </a:p>
+          <a:p>
+            <a:pPr algn="ctr" eaLnBrk="1" hangingPunct="1"/>
+            <a:r>
+              <a:rPr lang="en-US" sz="3600" dirty="0" smtClean="0">
+                <a:solidFill>
+                  <a:srgbClr val="3333FF"/>
+                </a:solidFill>
+              </a:rPr>
+              <a:t>H</a:t>
+            </a:r>
+            <a:r>
+              <a:rPr lang="en-US" sz="3600" baseline="-25000" dirty="0" smtClean="0">
+                <a:solidFill>
+                  <a:srgbClr val="3333FF"/>
+                </a:solidFill>
+              </a:rPr>
+              <a:t>2</a:t>
+            </a:r>
+            <a:r>
+              <a:rPr lang="en-US" sz="3600" baseline="-25000" dirty="0" smtClean="0"/>
+              <a:t> </a:t>
+            </a:r>
+            <a:r>
+              <a:rPr lang="en-US" sz="3600" dirty="0" smtClean="0"/>
+              <a:t>::= indicator for Head on coin 2</a:t>
+            </a:r>
+            <a:endParaRPr lang="en-US" sz="3600" baseline="-25000" dirty="0" smtClean="0"/>
+          </a:p>
+          <a:p>
+            <a:pPr eaLnBrk="1" hangingPunct="1"/>
+            <a:r>
+              <a:rPr lang="en-US" sz="3600" dirty="0" smtClean="0"/>
+              <a:t>   </a:t>
+            </a:r>
+            <a:r>
+              <a:rPr lang="en-US" sz="3600" dirty="0" smtClean="0">
+                <a:solidFill>
+                  <a:srgbClr val="3333FF"/>
+                </a:solidFill>
+              </a:rPr>
+              <a:t>P</a:t>
+            </a:r>
+            <a:r>
+              <a:rPr lang="en-US" sz="3600" baseline="-25000" dirty="0" smtClean="0"/>
+              <a:t> </a:t>
+            </a:r>
+            <a:r>
+              <a:rPr lang="en-US" sz="3600" dirty="0" smtClean="0"/>
+              <a:t>::= </a:t>
+            </a:r>
+            <a:r>
+              <a:rPr lang="en-US" sz="3600" dirty="0" smtClean="0">
+                <a:solidFill>
+                  <a:srgbClr val="3333FF"/>
+                </a:solidFill>
+              </a:rPr>
+              <a:t>H</a:t>
+            </a:r>
+            <a:r>
+              <a:rPr lang="en-US" sz="3600" baseline="-25000" dirty="0" smtClean="0">
+                <a:solidFill>
+                  <a:srgbClr val="3333FF"/>
+                </a:solidFill>
+              </a:rPr>
+              <a:t>1</a:t>
+            </a:r>
+            <a:r>
+              <a:rPr lang="en-US" sz="3600" b="1" dirty="0" smtClean="0">
+                <a:solidFill>
+                  <a:srgbClr val="3333FF"/>
+                </a:solidFill>
+              </a:rPr>
+              <a:t> </a:t>
+            </a:r>
+            <a:r>
+              <a:rPr lang="en-US" sz="3600" b="1" dirty="0" smtClean="0">
+                <a:solidFill>
+                  <a:srgbClr val="3333FF"/>
+                </a:solidFill>
+                <a:latin typeface="Euclid Symbol" charset="2"/>
+                <a:cs typeface="Euclid Symbol" charset="2"/>
+                <a:sym typeface="Euclid Symbol" pitchFamily="18" charset="2"/>
+              </a:rPr>
+              <a:t>⊕</a:t>
+            </a:r>
+            <a:r>
+              <a:rPr lang="en-US" sz="3600" dirty="0" smtClean="0">
+                <a:sym typeface="Symbol" pitchFamily="18" charset="2"/>
+              </a:rPr>
+              <a:t> </a:t>
+            </a:r>
+            <a:r>
+              <a:rPr lang="en-US" sz="3600" dirty="0" smtClean="0">
+                <a:solidFill>
+                  <a:srgbClr val="3333FF"/>
+                </a:solidFill>
+              </a:rPr>
+              <a:t>H</a:t>
+            </a:r>
+            <a:r>
+              <a:rPr lang="en-US" sz="3600" baseline="-25000" dirty="0" smtClean="0">
+                <a:solidFill>
+                  <a:srgbClr val="3333FF"/>
+                </a:solidFill>
+              </a:rPr>
+              <a:t>2</a:t>
+            </a:r>
+            <a:r>
+              <a:rPr lang="en-US" sz="3600" baseline="-25000" dirty="0" smtClean="0"/>
+              <a:t>              </a:t>
+            </a:r>
+            <a:r>
+              <a:rPr lang="en-US" sz="3600" dirty="0" smtClean="0"/>
+              <a:t>  (mod 2 sum).</a:t>
+            </a:r>
+          </a:p>
+          <a:p>
+            <a:pPr eaLnBrk="1" hangingPunct="1"/>
+            <a:r>
+              <a:rPr lang="en-US" sz="3600" dirty="0" smtClean="0"/>
+              <a:t>any 2</a:t>
+            </a:r>
+            <a:r>
+              <a:rPr lang="en-US" sz="3600" dirty="0" smtClean="0">
+                <a:solidFill>
+                  <a:srgbClr val="006600"/>
+                </a:solidFill>
+              </a:rPr>
+              <a:t> </a:t>
+            </a:r>
+            <a:r>
+              <a:rPr lang="en-US" sz="3600" dirty="0" smtClean="0"/>
+              <a:t>of them</a:t>
+            </a:r>
+            <a:r>
+              <a:rPr lang="en-US" sz="3600" dirty="0" smtClean="0">
+                <a:solidFill>
+                  <a:srgbClr val="006600"/>
+                </a:solidFill>
+              </a:rPr>
+              <a:t> </a:t>
+            </a:r>
+            <a:r>
+              <a:rPr lang="en-US" sz="3600" dirty="0" smtClean="0"/>
+              <a:t>are</a:t>
+            </a:r>
+            <a:r>
+              <a:rPr lang="en-US" sz="3600" dirty="0" smtClean="0">
+                <a:solidFill>
+                  <a:srgbClr val="006600"/>
+                </a:solidFill>
+              </a:rPr>
+              <a:t> </a:t>
+            </a:r>
+            <a:r>
+              <a:rPr lang="en-US" sz="3600" dirty="0" smtClean="0"/>
+              <a:t>independent:</a:t>
+            </a:r>
+          </a:p>
+          <a:p>
+            <a:pPr algn="ctr" eaLnBrk="1" hangingPunct="1"/>
+            <a:r>
+              <a:rPr lang="en-US" sz="3600" dirty="0" err="1" smtClean="0"/>
+              <a:t>Pr</a:t>
+            </a:r>
+            <a:r>
+              <a:rPr lang="en-US" sz="3600" dirty="0" smtClean="0"/>
+              <a:t>[</a:t>
+            </a:r>
+            <a:r>
+              <a:rPr lang="en-US" sz="3600" dirty="0" smtClean="0">
+                <a:solidFill>
+                  <a:srgbClr val="3333FF"/>
+                </a:solidFill>
+              </a:rPr>
+              <a:t>P</a:t>
+            </a:r>
+            <a:r>
+              <a:rPr lang="en-US" sz="3600" dirty="0" smtClean="0"/>
+              <a:t>=0 | </a:t>
+            </a:r>
+            <a:r>
+              <a:rPr lang="en-US" sz="3600" dirty="0" smtClean="0">
+                <a:solidFill>
+                  <a:srgbClr val="3333FF"/>
+                </a:solidFill>
+              </a:rPr>
+              <a:t>H</a:t>
+            </a:r>
+            <a:r>
+              <a:rPr lang="en-US" sz="3600" baseline="-25000" dirty="0" smtClean="0">
+                <a:solidFill>
+                  <a:srgbClr val="3333FF"/>
+                </a:solidFill>
+              </a:rPr>
+              <a:t>2</a:t>
+            </a:r>
+            <a:r>
+              <a:rPr lang="en-US" sz="3600" dirty="0" smtClean="0"/>
+              <a:t>=</a:t>
+            </a:r>
+            <a:r>
+              <a:rPr lang="en-US" sz="3600" dirty="0" smtClean="0">
+                <a:solidFill>
+                  <a:srgbClr val="3333FF"/>
+                </a:solidFill>
+              </a:rPr>
+              <a:t>a</a:t>
+            </a:r>
+            <a:r>
+              <a:rPr lang="en-US" sz="3600" dirty="0" smtClean="0"/>
+              <a:t>] = </a:t>
+            </a:r>
+            <a:r>
+              <a:rPr lang="en-US" sz="3600" dirty="0" smtClean="0">
+                <a:solidFill>
+                  <a:srgbClr val="3333FF"/>
+                </a:solidFill>
+              </a:rPr>
+              <a:t>1/2</a:t>
+            </a:r>
+            <a:r>
+              <a:rPr lang="en-US" sz="3600" dirty="0" smtClean="0"/>
+              <a:t> = </a:t>
+            </a:r>
+            <a:r>
+              <a:rPr lang="en-US" sz="3600" dirty="0" err="1" smtClean="0"/>
+              <a:t>Pr</a:t>
+            </a:r>
+            <a:r>
+              <a:rPr lang="en-US" sz="3600" dirty="0" smtClean="0"/>
+              <a:t>[</a:t>
+            </a:r>
+            <a:r>
+              <a:rPr lang="en-US" sz="3600" dirty="0" smtClean="0">
+                <a:solidFill>
+                  <a:srgbClr val="3333FF"/>
+                </a:solidFill>
+              </a:rPr>
+              <a:t>P</a:t>
+            </a:r>
+            <a:r>
+              <a:rPr lang="en-US" sz="3600" dirty="0" smtClean="0"/>
+              <a:t>=0], etc.</a:t>
+            </a:r>
+          </a:p>
+          <a:p>
+            <a:pPr eaLnBrk="1" hangingPunct="1"/>
+            <a:r>
+              <a:rPr lang="en-US" sz="3600" dirty="0" smtClean="0"/>
+              <a:t>But</a:t>
+            </a:r>
+            <a:r>
+              <a:rPr lang="en-US" sz="3600" dirty="0" smtClean="0">
+                <a:solidFill>
+                  <a:srgbClr val="FF6600"/>
+                </a:solidFill>
+              </a:rPr>
+              <a:t> </a:t>
+            </a:r>
+            <a:r>
+              <a:rPr lang="en-US" sz="3600" dirty="0" smtClean="0">
+                <a:solidFill>
+                  <a:srgbClr val="FF00FF"/>
+                </a:solidFill>
+              </a:rPr>
+              <a:t>any</a:t>
+            </a:r>
+            <a:r>
+              <a:rPr lang="en-US" sz="3600" dirty="0" smtClean="0"/>
+              <a:t> </a:t>
+            </a:r>
+            <a:r>
+              <a:rPr lang="en-US" sz="3600" dirty="0" smtClean="0">
+                <a:solidFill>
+                  <a:srgbClr val="FF00FF"/>
+                </a:solidFill>
+              </a:rPr>
+              <a:t>2</a:t>
+            </a:r>
+            <a:r>
+              <a:rPr lang="en-US" sz="3600" dirty="0" smtClean="0">
+                <a:solidFill>
+                  <a:srgbClr val="FF6600"/>
+                </a:solidFill>
+              </a:rPr>
+              <a:t> </a:t>
+            </a:r>
+            <a:r>
+              <a:rPr lang="en-US" sz="3600" dirty="0" smtClean="0">
+                <a:solidFill>
+                  <a:srgbClr val="FF00FF"/>
+                </a:solidFill>
+              </a:rPr>
+              <a:t>determine the 3</a:t>
+            </a:r>
+            <a:r>
+              <a:rPr lang="en-US" sz="3600" baseline="30000" dirty="0" smtClean="0">
+                <a:solidFill>
+                  <a:srgbClr val="FF00FF"/>
+                </a:solidFill>
+              </a:rPr>
+              <a:t>rd</a:t>
+            </a:r>
+            <a:r>
+              <a:rPr lang="en-US" sz="3600" dirty="0" smtClean="0">
+                <a:solidFill>
+                  <a:srgbClr val="FF00FF"/>
+                </a:solidFill>
+              </a:rPr>
+              <a:t> </a:t>
+            </a:r>
+            <a:r>
+              <a:rPr lang="en-US" sz="3600" dirty="0" smtClean="0"/>
+              <a:t>one,</a:t>
+            </a:r>
+          </a:p>
+          <a:p>
+            <a:pPr eaLnBrk="1" hangingPunct="1"/>
+            <a:r>
+              <a:rPr lang="en-US" sz="3600" dirty="0" smtClean="0"/>
+              <a:t>so the 3 </a:t>
+            </a:r>
+            <a:r>
+              <a:rPr lang="en-US" sz="3600" dirty="0" smtClean="0">
+                <a:solidFill>
+                  <a:srgbClr val="7030A0"/>
+                </a:solidFill>
+              </a:rPr>
+              <a:t>together</a:t>
+            </a:r>
+            <a:r>
+              <a:rPr lang="en-US" sz="3600" dirty="0" smtClean="0"/>
+              <a:t> are not really </a:t>
+            </a:r>
+          </a:p>
+          <a:p>
+            <a:pPr eaLnBrk="1" hangingPunct="1"/>
+            <a:r>
+              <a:rPr lang="en-US" sz="3600" dirty="0" smtClean="0"/>
+              <a:t>independent.</a:t>
+            </a:r>
+          </a:p>
+        </p:txBody>
+      </p:sp>
+    </p:spTree>
+    <p:extLst>
+      <p:ext uri="{BB962C8B-B14F-4D97-AF65-F5344CB8AC3E}">
+        <p14:creationId xmlns:p14="http://schemas.microsoft.com/office/powerpoint/2010/main" val="2785165042"/>
+      </p:ext>
+    </p:extLst>
+  </p:cSld>
+  <p:clrMapOvr>
+    <a:masterClrMapping/>
+  </p:clrMapOvr>
+  <p:transition xmlns:p14="http://schemas.microsoft.com/office/powerpoint/2010/main" spd="med" advClick="0">
+    <p:fade thruBlk="1"/>
+  </p:transition>
+  <p:timing>
+    <p:tnLst>
+      <p:par>
+        <p:cTn xmlns:p14="http://schemas.microsoft.com/office/powerpoint/2010/main" id="1" dur="indefinite" restart="never" nodeType="tmRoot">
+          <p:childTnLst>
+            <p:seq concurrent="1" nextAc="seek">
+              <p:cTn id="2" dur="indefinite" nodeType="mainSeq">
+                <p:childTnLst>
+                  <p:par>
+                    <p:cTn id="3" fill="hold">
+                      <p:stCondLst>
+                        <p:cond delay="indefinite"/>
+                        <p:cond evt="onBegin" delay="0">
+                          <p:tn val="2"/>
+                        </p:cond>
+                      </p:stCondLst>
+                      <p:childTnLst>
+                        <p:par>
+                          <p:cTn id="4" fill="hold">
+                            <p:stCondLst>
+                              <p:cond delay="0"/>
+                            </p:stCondLst>
+                            <p:childTnLst>
+                              <p:par>
+                                <p:cTn id="5" presetID="22" presetClass="entr" presetSubtype="8" fill="hold" grpId="0" nodeType="afterEffect">
+                                  <p:stCondLst>
+                                    <p:cond delay="0"/>
+                                  </p:stCondLst>
+                                  <p:childTnLst>
+                                    <p:set>
+                                      <p:cBhvr>
+                                        <p:cTn id="6" dur="1" fill="hold">
+                                          <p:stCondLst>
+                                            <p:cond delay="0"/>
+                                          </p:stCondLst>
+                                        </p:cTn>
+                                        <p:tgtEl>
+                                          <p:spTgt spid="150531">
+                                            <p:txEl>
+                                              <p:pRg st="0" end="0"/>
+                                            </p:txEl>
+                                          </p:spTgt>
+                                        </p:tgtEl>
+                                        <p:attrNameLst>
+                                          <p:attrName>style.visibility</p:attrName>
+                                        </p:attrNameLst>
+                                      </p:cBhvr>
+                                      <p:to>
+                                        <p:strVal val="visible"/>
+                                      </p:to>
+                                    </p:set>
+                                    <p:animEffect transition="in" filter="wipe(left)">
+                                      <p:cBhvr>
+                                        <p:cTn id="7" dur="500"/>
+                                        <p:tgtEl>
+                                          <p:spTgt spid="150531">
+                                            <p:txEl>
+                                              <p:pRg st="0" end="0"/>
+                                            </p:txEl>
+                                          </p:spTgt>
+                                        </p:tgtEl>
+                                      </p:cBhvr>
+                                    </p:animEffect>
+                                  </p:childTnLst>
+                                </p:cTn>
+                              </p:par>
+                            </p:childTnLst>
+                          </p:cTn>
+                        </p:par>
+                      </p:childTnLst>
+                    </p:cTn>
+                  </p:par>
+                  <p:par>
+                    <p:cTn id="8" fill="hold">
+                      <p:stCondLst>
+                        <p:cond delay="indefinite"/>
+                      </p:stCondLst>
+                      <p:childTnLst>
+                        <p:par>
+                          <p:cTn id="9" fill="hold">
+                            <p:stCondLst>
+                              <p:cond delay="0"/>
+                            </p:stCondLst>
+                            <p:childTnLst>
+                              <p:par>
+                                <p:cTn id="10" presetID="22" presetClass="entr" presetSubtype="8" fill="hold" grpId="0" nodeType="clickEffect">
+                                  <p:stCondLst>
+                                    <p:cond delay="0"/>
+                                  </p:stCondLst>
+                                  <p:childTnLst>
+                                    <p:set>
+                                      <p:cBhvr>
+                                        <p:cTn id="11" dur="1" fill="hold">
+                                          <p:stCondLst>
+                                            <p:cond delay="0"/>
+                                          </p:stCondLst>
+                                        </p:cTn>
+                                        <p:tgtEl>
+                                          <p:spTgt spid="150531">
+                                            <p:txEl>
+                                              <p:pRg st="1" end="1"/>
+                                            </p:txEl>
+                                          </p:spTgt>
+                                        </p:tgtEl>
+                                        <p:attrNameLst>
+                                          <p:attrName>style.visibility</p:attrName>
+                                        </p:attrNameLst>
+                                      </p:cBhvr>
+                                      <p:to>
+                                        <p:strVal val="visible"/>
+                                      </p:to>
+                                    </p:set>
+                                    <p:animEffect transition="in" filter="wipe(left)">
+                                      <p:cBhvr>
+                                        <p:cTn id="12" dur="500"/>
+                                        <p:tgtEl>
+                                          <p:spTgt spid="150531">
+                                            <p:txEl>
+                                              <p:pRg st="1" end="1"/>
+                                            </p:txEl>
+                                          </p:spTgt>
+                                        </p:tgtEl>
+                                      </p:cBhvr>
+                                    </p:animEffect>
+                                  </p:childTnLst>
+                                </p:cTn>
+                              </p:par>
+                            </p:childTnLst>
+                          </p:cTn>
+                        </p:par>
+                      </p:childTnLst>
+                    </p:cTn>
+                  </p:par>
+                  <p:par>
+                    <p:cTn id="13" fill="hold">
+                      <p:stCondLst>
+                        <p:cond delay="indefinite"/>
+                      </p:stCondLst>
+                      <p:childTnLst>
+                        <p:par>
+                          <p:cTn id="14" fill="hold">
+                            <p:stCondLst>
+                              <p:cond delay="0"/>
+                            </p:stCondLst>
+                            <p:childTnLst>
+                              <p:par>
+                                <p:cTn id="15" presetID="22" presetClass="entr" presetSubtype="8" fill="hold" grpId="0" nodeType="clickEffect">
+                                  <p:stCondLst>
+                                    <p:cond delay="0"/>
+                                  </p:stCondLst>
+                                  <p:childTnLst>
+                                    <p:set>
+                                      <p:cBhvr>
+                                        <p:cTn id="16" dur="1" fill="hold">
+                                          <p:stCondLst>
+                                            <p:cond delay="0"/>
+                                          </p:stCondLst>
+                                        </p:cTn>
+                                        <p:tgtEl>
+                                          <p:spTgt spid="150531">
+                                            <p:txEl>
+                                              <p:pRg st="2" end="2"/>
+                                            </p:txEl>
+                                          </p:spTgt>
+                                        </p:tgtEl>
+                                        <p:attrNameLst>
+                                          <p:attrName>style.visibility</p:attrName>
+                                        </p:attrNameLst>
+                                      </p:cBhvr>
+                                      <p:to>
+                                        <p:strVal val="visible"/>
+                                      </p:to>
+                                    </p:set>
+                                    <p:animEffect transition="in" filter="wipe(left)">
+                                      <p:cBhvr>
+                                        <p:cTn id="17" dur="500"/>
+                                        <p:tgtEl>
+                                          <p:spTgt spid="150531">
+                                            <p:txEl>
+                                              <p:pRg st="2" end="2"/>
+                                            </p:txEl>
+                                          </p:spTgt>
+                                        </p:tgtEl>
+                                      </p:cBhvr>
+                                    </p:animEffect>
+                                  </p:childTnLst>
+                                </p:cTn>
+                              </p:par>
+                            </p:childTnLst>
+                          </p:cTn>
+                        </p:par>
+                      </p:childTnLst>
+                    </p:cTn>
+                  </p:par>
+                  <p:par>
+                    <p:cTn id="18" fill="hold">
+                      <p:stCondLst>
+                        <p:cond delay="indefinite"/>
+                      </p:stCondLst>
+                      <p:childTnLst>
+                        <p:par>
+                          <p:cTn id="19" fill="hold">
+                            <p:stCondLst>
+                              <p:cond delay="0"/>
+                            </p:stCondLst>
+                            <p:childTnLst>
+                              <p:par>
+                                <p:cTn id="20" presetID="10" presetClass="entr" presetSubtype="0" fill="hold" grpId="0" nodeType="clickEffect">
+                                  <p:stCondLst>
+                                    <p:cond delay="0"/>
+                                  </p:stCondLst>
+                                  <p:childTnLst>
+                                    <p:set>
+                                      <p:cBhvr>
+                                        <p:cTn id="21" dur="1" fill="hold">
+                                          <p:stCondLst>
+                                            <p:cond delay="0"/>
+                                          </p:stCondLst>
+                                        </p:cTn>
+                                        <p:tgtEl>
+                                          <p:spTgt spid="150531">
+                                            <p:txEl>
+                                              <p:pRg st="3" end="3"/>
+                                            </p:txEl>
+                                          </p:spTgt>
+                                        </p:tgtEl>
+                                        <p:attrNameLst>
+                                          <p:attrName>style.visibility</p:attrName>
+                                        </p:attrNameLst>
+                                      </p:cBhvr>
+                                      <p:to>
+                                        <p:strVal val="visible"/>
+                                      </p:to>
+                                    </p:set>
+                                    <p:animEffect transition="in" filter="fade">
+                                      <p:cBhvr>
+                                        <p:cTn id="22" dur="500"/>
+                                        <p:tgtEl>
+                                          <p:spTgt spid="150531">
+                                            <p:txEl>
+                                              <p:pRg st="3" end="3"/>
+                                            </p:txEl>
+                                          </p:spTgt>
+                                        </p:tgtEl>
+                                      </p:cBhvr>
+                                    </p:animEffect>
+                                  </p:childTnLst>
+                                </p:cTn>
+                              </p:par>
+                            </p:childTnLst>
+                          </p:cTn>
+                        </p:par>
+                      </p:childTnLst>
+                    </p:cTn>
+                  </p:par>
+                  <p:par>
+                    <p:cTn id="23" fill="hold">
+                      <p:stCondLst>
+                        <p:cond delay="indefinite"/>
+                      </p:stCondLst>
+                      <p:childTnLst>
+                        <p:par>
+                          <p:cTn id="24" fill="hold">
+                            <p:stCondLst>
+                              <p:cond delay="0"/>
+                            </p:stCondLst>
+                            <p:childTnLst>
+                              <p:par>
+                                <p:cTn id="25" presetID="10" presetClass="entr" presetSubtype="0" fill="hold" grpId="0" nodeType="clickEffect">
+                                  <p:stCondLst>
+                                    <p:cond delay="0"/>
+                                  </p:stCondLst>
+                                  <p:childTnLst>
+                                    <p:set>
+                                      <p:cBhvr>
+                                        <p:cTn id="26" dur="1" fill="hold">
+                                          <p:stCondLst>
+                                            <p:cond delay="0"/>
+                                          </p:stCondLst>
+                                        </p:cTn>
+                                        <p:tgtEl>
+                                          <p:spTgt spid="150531">
+                                            <p:txEl>
+                                              <p:pRg st="4" end="4"/>
+                                            </p:txEl>
+                                          </p:spTgt>
+                                        </p:tgtEl>
+                                        <p:attrNameLst>
+                                          <p:attrName>style.visibility</p:attrName>
+                                        </p:attrNameLst>
+                                      </p:cBhvr>
+                                      <p:to>
+                                        <p:strVal val="visible"/>
+                                      </p:to>
+                                    </p:set>
+                                    <p:animEffect transition="in" filter="fade">
+                                      <p:cBhvr>
+                                        <p:cTn id="27" dur="500"/>
+                                        <p:tgtEl>
+                                          <p:spTgt spid="150531">
+                                            <p:txEl>
+                                              <p:pRg st="4" end="4"/>
+                                            </p:txEl>
+                                          </p:spTgt>
+                                        </p:tgtEl>
+                                      </p:cBhvr>
+                                    </p:animEffect>
+                                  </p:childTnLst>
+                                </p:cTn>
+                              </p:par>
+                            </p:childTnLst>
+                          </p:cTn>
+                        </p:par>
+                      </p:childTnLst>
+                    </p:cTn>
+                  </p:par>
+                  <p:par>
+                    <p:cTn id="28" fill="hold">
+                      <p:stCondLst>
+                        <p:cond delay="indefinite"/>
+                      </p:stCondLst>
+                      <p:childTnLst>
+                        <p:par>
+                          <p:cTn id="29" fill="hold">
+                            <p:stCondLst>
+                              <p:cond delay="0"/>
+                            </p:stCondLst>
+                            <p:childTnLst>
+                              <p:par>
+                                <p:cTn id="30" presetID="10" presetClass="entr" presetSubtype="0" fill="hold" grpId="0" nodeType="clickEffect">
+                                  <p:stCondLst>
+                                    <p:cond delay="0"/>
+                                  </p:stCondLst>
+                                  <p:childTnLst>
+                                    <p:set>
+                                      <p:cBhvr>
+                                        <p:cTn id="31" dur="1" fill="hold">
+                                          <p:stCondLst>
+                                            <p:cond delay="0"/>
+                                          </p:stCondLst>
+                                        </p:cTn>
+                                        <p:tgtEl>
+                                          <p:spTgt spid="150531">
+                                            <p:txEl>
+                                              <p:pRg st="5" end="5"/>
+                                            </p:txEl>
+                                          </p:spTgt>
+                                        </p:tgtEl>
+                                        <p:attrNameLst>
+                                          <p:attrName>style.visibility</p:attrName>
+                                        </p:attrNameLst>
+                                      </p:cBhvr>
+                                      <p:to>
+                                        <p:strVal val="visible"/>
+                                      </p:to>
+                                    </p:set>
+                                    <p:animEffect transition="in" filter="fade">
+                                      <p:cBhvr>
+                                        <p:cTn id="32" dur="500"/>
+                                        <p:tgtEl>
+                                          <p:spTgt spid="150531">
+                                            <p:txEl>
+                                              <p:pRg st="5" end="5"/>
+                                            </p:txEl>
+                                          </p:spTgt>
+                                        </p:tgtEl>
+                                      </p:cBhvr>
+                                    </p:animEffect>
+                                  </p:childTnLst>
+                                </p:cTn>
+                              </p:par>
+                            </p:childTnLst>
+                          </p:cTn>
+                        </p:par>
+                        <p:par>
+                          <p:cTn id="33" fill="hold">
+                            <p:stCondLst>
+                              <p:cond delay="500"/>
+                            </p:stCondLst>
+                            <p:childTnLst>
+                              <p:par>
+                                <p:cTn id="34" presetID="10" presetClass="entr" presetSubtype="0" fill="hold" grpId="0" nodeType="afterEffect">
+                                  <p:stCondLst>
+                                    <p:cond delay="0"/>
+                                  </p:stCondLst>
+                                  <p:childTnLst>
+                                    <p:set>
+                                      <p:cBhvr>
+                                        <p:cTn id="35" dur="1" fill="hold">
+                                          <p:stCondLst>
+                                            <p:cond delay="0"/>
+                                          </p:stCondLst>
+                                        </p:cTn>
+                                        <p:tgtEl>
+                                          <p:spTgt spid="150531">
+                                            <p:txEl>
+                                              <p:pRg st="6" end="6"/>
+                                            </p:txEl>
+                                          </p:spTgt>
+                                        </p:tgtEl>
+                                        <p:attrNameLst>
+                                          <p:attrName>style.visibility</p:attrName>
+                                        </p:attrNameLst>
+                                      </p:cBhvr>
+                                      <p:to>
+                                        <p:strVal val="visible"/>
+                                      </p:to>
+                                    </p:set>
+                                    <p:animEffect transition="in" filter="fade">
+                                      <p:cBhvr>
+                                        <p:cTn id="36" dur="500"/>
+                                        <p:tgtEl>
+                                          <p:spTgt spid="150531">
+                                            <p:txEl>
+                                              <p:pRg st="6" end="6"/>
+                                            </p:txEl>
+                                          </p:spTgt>
+                                        </p:tgtEl>
+                                      </p:cBhvr>
+                                    </p:animEffect>
+                                  </p:childTnLst>
+                                </p:cTn>
+                              </p:par>
+                              <p:par>
+                                <p:cTn id="37" presetID="10" presetClass="entr" presetSubtype="0" fill="hold" grpId="0" nodeType="withEffect">
+                                  <p:stCondLst>
+                                    <p:cond delay="0"/>
+                                  </p:stCondLst>
+                                  <p:childTnLst>
+                                    <p:set>
+                                      <p:cBhvr>
+                                        <p:cTn id="38" dur="1" fill="hold">
+                                          <p:stCondLst>
+                                            <p:cond delay="0"/>
+                                          </p:stCondLst>
+                                        </p:cTn>
+                                        <p:tgtEl>
+                                          <p:spTgt spid="150531">
+                                            <p:txEl>
+                                              <p:pRg st="7" end="7"/>
+                                            </p:txEl>
+                                          </p:spTgt>
+                                        </p:tgtEl>
+                                        <p:attrNameLst>
+                                          <p:attrName>style.visibility</p:attrName>
+                                        </p:attrNameLst>
+                                      </p:cBhvr>
+                                      <p:to>
+                                        <p:strVal val="visible"/>
+                                      </p:to>
+                                    </p:set>
+                                    <p:animEffect transition="in" filter="fade">
+                                      <p:cBhvr>
+                                        <p:cTn id="39" dur="500"/>
+                                        <p:tgtEl>
+                                          <p:spTgt spid="150531">
+                                            <p:txEl>
+                                              <p:pRg st="7" end="7"/>
+                                            </p:txEl>
+                                          </p:spTgt>
+                                        </p:tgtEl>
+                                      </p:cBhvr>
+                                    </p:animEffect>
+                                  </p:childTnLst>
+                                </p:cTn>
+                              </p:par>
+                            </p:childTnLst>
+                          </p:cTn>
+                        </p:par>
+                      </p:childTnLst>
+                    </p:cTn>
+                  </p:par>
+                </p:childTnLst>
+              </p:cTn>
+              <p:prevCondLst>
+                <p:cond evt="onPrev" delay="0">
+                  <p:tgtEl>
+                    <p:sldTgt/>
+                  </p:tgtEl>
+                </p:cond>
+              </p:prevCondLst>
+              <p:nextCondLst>
+                <p:cond evt="onNext" delay="0">
+                  <p:tgtEl>
+                    <p:sldTgt/>
+                  </p:tgtEl>
+                </p:cond>
+              </p:nextCondLst>
+            </p:seq>
+          </p:childTnLst>
+        </p:cTn>
+      </p:par>
+    </p:tnLst>
+    <p:bldLst>
+      <p:bldP spid="150531" grpId="0" build="p"/>
+    </p:bldLst>
+  </p:timing>
+</p:sld>
+</file>
+
+<file path=ppt/slides/slide17.xml><?xml version="1.0" encoding="utf-8"?>
 <p:sld xmlns:a="http://schemas.openxmlformats.org/drawingml/2006/main" xmlns:r="http://schemas.openxmlformats.org/officeDocument/2006/relationships" xmlns:p="http://schemas.openxmlformats.org/presentationml/2006/main">
   <p:cSld>
     <p:spTree>
@@ -5554,18 +8359,18 @@
             </a:pPr>
             <a:r>
               <a:rPr lang="en-US" dirty="0" err="1" smtClean="0"/>
-              <a:t>ranvarindep</a:t>
+              <a:t>ranvar</a:t>
             </a:r>
             <a:r>
               <a:rPr lang="en-US" dirty="0" smtClean="0"/>
-              <a:t>.</a:t>
-            </a:r>
-            <a:fld id="{D23F9710-1A5A-4DD7-AAD4-90010A12B4AF}" type="slidenum">
+              <a:t>-mutual.</a:t>
+            </a:r>
+            <a:fld id="{8DD91466-0C9A-4B09-A15B-A12F4B3C9D68}" type="slidenum">
               <a:rPr lang="en-US" smtClean="0"/>
               <a:pPr>
                 <a:defRPr/>
               </a:pPr>
-              <a:t>2</a:t>
+              <a:t>17</a:t>
             </a:fld>
             <a:endParaRPr lang="en-US" dirty="0"/>
           </a:p>
@@ -5573,7 +8378,7 @@
       </p:sp>
       <p:sp>
         <p:nvSpPr>
-          <p:cNvPr id="27651" name="Rectangle 2"/>
+          <p:cNvPr id="36867" name="Rectangle 2"/>
           <p:cNvSpPr>
             <a:spLocks noGrp="1" noChangeArrowheads="1"/>
           </p:cNvSpPr>
@@ -5581,22 +8386,51 @@
             <p:ph type="title" idx="4294967295"/>
           </p:nvPr>
         </p:nvSpPr>
-        <p:spPr/>
+        <p:spPr>
+          <a:xfrm>
+            <a:off x="1257300" y="225425"/>
+            <a:ext cx="7670800" cy="803275"/>
+          </a:xfrm>
+        </p:spPr>
         <p:txBody>
           <a:bodyPr/>
           <a:lstStyle/>
           <a:p>
             <a:pPr eaLnBrk="1" hangingPunct="1"/>
             <a:r>
-              <a:rPr lang="en-US" smtClean="0"/>
-              <a:t>Random Variables</a:t>
+              <a:rPr lang="en-US" dirty="0">
+                <a:solidFill>
+                  <a:srgbClr val="3333FF"/>
+                </a:solidFill>
+              </a:rPr>
+              <a:t>k</a:t>
+            </a:r>
+            <a:r>
+              <a:rPr lang="en-US" dirty="0">
+                <a:solidFill>
+                  <a:srgbClr val="006600"/>
+                </a:solidFill>
+              </a:rPr>
+              <a:t>-</a:t>
+            </a:r>
+            <a:r>
+              <a:rPr lang="en-US" dirty="0" smtClean="0">
+                <a:solidFill>
+                  <a:srgbClr val="006600"/>
+                </a:solidFill>
+              </a:rPr>
+              <a:t>way </a:t>
+            </a:r>
+            <a:r>
+              <a:rPr lang="en-US" dirty="0" smtClean="0"/>
+              <a:t>Independent Variables</a:t>
             </a:r>
           </a:p>
         </p:txBody>
       </p:sp>
       <p:sp>
         <p:nvSpPr>
-          <p:cNvPr id="141315" name="Rectangle 3"/>
+          <p:cNvPr id="36868" name="Rectangle 3"/>
           <p:cNvSpPr>
             <a:spLocks noGrp="1" noChangeArrowheads="1"/>
           </p:cNvSpPr>
@@ -5606,119 +8440,133 @@
         </p:nvSpPr>
         <p:spPr>
           <a:xfrm>
-            <a:off x="234950" y="996950"/>
-            <a:ext cx="8662988" cy="4868863"/>
+            <a:off x="266700" y="1460500"/>
+            <a:ext cx="8623300" cy="3987800"/>
           </a:xfrm>
         </p:spPr>
         <p:txBody>
           <a:bodyPr/>
           <a:lstStyle/>
           <a:p>
-            <a:pPr eaLnBrk="1" hangingPunct="1"/>
-            <a:r>
-              <a:rPr lang="en-US" sz="4400" dirty="0" smtClean="0"/>
-              <a:t>Informally:</a:t>
-            </a:r>
-            <a:r>
-              <a:rPr lang="en-US" sz="4400" dirty="0" smtClean="0">
-                <a:solidFill>
-                  <a:srgbClr val="008000"/>
+            <a:pPr eaLnBrk="1" hangingPunct="1">
+              <a:lnSpc>
+                <a:spcPct val="90000"/>
+              </a:lnSpc>
+            </a:pPr>
+            <a:r>
+              <a:rPr lang="en-US" sz="5400" b="1" dirty="0" err="1" smtClean="0">
+                <a:solidFill>
+                  <a:srgbClr val="3333FF"/>
+                </a:solidFill>
+              </a:rPr>
+              <a:t>k</a:t>
+            </a:r>
+            <a:r>
+              <a:rPr lang="en-US" sz="5400" b="1" dirty="0" smtClean="0">
+                <a:solidFill>
+                  <a:srgbClr val="006600"/>
+                </a:solidFill>
+              </a:rPr>
+              <a:t>-way</a:t>
+            </a:r>
+            <a:r>
+              <a:rPr lang="en-US" sz="5400" dirty="0" smtClean="0">
+                <a:solidFill>
+                  <a:srgbClr val="006600"/>
                 </a:solidFill>
               </a:rPr>
               <a:t> </a:t>
             </a:r>
             <a:r>
-              <a:rPr lang="en-US" sz="4400" dirty="0" smtClean="0">
+              <a:rPr lang="en-US" sz="5400" dirty="0" smtClean="0"/>
+              <a:t>Independence: </a:t>
+            </a:r>
+          </a:p>
+          <a:p>
+            <a:pPr eaLnBrk="1" hangingPunct="1">
+              <a:lnSpc>
+                <a:spcPct val="90000"/>
+              </a:lnSpc>
+            </a:pPr>
+            <a:r>
+              <a:rPr lang="en-US" sz="5400" dirty="0" smtClean="0"/>
+              <a:t>any </a:t>
+            </a:r>
+            <a:r>
+              <a:rPr lang="en-US" sz="5400" dirty="0" smtClean="0">
                 <a:solidFill>
                   <a:srgbClr val="3333FF"/>
                 </a:solidFill>
               </a:rPr>
-              <a:t>an RV is</a:t>
-            </a:r>
-            <a:r>
-              <a:rPr lang="en-US" sz="4400" dirty="0" smtClean="0">
-                <a:solidFill>
-                  <a:srgbClr val="008000"/>
-                </a:solidFill>
-              </a:rPr>
-              <a:t> </a:t>
-            </a:r>
-            <a:r>
-              <a:rPr lang="en-US" sz="4400" dirty="0" smtClean="0">
-                <a:solidFill>
-                  <a:srgbClr val="0000FF"/>
-                </a:solidFill>
-              </a:rPr>
-              <a:t>a number produced by a</a:t>
-            </a:r>
-            <a:r>
-              <a:rPr lang="en-US" sz="4400" i="1" dirty="0" smtClean="0">
-                <a:solidFill>
-                  <a:srgbClr val="0000FF"/>
-                </a:solidFill>
-              </a:rPr>
-              <a:t> random process:</a:t>
-            </a:r>
-            <a:endParaRPr lang="en-US" sz="4400" dirty="0" smtClean="0"/>
+              <a:t>k </a:t>
+            </a:r>
+            <a:r>
+              <a:rPr lang="en-US" sz="5400" dirty="0" smtClean="0"/>
+              <a:t>of the variables are </a:t>
+            </a:r>
           </a:p>
           <a:p>
             <a:pPr eaLnBrk="1" hangingPunct="1">
-              <a:buFontTx/>
-              <a:buChar char="•"/>
+              <a:lnSpc>
+                <a:spcPct val="90000"/>
+              </a:lnSpc>
             </a:pPr>
             <a:r>
-              <a:rPr lang="en-US" sz="4400" dirty="0" smtClean="0"/>
-              <a:t>threshold variable </a:t>
-            </a:r>
-            <a:r>
-              <a:rPr lang="en-US" sz="4400" dirty="0" smtClean="0">
+              <a:rPr lang="en-US" sz="5400" dirty="0" smtClean="0"/>
+              <a:t>mutually independent</a:t>
+            </a:r>
+          </a:p>
+          <a:p>
+            <a:pPr algn="ctr" eaLnBrk="1" hangingPunct="1">
+              <a:lnSpc>
+                <a:spcPct val="110000"/>
+              </a:lnSpc>
+            </a:pPr>
+            <a:r>
+              <a:rPr lang="en-US" sz="6000" dirty="0" smtClean="0">
                 <a:solidFill>
                   <a:srgbClr val="3333FF"/>
                 </a:solidFill>
               </a:rPr>
-              <a:t>Z</a:t>
-            </a:r>
-          </a:p>
-          <a:p>
-            <a:pPr eaLnBrk="1" hangingPunct="1">
-              <a:buFontTx/>
-              <a:buChar char="•"/>
-            </a:pPr>
-            <a:r>
-              <a:rPr lang="en-US" sz="4400" dirty="0" smtClean="0"/>
-              <a:t>number of larger card</a:t>
-            </a:r>
-          </a:p>
-          <a:p>
-            <a:pPr eaLnBrk="1" hangingPunct="1">
-              <a:buFontTx/>
-              <a:buChar char="•"/>
-            </a:pPr>
-            <a:r>
-              <a:rPr lang="en-US" sz="4400" dirty="0" smtClean="0"/>
-              <a:t>number of smaller card</a:t>
-            </a:r>
-          </a:p>
-          <a:p>
-            <a:pPr eaLnBrk="1" hangingPunct="1">
-              <a:buFontTx/>
-              <a:buChar char="•"/>
-            </a:pPr>
-            <a:r>
-              <a:rPr lang="en-US" sz="4400" dirty="0" smtClean="0"/>
-              <a:t>number of exposed card</a:t>
+              <a:t>2</a:t>
+            </a:r>
+            <a:r>
+              <a:rPr lang="en-US" sz="6000" dirty="0" smtClean="0"/>
+              <a:t>-way is called </a:t>
+            </a:r>
+            <a:r>
+              <a:rPr lang="en-US" sz="6000" dirty="0" smtClean="0">
+                <a:solidFill>
+                  <a:srgbClr val="9B2894"/>
+                </a:solidFill>
+              </a:rPr>
+              <a:t>pairwise</a:t>
             </a:r>
           </a:p>
         </p:txBody>
       </p:sp>
     </p:spTree>
+    <p:extLst>
+      <p:ext uri="{BB962C8B-B14F-4D97-AF65-F5344CB8AC3E}">
+        <p14:creationId xmlns:p14="http://schemas.microsoft.com/office/powerpoint/2010/main" val="2888423635"/>
+      </p:ext>
+    </p:extLst>
   </p:cSld>
   <p:clrMapOvr>
     <a:masterClrMapping/>
   </p:clrMapOvr>
-  <p:transition xmlns:p14="http://schemas.microsoft.com/office/powerpoint/2010/main" spd="slow" advClick="0">
-    <p:fade thruBlk="1"/>
-  </p:transition>
+  <mc:AlternateContent xmlns:mc="http://schemas.openxmlformats.org/markup-compatibility/2006" xmlns:p14="http://schemas.microsoft.com/office/powerpoint/2010/main">
+    <mc:Choice Requires="p14">
+      <p:transition spd="slow" p14:dur="900" advClick="0">
+        <p:fade thruBlk="1"/>
+      </p:transition>
+    </mc:Choice>
+    <mc:Fallback xmlns="">
+      <p:transition xmlns:p14="http://schemas.microsoft.com/office/powerpoint/2010/main" spd="slow" advClick="0">
+        <p:fade thruBlk="1"/>
+      </p:transition>
+    </mc:Fallback>
+  </mc:AlternateContent>
   <p:timing>
     <p:tnLst>
       <p:par>
@@ -5740,7 +8588,7 @@
                             </p:stCondLst>
                             <p:childTnLst>
                               <p:par>
-                                <p:cTn id="5" presetID="1" presetClass="entr" presetSubtype="0" fill="hold" nodeType="clickEffect">
+                                <p:cTn id="5" presetID="10" presetClass="entr" presetSubtype="0" fill="hold" nodeType="clickEffect">
                                   <p:stCondLst>
                                     <p:cond delay="0"/>
                                   </p:stCondLst>
@@ -5753,105 +8601,7 @@
                                           </p:stCondLst>
                                         </p:cTn>
                                         <p:tgtEl>
-                                          <p:spTgt spid="141315">
-                                            <p:txEl>
-                                              <p:pRg st="1" end="1"/>
-                                            </p:txEl>
-                                          </p:spTgt>
-                                        </p:tgtEl>
-                                        <p:attrNameLst>
-                                          <p:attrName>style.visibility</p:attrName>
-                                        </p:attrNameLst>
-                                      </p:cBhvr>
-                                      <p:to>
-                                        <p:strVal val="visible"/>
-                                      </p:to>
-                                    </p:set>
-                                  </p:childTnLst>
-                                </p:cTn>
-                              </p:par>
-                            </p:childTnLst>
-                          </p:cTn>
-                        </p:par>
-                      </p:childTnLst>
-                    </p:cTn>
-                  </p:par>
-                  <p:par>
-                    <p:cTn id="7" fill="hold">
-                      <p:stCondLst>
-                        <p:cond delay="indefinite"/>
-                      </p:stCondLst>
-                      <p:childTnLst>
-                        <p:par>
-                          <p:cTn id="8" fill="hold">
-                            <p:stCondLst>
-                              <p:cond delay="0"/>
-                            </p:stCondLst>
-                            <p:childTnLst>
-                              <p:par>
-                                <p:cTn id="9" presetID="1" presetClass="entr" presetSubtype="0" fill="hold" nodeType="clickEffect">
-                                  <p:stCondLst>
-                                    <p:cond delay="0"/>
-                                  </p:stCondLst>
-                                  <p:childTnLst>
-                                    <p:set>
-                                      <p:cBhvr>
-                                        <p:cTn id="10" dur="1" fill="hold">
-                                          <p:stCondLst>
-                                            <p:cond delay="0"/>
-                                          </p:stCondLst>
-                                        </p:cTn>
-                                        <p:tgtEl>
-                                          <p:spTgt spid="141315">
-                                            <p:txEl>
-                                              <p:pRg st="2" end="2"/>
-                                            </p:txEl>
-                                          </p:spTgt>
-                                        </p:tgtEl>
-                                        <p:attrNameLst>
-                                          <p:attrName>style.visibility</p:attrName>
-                                        </p:attrNameLst>
-                                      </p:cBhvr>
-                                      <p:to>
-                                        <p:strVal val="visible"/>
-                                      </p:to>
-                                    </p:set>
-                                  </p:childTnLst>
-                                </p:cTn>
-                              </p:par>
-                            </p:childTnLst>
-                          </p:cTn>
-                        </p:par>
-                      </p:childTnLst>
-                    </p:cTn>
-                  </p:par>
-                  <p:par>
-                    <p:cTn id="11" fill="hold">
-                      <p:stCondLst>
-                        <p:cond delay="indefinite"/>
-                      </p:stCondLst>
-                      <p:childTnLst>
-                        <p:par>
-                          <p:cTn id="12" fill="hold">
-                            <p:stCondLst>
-                              <p:cond delay="0"/>
-                            </p:stCondLst>
-                            <p:childTnLst>
-                              <p:par>
-                                <p:cTn id="13" presetID="1" presetClass="entr" presetSubtype="0" fill="hold" nodeType="clickEffect">
-                                  <p:stCondLst>
-                                    <p:cond delay="0"/>
-                                  </p:stCondLst>
-                                  <p:childTnLst>
-                                    <p:set>
-                                      <p:cBhvr>
-                                        <p:cTn id="14" dur="1" fill="hold">
-                                          <p:stCondLst>
-                                            <p:cond delay="0"/>
-                                          </p:stCondLst>
-                                        </p:cTn>
-                                        <p:tgtEl>
-                                          <p:spTgt spid="141315">
+                                          <p:spTgt spid="36868">
                                             <p:txEl>
                                               <p:pRg st="3" end="3"/>
                                             </p:txEl>
@@ -5865,55 +8615,18 @@
                                         <p:strVal val="visible"/>
                                       </p:to>
                                     </p:set>
-                                  </p:childTnLst>
-                                </p:cTn>
-                              </p:par>
-                            </p:childTnLst>
-                          </p:cTn>
-                        </p:par>
-                      </p:childTnLst>
-                    </p:cTn>
-                  </p:par>
-                  <p:par>
-                    <p:cTn id="15" fill="hold">
-                      <p:stCondLst>
-                        <p:cond delay="indefinite"/>
-                      </p:stCondLst>
-                      <p:childTnLst>
-                        <p:par>
-                          <p:cTn id="16" fill="hold">
-                            <p:stCondLst>
-                              <p:cond delay="0"/>
-                            </p:stCondLst>
-                            <p:childTnLst>
-                              <p:par>
-                                <p:cTn id="17" presetID="1" presetClass="entr" presetSubtype="0" fill="hold" nodeType="clickEffect">
-                                  <p:stCondLst>
-                                    <p:cond delay="0"/>
-                                  </p:stCondLst>
-                                  <p:childTnLst>
-                                    <p:set>
+                                    <p:animEffect transition="in" filter="fade">
                                       <p:cBhvr>
-                                        <p:cTn id="18" dur="1" fill="hold">
-                                          <p:stCondLst>
-                                            <p:cond delay="0"/>
-                                          </p:stCondLst>
-                                        </p:cTn>
+                                        <p:cTn id="7" dur="500"/>
                                         <p:tgtEl>
-                                          <p:spTgt spid="141315">
+                                          <p:spTgt spid="36868">
                                             <p:txEl>
-                                              <p:pRg st="4" end="4"/>
+                                              <p:pRg st="3" end="3"/>
                                             </p:txEl>
                                           </p:spTgt>
                                         </p:tgtEl>
-                                        <p:attrNameLst>
-                                          <p:attrName>style.visibility</p:attrName>
-                                        </p:attrNameLst>
                                       </p:cBhvr>
-                                      <p:to>
-                                        <p:strVal val="visible"/>
-                                      </p:to>
-                                    </p:set>
+                                    </p:animEffect>
                                   </p:childTnLst>
                                 </p:cTn>
                               </p:par>
@@ -5948,7 +8661,7 @@
 </p:sld>
 </file>
 
-<file path=ppt/slides/slide3.xml><?xml version="1.0" encoding="utf-8"?>
+<file path=ppt/slides/slide18.xml><?xml version="1.0" encoding="utf-8"?>
 <p:sld xmlns:a="http://schemas.openxmlformats.org/drawingml/2006/main" xmlns:r="http://schemas.openxmlformats.org/officeDocument/2006/relationships" xmlns:p="http://schemas.openxmlformats.org/presentationml/2006/main">
   <p:cSld>
     <p:spTree>
@@ -5985,18 +8698,18 @@
             </a:pPr>
             <a:r>
               <a:rPr lang="en-US" dirty="0" err="1" smtClean="0"/>
-              <a:t>ranvarindep</a:t>
+              <a:t>ranvar</a:t>
             </a:r>
             <a:r>
               <a:rPr lang="en-US" dirty="0" smtClean="0"/>
-              <a:t>.</a:t>
-            </a:r>
-            <a:fld id="{D23F9710-1A5A-4DD7-AAD4-90010A12B4AF}" type="slidenum">
+              <a:t>-mutual.</a:t>
+            </a:r>
+            <a:fld id="{49480264-560C-4B6D-AA11-2CFC3B5E1642}" type="slidenum">
               <a:rPr lang="en-US" smtClean="0"/>
               <a:pPr>
                 <a:defRPr/>
               </a:pPr>
-              <a:t>3</a:t>
+              <a:t>18</a:t>
             </a:fld>
             <a:endParaRPr lang="en-US" dirty="0"/>
           </a:p>
@@ -6004,30 +8717,7 @@
       </p:sp>
       <p:sp>
         <p:nvSpPr>
-          <p:cNvPr id="27651" name="Rectangle 2"/>
-          <p:cNvSpPr>
-            <a:spLocks noGrp="1" noChangeArrowheads="1"/>
-          </p:cNvSpPr>
-          <p:nvPr>
-            <p:ph type="title" idx="4294967295"/>
-          </p:nvPr>
-        </p:nvSpPr>
-        <p:spPr/>
-        <p:txBody>
-          <a:bodyPr/>
-          <a:lstStyle/>
-          <a:p>
-            <a:pPr eaLnBrk="1" hangingPunct="1"/>
-            <a:r>
-              <a:rPr lang="en-US" smtClean="0"/>
-              <a:t>Random Variables</a:t>
-            </a:r>
-          </a:p>
-        </p:txBody>
-      </p:sp>
-      <p:sp>
-        <p:nvSpPr>
-          <p:cNvPr id="141315" name="Rectangle 3"/>
+          <p:cNvPr id="150531" name="Rectangle 3"/>
           <p:cNvSpPr>
             <a:spLocks noGrp="1" noChangeArrowheads="1"/>
           </p:cNvSpPr>
@@ -6037,8 +8727,8 @@
         </p:nvSpPr>
         <p:spPr>
           <a:xfrm>
-            <a:off x="234950" y="996950"/>
-            <a:ext cx="8662988" cy="4868863"/>
+            <a:off x="177800" y="1295400"/>
+            <a:ext cx="8763000" cy="4533900"/>
           </a:xfrm>
         </p:spPr>
         <p:txBody>
@@ -6047,109 +8737,477 @@
           <a:p>
             <a:pPr eaLnBrk="1" hangingPunct="1"/>
             <a:r>
-              <a:rPr lang="en-US" sz="4400" dirty="0" smtClean="0"/>
-              <a:t>Informally:</a:t>
-            </a:r>
-            <a:r>
-              <a:rPr lang="en-US" sz="4400" dirty="0" smtClean="0">
-                <a:solidFill>
-                  <a:srgbClr val="008000"/>
-                </a:solidFill>
-              </a:rPr>
+              <a:rPr lang="en-US" sz="3600" dirty="0" smtClean="0">
+                <a:solidFill>
+                  <a:srgbClr val="3333FF"/>
+                </a:solidFill>
+              </a:rPr>
+              <a:t> H</a:t>
+            </a:r>
+            <a:r>
+              <a:rPr lang="en-US" sz="3600" baseline="-25000" dirty="0" smtClean="0">
+                <a:solidFill>
+                  <a:srgbClr val="3333FF"/>
+                </a:solidFill>
+              </a:rPr>
+              <a:t>i</a:t>
+            </a:r>
+            <a:r>
+              <a:rPr lang="en-US" sz="3600" baseline="-25000" dirty="0" smtClean="0"/>
               <a:t> </a:t>
             </a:r>
             <a:r>
-              <a:rPr lang="en-US" sz="4400" dirty="0" smtClean="0">
-                <a:solidFill>
-                  <a:srgbClr val="3333FF"/>
-                </a:solidFill>
-              </a:rPr>
-              <a:t>an RV is</a:t>
-            </a:r>
-            <a:r>
-              <a:rPr lang="en-US" sz="4400" dirty="0" smtClean="0">
-                <a:solidFill>
-                  <a:srgbClr val="008000"/>
-                </a:solidFill>
-              </a:rPr>
-              <a:t> </a:t>
-            </a:r>
-            <a:r>
-              <a:rPr lang="en-US" sz="4400" dirty="0" smtClean="0">
+              <a:rPr lang="en-US" sz="3600" dirty="0" smtClean="0"/>
+              <a:t>::= indicator for Head on </a:t>
+            </a:r>
+            <a:r>
+              <a:rPr lang="en-US" sz="3600" dirty="0" smtClean="0"/>
+              <a:t>flip </a:t>
+            </a:r>
+            <a:r>
+              <a:rPr lang="en-US" sz="3600" dirty="0" err="1" smtClean="0">
                 <a:solidFill>
                   <a:srgbClr val="0000FF"/>
                 </a:solidFill>
               </a:rPr>
-              <a:t>a number produced by a</a:t>
-            </a:r>
-            <a:r>
-              <a:rPr lang="en-US" sz="4400" i="1" dirty="0" smtClean="0">
+              <a:t>i</a:t>
+            </a:r>
+            <a:r>
+              <a:rPr lang="en-US" sz="3600" dirty="0" smtClean="0">
                 <a:solidFill>
                   <a:srgbClr val="0000FF"/>
                 </a:solidFill>
               </a:rPr>
-              <a:t> random process:</a:t>
-            </a:r>
-            <a:endParaRPr lang="en-US" sz="4400" dirty="0" smtClean="0"/>
-          </a:p>
-          <a:p>
-            <a:pPr eaLnBrk="1" hangingPunct="1">
-              <a:buFontTx/>
-              <a:buChar char="•"/>
-            </a:pPr>
-            <a:r>
-              <a:rPr lang="en-US" sz="4400" dirty="0" smtClean="0"/>
-              <a:t># hours to next system crash</a:t>
-            </a:r>
-          </a:p>
-          <a:p>
-            <a:pPr eaLnBrk="1" hangingPunct="1">
-              <a:buFontTx/>
-              <a:buChar char="•"/>
-            </a:pPr>
-            <a:r>
-              <a:rPr lang="en-US" sz="4400" dirty="0" smtClean="0"/>
-              <a:t># faulty pixels in monitor</a:t>
-            </a:r>
-          </a:p>
-          <a:p>
-            <a:pPr eaLnBrk="1" hangingPunct="1">
-              <a:buFontTx/>
-              <a:buChar char="•"/>
-            </a:pPr>
-            <a:r>
-              <a:rPr lang="en-US" sz="4400" dirty="0" err="1" smtClean="0"/>
-              <a:t>avg</a:t>
-            </a:r>
-            <a:r>
-              <a:rPr lang="en-US" sz="4400" dirty="0" smtClean="0"/>
-              <a:t> # faulty pixels</a:t>
-            </a:r>
-          </a:p>
-          <a:p>
-            <a:pPr eaLnBrk="1" hangingPunct="1">
-              <a:buFontTx/>
-              <a:buChar char="•"/>
-            </a:pPr>
-            <a:r>
-              <a:rPr lang="en-US" sz="4400" dirty="0" smtClean="0"/>
-              <a:t># heads in n coin flips</a:t>
-            </a:r>
-            <a:endParaRPr lang="en-US" sz="4400" dirty="0" smtClean="0">
+              <a:t> ∊[1,k]</a:t>
+            </a:r>
+            <a:endParaRPr lang="en-US" sz="3600" baseline="-25000" dirty="0">
               <a:solidFill>
-                <a:srgbClr val="3333FF"/>
+                <a:srgbClr val="0000FF"/>
               </a:solidFill>
             </a:endParaRPr>
           </a:p>
+          <a:p>
+            <a:pPr eaLnBrk="1" hangingPunct="1"/>
+            <a:r>
+              <a:rPr lang="en-US" sz="3600" baseline="-25000" dirty="0" smtClean="0"/>
+              <a:t>             </a:t>
+            </a:r>
+            <a:r>
+              <a:rPr lang="en-US" sz="3600" dirty="0" smtClean="0"/>
+              <a:t>                            (mod 2 sum).</a:t>
+            </a:r>
+          </a:p>
+          <a:p>
+            <a:pPr eaLnBrk="1" hangingPunct="1"/>
+            <a:r>
+              <a:rPr lang="en-US" sz="4400" dirty="0" smtClean="0"/>
+              <a:t>Any </a:t>
+            </a:r>
+            <a:r>
+              <a:rPr lang="en-US" sz="4400" dirty="0">
+                <a:solidFill>
+                  <a:srgbClr val="0000FF"/>
+                </a:solidFill>
+              </a:rPr>
+              <a:t>k</a:t>
+            </a:r>
+            <a:r>
+              <a:rPr lang="en-US" sz="4400" dirty="0" smtClean="0">
+                <a:solidFill>
+                  <a:srgbClr val="006600"/>
+                </a:solidFill>
+              </a:rPr>
+              <a:t> </a:t>
+            </a:r>
+            <a:r>
+              <a:rPr lang="en-US" sz="4400" dirty="0" smtClean="0"/>
+              <a:t>of them</a:t>
+            </a:r>
+            <a:r>
+              <a:rPr lang="en-US" sz="4400" dirty="0" smtClean="0">
+                <a:solidFill>
+                  <a:srgbClr val="006600"/>
+                </a:solidFill>
+              </a:rPr>
+              <a:t> </a:t>
+            </a:r>
+            <a:r>
+              <a:rPr lang="en-US" sz="4400" dirty="0" smtClean="0"/>
+              <a:t>are</a:t>
+            </a:r>
+            <a:r>
+              <a:rPr lang="en-US" sz="4400" dirty="0" smtClean="0">
+                <a:solidFill>
+                  <a:srgbClr val="006600"/>
+                </a:solidFill>
+              </a:rPr>
+              <a:t> </a:t>
+            </a:r>
+            <a:r>
+              <a:rPr lang="en-US" sz="4400" dirty="0" smtClean="0"/>
+              <a:t>independent,</a:t>
+            </a:r>
+            <a:r>
+              <a:rPr lang="en-US" sz="4400" dirty="0"/>
+              <a:t> </a:t>
+            </a:r>
+            <a:endParaRPr lang="en-US" sz="4400" dirty="0" smtClean="0"/>
+          </a:p>
+          <a:p>
+            <a:pPr eaLnBrk="1" hangingPunct="1"/>
+            <a:r>
+              <a:rPr lang="en-US" sz="4400" dirty="0" smtClean="0"/>
+              <a:t>but</a:t>
+            </a:r>
+            <a:r>
+              <a:rPr lang="en-US" sz="4400" dirty="0" smtClean="0">
+                <a:solidFill>
+                  <a:srgbClr val="FF6600"/>
+                </a:solidFill>
+              </a:rPr>
+              <a:t> </a:t>
+            </a:r>
+            <a:r>
+              <a:rPr lang="en-US" sz="4400" dirty="0" smtClean="0">
+                <a:solidFill>
+                  <a:srgbClr val="FF0000"/>
+                </a:solidFill>
+              </a:rPr>
+              <a:t>not</a:t>
+            </a:r>
+            <a:r>
+              <a:rPr lang="en-US" sz="4400" dirty="0" smtClean="0"/>
+              <a:t> </a:t>
+            </a:r>
+            <a:r>
+              <a:rPr lang="en-US" sz="4400" dirty="0" smtClean="0">
+                <a:solidFill>
+                  <a:srgbClr val="0000FF"/>
+                </a:solidFill>
+              </a:rPr>
+              <a:t>k+1</a:t>
+            </a:r>
+            <a:r>
+              <a:rPr lang="en-US" sz="4400" dirty="0" smtClean="0"/>
+              <a:t>-way </a:t>
+            </a:r>
+            <a:r>
+              <a:rPr lang="en-US" sz="4400" dirty="0" smtClean="0"/>
+              <a:t>independent</a:t>
+            </a:r>
+          </a:p>
+          <a:p>
+            <a:pPr eaLnBrk="1" hangingPunct="1"/>
+            <a:r>
+              <a:rPr lang="en-US" sz="4400" dirty="0" smtClean="0"/>
+              <a:t>since </a:t>
+            </a:r>
+            <a:r>
+              <a:rPr lang="en-US" sz="4400" dirty="0" smtClean="0">
+                <a:solidFill>
+                  <a:schemeClr val="tx2"/>
+                </a:solidFill>
+              </a:rPr>
+              <a:t>any</a:t>
+            </a:r>
+            <a:r>
+              <a:rPr lang="en-US" sz="4400" dirty="0" smtClean="0"/>
+              <a:t> </a:t>
+            </a:r>
+            <a:r>
+              <a:rPr lang="en-US" sz="4400" dirty="0">
+                <a:solidFill>
+                  <a:srgbClr val="0000FF"/>
+                </a:solidFill>
+              </a:rPr>
+              <a:t>k</a:t>
+            </a:r>
+            <a:r>
+              <a:rPr lang="en-US" sz="4400" dirty="0">
+                <a:solidFill>
+                  <a:srgbClr val="FF6600"/>
+                </a:solidFill>
+              </a:rPr>
+              <a:t> </a:t>
+            </a:r>
+            <a:r>
+              <a:rPr lang="en-US" sz="4400" dirty="0"/>
+              <a:t>determine </a:t>
+            </a:r>
+            <a:r>
+              <a:rPr lang="en-US" sz="4400" dirty="0" smtClean="0"/>
+              <a:t>the </a:t>
+            </a:r>
+            <a:endParaRPr lang="en-US" sz="4400" dirty="0" smtClean="0"/>
+          </a:p>
+          <a:p>
+            <a:pPr eaLnBrk="1" hangingPunct="1"/>
+            <a:r>
+              <a:rPr lang="en-US" sz="4400" dirty="0" smtClean="0"/>
+              <a:t>remaining one</a:t>
+            </a:r>
+            <a:r>
+              <a:rPr lang="en-US" sz="4400" dirty="0"/>
+              <a:t>.</a:t>
+            </a:r>
+          </a:p>
         </p:txBody>
       </p:sp>
+      <p:sp>
+        <p:nvSpPr>
+          <p:cNvPr id="5" name="Rectangle 2"/>
+          <p:cNvSpPr txBox="1">
+            <a:spLocks noChangeArrowheads="1"/>
+          </p:cNvSpPr>
+          <p:nvPr/>
+        </p:nvSpPr>
+        <p:spPr bwMode="auto">
+          <a:xfrm>
+            <a:off x="1257300" y="225425"/>
+            <a:ext cx="7670800" cy="803275"/>
+          </a:xfrm>
+          <a:prstGeom prst="rect">
+            <a:avLst/>
+          </a:prstGeom>
+          <a:noFill/>
+          <a:ln w="9525">
+            <a:noFill/>
+            <a:miter lim="800000"/>
+            <a:headEnd/>
+            <a:tailEnd/>
+          </a:ln>
+        </p:spPr>
+        <p:txBody>
+          <a:bodyPr vert="horz" wrap="square" lIns="91440" tIns="45720" rIns="91440" bIns="45720" numCol="1" anchor="ctr" anchorCtr="0" compatLnSpc="1">
+            <a:prstTxWarp prst="textNoShape">
+              <a:avLst/>
+            </a:prstTxWarp>
+          </a:bodyPr>
+          <a:lstStyle>
+            <a:lvl1pPr algn="ctr" rtl="0" eaLnBrk="0" fontAlgn="base" hangingPunct="0">
+              <a:spcBef>
+                <a:spcPct val="0"/>
+              </a:spcBef>
+              <a:spcAft>
+                <a:spcPct val="0"/>
+              </a:spcAft>
+              <a:defRPr sz="4000" b="1">
+                <a:solidFill>
+                  <a:schemeClr val="tx2"/>
+                </a:solidFill>
+                <a:latin typeface="+mj-lt"/>
+                <a:ea typeface="+mj-ea"/>
+                <a:cs typeface="+mj-cs"/>
+              </a:defRPr>
+            </a:lvl1pPr>
+            <a:lvl2pPr algn="ctr" rtl="0" eaLnBrk="0" fontAlgn="base" hangingPunct="0">
+              <a:spcBef>
+                <a:spcPct val="0"/>
+              </a:spcBef>
+              <a:spcAft>
+                <a:spcPct val="0"/>
+              </a:spcAft>
+              <a:defRPr sz="4000" b="1">
+                <a:solidFill>
+                  <a:schemeClr val="tx2"/>
+                </a:solidFill>
+                <a:latin typeface="Comic Sans MS" pitchFamily="66" charset="0"/>
+              </a:defRPr>
+            </a:lvl2pPr>
+            <a:lvl3pPr algn="ctr" rtl="0" eaLnBrk="0" fontAlgn="base" hangingPunct="0">
+              <a:spcBef>
+                <a:spcPct val="0"/>
+              </a:spcBef>
+              <a:spcAft>
+                <a:spcPct val="0"/>
+              </a:spcAft>
+              <a:defRPr sz="4000" b="1">
+                <a:solidFill>
+                  <a:schemeClr val="tx2"/>
+                </a:solidFill>
+                <a:latin typeface="Comic Sans MS" pitchFamily="66" charset="0"/>
+              </a:defRPr>
+            </a:lvl3pPr>
+            <a:lvl4pPr algn="ctr" rtl="0" eaLnBrk="0" fontAlgn="base" hangingPunct="0">
+              <a:spcBef>
+                <a:spcPct val="0"/>
+              </a:spcBef>
+              <a:spcAft>
+                <a:spcPct val="0"/>
+              </a:spcAft>
+              <a:defRPr sz="4000" b="1">
+                <a:solidFill>
+                  <a:schemeClr val="tx2"/>
+                </a:solidFill>
+                <a:latin typeface="Comic Sans MS" pitchFamily="66" charset="0"/>
+              </a:defRPr>
+            </a:lvl4pPr>
+            <a:lvl5pPr algn="ctr" rtl="0" eaLnBrk="0" fontAlgn="base" hangingPunct="0">
+              <a:spcBef>
+                <a:spcPct val="0"/>
+              </a:spcBef>
+              <a:spcAft>
+                <a:spcPct val="0"/>
+              </a:spcAft>
+              <a:defRPr sz="4000" b="1">
+                <a:solidFill>
+                  <a:schemeClr val="tx2"/>
+                </a:solidFill>
+                <a:latin typeface="Comic Sans MS" pitchFamily="66" charset="0"/>
+              </a:defRPr>
+            </a:lvl5pPr>
+            <a:lvl6pPr marL="457200" algn="ctr" rtl="0" fontAlgn="base">
+              <a:spcBef>
+                <a:spcPct val="0"/>
+              </a:spcBef>
+              <a:spcAft>
+                <a:spcPct val="0"/>
+              </a:spcAft>
+              <a:defRPr sz="4000" b="1">
+                <a:solidFill>
+                  <a:schemeClr val="tx2"/>
+                </a:solidFill>
+                <a:latin typeface="Comic Sans MS" pitchFamily="66" charset="0"/>
+              </a:defRPr>
+            </a:lvl6pPr>
+            <a:lvl7pPr marL="914400" algn="ctr" rtl="0" fontAlgn="base">
+              <a:spcBef>
+                <a:spcPct val="0"/>
+              </a:spcBef>
+              <a:spcAft>
+                <a:spcPct val="0"/>
+              </a:spcAft>
+              <a:defRPr sz="4000" b="1">
+                <a:solidFill>
+                  <a:schemeClr val="tx2"/>
+                </a:solidFill>
+                <a:latin typeface="Comic Sans MS" pitchFamily="66" charset="0"/>
+              </a:defRPr>
+            </a:lvl7pPr>
+            <a:lvl8pPr marL="1371600" algn="ctr" rtl="0" fontAlgn="base">
+              <a:spcBef>
+                <a:spcPct val="0"/>
+              </a:spcBef>
+              <a:spcAft>
+                <a:spcPct val="0"/>
+              </a:spcAft>
+              <a:defRPr sz="4000" b="1">
+                <a:solidFill>
+                  <a:schemeClr val="tx2"/>
+                </a:solidFill>
+                <a:latin typeface="Comic Sans MS" pitchFamily="66" charset="0"/>
+              </a:defRPr>
+            </a:lvl8pPr>
+            <a:lvl9pPr marL="1828800" algn="ctr" rtl="0" fontAlgn="base">
+              <a:spcBef>
+                <a:spcPct val="0"/>
+              </a:spcBef>
+              <a:spcAft>
+                <a:spcPct val="0"/>
+              </a:spcAft>
+              <a:defRPr sz="4000" b="1">
+                <a:solidFill>
+                  <a:schemeClr val="tx2"/>
+                </a:solidFill>
+                <a:latin typeface="Comic Sans MS" pitchFamily="66" charset="0"/>
+              </a:defRPr>
+            </a:lvl9pPr>
+          </a:lstStyle>
+          <a:p>
+            <a:pPr eaLnBrk="1" hangingPunct="1"/>
+            <a:r>
+              <a:rPr lang="en-US" smtClean="0">
+                <a:solidFill>
+                  <a:srgbClr val="3333FF"/>
+                </a:solidFill>
+              </a:rPr>
+              <a:t>k</a:t>
+            </a:r>
+            <a:r>
+              <a:rPr lang="en-US" smtClean="0">
+                <a:solidFill>
+                  <a:srgbClr val="006600"/>
+                </a:solidFill>
+              </a:rPr>
+              <a:t>-way </a:t>
+            </a:r>
+            <a:r>
+              <a:rPr lang="en-US" smtClean="0"/>
+              <a:t>Independent Variables</a:t>
+            </a:r>
+            <a:endParaRPr lang="en-US" dirty="0" smtClean="0"/>
+          </a:p>
+        </p:txBody>
+      </p:sp>
+      <p:graphicFrame>
+        <p:nvGraphicFramePr>
+          <p:cNvPr id="2" name="Object 1"/>
+          <p:cNvGraphicFramePr>
+            <a:graphicFrameLocks noChangeAspect="1"/>
+          </p:cNvGraphicFramePr>
+          <p:nvPr>
+            <p:extLst>
+              <p:ext uri="{D42A27DB-BD31-4B8C-83A1-F6EECF244321}">
+                <p14:modId xmlns:p14="http://schemas.microsoft.com/office/powerpoint/2010/main" val="193572975"/>
+              </p:ext>
+            </p:extLst>
+          </p:nvPr>
+        </p:nvGraphicFramePr>
+        <p:xfrm>
+          <a:off x="295275" y="1752600"/>
+          <a:ext cx="3117850" cy="1120775"/>
+        </p:xfrm>
+        <a:graphic>
+          <a:graphicData uri="http://schemas.openxmlformats.org/presentationml/2006/ole">
+            <mc:AlternateContent xmlns:mc="http://schemas.openxmlformats.org/markup-compatibility/2006">
+              <mc:Choice xmlns:v="urn:schemas-microsoft-com:vml" Requires="v">
+                <p:oleObj spid="_x0000_s486403" name="Equation" r:id="rId4" imgW="812800" imgH="292100" progId="Equation.DSMT4">
+                  <p:embed/>
+                </p:oleObj>
+              </mc:Choice>
+              <mc:Fallback>
+                <p:oleObj name="Equation" r:id="rId4" imgW="812800" imgH="292100" progId="Equation.DSMT4">
+                  <p:embed/>
+                  <p:pic>
+                    <p:nvPicPr>
+                      <p:cNvPr id="0" name=""/>
+                      <p:cNvPicPr/>
+                      <p:nvPr/>
+                    </p:nvPicPr>
+                    <p:blipFill>
+                      <a:blip r:embed="rId5"/>
+                      <a:stretch>
+                        <a:fillRect/>
+                      </a:stretch>
+                    </p:blipFill>
+                    <p:spPr>
+                      <a:xfrm>
+                        <a:off x="295275" y="1752600"/>
+                        <a:ext cx="3117850" cy="1120775"/>
+                      </a:xfrm>
+                      <a:prstGeom prst="rect">
+                        <a:avLst/>
+                      </a:prstGeom>
+                    </p:spPr>
+                  </p:pic>
+                </p:oleObj>
+              </mc:Fallback>
+            </mc:AlternateContent>
+          </a:graphicData>
+        </a:graphic>
+      </p:graphicFrame>
     </p:spTree>
+    <p:extLst>
+      <p:ext uri="{BB962C8B-B14F-4D97-AF65-F5344CB8AC3E}">
+        <p14:creationId xmlns:p14="http://schemas.microsoft.com/office/powerpoint/2010/main" val="1639040380"/>
+      </p:ext>
+    </p:extLst>
   </p:cSld>
   <p:clrMapOvr>
     <a:masterClrMapping/>
   </p:clrMapOvr>
-  <p:transition xmlns:p14="http://schemas.microsoft.com/office/powerpoint/2010/main" spd="slow" advClick="0">
-    <p:fade/>
+  <p:transition xmlns:p14="http://schemas.microsoft.com/office/powerpoint/2010/main" spd="med" advClick="0">
+    <p:fade thruBlk="1"/>
   </p:transition>
   <p:timing>
     <p:tnLst>
@@ -6172,7 +9230,7 @@
                             </p:stCondLst>
                             <p:childTnLst>
                               <p:par>
-                                <p:cTn id="5" presetID="1" presetClass="entr" presetSubtype="0" fill="hold" nodeType="clickEffect">
+                                <p:cTn id="5" presetID="22" presetClass="entr" presetSubtype="8" fill="hold" nodeType="clickEffect">
                                   <p:stCondLst>
                                     <p:cond delay="0"/>
                                   </p:stCondLst>
@@ -6185,7 +9243,112 @@
                                           </p:stCondLst>
                                         </p:cTn>
                                         <p:tgtEl>
-                                          <p:spTgt spid="141315">
+                                          <p:spTgt spid="2"/>
+                                        </p:tgtEl>
+                                        <p:attrNameLst>
+                                          <p:attrName>style.visibility</p:attrName>
+                                        </p:attrNameLst>
+                                      </p:cBhvr>
+                                      <p:to>
+                                        <p:strVal val="visible"/>
+                                      </p:to>
+                                    </p:set>
+                                    <p:animEffect transition="in" filter="wipe(left)">
+                                      <p:cBhvr>
+                                        <p:cTn id="7" dur="1000"/>
+                                        <p:tgtEl>
+                                          <p:spTgt spid="2"/>
+                                        </p:tgtEl>
+                                      </p:cBhvr>
+                                    </p:animEffect>
+                                  </p:childTnLst>
+                                </p:cTn>
+                              </p:par>
+                            </p:childTnLst>
+                          </p:cTn>
+                        </p:par>
+                        <p:par>
+                          <p:cTn id="8" fill="hold">
+                            <p:stCondLst>
+                              <p:cond delay="1000"/>
+                            </p:stCondLst>
+                            <p:childTnLst>
+                              <p:par>
+                                <p:cTn id="9" presetID="10" presetClass="entr" presetSubtype="0" fill="hold" grpId="0" nodeType="afterEffect">
+                                  <p:stCondLst>
+                                    <p:cond delay="0"/>
+                                  </p:stCondLst>
+                                  <p:childTnLst>
+                                    <p:set>
+                                      <p:cBhvr>
+                                        <p:cTn id="10" dur="1" fill="hold">
+                                          <p:stCondLst>
+                                            <p:cond delay="0"/>
+                                          </p:stCondLst>
+                                        </p:cTn>
+                                        <p:tgtEl>
+                                          <p:spTgt spid="150531">
+                                            <p:txEl>
+                                              <p:pRg st="1" end="1"/>
+                                            </p:txEl>
+                                          </p:spTgt>
+                                        </p:tgtEl>
+                                        <p:attrNameLst>
+                                          <p:attrName>style.visibility</p:attrName>
+                                        </p:attrNameLst>
+                                      </p:cBhvr>
+                                      <p:to>
+                                        <p:strVal val="visible"/>
+                                      </p:to>
+                                    </p:set>
+                                    <p:animEffect transition="in" filter="fade">
+                                      <p:cBhvr>
+                                        <p:cTn id="11" dur="500"/>
+                                        <p:tgtEl>
+                                          <p:spTgt spid="150531">
+                                            <p:txEl>
+                                              <p:pRg st="1" end="1"/>
+                                            </p:txEl>
+                                          </p:spTgt>
+                                        </p:tgtEl>
+                                      </p:cBhvr>
+                                    </p:animEffect>
+                                  </p:childTnLst>
+                                </p:cTn>
+                              </p:par>
+                            </p:childTnLst>
+                          </p:cTn>
+                        </p:par>
+                      </p:childTnLst>
+                    </p:cTn>
+                  </p:par>
+                  <p:par>
+                    <p:cTn id="12" fill="hold">
+                      <p:stCondLst>
+                        <p:cond delay="indefinite"/>
+                      </p:stCondLst>
+                      <p:childTnLst>
+                        <p:par>
+                          <p:cTn id="13" fill="hold">
+                            <p:stCondLst>
+                              <p:cond delay="0"/>
+                            </p:stCondLst>
+                            <p:childTnLst>
+                              <p:par>
+                                <p:cTn id="14" presetID="10" presetClass="entr" presetSubtype="0" fill="hold" grpId="0" nodeType="clickEffect">
+                                  <p:stCondLst>
+                                    <p:cond delay="0"/>
+                                  </p:stCondLst>
+                                  <p:childTnLst>
+                                    <p:set>
+                                      <p:cBhvr>
+                                        <p:cTn id="15" dur="1" fill="hold">
+                                          <p:stCondLst>
+                                            <p:cond delay="0"/>
+                                          </p:stCondLst>
+                                        </p:cTn>
+                                        <p:tgtEl>
+                                          <p:spTgt spid="150531">
                                             <p:txEl>
                                               <p:pRg st="2" end="2"/>
                                             </p:txEl>
@@ -6199,6 +9362,18 @@
                                         <p:strVal val="visible"/>
                                       </p:to>
                                     </p:set>
+                                    <p:animEffect transition="in" filter="fade">
+                                      <p:cBhvr>
+                                        <p:cTn id="16" dur="500"/>
+                                        <p:tgtEl>
+                                          <p:spTgt spid="150531">
+                                            <p:txEl>
+                                              <p:pRg st="2" end="2"/>
+                                            </p:txEl>
+                                          </p:spTgt>
+                                        </p:tgtEl>
+                                      </p:cBhvr>
+                                    </p:animEffect>
                                   </p:childTnLst>
                                 </p:cTn>
                               </p:par>
@@ -6209,32 +9384,32 @@
                     </p:cTn>
                   </p:par>
                   <p:par>
-                    <p:cTn id="7" fill="hold">
+                    <p:cTn id="17" fill="hold">
                       <p:stCondLst>
                         <p:cond delay="indefinite"/>
                       </p:stCondLst>
                       <p:childTnLst>
                         <p:par>
-                          <p:cTn id="8" fill="hold">
+                          <p:cTn id="18" fill="hold">
                             <p:stCondLst>
                               <p:cond delay="0"/>
                             </p:stCondLst>
                             <p:childTnLst>
                               <p:par>
-                                <p:cTn id="9" presetID="1" presetClass="entr" presetSubtype="0" fill="hold" nodeType="clickEffect">
+                                <p:cTn id="19" presetID="10" presetClass="entr" presetSubtype="0" fill="hold" grpId="0" nodeType="clickEffect">
                                   <p:stCondLst>
                                     <p:cond delay="0"/>
                                   </p:stCondLst>
                                   <p:childTnLst>
                                     <p:set>
                                       <p:cBhvr>
-                                        <p:cTn id="10" dur="1" fill="hold">
+                                        <p:cTn id="20" dur="1" fill="hold">
                                           <p:stCondLst>
                                             <p:cond delay="0"/>
                                           </p:stCondLst>
                                         </p:cTn>
                                         <p:tgtEl>
-                                          <p:spTgt spid="141315">
+                                          <p:spTgt spid="150531">
                                             <p:txEl>
                                               <p:pRg st="3" end="3"/>
                                             </p:txEl>
@@ -6248,6 +9423,18 @@
                                         <p:strVal val="visible"/>
                                       </p:to>
                                     </p:set>
+                                    <p:animEffect transition="in" filter="fade">
+                                      <p:cBhvr>
+                                        <p:cTn id="21" dur="500"/>
+                                        <p:tgtEl>
+                                          <p:spTgt spid="150531">
+                                            <p:txEl>
+                                              <p:pRg st="3" end="3"/>
+                                            </p:txEl>
+                                          </p:spTgt>
+                                        </p:tgtEl>
+                                      </p:cBhvr>
+                                    </p:animEffect>
                                   </p:childTnLst>
                                 </p:cTn>
                               </p:par>
@@ -6258,32 +9445,32 @@
                     </p:cTn>
                   </p:par>
                   <p:par>
-                    <p:cTn id="11" fill="hold">
+                    <p:cTn id="22" fill="hold">
                       <p:stCondLst>
                         <p:cond delay="indefinite"/>
                       </p:stCondLst>
                       <p:childTnLst>
                         <p:par>
-                          <p:cTn id="12" fill="hold">
+                          <p:cTn id="23" fill="hold">
                             <p:stCondLst>
                               <p:cond delay="0"/>
                             </p:stCondLst>
                             <p:childTnLst>
                               <p:par>
-                                <p:cTn id="13" presetID="1" presetClass="entr" presetSubtype="0" fill="hold" nodeType="clickEffect">
+                                <p:cTn id="24" presetID="10" presetClass="entr" presetSubtype="0" fill="hold" grpId="0" nodeType="clickEffect">
                                   <p:stCondLst>
                                     <p:cond delay="0"/>
                                   </p:stCondLst>
                                   <p:childTnLst>
                                     <p:set>
                                       <p:cBhvr>
-                                        <p:cTn id="14" dur="1" fill="hold">
+                                        <p:cTn id="25" dur="1" fill="hold">
                                           <p:stCondLst>
                                             <p:cond delay="0"/>
                                           </p:stCondLst>
                                         </p:cTn>
                                         <p:tgtEl>
-                                          <p:spTgt spid="141315">
+                                          <p:spTgt spid="150531">
                                             <p:txEl>
                                               <p:pRg st="4" end="4"/>
                                             </p:txEl>
@@ -6297,6 +9484,288 @@
                                         <p:strVal val="visible"/>
                                       </p:to>
                                     </p:set>
+                                    <p:animEffect transition="in" filter="fade">
+                                      <p:cBhvr>
+                                        <p:cTn id="26" dur="500"/>
+                                        <p:tgtEl>
+                                          <p:spTgt spid="150531">
+                                            <p:txEl>
+                                              <p:pRg st="4" end="4"/>
+                                            </p:txEl>
+                                          </p:spTgt>
+                                        </p:tgtEl>
+                                      </p:cBhvr>
+                                    </p:animEffect>
+                                  </p:childTnLst>
+                                </p:cTn>
+                              </p:par>
+                              <p:par>
+                                <p:cTn id="27" presetID="10" presetClass="entr" presetSubtype="0" fill="hold" grpId="0" nodeType="withEffect">
+                                  <p:stCondLst>
+                                    <p:cond delay="0"/>
+                                  </p:stCondLst>
+                                  <p:childTnLst>
+                                    <p:set>
+                                      <p:cBhvr>
+                                        <p:cTn id="28" dur="1" fill="hold">
+                                          <p:stCondLst>
+                                            <p:cond delay="0"/>
+                                          </p:stCondLst>
+                                        </p:cTn>
+                                        <p:tgtEl>
+                                          <p:spTgt spid="150531">
+                                            <p:txEl>
+                                              <p:pRg st="5" end="5"/>
+                                            </p:txEl>
+                                          </p:spTgt>
+                                        </p:tgtEl>
+                                        <p:attrNameLst>
+                                          <p:attrName>style.visibility</p:attrName>
+                                        </p:attrNameLst>
+                                      </p:cBhvr>
+                                      <p:to>
+                                        <p:strVal val="visible"/>
+                                      </p:to>
+                                    </p:set>
+                                    <p:animEffect transition="in" filter="fade">
+                                      <p:cBhvr>
+                                        <p:cTn id="29" dur="500"/>
+                                        <p:tgtEl>
+                                          <p:spTgt spid="150531">
+                                            <p:txEl>
+                                              <p:pRg st="5" end="5"/>
+                                            </p:txEl>
+                                          </p:spTgt>
+                                        </p:tgtEl>
+                                      </p:cBhvr>
+                                    </p:animEffect>
+                                  </p:childTnLst>
+                                </p:cTn>
+                              </p:par>
+                            </p:childTnLst>
+                          </p:cTn>
+                        </p:par>
+                      </p:childTnLst>
+                    </p:cTn>
+                  </p:par>
+                </p:childTnLst>
+              </p:cTn>
+              <p:prevCondLst>
+                <p:cond evt="onPrev" delay="0">
+                  <p:tgtEl>
+                    <p:sldTgt/>
+                  </p:tgtEl>
+                </p:cond>
+              </p:prevCondLst>
+              <p:nextCondLst>
+                <p:cond evt="onNext" delay="0">
+                  <p:tgtEl>
+                    <p:sldTgt/>
+                  </p:tgtEl>
+                </p:cond>
+              </p:nextCondLst>
+            </p:seq>
+          </p:childTnLst>
+        </p:cTn>
+      </p:par>
+    </p:tnLst>
+    <p:bldLst>
+      <p:bldP spid="150531" grpId="0" build="p"/>
+    </p:bldLst>
+  </p:timing>
+</p:sld>
+</file>
+
+<file path=ppt/slides/slide19.xml><?xml version="1.0" encoding="utf-8"?>
+<p:sld xmlns:a="http://schemas.openxmlformats.org/drawingml/2006/main" xmlns:r="http://schemas.openxmlformats.org/officeDocument/2006/relationships" xmlns:p="http://schemas.openxmlformats.org/presentationml/2006/main">
+  <p:cSld>
+    <p:spTree>
+      <p:nvGrpSpPr>
+        <p:cNvPr id="1" name=""/>
+        <p:cNvGrpSpPr/>
+        <p:nvPr/>
+      </p:nvGrpSpPr>
+      <p:grpSpPr>
+        <a:xfrm>
+          <a:off x="0" y="0"/>
+          <a:ext cx="0" cy="0"/>
+          <a:chOff x="0" y="0"/>
+          <a:chExt cx="0" cy="0"/>
+        </a:xfrm>
+      </p:grpSpPr>
+      <p:sp>
+        <p:nvSpPr>
+          <p:cNvPr id="6" name="Slide Number Placeholder 3"/>
+          <p:cNvSpPr>
+            <a:spLocks noGrp="1"/>
+          </p:cNvSpPr>
+          <p:nvPr>
+            <p:ph type="sldNum" sz="quarter" idx="11"/>
+          </p:nvPr>
+        </p:nvSpPr>
+        <p:spPr/>
+        <p:txBody>
+          <a:bodyPr/>
+          <a:lstStyle/>
+          <a:p>
+            <a:pPr>
+              <a:defRPr/>
+            </a:pPr>
+            <a:r>
+              <a:rPr lang="en-US" dirty="0" err="1" smtClean="0"/>
+              <a:t>ranvar</a:t>
+            </a:r>
+            <a:r>
+              <a:rPr lang="en-US" dirty="0" smtClean="0"/>
+              <a:t>-mutual.</a:t>
+            </a:r>
+            <a:fld id="{5502BB3B-0EEA-453B-BE55-E4452FE5D144}" type="slidenum">
+              <a:rPr lang="en-US" smtClean="0"/>
+              <a:pPr>
+                <a:defRPr/>
+              </a:pPr>
+              <a:t>19</a:t>
+            </a:fld>
+            <a:endParaRPr lang="en-US" dirty="0"/>
+          </a:p>
+        </p:txBody>
+      </p:sp>
+      <p:sp>
+        <p:nvSpPr>
+          <p:cNvPr id="37891" name="Rectangle 2"/>
+          <p:cNvSpPr>
+            <a:spLocks noGrp="1" noChangeArrowheads="1"/>
+          </p:cNvSpPr>
+          <p:nvPr>
+            <p:ph type="title" idx="4294967295"/>
+          </p:nvPr>
+        </p:nvSpPr>
+        <p:spPr>
+          <a:xfrm>
+            <a:off x="1193800" y="225425"/>
+            <a:ext cx="7721600" cy="777875"/>
+          </a:xfrm>
+        </p:spPr>
+        <p:txBody>
+          <a:bodyPr/>
+          <a:lstStyle/>
+          <a:p>
+            <a:pPr eaLnBrk="1" hangingPunct="1"/>
+            <a:r>
+              <a:rPr lang="en-US" sz="3600" dirty="0" smtClean="0"/>
+              <a:t>Pairwise Independent Variables</a:t>
+            </a:r>
+          </a:p>
+        </p:txBody>
+      </p:sp>
+      <p:sp>
+        <p:nvSpPr>
+          <p:cNvPr id="151555" name="Rectangle 3"/>
+          <p:cNvSpPr>
+            <a:spLocks noGrp="1" noChangeArrowheads="1"/>
+          </p:cNvSpPr>
+          <p:nvPr>
+            <p:ph idx="4294967295"/>
+          </p:nvPr>
+        </p:nvSpPr>
+        <p:spPr>
+          <a:xfrm>
+            <a:off x="381000" y="1371600"/>
+            <a:ext cx="8305800" cy="4648200"/>
+          </a:xfrm>
+        </p:spPr>
+        <p:txBody>
+          <a:bodyPr/>
+          <a:lstStyle/>
+          <a:p>
+            <a:pPr eaLnBrk="1" hangingPunct="1"/>
+            <a:r>
+              <a:rPr lang="en-US" dirty="0" smtClean="0"/>
+              <a:t>Pairwise Independence sufficient for major applications (in later lecture).</a:t>
+            </a:r>
+          </a:p>
+          <a:p>
+            <a:pPr eaLnBrk="1" hangingPunct="1"/>
+            <a:r>
+              <a:rPr lang="en-US" dirty="0" smtClean="0"/>
+              <a:t>Good to know, since pairwise holds in important cases where mutual does not.</a:t>
+            </a:r>
+          </a:p>
+        </p:txBody>
+      </p:sp>
+    </p:spTree>
+    <p:extLst>
+      <p:ext uri="{BB962C8B-B14F-4D97-AF65-F5344CB8AC3E}">
+        <p14:creationId xmlns:p14="http://schemas.microsoft.com/office/powerpoint/2010/main" val="3145029204"/>
+      </p:ext>
+    </p:extLst>
+  </p:cSld>
+  <p:clrMapOvr>
+    <a:masterClrMapping/>
+  </p:clrMapOvr>
+  <p:transition xmlns:p14="http://schemas.microsoft.com/office/powerpoint/2010/main" spd="slow" advClick="0">
+    <p:fade thruBlk="1"/>
+  </p:transition>
+  <p:timing>
+    <p:tnLst>
+      <p:par>
+        <p:cTn xmlns:p14="http://schemas.microsoft.com/office/powerpoint/2010/main" id="1" dur="indefinite" restart="never" nodeType="tmRoot">
+          <p:childTnLst>
+            <p:seq concurrent="1" nextAc="seek">
+              <p:cTn id="2" dur="indefinite" nodeType="mainSeq">
+                <p:childTnLst>
+                  <p:par>
+                    <p:cTn id="3" fill="hold">
+                      <p:stCondLst>
+                        <p:cond delay="indefinite"/>
+                      </p:stCondLst>
+                      <p:childTnLst>
+                        <p:par>
+                          <p:cTn id="4" fill="hold">
+                            <p:stCondLst>
+                              <p:cond delay="0"/>
+                            </p:stCondLst>
+                            <p:childTnLst>
+                              <p:par>
+                                <p:cTn id="5" presetID="10" presetClass="entr" presetSubtype="0" fill="hold" nodeType="clickEffect">
+                                  <p:stCondLst>
+                                    <p:cond delay="0"/>
+                                  </p:stCondLst>
+                                  <p:childTnLst>
+                                    <p:set>
+                                      <p:cBhvr>
+                                        <p:cTn id="6" dur="1" fill="hold">
+                                          <p:stCondLst>
+                                            <p:cond delay="0"/>
+                                          </p:stCondLst>
+                                        </p:cTn>
+                                        <p:tgtEl>
+                                          <p:spTgt spid="151555">
+                                            <p:txEl>
+                                              <p:pRg st="1" end="1"/>
+                                            </p:txEl>
+                                          </p:spTgt>
+                                        </p:tgtEl>
+                                        <p:attrNameLst>
+                                          <p:attrName>style.visibility</p:attrName>
+                                        </p:attrNameLst>
+                                      </p:cBhvr>
+                                      <p:to>
+                                        <p:strVal val="visible"/>
+                                      </p:to>
+                                    </p:set>
+                                    <p:animEffect transition="in" filter="fade">
+                                      <p:cBhvr>
+                                        <p:cTn id="7" dur="500"/>
+                                        <p:tgtEl>
+                                          <p:spTgt spid="151555">
+                                            <p:txEl>
+                                              <p:pRg st="1" end="1"/>
+                                            </p:txEl>
+                                          </p:spTgt>
+                                        </p:tgtEl>
+                                      </p:cBhvr>
+                                    </p:animEffect>
                                   </p:childTnLst>
                                 </p:cTn>
                               </p:par>
@@ -6331,7 +9800,512 @@
 </p:sld>
 </file>
 
-<file path=ppt/slides/slide4.xml><?xml version="1.0" encoding="utf-8"?>
+<file path=ppt/slides/slide2.xml><?xml version="1.0" encoding="utf-8"?>
+<p:sld xmlns:a="http://schemas.openxmlformats.org/drawingml/2006/main" xmlns:r="http://schemas.openxmlformats.org/officeDocument/2006/relationships" xmlns:p="http://schemas.openxmlformats.org/presentationml/2006/main">
+  <p:cSld>
+    <p:spTree>
+      <p:nvGrpSpPr>
+        <p:cNvPr id="1" name=""/>
+        <p:cNvGrpSpPr/>
+        <p:nvPr/>
+      </p:nvGrpSpPr>
+      <p:grpSpPr>
+        <a:xfrm>
+          <a:off x="0" y="0"/>
+          <a:ext cx="0" cy="0"/>
+          <a:chOff x="0" y="0"/>
+          <a:chExt cx="0" cy="0"/>
+        </a:xfrm>
+      </p:grpSpPr>
+      <p:sp>
+        <p:nvSpPr>
+          <p:cNvPr id="6" name="Slide Number Placeholder 3"/>
+          <p:cNvSpPr>
+            <a:spLocks noGrp="1"/>
+          </p:cNvSpPr>
+          <p:nvPr>
+            <p:ph type="sldNum" sz="quarter" idx="11"/>
+          </p:nvPr>
+        </p:nvSpPr>
+        <p:spPr/>
+        <p:txBody>
+          <a:bodyPr/>
+          <a:lstStyle/>
+          <a:p>
+            <a:pPr>
+              <a:defRPr/>
+            </a:pPr>
+            <a:r>
+              <a:rPr lang="en-US" dirty="0" err="1" smtClean="0"/>
+              <a:t>ranvarindep</a:t>
+            </a:r>
+            <a:r>
+              <a:rPr lang="en-US" dirty="0" smtClean="0"/>
+              <a:t>.</a:t>
+            </a:r>
+            <a:fld id="{D23F9710-1A5A-4DD7-AAD4-90010A12B4AF}" type="slidenum">
+              <a:rPr lang="en-US" smtClean="0"/>
+              <a:pPr>
+                <a:defRPr/>
+              </a:pPr>
+              <a:t>2</a:t>
+            </a:fld>
+            <a:endParaRPr lang="en-US" dirty="0"/>
+          </a:p>
+        </p:txBody>
+      </p:sp>
+      <p:sp>
+        <p:nvSpPr>
+          <p:cNvPr id="27651" name="Rectangle 2"/>
+          <p:cNvSpPr>
+            <a:spLocks noGrp="1" noChangeArrowheads="1"/>
+          </p:cNvSpPr>
+          <p:nvPr>
+            <p:ph type="title" idx="4294967295"/>
+          </p:nvPr>
+        </p:nvSpPr>
+        <p:spPr/>
+        <p:txBody>
+          <a:bodyPr/>
+          <a:lstStyle/>
+          <a:p>
+            <a:pPr eaLnBrk="1" hangingPunct="1"/>
+            <a:r>
+              <a:rPr lang="en-US" smtClean="0"/>
+              <a:t>Random Variables</a:t>
+            </a:r>
+          </a:p>
+        </p:txBody>
+      </p:sp>
+      <p:sp>
+        <p:nvSpPr>
+          <p:cNvPr id="141315" name="Rectangle 3"/>
+          <p:cNvSpPr>
+            <a:spLocks noGrp="1" noChangeArrowheads="1"/>
+          </p:cNvSpPr>
+          <p:nvPr>
+            <p:ph idx="4294967295"/>
+          </p:nvPr>
+        </p:nvSpPr>
+        <p:spPr>
+          <a:xfrm>
+            <a:off x="234950" y="996950"/>
+            <a:ext cx="8662988" cy="4868863"/>
+          </a:xfrm>
+        </p:spPr>
+        <p:txBody>
+          <a:bodyPr/>
+          <a:lstStyle/>
+          <a:p>
+            <a:pPr eaLnBrk="1" hangingPunct="1"/>
+            <a:r>
+              <a:rPr lang="en-US" sz="4400" dirty="0" smtClean="0"/>
+              <a:t>Informally:</a:t>
+            </a:r>
+            <a:r>
+              <a:rPr lang="en-US" sz="4400" dirty="0" smtClean="0">
+                <a:solidFill>
+                  <a:srgbClr val="008000"/>
+                </a:solidFill>
+              </a:rPr>
+              <a:t> </a:t>
+            </a:r>
+            <a:r>
+              <a:rPr lang="en-US" sz="4400" dirty="0" smtClean="0"/>
+              <a:t>an </a:t>
+            </a:r>
+            <a:r>
+              <a:rPr lang="en-US" sz="4400" dirty="0" smtClean="0">
+                <a:solidFill>
+                  <a:srgbClr val="0000FF"/>
+                </a:solidFill>
+              </a:rPr>
+              <a:t>RV</a:t>
+            </a:r>
+            <a:r>
+              <a:rPr lang="en-US" sz="4400" dirty="0" smtClean="0"/>
+              <a:t> is a number produced by a</a:t>
+            </a:r>
+            <a:r>
+              <a:rPr lang="en-US" sz="4400" i="1" dirty="0" smtClean="0"/>
+              <a:t> </a:t>
+            </a:r>
+            <a:r>
+              <a:rPr lang="en-US" sz="4400" dirty="0" smtClean="0">
+                <a:solidFill>
+                  <a:srgbClr val="9B2894"/>
+                </a:solidFill>
+              </a:rPr>
+              <a:t>random process</a:t>
+            </a:r>
+            <a:r>
+              <a:rPr lang="en-US" sz="4400" dirty="0" smtClean="0"/>
+              <a:t>:</a:t>
+            </a:r>
+          </a:p>
+          <a:p>
+            <a:pPr eaLnBrk="1" hangingPunct="1">
+              <a:buFontTx/>
+              <a:buChar char="•"/>
+            </a:pPr>
+            <a:r>
+              <a:rPr lang="en-US" sz="4400" dirty="0"/>
+              <a:t># hours to next system crash</a:t>
+            </a:r>
+          </a:p>
+          <a:p>
+            <a:pPr eaLnBrk="1" hangingPunct="1">
+              <a:buFontTx/>
+              <a:buChar char="•"/>
+            </a:pPr>
+            <a:r>
+              <a:rPr lang="en-US" sz="4400" dirty="0"/>
+              <a:t># faulty pixels in monitor</a:t>
+            </a:r>
+          </a:p>
+          <a:p>
+            <a:pPr eaLnBrk="1" hangingPunct="1">
+              <a:buFontTx/>
+              <a:buChar char="•"/>
+            </a:pPr>
+            <a:r>
+              <a:rPr lang="en-US" sz="4400" dirty="0" smtClean="0"/>
+              <a:t># alpha particles in a second</a:t>
+            </a:r>
+            <a:endParaRPr lang="en-US" sz="4400" dirty="0"/>
+          </a:p>
+          <a:p>
+            <a:pPr eaLnBrk="1" hangingPunct="1">
+              <a:buFontTx/>
+              <a:buChar char="•"/>
+            </a:pPr>
+            <a:r>
+              <a:rPr lang="en-US" sz="4400" dirty="0"/>
+              <a:t># heads in </a:t>
+            </a:r>
+            <a:r>
+              <a:rPr lang="en-US" sz="4400" dirty="0">
+                <a:solidFill>
+                  <a:srgbClr val="3333FF"/>
+                </a:solidFill>
+              </a:rPr>
+              <a:t>n</a:t>
+            </a:r>
+            <a:r>
+              <a:rPr lang="en-US" sz="4400" dirty="0"/>
+              <a:t> coin flips</a:t>
+            </a:r>
+            <a:endParaRPr lang="en-US" sz="4400" dirty="0">
+              <a:solidFill>
+                <a:srgbClr val="3333FF"/>
+              </a:solidFill>
+            </a:endParaRPr>
+          </a:p>
+        </p:txBody>
+      </p:sp>
+    </p:spTree>
+    <p:extLst>
+      <p:ext uri="{BB962C8B-B14F-4D97-AF65-F5344CB8AC3E}">
+        <p14:creationId xmlns:p14="http://schemas.microsoft.com/office/powerpoint/2010/main" val="1145775259"/>
+      </p:ext>
+    </p:extLst>
+  </p:cSld>
+  <p:clrMapOvr>
+    <a:masterClrMapping/>
+  </p:clrMapOvr>
+  <mc:AlternateContent xmlns:mc="http://schemas.openxmlformats.org/markup-compatibility/2006" xmlns:p14="http://schemas.microsoft.com/office/powerpoint/2010/main">
+    <mc:Choice Requires="p14">
+      <p:transition spd="slow" p14:dur="1200" advClick="0">
+        <p:fade thruBlk="1"/>
+      </p:transition>
+    </mc:Choice>
+    <mc:Fallback xmlns="">
+      <p:transition xmlns:p14="http://schemas.microsoft.com/office/powerpoint/2010/main" spd="slow" advClick="0">
+        <p:fade thruBlk="1"/>
+      </p:transition>
+    </mc:Fallback>
+  </mc:AlternateContent>
+  <p:timing>
+    <p:tnLst>
+      <p:par>
+        <p:cTn xmlns:p14="http://schemas.microsoft.com/office/powerpoint/2010/main" id="1" dur="indefinite" restart="never" nodeType="tmRoot">
+          <p:childTnLst>
+            <p:seq concurrent="1" nextAc="seek">
+              <p:cTn id="2" dur="indefinite" nodeType="mainSeq">
+                <p:childTnLst>
+                  <p:par>
+                    <p:cTn id="3" fill="hold">
+                      <p:stCondLst>
+                        <p:cond delay="indefinite"/>
+                      </p:stCondLst>
+                      <p:childTnLst>
+                        <p:par>
+                          <p:cTn id="4" fill="hold">
+                            <p:stCondLst>
+                              <p:cond delay="0"/>
+                            </p:stCondLst>
+                            <p:childTnLst>
+                              <p:par>
+                                <p:cTn id="5" presetID="10" presetClass="entr" presetSubtype="0" fill="hold" grpId="0" nodeType="clickEffect">
+                                  <p:stCondLst>
+                                    <p:cond delay="0"/>
+                                  </p:stCondLst>
+                                  <p:childTnLst>
+                                    <p:set>
+                                      <p:cBhvr>
+                                        <p:cTn id="6" dur="1" fill="hold">
+                                          <p:stCondLst>
+                                            <p:cond delay="0"/>
+                                          </p:stCondLst>
+                                        </p:cTn>
+                                        <p:tgtEl>
+                                          <p:spTgt spid="141315">
+                                            <p:txEl>
+                                              <p:pRg st="1" end="1"/>
+                                            </p:txEl>
+                                          </p:spTgt>
+                                        </p:tgtEl>
+                                        <p:attrNameLst>
+                                          <p:attrName>style.visibility</p:attrName>
+                                        </p:attrNameLst>
+                                      </p:cBhvr>
+                                      <p:to>
+                                        <p:strVal val="visible"/>
+                                      </p:to>
+                                    </p:set>
+                                    <p:animEffect transition="in" filter="fade">
+                                      <p:cBhvr>
+                                        <p:cTn id="7" dur="500"/>
+                                        <p:tgtEl>
+                                          <p:spTgt spid="141315">
+                                            <p:txEl>
+                                              <p:pRg st="1" end="1"/>
+                                            </p:txEl>
+                                          </p:spTgt>
+                                        </p:tgtEl>
+                                      </p:cBhvr>
+                                    </p:animEffect>
+                                  </p:childTnLst>
+                                </p:cTn>
+                              </p:par>
+                            </p:childTnLst>
+                          </p:cTn>
+                        </p:par>
+                      </p:childTnLst>
+                    </p:cTn>
+                  </p:par>
+                  <p:par>
+                    <p:cTn id="8" fill="hold">
+                      <p:stCondLst>
+                        <p:cond delay="indefinite"/>
+                      </p:stCondLst>
+                      <p:childTnLst>
+                        <p:par>
+                          <p:cTn id="9" fill="hold">
+                            <p:stCondLst>
+                              <p:cond delay="0"/>
+                            </p:stCondLst>
+                            <p:childTnLst>
+                              <p:par>
+                                <p:cTn id="10" presetID="10" presetClass="entr" presetSubtype="0" fill="hold" grpId="0" nodeType="clickEffect">
+                                  <p:stCondLst>
+                                    <p:cond delay="0"/>
+                                  </p:stCondLst>
+                                  <p:childTnLst>
+                                    <p:set>
+                                      <p:cBhvr>
+                                        <p:cTn id="11" dur="1" fill="hold">
+                                          <p:stCondLst>
+                                            <p:cond delay="0"/>
+                                          </p:stCondLst>
+                                        </p:cTn>
+                                        <p:tgtEl>
+                                          <p:spTgt spid="141315">
+                                            <p:txEl>
+                                              <p:pRg st="2" end="2"/>
+                                            </p:txEl>
+                                          </p:spTgt>
+                                        </p:tgtEl>
+                                        <p:attrNameLst>
+                                          <p:attrName>style.visibility</p:attrName>
+                                        </p:attrNameLst>
+                                      </p:cBhvr>
+                                      <p:to>
+                                        <p:strVal val="visible"/>
+                                      </p:to>
+                                    </p:set>
+                                    <p:animEffect transition="in" filter="fade">
+                                      <p:cBhvr>
+                                        <p:cTn id="12" dur="500"/>
+                                        <p:tgtEl>
+                                          <p:spTgt spid="141315">
+                                            <p:txEl>
+                                              <p:pRg st="2" end="2"/>
+                                            </p:txEl>
+                                          </p:spTgt>
+                                        </p:tgtEl>
+                                      </p:cBhvr>
+                                    </p:animEffect>
+                                  </p:childTnLst>
+                                </p:cTn>
+                              </p:par>
+                            </p:childTnLst>
+                          </p:cTn>
+                        </p:par>
+                      </p:childTnLst>
+                    </p:cTn>
+                  </p:par>
+                  <p:par>
+                    <p:cTn id="13" fill="hold">
+                      <p:stCondLst>
+                        <p:cond delay="indefinite"/>
+                      </p:stCondLst>
+                      <p:childTnLst>
+                        <p:par>
+                          <p:cTn id="14" fill="hold">
+                            <p:stCondLst>
+                              <p:cond delay="0"/>
+                            </p:stCondLst>
+                            <p:childTnLst>
+                              <p:par>
+                                <p:cTn id="15" presetID="10" presetClass="entr" presetSubtype="0" fill="hold" grpId="0" nodeType="clickEffect">
+                                  <p:stCondLst>
+                                    <p:cond delay="0"/>
+                                  </p:stCondLst>
+                                  <p:childTnLst>
+                                    <p:set>
+                                      <p:cBhvr>
+                                        <p:cTn id="16" dur="1" fill="hold">
+                                          <p:stCondLst>
+                                            <p:cond delay="0"/>
+                                          </p:stCondLst>
+                                        </p:cTn>
+                                        <p:tgtEl>
+                                          <p:spTgt spid="141315">
+                                            <p:txEl>
+                                              <p:pRg st="3" end="3"/>
+                                            </p:txEl>
+                                          </p:spTgt>
+                                        </p:tgtEl>
+                                        <p:attrNameLst>
+                                          <p:attrName>style.visibility</p:attrName>
+                                        </p:attrNameLst>
+                                      </p:cBhvr>
+                                      <p:to>
+                                        <p:strVal val="visible"/>
+                                      </p:to>
+                                    </p:set>
+                                    <p:animEffect transition="in" filter="fade">
+                                      <p:cBhvr>
+                                        <p:cTn id="17" dur="500"/>
+                                        <p:tgtEl>
+                                          <p:spTgt spid="141315">
+                                            <p:txEl>
+                                              <p:pRg st="3" end="3"/>
+                                            </p:txEl>
+                                          </p:spTgt>
+                                        </p:tgtEl>
+                                      </p:cBhvr>
+                                    </p:animEffect>
+                                  </p:childTnLst>
+                                </p:cTn>
+                              </p:par>
+                            </p:childTnLst>
+                          </p:cTn>
+                        </p:par>
+                      </p:childTnLst>
+                    </p:cTn>
+                  </p:par>
+                  <p:par>
+                    <p:cTn id="18" fill="hold">
+                      <p:stCondLst>
+                        <p:cond delay="indefinite"/>
+                      </p:stCondLst>
+                      <p:childTnLst>
+                        <p:par>
+                          <p:cTn id="19" fill="hold">
+                            <p:stCondLst>
+                              <p:cond delay="0"/>
+                            </p:stCondLst>
+                            <p:childTnLst>
+                              <p:par>
+                                <p:cTn id="20" presetID="10" presetClass="entr" presetSubtype="0" fill="hold" grpId="0" nodeType="clickEffect">
+                                  <p:stCondLst>
+                                    <p:cond delay="0"/>
+                                  </p:stCondLst>
+                                  <p:childTnLst>
+                                    <p:set>
+                                      <p:cBhvr>
+                                        <p:cTn id="21" dur="1" fill="hold">
+                                          <p:stCondLst>
+                                            <p:cond delay="0"/>
+                                          </p:stCondLst>
+                                        </p:cTn>
+                                        <p:tgtEl>
+                                          <p:spTgt spid="141315">
+                                            <p:txEl>
+                                              <p:pRg st="4" end="4"/>
+                                            </p:txEl>
+                                          </p:spTgt>
+                                        </p:tgtEl>
+                                        <p:attrNameLst>
+                                          <p:attrName>style.visibility</p:attrName>
+                                        </p:attrNameLst>
+                                      </p:cBhvr>
+                                      <p:to>
+                                        <p:strVal val="visible"/>
+                                      </p:to>
+                                    </p:set>
+                                    <p:animEffect transition="in" filter="fade">
+                                      <p:cBhvr>
+                                        <p:cTn id="22" dur="500"/>
+                                        <p:tgtEl>
+                                          <p:spTgt spid="141315">
+                                            <p:txEl>
+                                              <p:pRg st="4" end="4"/>
+                                            </p:txEl>
+                                          </p:spTgt>
+                                        </p:tgtEl>
+                                      </p:cBhvr>
+                                    </p:animEffect>
+                                  </p:childTnLst>
+                                </p:cTn>
+                              </p:par>
+                            </p:childTnLst>
+                          </p:cTn>
+                        </p:par>
+                      </p:childTnLst>
+                    </p:cTn>
+                  </p:par>
+                </p:childTnLst>
+              </p:cTn>
+              <p:prevCondLst>
+                <p:cond evt="onPrev" delay="0">
+                  <p:tgtEl>
+                    <p:sldTgt/>
+                  </p:tgtEl>
+                </p:cond>
+              </p:prevCondLst>
+              <p:nextCondLst>
+                <p:cond evt="onNext" delay="0">
+                  <p:tgtEl>
+                    <p:sldTgt/>
+                  </p:tgtEl>
+                </p:cond>
+              </p:nextCondLst>
+            </p:seq>
+          </p:childTnLst>
+        </p:cTn>
+      </p:par>
+    </p:tnLst>
+    <p:bldLst>
+      <p:bldP spid="141315" grpId="0" build="p"/>
+    </p:bldLst>
+  </p:timing>
+</p:sld>
+</file>
+
+<file path=ppt/slides/slide3.xml><?xml version="1.0" encoding="utf-8"?>
 <p:sld xmlns:a="http://schemas.openxmlformats.org/drawingml/2006/main" xmlns:r="http://schemas.openxmlformats.org/officeDocument/2006/relationships" xmlns:p="http://schemas.openxmlformats.org/presentationml/2006/main">
   <p:cSld>
     <p:spTree>
@@ -6379,7 +10353,7 @@
               <a:pPr>
                 <a:defRPr/>
               </a:pPr>
-              <a:t>4</a:t>
+              <a:t>3</a:t>
             </a:fld>
             <a:endParaRPr lang="en-US" dirty="0"/>
           </a:p>
@@ -6508,7 +10482,7 @@
           <a:graphicData uri="http://schemas.openxmlformats.org/presentationml/2006/ole">
             <mc:AlternateContent xmlns:mc="http://schemas.openxmlformats.org/markup-compatibility/2006">
               <mc:Choice xmlns:v="urn:schemas-microsoft-com:vml" Requires="v">
-                <p:oleObj spid="_x0000_s6189" name="Equation" r:id="rId4" imgW="1638000" imgH="507960" progId="Equation.DSMT4">
+                <p:oleObj spid="_x0000_s6195" name="Equation" r:id="rId4" imgW="1638000" imgH="507960" progId="Equation.DSMT4">
                   <p:embed/>
                 </p:oleObj>
               </mc:Choice>
@@ -6717,7 +10691,7 @@
 </p:sld>
 </file>
 
-<file path=ppt/slides/slide5.xml><?xml version="1.0" encoding="utf-8"?>
+<file path=ppt/slides/slide4.xml><?xml version="1.0" encoding="utf-8"?>
 <p:sld xmlns:a="http://schemas.openxmlformats.org/drawingml/2006/main" xmlns:r="http://schemas.openxmlformats.org/officeDocument/2006/relationships" xmlns:p="http://schemas.openxmlformats.org/presentationml/2006/main">
   <p:cSld>
     <p:spTree>
@@ -6765,7 +10739,7 @@
               <a:pPr>
                 <a:defRPr/>
               </a:pPr>
-              <a:t>5</a:t>
+              <a:t>4</a:t>
             </a:fld>
             <a:endParaRPr lang="en-US" dirty="0"/>
           </a:p>
@@ -6850,8 +10824,12 @@
           <a:p>
             <a:pPr lvl="1" algn="ctr" eaLnBrk="1" hangingPunct="1"/>
             <a:r>
+              <a:rPr lang="en-US" sz="4000" dirty="0" err="1" smtClean="0"/>
+              <a:t>Pr</a:t>
+            </a:r>
+            <a:r>
               <a:rPr lang="en-US" sz="4000" dirty="0" smtClean="0"/>
-              <a:t>Pr{</a:t>
+              <a:t>[</a:t>
             </a:r>
             <a:r>
               <a:rPr lang="en-US" sz="4000" dirty="0" smtClean="0">
@@ -6869,7 +10847,19 @@
               <a:rPr lang="en-US" sz="4000" dirty="0" smtClean="0">
                 <a:cs typeface="Times New Roman" pitchFamily="18" charset="0"/>
               </a:rPr>
-              <a:t>= 1} = 3/8</a:t>
+              <a:t>= </a:t>
+            </a:r>
+            <a:r>
+              <a:rPr lang="en-US" sz="4000" dirty="0" smtClean="0">
+                <a:cs typeface="Times New Roman" pitchFamily="18" charset="0"/>
+              </a:rPr>
+              <a:t>1] </a:t>
+            </a:r>
+            <a:r>
+              <a:rPr lang="en-US" sz="4000" dirty="0" smtClean="0">
+                <a:cs typeface="Times New Roman" pitchFamily="18" charset="0"/>
+              </a:rPr>
+              <a:t>= 3/8</a:t>
             </a:r>
           </a:p>
           <a:p>
@@ -7013,13 +11003,13 @@
               <a:t>0 </a:t>
             </a:r>
             <a:r>
-              <a:rPr lang="en-US" sz="3200" dirty="0" smtClean="0">
+              <a:rPr lang="en-US" sz="2800" dirty="0" smtClean="0">
                 <a:solidFill>
                   <a:schemeClr val="tx2"/>
                 </a:solidFill>
                 <a:sym typeface="Symbol" pitchFamily="18" charset="2"/>
               </a:rPr>
-              <a:t>and</a:t>
+              <a:t>AND</a:t>
             </a:r>
             <a:r>
               <a:rPr lang="en-US" sz="4000" dirty="0" smtClean="0">
@@ -7068,7 +11058,22 @@
               <a:rPr lang="en-US" sz="4000" dirty="0" smtClean="0">
                 <a:cs typeface="Times New Roman" pitchFamily="18" charset="0"/>
               </a:rPr>
-              <a:t>[all heads] = 1/8</a:t>
+              <a:t>[</a:t>
+            </a:r>
+            <a:r>
+              <a:rPr lang="en-US" sz="4000" dirty="0" smtClean="0">
+                <a:solidFill>
+                  <a:srgbClr val="3333FF"/>
+                </a:solidFill>
+                <a:cs typeface="Times New Roman" pitchFamily="18" charset="0"/>
+              </a:rPr>
+              <a:t>all heads</a:t>
+            </a:r>
+            <a:r>
+              <a:rPr lang="en-US" sz="4000" dirty="0" smtClean="0">
+                <a:cs typeface="Times New Roman" pitchFamily="18" charset="0"/>
+              </a:rPr>
+              <a:t>] = 1/8</a:t>
             </a:r>
           </a:p>
         </p:txBody>
@@ -7102,7 +11107,7 @@
                             </p:stCondLst>
                             <p:childTnLst>
                               <p:par>
-                                <p:cTn id="5" presetID="9" presetClass="entr" presetSubtype="0" fill="hold" nodeType="clickEffect">
+                                <p:cTn id="5" presetID="10" presetClass="entr" presetSubtype="0" fill="hold" nodeType="clickEffect">
                                   <p:stCondLst>
                                     <p:cond delay="0"/>
                                   </p:stCondLst>
@@ -7117,7 +11122,7 @@
                                         <p:tgtEl>
                                           <p:spTgt spid="143363">
                                             <p:txEl>
-                                              <p:pRg st="3" end="3"/>
+                                              <p:pRg st="1" end="1"/>
                                             </p:txEl>
                                           </p:spTgt>
                                         </p:tgtEl>
@@ -7129,13 +11134,13 @@
                                         <p:strVal val="visible"/>
                                       </p:to>
                                     </p:set>
-                                    <p:animEffect transition="in" filter="dissolve">
+                                    <p:animEffect transition="in" filter="fade">
                                       <p:cBhvr>
                                         <p:cTn id="7" dur="500"/>
                                         <p:tgtEl>
                                           <p:spTgt spid="143363">
                                             <p:txEl>
-                                              <p:pRg st="3" end="3"/>
+                                              <p:pRg st="1" end="1"/>
                                             </p:txEl>
                                           </p:spTgt>
                                         </p:tgtEl>
@@ -7163,7 +11168,7 @@
                             </p:stCondLst>
                             <p:childTnLst>
                               <p:par>
-                                <p:cTn id="10" presetID="9" presetClass="entr" presetSubtype="0" fill="hold" nodeType="clickEffect">
+                                <p:cTn id="10" presetID="10" presetClass="entr" presetSubtype="0" fill="hold" nodeType="clickEffect">
                                   <p:stCondLst>
                                     <p:cond delay="0"/>
                                   </p:stCondLst>
@@ -7178,7 +11183,7 @@
                                         <p:tgtEl>
                                           <p:spTgt spid="143363">
                                             <p:txEl>
-                                              <p:pRg st="4" end="4"/>
+                                              <p:pRg st="2" end="2"/>
                                             </p:txEl>
                                           </p:spTgt>
                                         </p:tgtEl>
@@ -7190,13 +11195,13 @@
                                         <p:strVal val="visible"/>
                                       </p:to>
                                     </p:set>
-                                    <p:animEffect transition="in" filter="dissolve">
+                                    <p:animEffect transition="in" filter="fade">
                                       <p:cBhvr>
                                         <p:cTn id="12" dur="500"/>
                                         <p:tgtEl>
                                           <p:spTgt spid="143363">
                                             <p:txEl>
-                                              <p:pRg st="4" end="4"/>
+                                              <p:pRg st="2" end="2"/>
                                             </p:txEl>
                                           </p:spTgt>
                                         </p:tgtEl>
@@ -7239,6 +11244,128 @@
                                         <p:tgtEl>
                                           <p:spTgt spid="143363">
                                             <p:txEl>
+                                              <p:pRg st="3" end="3"/>
+                                            </p:txEl>
+                                          </p:spTgt>
+                                        </p:tgtEl>
+                                        <p:attrNameLst>
+                                          <p:attrName>style.visibility</p:attrName>
+                                        </p:attrNameLst>
+                                      </p:cBhvr>
+                                      <p:to>
+                                        <p:strVal val="visible"/>
+                                      </p:to>
+                                    </p:set>
+                                    <p:animEffect transition="in" filter="dissolve">
+                                      <p:cBhvr>
+                                        <p:cTn id="17" dur="500"/>
+                                        <p:tgtEl>
+                                          <p:spTgt spid="143363">
+                                            <p:txEl>
+                                              <p:pRg st="3" end="3"/>
+                                            </p:txEl>
+                                          </p:spTgt>
+                                        </p:tgtEl>
+                                      </p:cBhvr>
+                                    </p:animEffect>
+                                  </p:childTnLst>
+                                </p:cTn>
+                              </p:par>
+                            </p:childTnLst>
+                          </p:cTn>
+                        </p:par>
+                      </p:childTnLst>
+                    </p:cTn>
+                  </p:par>
+                  <p:par>
+                    <p:cTn id="18" fill="hold">
+                      <p:stCondLst>
+                        <p:cond delay="indefinite"/>
+                      </p:stCondLst>
+                      <p:childTnLst>
+                        <p:par>
+                          <p:cTn id="19" fill="hold">
+                            <p:stCondLst>
+                              <p:cond delay="0"/>
+                            </p:stCondLst>
+                            <p:childTnLst>
+                              <p:par>
+                                <p:cTn id="20" presetID="9" presetClass="entr" presetSubtype="0" fill="hold" nodeType="clickEffect">
+                                  <p:stCondLst>
+                                    <p:cond delay="0"/>
+                                  </p:stCondLst>
+                                  <p:childTnLst>
+                                    <p:set>
+                                      <p:cBhvr>
+                                        <p:cTn id="21" dur="1" fill="hold">
+                                          <p:stCondLst>
+                                            <p:cond delay="0"/>
+                                          </p:stCondLst>
+                                        </p:cTn>
+                                        <p:tgtEl>
+                                          <p:spTgt spid="143363">
+                                            <p:txEl>
+                                              <p:pRg st="4" end="4"/>
+                                            </p:txEl>
+                                          </p:spTgt>
+                                        </p:tgtEl>
+                                        <p:attrNameLst>
+                                          <p:attrName>style.visibility</p:attrName>
+                                        </p:attrNameLst>
+                                      </p:cBhvr>
+                                      <p:to>
+                                        <p:strVal val="visible"/>
+                                      </p:to>
+                                    </p:set>
+                                    <p:animEffect transition="in" filter="dissolve">
+                                      <p:cBhvr>
+                                        <p:cTn id="22" dur="500"/>
+                                        <p:tgtEl>
+                                          <p:spTgt spid="143363">
+                                            <p:txEl>
+                                              <p:pRg st="4" end="4"/>
+                                            </p:txEl>
+                                          </p:spTgt>
+                                        </p:tgtEl>
+                                      </p:cBhvr>
+                                    </p:animEffect>
+                                  </p:childTnLst>
+                                </p:cTn>
+                              </p:par>
+                            </p:childTnLst>
+                          </p:cTn>
+                        </p:par>
+                      </p:childTnLst>
+                    </p:cTn>
+                  </p:par>
+                  <p:par>
+                    <p:cTn id="23" fill="hold">
+                      <p:stCondLst>
+                        <p:cond delay="indefinite"/>
+                      </p:stCondLst>
+                      <p:childTnLst>
+                        <p:par>
+                          <p:cTn id="24" fill="hold">
+                            <p:stCondLst>
+                              <p:cond delay="0"/>
+                            </p:stCondLst>
+                            <p:childTnLst>
+                              <p:par>
+                                <p:cTn id="25" presetID="9" presetClass="entr" presetSubtype="0" fill="hold" nodeType="clickEffect">
+                                  <p:stCondLst>
+                                    <p:cond delay="0"/>
+                                  </p:stCondLst>
+                                  <p:childTnLst>
+                                    <p:set>
+                                      <p:cBhvr>
+                                        <p:cTn id="26" dur="1" fill="hold">
+                                          <p:stCondLst>
+                                            <p:cond delay="0"/>
+                                          </p:stCondLst>
+                                        </p:cTn>
+                                        <p:tgtEl>
+                                          <p:spTgt spid="143363">
+                                            <p:txEl>
                                               <p:pRg st="5" end="5"/>
                                             </p:txEl>
                                           </p:spTgt>
@@ -7253,7 +11380,7 @@
                                     </p:set>
                                     <p:animEffect transition="in" filter="dissolve">
                                       <p:cBhvr>
-                                        <p:cTn id="17" dur="500"/>
+                                        <p:cTn id="27" dur="500"/>
                                         <p:tgtEl>
                                           <p:spTgt spid="143363">
                                             <p:txEl>
@@ -7297,7 +11424,7 @@
 </p:sld>
 </file>
 
-<file path=ppt/slides/slide6.xml><?xml version="1.0" encoding="utf-8"?>
+<file path=ppt/slides/slide5.xml><?xml version="1.0" encoding="utf-8"?>
 <p:sld xmlns:a="http://schemas.openxmlformats.org/drawingml/2006/main" xmlns:r="http://schemas.openxmlformats.org/officeDocument/2006/relationships" xmlns:p="http://schemas.openxmlformats.org/presentationml/2006/main">
   <p:cSld>
     <p:spTree>
@@ -7351,7 +11478,7 @@
               <a:pPr>
                 <a:defRPr/>
               </a:pPr>
-              <a:t>6</a:t>
+              <a:t>5</a:t>
             </a:fld>
             <a:endParaRPr lang="en-US" dirty="0">
               <a:latin typeface="+mj-lt"/>
@@ -7831,13 +11958,13 @@
   <p:clrMapOvr>
     <a:masterClrMapping/>
   </p:clrMapOvr>
-  <mc:AlternateContent xmlns:mc="http://schemas.openxmlformats.org/markup-compatibility/2006">
-    <mc:Choice xmlns:p14="http://schemas.microsoft.com/office/powerpoint/2010/main" Requires="p14">
+  <mc:AlternateContent xmlns:mc="http://schemas.openxmlformats.org/markup-compatibility/2006" xmlns:p14="http://schemas.microsoft.com/office/powerpoint/2010/main">
+    <mc:Choice Requires="p14">
       <p:transition spd="slow" p14:dur="1200" advClick="0">
         <p:fade thruBlk="1"/>
       </p:transition>
     </mc:Choice>
-    <mc:Fallback>
+    <mc:Fallback xmlns="">
       <p:transition xmlns:p14="http://schemas.microsoft.com/office/powerpoint/2010/main" spd="slow" advClick="0">
         <p:fade thruBlk="1"/>
       </p:transition>
@@ -8076,6 +12203,427 @@
 </p:sld>
 </file>
 
+<file path=ppt/slides/slide6.xml><?xml version="1.0" encoding="utf-8"?>
+<p:sld xmlns:a="http://schemas.openxmlformats.org/drawingml/2006/main" xmlns:r="http://schemas.openxmlformats.org/officeDocument/2006/relationships" xmlns:p="http://schemas.openxmlformats.org/presentationml/2006/main">
+  <p:cSld>
+    <p:spTree>
+      <p:nvGrpSpPr>
+        <p:cNvPr id="1" name=""/>
+        <p:cNvGrpSpPr/>
+        <p:nvPr/>
+      </p:nvGrpSpPr>
+      <p:grpSpPr>
+        <a:xfrm>
+          <a:off x="0" y="0"/>
+          <a:ext cx="0" cy="0"/>
+          <a:chOff x="0" y="0"/>
+          <a:chExt cx="0" cy="0"/>
+        </a:xfrm>
+      </p:grpSpPr>
+      <p:sp>
+        <p:nvSpPr>
+          <p:cNvPr id="14" name="Slide Number Placeholder 3"/>
+          <p:cNvSpPr>
+            <a:spLocks noGrp="1"/>
+          </p:cNvSpPr>
+          <p:nvPr>
+            <p:ph type="sldNum" sz="quarter" idx="11"/>
+          </p:nvPr>
+        </p:nvSpPr>
+        <p:spPr/>
+        <p:txBody>
+          <a:bodyPr/>
+          <a:lstStyle/>
+          <a:p>
+            <a:pPr>
+              <a:defRPr/>
+            </a:pPr>
+            <a:r>
+              <a:rPr lang="en-US" dirty="0" err="1" smtClean="0">
+                <a:latin typeface="+mj-lt"/>
+              </a:rPr>
+              <a:t>ranvarindep</a:t>
+            </a:r>
+            <a:r>
+              <a:rPr lang="en-US" dirty="0" smtClean="0">
+                <a:latin typeface="+mj-lt"/>
+              </a:rPr>
+              <a:t>.</a:t>
+            </a:r>
+            <a:fld id="{E30C1D59-262D-4F8F-B8EA-654BF725DE37}" type="slidenum">
+              <a:rPr lang="en-US" smtClean="0">
+                <a:latin typeface="+mj-lt"/>
+              </a:rPr>
+              <a:pPr>
+                <a:defRPr/>
+              </a:pPr>
+              <a:t>6</a:t>
+            </a:fld>
+            <a:endParaRPr lang="en-US" dirty="0">
+              <a:latin typeface="+mj-lt"/>
+            </a:endParaRPr>
+          </a:p>
+        </p:txBody>
+      </p:sp>
+      <p:sp>
+        <p:nvSpPr>
+          <p:cNvPr id="28675" name="Rectangle 2"/>
+          <p:cNvSpPr>
+            <a:spLocks noGrp="1" noChangeArrowheads="1"/>
+          </p:cNvSpPr>
+          <p:nvPr>
+            <p:ph type="title" idx="4294967295"/>
+          </p:nvPr>
+        </p:nvSpPr>
+        <p:spPr/>
+        <p:txBody>
+          <a:bodyPr/>
+          <a:lstStyle/>
+          <a:p>
+            <a:pPr eaLnBrk="1" hangingPunct="1"/>
+            <a:r>
+              <a:rPr lang="en-US" smtClean="0"/>
+              <a:t>What is a Random Variable?</a:t>
+            </a:r>
+          </a:p>
+        </p:txBody>
+      </p:sp>
+      <p:sp>
+        <p:nvSpPr>
+          <p:cNvPr id="2" name="TextBox 1"/>
+          <p:cNvSpPr txBox="1"/>
+          <p:nvPr/>
+        </p:nvSpPr>
+        <p:spPr>
+          <a:xfrm>
+            <a:off x="527245" y="1549400"/>
+            <a:ext cx="8114909" cy="3416320"/>
+          </a:xfrm>
+          <a:prstGeom prst="rect">
+            <a:avLst/>
+          </a:prstGeom>
+          <a:noFill/>
+        </p:spPr>
+        <p:txBody>
+          <a:bodyPr wrap="none" rtlCol="0">
+            <a:spAutoFit/>
+          </a:bodyPr>
+          <a:lstStyle/>
+          <a:p>
+            <a:r>
+              <a:rPr lang="en-US" sz="5400" dirty="0" smtClean="0">
+                <a:solidFill>
+                  <a:srgbClr val="3333FF"/>
+                </a:solidFill>
+                <a:latin typeface="Comic Sans MS"/>
+                <a:cs typeface="Comic Sans MS"/>
+              </a:rPr>
+              <a:t>R </a:t>
+            </a:r>
+            <a:r>
+              <a:rPr lang="en-US" sz="5400" dirty="0" smtClean="0">
+                <a:latin typeface="Comic Sans MS"/>
+                <a:cs typeface="Comic Sans MS"/>
+              </a:rPr>
+              <a:t>packages together the</a:t>
+            </a:r>
+          </a:p>
+          <a:p>
+            <a:r>
+              <a:rPr lang="en-US" sz="5400" dirty="0" smtClean="0">
+                <a:solidFill>
+                  <a:srgbClr val="9B2894"/>
+                </a:solidFill>
+                <a:latin typeface="Comic Sans MS"/>
+                <a:cs typeface="Comic Sans MS"/>
+              </a:rPr>
+              <a:t>events</a:t>
+            </a:r>
+            <a:r>
+              <a:rPr lang="en-US" sz="5400" dirty="0" smtClean="0">
+                <a:latin typeface="Comic Sans MS"/>
+                <a:cs typeface="Comic Sans MS"/>
+              </a:rPr>
+              <a:t> </a:t>
+            </a:r>
+            <a:r>
+              <a:rPr lang="en-US" sz="5400" dirty="0" smtClean="0">
+                <a:solidFill>
+                  <a:srgbClr val="3333FF"/>
+                </a:solidFill>
+                <a:latin typeface="Comic Sans MS"/>
+                <a:cs typeface="Comic Sans MS"/>
+              </a:rPr>
+              <a:t>[R </a:t>
+            </a:r>
+            <a:r>
+              <a:rPr lang="en-US" sz="5400" b="1" dirty="0" smtClean="0">
+                <a:solidFill>
+                  <a:srgbClr val="3333FF"/>
+                </a:solidFill>
+                <a:latin typeface="Euclid Symbol" charset="2"/>
+                <a:cs typeface="Euclid Symbol" charset="2"/>
+              </a:rPr>
+              <a:t>=</a:t>
+            </a:r>
+            <a:r>
+              <a:rPr lang="en-US" sz="5400" dirty="0" smtClean="0">
+                <a:solidFill>
+                  <a:srgbClr val="3333FF"/>
+                </a:solidFill>
+                <a:latin typeface="Comic Sans MS"/>
+                <a:cs typeface="Comic Sans MS"/>
+              </a:rPr>
+              <a:t> a] </a:t>
+            </a:r>
+            <a:r>
+              <a:rPr lang="en-US" sz="5400" dirty="0" smtClean="0">
+                <a:latin typeface="Comic Sans MS"/>
+                <a:cs typeface="Comic Sans MS"/>
+              </a:rPr>
+              <a:t>for</a:t>
+            </a:r>
+          </a:p>
+          <a:p>
+            <a:r>
+              <a:rPr lang="en-US" sz="5400" dirty="0" smtClean="0">
+                <a:latin typeface="Comic Sans MS"/>
+                <a:cs typeface="Comic Sans MS"/>
+              </a:rPr>
+              <a:t>Event properties carry</a:t>
+            </a:r>
+          </a:p>
+          <a:p>
+            <a:r>
+              <a:rPr lang="en-US" sz="5400" dirty="0" smtClean="0">
+                <a:latin typeface="Comic Sans MS"/>
+                <a:cs typeface="Comic Sans MS"/>
+              </a:rPr>
+              <a:t>over to RV’s directly </a:t>
+            </a:r>
+            <a:endParaRPr lang="en-US" sz="5400" dirty="0">
+              <a:latin typeface="Comic Sans MS"/>
+              <a:cs typeface="Comic Sans MS"/>
+            </a:endParaRPr>
+          </a:p>
+        </p:txBody>
+      </p:sp>
+      <p:graphicFrame>
+        <p:nvGraphicFramePr>
+          <p:cNvPr id="3" name="Object 2"/>
+          <p:cNvGraphicFramePr>
+            <a:graphicFrameLocks noChangeAspect="1"/>
+          </p:cNvGraphicFramePr>
+          <p:nvPr>
+            <p:extLst>
+              <p:ext uri="{D42A27DB-BD31-4B8C-83A1-F6EECF244321}">
+                <p14:modId xmlns:p14="http://schemas.microsoft.com/office/powerpoint/2010/main" val="1502161196"/>
+              </p:ext>
+            </p:extLst>
+          </p:nvPr>
+        </p:nvGraphicFramePr>
+        <p:xfrm>
+          <a:off x="6601883" y="2487084"/>
+          <a:ext cx="1813984" cy="793618"/>
+        </p:xfrm>
+        <a:graphic>
+          <a:graphicData uri="http://schemas.openxmlformats.org/presentationml/2006/ole">
+            <mc:AlternateContent xmlns:mc="http://schemas.openxmlformats.org/markup-compatibility/2006">
+              <mc:Choice xmlns:v="urn:schemas-microsoft-com:vml" Requires="v">
+                <p:oleObj spid="_x0000_s485379" name="Equation" r:id="rId4" imgW="406400" imgH="177800" progId="Equation.DSMT4">
+                  <p:embed/>
+                </p:oleObj>
+              </mc:Choice>
+              <mc:Fallback>
+                <p:oleObj name="Equation" r:id="rId4" imgW="406400" imgH="177800" progId="Equation.DSMT4">
+                  <p:embed/>
+                  <p:pic>
+                    <p:nvPicPr>
+                      <p:cNvPr id="0" name=""/>
+                      <p:cNvPicPr/>
+                      <p:nvPr/>
+                    </p:nvPicPr>
+                    <p:blipFill>
+                      <a:blip r:embed="rId5"/>
+                      <a:stretch>
+                        <a:fillRect/>
+                      </a:stretch>
+                    </p:blipFill>
+                    <p:spPr>
+                      <a:xfrm>
+                        <a:off x="6601883" y="2487084"/>
+                        <a:ext cx="1813984" cy="793618"/>
+                      </a:xfrm>
+                      <a:prstGeom prst="rect">
+                        <a:avLst/>
+                      </a:prstGeom>
+                    </p:spPr>
+                  </p:pic>
+                </p:oleObj>
+              </mc:Fallback>
+            </mc:AlternateContent>
+          </a:graphicData>
+        </a:graphic>
+      </p:graphicFrame>
+    </p:spTree>
+    <p:extLst>
+      <p:ext uri="{BB962C8B-B14F-4D97-AF65-F5344CB8AC3E}">
+        <p14:creationId xmlns:p14="http://schemas.microsoft.com/office/powerpoint/2010/main" val="725985189"/>
+      </p:ext>
+    </p:extLst>
+  </p:cSld>
+  <p:clrMapOvr>
+    <a:masterClrMapping/>
+  </p:clrMapOvr>
+  <mc:AlternateContent xmlns:mc="http://schemas.openxmlformats.org/markup-compatibility/2006" xmlns:p14="http://schemas.microsoft.com/office/powerpoint/2010/main">
+    <mc:Choice Requires="p14">
+      <p:transition spd="slow" p14:dur="1200" advClick="0">
+        <p:fade thruBlk="1"/>
+      </p:transition>
+    </mc:Choice>
+    <mc:Fallback xmlns="">
+      <p:transition xmlns:p14="http://schemas.microsoft.com/office/powerpoint/2010/main" spd="slow" advClick="0">
+        <p:fade thruBlk="1"/>
+      </p:transition>
+    </mc:Fallback>
+  </mc:AlternateContent>
+  <p:timing>
+    <p:tnLst>
+      <p:par>
+        <p:cTn xmlns:p14="http://schemas.microsoft.com/office/powerpoint/2010/main" id="1" dur="indefinite" restart="never" nodeType="tmRoot">
+          <p:childTnLst>
+            <p:seq concurrent="1" nextAc="seek">
+              <p:cTn id="2" dur="indefinite" nodeType="mainSeq">
+                <p:childTnLst>
+                  <p:par>
+                    <p:cTn id="3" fill="hold">
+                      <p:stCondLst>
+                        <p:cond delay="indefinite"/>
+                      </p:stCondLst>
+                      <p:childTnLst>
+                        <p:par>
+                          <p:cTn id="4" fill="hold">
+                            <p:stCondLst>
+                              <p:cond delay="0"/>
+                            </p:stCondLst>
+                            <p:childTnLst>
+                              <p:par>
+                                <p:cTn id="5" presetID="10" presetClass="entr" presetSubtype="0" fill="hold" nodeType="clickEffect">
+                                  <p:stCondLst>
+                                    <p:cond delay="0"/>
+                                  </p:stCondLst>
+                                  <p:childTnLst>
+                                    <p:set>
+                                      <p:cBhvr>
+                                        <p:cTn id="6" dur="1" fill="hold">
+                                          <p:stCondLst>
+                                            <p:cond delay="0"/>
+                                          </p:stCondLst>
+                                        </p:cTn>
+                                        <p:tgtEl>
+                                          <p:spTgt spid="2">
+                                            <p:txEl>
+                                              <p:pRg st="2" end="2"/>
+                                            </p:txEl>
+                                          </p:spTgt>
+                                        </p:tgtEl>
+                                        <p:attrNameLst>
+                                          <p:attrName>style.visibility</p:attrName>
+                                        </p:attrNameLst>
+                                      </p:cBhvr>
+                                      <p:to>
+                                        <p:strVal val="visible"/>
+                                      </p:to>
+                                    </p:set>
+                                    <p:animEffect transition="in" filter="fade">
+                                      <p:cBhvr>
+                                        <p:cTn id="7" dur="500"/>
+                                        <p:tgtEl>
+                                          <p:spTgt spid="2">
+                                            <p:txEl>
+                                              <p:pRg st="2" end="2"/>
+                                            </p:txEl>
+                                          </p:spTgt>
+                                        </p:tgtEl>
+                                      </p:cBhvr>
+                                    </p:animEffect>
+                                  </p:childTnLst>
+                                </p:cTn>
+                              </p:par>
+                              <p:par>
+                                <p:cTn id="8" presetID="10" presetClass="entr" presetSubtype="0" fill="hold" nodeType="withEffect">
+                                  <p:stCondLst>
+                                    <p:cond delay="0"/>
+                                  </p:stCondLst>
+                                  <p:childTnLst>
+                                    <p:set>
+                                      <p:cBhvr>
+                                        <p:cTn id="9" dur="1" fill="hold">
+                                          <p:stCondLst>
+                                            <p:cond delay="0"/>
+                                          </p:stCondLst>
+                                        </p:cTn>
+                                        <p:tgtEl>
+                                          <p:spTgt spid="2">
+                                            <p:txEl>
+                                              <p:pRg st="3" end="3"/>
+                                            </p:txEl>
+                                          </p:spTgt>
+                                        </p:tgtEl>
+                                        <p:attrNameLst>
+                                          <p:attrName>style.visibility</p:attrName>
+                                        </p:attrNameLst>
+                                      </p:cBhvr>
+                                      <p:to>
+                                        <p:strVal val="visible"/>
+                                      </p:to>
+                                    </p:set>
+                                    <p:animEffect transition="in" filter="fade">
+                                      <p:cBhvr>
+                                        <p:cTn id="10" dur="500"/>
+                                        <p:tgtEl>
+                                          <p:spTgt spid="2">
+                                            <p:txEl>
+                                              <p:pRg st="3" end="3"/>
+                                            </p:txEl>
+                                          </p:spTgt>
+                                        </p:tgtEl>
+                                      </p:cBhvr>
+                                    </p:animEffect>
+                                  </p:childTnLst>
+                                </p:cTn>
+                              </p:par>
+                            </p:childTnLst>
+                          </p:cTn>
+                        </p:par>
+                      </p:childTnLst>
+                    </p:cTn>
+                  </p:par>
+                </p:childTnLst>
+              </p:cTn>
+              <p:prevCondLst>
+                <p:cond evt="onPrev" delay="0">
+                  <p:tgtEl>
+                    <p:sldTgt/>
+                  </p:tgtEl>
+                </p:cond>
+              </p:prevCondLst>
+              <p:nextCondLst>
+                <p:cond evt="onNext" delay="0">
+                  <p:tgtEl>
+                    <p:sldTgt/>
+                  </p:tgtEl>
+                </p:cond>
+              </p:nextCondLst>
+            </p:seq>
+          </p:childTnLst>
+        </p:cTn>
+      </p:par>
+    </p:tnLst>
+  </p:timing>
+</p:sld>
+</file>
+
 <file path=ppt/slides/slide7.xml><?xml version="1.0" encoding="utf-8"?>
 <p:sld xmlns:a="http://schemas.openxmlformats.org/drawingml/2006/main" xmlns:r="http://schemas.openxmlformats.org/officeDocument/2006/relationships" xmlns:p="http://schemas.openxmlformats.org/presentationml/2006/main">
   <p:cSld>
@@ -8113,6 +12661,1552 @@
             </a:pPr>
             <a:r>
               <a:rPr lang="en-US" dirty="0" err="1" smtClean="0"/>
+              <a:t>ranvar</a:t>
+            </a:r>
+            <a:r>
+              <a:rPr lang="en-US" dirty="0" smtClean="0"/>
+              <a:t>-mutual.</a:t>
+            </a:r>
+            <a:fld id="{8D1CEAE9-5C17-48A5-8273-F5BB2E618A83}" type="slidenum">
+              <a:rPr lang="en-US" smtClean="0"/>
+              <a:pPr>
+                <a:defRPr/>
+              </a:pPr>
+              <a:t>7</a:t>
+            </a:fld>
+            <a:endParaRPr lang="en-US" dirty="0"/>
+          </a:p>
+        </p:txBody>
+      </p:sp>
+      <p:sp>
+        <p:nvSpPr>
+          <p:cNvPr id="34819" name="Rectangle 2"/>
+          <p:cNvSpPr>
+            <a:spLocks noGrp="1" noChangeArrowheads="1"/>
+          </p:cNvSpPr>
+          <p:nvPr>
+            <p:ph type="title" idx="4294967295"/>
+          </p:nvPr>
+        </p:nvSpPr>
+        <p:spPr>
+          <a:xfrm>
+            <a:off x="1255713" y="225425"/>
+            <a:ext cx="7734300" cy="893763"/>
+          </a:xfrm>
+        </p:spPr>
+        <p:txBody>
+          <a:bodyPr/>
+          <a:lstStyle/>
+          <a:p>
+            <a:pPr eaLnBrk="1" hangingPunct="1"/>
+            <a:r>
+              <a:rPr lang="en-US" smtClean="0"/>
+              <a:t>Mutally Independent Variables</a:t>
+            </a:r>
+          </a:p>
+        </p:txBody>
+      </p:sp>
+      <p:sp>
+        <p:nvSpPr>
+          <p:cNvPr id="149507" name="Rectangle 3"/>
+          <p:cNvSpPr>
+            <a:spLocks noGrp="1" noChangeArrowheads="1"/>
+          </p:cNvSpPr>
+          <p:nvPr>
+            <p:ph idx="4294967295"/>
+          </p:nvPr>
+        </p:nvSpPr>
+        <p:spPr>
+          <a:xfrm>
+            <a:off x="139700" y="1266703"/>
+            <a:ext cx="8788400" cy="5095997"/>
+          </a:xfrm>
+        </p:spPr>
+        <p:txBody>
+          <a:bodyPr anchor="t"/>
+          <a:lstStyle/>
+          <a:p>
+            <a:pPr eaLnBrk="1" hangingPunct="1">
+              <a:lnSpc>
+                <a:spcPct val="90000"/>
+              </a:lnSpc>
+            </a:pPr>
+            <a:r>
+              <a:rPr lang="en-US" sz="4800" dirty="0" smtClean="0">
+                <a:solidFill>
+                  <a:srgbClr val="000000"/>
+                </a:solidFill>
+              </a:rPr>
+              <a:t>Def:</a:t>
+            </a:r>
+            <a:r>
+              <a:rPr lang="en-US" sz="6000" dirty="0" smtClean="0">
+                <a:solidFill>
+                  <a:srgbClr val="0000FF"/>
+                </a:solidFill>
+              </a:rPr>
+              <a:t>     R</a:t>
+            </a:r>
+            <a:r>
+              <a:rPr lang="en-US" sz="6000" baseline="-25000" dirty="0" smtClean="0">
+                <a:solidFill>
+                  <a:srgbClr val="0000FF"/>
+                </a:solidFill>
+              </a:rPr>
+              <a:t>1</a:t>
+            </a:r>
+            <a:r>
+              <a:rPr lang="en-US" sz="6000" dirty="0" smtClean="0"/>
+              <a:t>, </a:t>
+            </a:r>
+            <a:r>
+              <a:rPr lang="en-US" sz="6000" dirty="0" smtClean="0">
+                <a:solidFill>
+                  <a:srgbClr val="0000FF"/>
+                </a:solidFill>
+              </a:rPr>
+              <a:t>R</a:t>
+            </a:r>
+            <a:r>
+              <a:rPr lang="en-US" sz="6000" baseline="-25000" dirty="0" smtClean="0">
+                <a:solidFill>
+                  <a:srgbClr val="0000FF"/>
+                </a:solidFill>
+              </a:rPr>
+              <a:t>2</a:t>
+            </a:r>
+            <a:r>
+              <a:rPr lang="en-US" sz="6000" dirty="0" smtClean="0"/>
+              <a:t>, … , </a:t>
+            </a:r>
+            <a:r>
+              <a:rPr lang="en-US" sz="6000" dirty="0" err="1" smtClean="0">
+                <a:solidFill>
+                  <a:srgbClr val="0000FF"/>
+                </a:solidFill>
+              </a:rPr>
+              <a:t>R</a:t>
+            </a:r>
+            <a:r>
+              <a:rPr lang="en-US" sz="6000" baseline="-25000" dirty="0" err="1" smtClean="0">
+                <a:solidFill>
+                  <a:srgbClr val="0000FF"/>
+                </a:solidFill>
+              </a:rPr>
+              <a:t>n</a:t>
+            </a:r>
+            <a:endParaRPr lang="en-US" sz="6000" dirty="0" smtClean="0"/>
+          </a:p>
+          <a:p>
+            <a:pPr eaLnBrk="1" hangingPunct="1">
+              <a:lnSpc>
+                <a:spcPct val="90000"/>
+              </a:lnSpc>
+            </a:pPr>
+            <a:r>
+              <a:rPr lang="en-US" sz="5400" dirty="0" smtClean="0">
+                <a:solidFill>
+                  <a:schemeClr val="tx2"/>
+                </a:solidFill>
+              </a:rPr>
+              <a:t>are </a:t>
+            </a:r>
+            <a:r>
+              <a:rPr lang="en-US" sz="5400" dirty="0" smtClean="0">
+                <a:solidFill>
+                  <a:srgbClr val="660066"/>
+                </a:solidFill>
+              </a:rPr>
+              <a:t>mutually </a:t>
+            </a:r>
+            <a:r>
+              <a:rPr lang="en-US" sz="5400" dirty="0" err="1" smtClean="0">
+                <a:solidFill>
+                  <a:srgbClr val="660066"/>
+                </a:solidFill>
+              </a:rPr>
+              <a:t>indep</a:t>
+            </a:r>
+            <a:r>
+              <a:rPr lang="en-US" sz="5400" dirty="0" smtClean="0">
+                <a:solidFill>
+                  <a:schemeClr val="tx2"/>
+                </a:solidFill>
+              </a:rPr>
+              <a:t> </a:t>
+            </a:r>
+            <a:r>
+              <a:rPr lang="en-US" sz="5400" dirty="0" smtClean="0">
+                <a:solidFill>
+                  <a:srgbClr val="3333FF"/>
+                </a:solidFill>
+              </a:rPr>
+              <a:t>RV’s</a:t>
+            </a:r>
+            <a:r>
+              <a:rPr lang="en-US" sz="5400" dirty="0" smtClean="0">
+                <a:solidFill>
+                  <a:schemeClr val="tx2"/>
+                </a:solidFill>
+              </a:rPr>
+              <a:t> </a:t>
+            </a:r>
+            <a:r>
+              <a:rPr lang="en-US" sz="5400" dirty="0" err="1" smtClean="0">
+                <a:solidFill>
+                  <a:schemeClr val="tx2"/>
+                </a:solidFill>
+              </a:rPr>
+              <a:t>iff</a:t>
+            </a:r>
+            <a:endParaRPr lang="en-US" sz="5400" dirty="0" smtClean="0">
+              <a:solidFill>
+                <a:schemeClr val="tx2"/>
+              </a:solidFill>
+            </a:endParaRPr>
+          </a:p>
+          <a:p>
+            <a:pPr algn="ctr" eaLnBrk="1" hangingPunct="1">
+              <a:lnSpc>
+                <a:spcPct val="90000"/>
+              </a:lnSpc>
+            </a:pPr>
+            <a:r>
+              <a:rPr lang="en-US" sz="5400" dirty="0" smtClean="0">
+                <a:solidFill>
+                  <a:srgbClr val="0000FF"/>
+                </a:solidFill>
+              </a:rPr>
+              <a:t>[R</a:t>
+            </a:r>
+            <a:r>
+              <a:rPr lang="en-US" sz="5400" baseline="-25000" dirty="0" smtClean="0">
+                <a:solidFill>
+                  <a:srgbClr val="0000FF"/>
+                </a:solidFill>
+              </a:rPr>
+              <a:t>1</a:t>
+            </a:r>
+            <a:r>
+              <a:rPr lang="en-US" sz="5400" dirty="0" smtClean="0">
+                <a:solidFill>
+                  <a:srgbClr val="0000FF"/>
+                </a:solidFill>
+              </a:rPr>
+              <a:t>=</a:t>
+            </a:r>
+            <a:r>
+              <a:rPr lang="en-US" sz="5400" dirty="0" smtClean="0">
+                <a:solidFill>
+                  <a:srgbClr val="3333FF"/>
+                </a:solidFill>
+              </a:rPr>
+              <a:t>a</a:t>
+            </a:r>
+            <a:r>
+              <a:rPr lang="en-US" sz="5400" baseline="-25000" dirty="0" smtClean="0">
+                <a:solidFill>
+                  <a:srgbClr val="3333FF"/>
+                </a:solidFill>
+              </a:rPr>
+              <a:t>1</a:t>
+            </a:r>
+            <a:r>
+              <a:rPr lang="en-US" sz="5400" dirty="0" smtClean="0">
+                <a:solidFill>
+                  <a:srgbClr val="3333FF"/>
+                </a:solidFill>
+              </a:rPr>
+              <a:t>]</a:t>
+            </a:r>
+            <a:r>
+              <a:rPr lang="en-US" sz="5400" dirty="0" smtClean="0"/>
+              <a:t>,</a:t>
+            </a:r>
+            <a:r>
+              <a:rPr lang="en-US" sz="5400" dirty="0" smtClean="0">
+                <a:solidFill>
+                  <a:srgbClr val="0000FF"/>
+                </a:solidFill>
+              </a:rPr>
+              <a:t>[R</a:t>
+            </a:r>
+            <a:r>
+              <a:rPr lang="en-US" sz="5400" baseline="-25000" dirty="0" smtClean="0">
+                <a:solidFill>
+                  <a:srgbClr val="0000FF"/>
+                </a:solidFill>
+              </a:rPr>
+              <a:t>2</a:t>
+            </a:r>
+            <a:r>
+              <a:rPr lang="en-US" sz="5400" dirty="0" smtClean="0">
+                <a:solidFill>
+                  <a:srgbClr val="0000FF"/>
+                </a:solidFill>
+              </a:rPr>
+              <a:t>=</a:t>
+            </a:r>
+            <a:r>
+              <a:rPr lang="en-US" sz="5400" dirty="0" smtClean="0">
+                <a:solidFill>
+                  <a:srgbClr val="3333FF"/>
+                </a:solidFill>
+              </a:rPr>
+              <a:t>a</a:t>
+            </a:r>
+            <a:r>
+              <a:rPr lang="en-US" sz="5400" baseline="-25000" dirty="0" smtClean="0">
+                <a:solidFill>
+                  <a:srgbClr val="3333FF"/>
+                </a:solidFill>
+              </a:rPr>
+              <a:t>2</a:t>
+            </a:r>
+            <a:r>
+              <a:rPr lang="en-US" sz="5400" dirty="0" smtClean="0">
+                <a:solidFill>
+                  <a:srgbClr val="3333FF"/>
+                </a:solidFill>
+              </a:rPr>
+              <a:t>]</a:t>
+            </a:r>
+            <a:r>
+              <a:rPr lang="en-US" sz="5400" dirty="0" smtClean="0"/>
+              <a:t>,</a:t>
+            </a:r>
+            <a:r>
+              <a:rPr lang="en-US" sz="6000" dirty="0" smtClean="0"/>
+              <a:t>…,</a:t>
+            </a:r>
+            <a:r>
+              <a:rPr lang="en-US" sz="6000" dirty="0" smtClean="0">
+                <a:solidFill>
+                  <a:srgbClr val="0000FF"/>
+                </a:solidFill>
+              </a:rPr>
+              <a:t>[</a:t>
+            </a:r>
+            <a:r>
+              <a:rPr lang="en-US" sz="6000" dirty="0" err="1" smtClean="0">
+                <a:solidFill>
+                  <a:srgbClr val="0000FF"/>
+                </a:solidFill>
+              </a:rPr>
+              <a:t>R</a:t>
+            </a:r>
+            <a:r>
+              <a:rPr lang="en-US" sz="6000" baseline="-25000" dirty="0" err="1" smtClean="0">
+                <a:solidFill>
+                  <a:srgbClr val="0000FF"/>
+                </a:solidFill>
+              </a:rPr>
+              <a:t>n</a:t>
+            </a:r>
+            <a:r>
+              <a:rPr lang="en-US" sz="6000" dirty="0" smtClean="0">
+                <a:solidFill>
+                  <a:srgbClr val="0000FF"/>
+                </a:solidFill>
+              </a:rPr>
+              <a:t>=</a:t>
+            </a:r>
+            <a:r>
+              <a:rPr lang="en-US" sz="6000" dirty="0" smtClean="0">
+                <a:solidFill>
+                  <a:srgbClr val="3333FF"/>
+                </a:solidFill>
+              </a:rPr>
+              <a:t>a</a:t>
+            </a:r>
+            <a:r>
+              <a:rPr lang="en-US" sz="6000" baseline="-25000" dirty="0" smtClean="0">
+                <a:solidFill>
+                  <a:srgbClr val="3333FF"/>
+                </a:solidFill>
+              </a:rPr>
+              <a:t>n</a:t>
+            </a:r>
+            <a:r>
+              <a:rPr lang="en-US" sz="6000" dirty="0" smtClean="0">
+                <a:solidFill>
+                  <a:srgbClr val="3333FF"/>
+                </a:solidFill>
+              </a:rPr>
+              <a:t>]</a:t>
+            </a:r>
+          </a:p>
+          <a:p>
+            <a:pPr eaLnBrk="1" hangingPunct="1">
+              <a:lnSpc>
+                <a:spcPct val="90000"/>
+              </a:lnSpc>
+            </a:pPr>
+            <a:r>
+              <a:rPr lang="en-US" sz="5400" dirty="0" smtClean="0">
+                <a:solidFill>
+                  <a:schemeClr val="tx2"/>
+                </a:solidFill>
+              </a:rPr>
+              <a:t>are mutually </a:t>
+            </a:r>
+            <a:r>
+              <a:rPr lang="en-US" sz="5400" dirty="0" err="1" smtClean="0">
+                <a:solidFill>
+                  <a:schemeClr val="tx2"/>
+                </a:solidFill>
+              </a:rPr>
+              <a:t>indep</a:t>
+            </a:r>
+            <a:r>
+              <a:rPr lang="en-US" sz="5400" dirty="0" smtClean="0">
+                <a:solidFill>
+                  <a:srgbClr val="FF00FF"/>
+                </a:solidFill>
+              </a:rPr>
+              <a:t> </a:t>
+            </a:r>
+            <a:r>
+              <a:rPr lang="en-US" sz="5400" dirty="0" smtClean="0">
+                <a:solidFill>
+                  <a:srgbClr val="9B2894"/>
+                </a:solidFill>
+              </a:rPr>
+              <a:t>events</a:t>
+            </a:r>
+          </a:p>
+          <a:p>
+            <a:pPr eaLnBrk="1" hangingPunct="1">
+              <a:lnSpc>
+                <a:spcPct val="90000"/>
+              </a:lnSpc>
+            </a:pPr>
+            <a:r>
+              <a:rPr lang="en-US" sz="5400" dirty="0" smtClean="0">
+                <a:solidFill>
+                  <a:schemeClr val="tx2"/>
+                </a:solidFill>
+              </a:rPr>
+              <a:t>for all</a:t>
+            </a:r>
+            <a:r>
+              <a:rPr lang="en-US" sz="5400" dirty="0" smtClean="0">
+                <a:solidFill>
+                  <a:srgbClr val="0000FF"/>
+                </a:solidFill>
+              </a:rPr>
+              <a:t> a</a:t>
+            </a:r>
+            <a:r>
+              <a:rPr lang="en-US" sz="5400" baseline="-25000" dirty="0" smtClean="0">
+                <a:solidFill>
+                  <a:srgbClr val="0000FF"/>
+                </a:solidFill>
+              </a:rPr>
+              <a:t>1</a:t>
+            </a:r>
+            <a:r>
+              <a:rPr lang="en-US" sz="5400" dirty="0" smtClean="0"/>
+              <a:t>, </a:t>
+            </a:r>
+            <a:r>
+              <a:rPr lang="en-US" sz="5400" dirty="0" smtClean="0">
+                <a:solidFill>
+                  <a:srgbClr val="0000FF"/>
+                </a:solidFill>
+              </a:rPr>
+              <a:t>a</a:t>
+            </a:r>
+            <a:r>
+              <a:rPr lang="en-US" sz="5400" baseline="-25000" dirty="0" smtClean="0">
+                <a:solidFill>
+                  <a:srgbClr val="0000FF"/>
+                </a:solidFill>
+              </a:rPr>
+              <a:t>2</a:t>
+            </a:r>
+            <a:r>
+              <a:rPr lang="en-US" sz="5400" dirty="0" smtClean="0"/>
+              <a:t>, … , </a:t>
+            </a:r>
+            <a:r>
+              <a:rPr lang="en-US" sz="5400" dirty="0" smtClean="0">
+                <a:solidFill>
+                  <a:srgbClr val="0000FF"/>
+                </a:solidFill>
+              </a:rPr>
+              <a:t>a</a:t>
+            </a:r>
+            <a:r>
+              <a:rPr lang="en-US" sz="5400" baseline="-25000" dirty="0" smtClean="0">
+                <a:solidFill>
+                  <a:srgbClr val="0000FF"/>
+                </a:solidFill>
+              </a:rPr>
+              <a:t>n</a:t>
+            </a:r>
+            <a:endParaRPr lang="en-US" sz="5400" dirty="0" smtClean="0"/>
+          </a:p>
+        </p:txBody>
+      </p:sp>
+    </p:spTree>
+    <p:extLst>
+      <p:ext uri="{BB962C8B-B14F-4D97-AF65-F5344CB8AC3E}">
+        <p14:creationId xmlns:p14="http://schemas.microsoft.com/office/powerpoint/2010/main" val="2487978436"/>
+      </p:ext>
+    </p:extLst>
+  </p:cSld>
+  <p:clrMapOvr>
+    <a:masterClrMapping/>
+  </p:clrMapOvr>
+  <mc:AlternateContent xmlns:mc="http://schemas.openxmlformats.org/markup-compatibility/2006" xmlns:p14="http://schemas.microsoft.com/office/powerpoint/2010/main">
+    <mc:Choice Requires="p14">
+      <p:transition spd="slow" p14:dur="800" advClick="0">
+        <p:fade/>
+      </p:transition>
+    </mc:Choice>
+    <mc:Fallback xmlns="">
+      <p:transition xmlns:p14="http://schemas.microsoft.com/office/powerpoint/2010/main" spd="slow" advClick="0">
+        <p:fade/>
+      </p:transition>
+    </mc:Fallback>
+  </mc:AlternateContent>
+  <p:timing>
+    <p:tnLst>
+      <p:par>
+        <p:cTn xmlns:p14="http://schemas.microsoft.com/office/powerpoint/2010/main" id="1" dur="indefinite" restart="never" nodeType="tmRoot">
+          <p:childTnLst>
+            <p:seq concurrent="1" nextAc="seek">
+              <p:cTn id="2" dur="indefinite" nodeType="mainSeq">
+                <p:childTnLst>
+                  <p:par>
+                    <p:cTn id="3" fill="hold">
+                      <p:stCondLst>
+                        <p:cond delay="indefinite"/>
+                      </p:stCondLst>
+                      <p:childTnLst>
+                        <p:par>
+                          <p:cTn id="4" fill="hold">
+                            <p:stCondLst>
+                              <p:cond delay="0"/>
+                            </p:stCondLst>
+                            <p:childTnLst>
+                              <p:par>
+                                <p:cTn id="5" presetID="22" presetClass="entr" presetSubtype="8" fill="hold" grpId="0" nodeType="clickEffect">
+                                  <p:stCondLst>
+                                    <p:cond delay="0"/>
+                                  </p:stCondLst>
+                                  <p:childTnLst>
+                                    <p:set>
+                                      <p:cBhvr>
+                                        <p:cTn id="6" dur="1" fill="hold">
+                                          <p:stCondLst>
+                                            <p:cond delay="0"/>
+                                          </p:stCondLst>
+                                        </p:cTn>
+                                        <p:tgtEl>
+                                          <p:spTgt spid="149507">
+                                            <p:txEl>
+                                              <p:pRg st="2" end="2"/>
+                                            </p:txEl>
+                                          </p:spTgt>
+                                        </p:tgtEl>
+                                        <p:attrNameLst>
+                                          <p:attrName>style.visibility</p:attrName>
+                                        </p:attrNameLst>
+                                      </p:cBhvr>
+                                      <p:to>
+                                        <p:strVal val="visible"/>
+                                      </p:to>
+                                    </p:set>
+                                    <p:animEffect transition="in" filter="wipe(left)">
+                                      <p:cBhvr>
+                                        <p:cTn id="7" dur="1000"/>
+                                        <p:tgtEl>
+                                          <p:spTgt spid="149507">
+                                            <p:txEl>
+                                              <p:pRg st="2" end="2"/>
+                                            </p:txEl>
+                                          </p:spTgt>
+                                        </p:tgtEl>
+                                      </p:cBhvr>
+                                    </p:animEffect>
+                                  </p:childTnLst>
+                                </p:cTn>
+                              </p:par>
+                              <p:par>
+                                <p:cTn id="8" presetID="10" presetClass="entr" presetSubtype="0" fill="hold" grpId="0" nodeType="withEffect">
+                                  <p:stCondLst>
+                                    <p:cond delay="0"/>
+                                  </p:stCondLst>
+                                  <p:childTnLst>
+                                    <p:set>
+                                      <p:cBhvr>
+                                        <p:cTn id="9" dur="1" fill="hold">
+                                          <p:stCondLst>
+                                            <p:cond delay="0"/>
+                                          </p:stCondLst>
+                                        </p:cTn>
+                                        <p:tgtEl>
+                                          <p:spTgt spid="149507">
+                                            <p:txEl>
+                                              <p:pRg st="3" end="3"/>
+                                            </p:txEl>
+                                          </p:spTgt>
+                                        </p:tgtEl>
+                                        <p:attrNameLst>
+                                          <p:attrName>style.visibility</p:attrName>
+                                        </p:attrNameLst>
+                                      </p:cBhvr>
+                                      <p:to>
+                                        <p:strVal val="visible"/>
+                                      </p:to>
+                                    </p:set>
+                                    <p:animEffect transition="in" filter="fade">
+                                      <p:cBhvr>
+                                        <p:cTn id="10" dur="500"/>
+                                        <p:tgtEl>
+                                          <p:spTgt spid="149507">
+                                            <p:txEl>
+                                              <p:pRg st="3" end="3"/>
+                                            </p:txEl>
+                                          </p:spTgt>
+                                        </p:tgtEl>
+                                      </p:cBhvr>
+                                    </p:animEffect>
+                                  </p:childTnLst>
+                                </p:cTn>
+                              </p:par>
+                            </p:childTnLst>
+                          </p:cTn>
+                        </p:par>
+                        <p:par>
+                          <p:cTn id="11" fill="hold">
+                            <p:stCondLst>
+                              <p:cond delay="1000"/>
+                            </p:stCondLst>
+                            <p:childTnLst>
+                              <p:par>
+                                <p:cTn id="12" presetID="10" presetClass="entr" presetSubtype="0" fill="hold" grpId="0" nodeType="afterEffect">
+                                  <p:stCondLst>
+                                    <p:cond delay="0"/>
+                                  </p:stCondLst>
+                                  <p:childTnLst>
+                                    <p:set>
+                                      <p:cBhvr>
+                                        <p:cTn id="13" dur="1" fill="hold">
+                                          <p:stCondLst>
+                                            <p:cond delay="0"/>
+                                          </p:stCondLst>
+                                        </p:cTn>
+                                        <p:tgtEl>
+                                          <p:spTgt spid="149507">
+                                            <p:txEl>
+                                              <p:pRg st="4" end="4"/>
+                                            </p:txEl>
+                                          </p:spTgt>
+                                        </p:tgtEl>
+                                        <p:attrNameLst>
+                                          <p:attrName>style.visibility</p:attrName>
+                                        </p:attrNameLst>
+                                      </p:cBhvr>
+                                      <p:to>
+                                        <p:strVal val="visible"/>
+                                      </p:to>
+                                    </p:set>
+                                    <p:animEffect transition="in" filter="fade">
+                                      <p:cBhvr>
+                                        <p:cTn id="14" dur="500"/>
+                                        <p:tgtEl>
+                                          <p:spTgt spid="149507">
+                                            <p:txEl>
+                                              <p:pRg st="4" end="4"/>
+                                            </p:txEl>
+                                          </p:spTgt>
+                                        </p:tgtEl>
+                                      </p:cBhvr>
+                                    </p:animEffect>
+                                  </p:childTnLst>
+                                </p:cTn>
+                              </p:par>
+                            </p:childTnLst>
+                          </p:cTn>
+                        </p:par>
+                      </p:childTnLst>
+                    </p:cTn>
+                  </p:par>
+                </p:childTnLst>
+              </p:cTn>
+              <p:prevCondLst>
+                <p:cond evt="onPrev" delay="0">
+                  <p:tgtEl>
+                    <p:sldTgt/>
+                  </p:tgtEl>
+                </p:cond>
+              </p:prevCondLst>
+              <p:nextCondLst>
+                <p:cond evt="onNext" delay="0">
+                  <p:tgtEl>
+                    <p:sldTgt/>
+                  </p:tgtEl>
+                </p:cond>
+              </p:nextCondLst>
+            </p:seq>
+          </p:childTnLst>
+        </p:cTn>
+      </p:par>
+    </p:tnLst>
+    <p:bldLst>
+      <p:bldP spid="149507" grpId="0" build="p"/>
+    </p:bldLst>
+  </p:timing>
+</p:sld>
+</file>
+
+<file path=ppt/slides/slide8.xml><?xml version="1.0" encoding="utf-8"?>
+<p:sld xmlns:a="http://schemas.openxmlformats.org/drawingml/2006/main" xmlns:r="http://schemas.openxmlformats.org/officeDocument/2006/relationships" xmlns:p="http://schemas.openxmlformats.org/presentationml/2006/main">
+  <p:cSld>
+    <p:spTree>
+      <p:nvGrpSpPr>
+        <p:cNvPr id="1" name=""/>
+        <p:cNvGrpSpPr/>
+        <p:nvPr/>
+      </p:nvGrpSpPr>
+      <p:grpSpPr>
+        <a:xfrm>
+          <a:off x="0" y="0"/>
+          <a:ext cx="0" cy="0"/>
+          <a:chOff x="0" y="0"/>
+          <a:chExt cx="0" cy="0"/>
+        </a:xfrm>
+      </p:grpSpPr>
+      <p:sp>
+        <p:nvSpPr>
+          <p:cNvPr id="6" name="Slide Number Placeholder 3"/>
+          <p:cNvSpPr>
+            <a:spLocks noGrp="1"/>
+          </p:cNvSpPr>
+          <p:nvPr>
+            <p:ph type="sldNum" sz="quarter" idx="11"/>
+          </p:nvPr>
+        </p:nvSpPr>
+        <p:spPr/>
+        <p:txBody>
+          <a:bodyPr/>
+          <a:lstStyle/>
+          <a:p>
+            <a:pPr>
+              <a:defRPr/>
+            </a:pPr>
+            <a:r>
+              <a:rPr lang="en-US" dirty="0" err="1" smtClean="0"/>
+              <a:t>ranvar</a:t>
+            </a:r>
+            <a:r>
+              <a:rPr lang="en-US" dirty="0" smtClean="0"/>
+              <a:t>-mutual.</a:t>
+            </a:r>
+            <a:fld id="{8D1CEAE9-5C17-48A5-8273-F5BB2E618A83}" type="slidenum">
+              <a:rPr lang="en-US" smtClean="0"/>
+              <a:pPr>
+                <a:defRPr/>
+              </a:pPr>
+              <a:t>8</a:t>
+            </a:fld>
+            <a:endParaRPr lang="en-US" dirty="0"/>
+          </a:p>
+        </p:txBody>
+      </p:sp>
+      <p:sp>
+        <p:nvSpPr>
+          <p:cNvPr id="34819" name="Rectangle 2"/>
+          <p:cNvSpPr>
+            <a:spLocks noGrp="1" noChangeArrowheads="1"/>
+          </p:cNvSpPr>
+          <p:nvPr>
+            <p:ph type="title" idx="4294967295"/>
+          </p:nvPr>
+        </p:nvSpPr>
+        <p:spPr>
+          <a:xfrm>
+            <a:off x="1255713" y="225425"/>
+            <a:ext cx="7734300" cy="893763"/>
+          </a:xfrm>
+        </p:spPr>
+        <p:txBody>
+          <a:bodyPr/>
+          <a:lstStyle/>
+          <a:p>
+            <a:pPr eaLnBrk="1" hangingPunct="1"/>
+            <a:r>
+              <a:rPr lang="en-US" smtClean="0"/>
+              <a:t>Mutally Independent Variables</a:t>
+            </a:r>
+          </a:p>
+        </p:txBody>
+      </p:sp>
+      <p:sp>
+        <p:nvSpPr>
+          <p:cNvPr id="149507" name="Rectangle 3"/>
+          <p:cNvSpPr>
+            <a:spLocks noGrp="1" noChangeArrowheads="1"/>
+          </p:cNvSpPr>
+          <p:nvPr>
+            <p:ph idx="4294967295"/>
+          </p:nvPr>
+        </p:nvSpPr>
+        <p:spPr>
+          <a:xfrm>
+            <a:off x="190500" y="903288"/>
+            <a:ext cx="8750300" cy="5281612"/>
+          </a:xfrm>
+        </p:spPr>
+        <p:txBody>
+          <a:bodyPr/>
+          <a:lstStyle/>
+          <a:p>
+            <a:pPr eaLnBrk="1" hangingPunct="1">
+              <a:lnSpc>
+                <a:spcPct val="90000"/>
+              </a:lnSpc>
+            </a:pPr>
+            <a:r>
+              <a:rPr lang="en-US" sz="6000" dirty="0" smtClean="0"/>
+              <a:t>Alternatively:</a:t>
+            </a:r>
+          </a:p>
+          <a:p>
+            <a:pPr eaLnBrk="1" hangingPunct="1">
+              <a:lnSpc>
+                <a:spcPct val="90000"/>
+              </a:lnSpc>
+            </a:pPr>
+            <a:r>
+              <a:rPr lang="en-US" sz="6000" dirty="0" err="1" smtClean="0"/>
+              <a:t>Pr</a:t>
+            </a:r>
+            <a:r>
+              <a:rPr lang="en-US" sz="6000" dirty="0" smtClean="0"/>
+              <a:t>[</a:t>
+            </a:r>
+            <a:r>
+              <a:rPr lang="en-US" sz="6000" dirty="0" smtClean="0">
+                <a:solidFill>
+                  <a:srgbClr val="3333FF"/>
+                </a:solidFill>
+              </a:rPr>
+              <a:t>R</a:t>
+            </a:r>
+            <a:r>
+              <a:rPr lang="en-US" sz="6000" baseline="-25000" dirty="0" smtClean="0">
+                <a:solidFill>
+                  <a:srgbClr val="3333FF"/>
+                </a:solidFill>
+              </a:rPr>
+              <a:t>1</a:t>
+            </a:r>
+            <a:r>
+              <a:rPr lang="en-US" sz="6000" dirty="0" smtClean="0"/>
+              <a:t>=</a:t>
+            </a:r>
+            <a:r>
+              <a:rPr lang="en-US" sz="6000" dirty="0" smtClean="0">
+                <a:solidFill>
+                  <a:srgbClr val="3333FF"/>
+                </a:solidFill>
+              </a:rPr>
+              <a:t>a</a:t>
+            </a:r>
+            <a:r>
+              <a:rPr lang="en-US" sz="6000" baseline="-25000" dirty="0" smtClean="0">
+                <a:solidFill>
+                  <a:srgbClr val="3333FF"/>
+                </a:solidFill>
+              </a:rPr>
+              <a:t>1</a:t>
+            </a:r>
+            <a:r>
+              <a:rPr lang="en-US" sz="6000" dirty="0" smtClean="0"/>
+              <a:t> </a:t>
+            </a:r>
+            <a:r>
+              <a:rPr lang="en-US" sz="4400" dirty="0" smtClean="0">
+                <a:solidFill>
+                  <a:srgbClr val="006600"/>
+                </a:solidFill>
+                <a:sym typeface="Symbol" pitchFamily="18" charset="2"/>
+              </a:rPr>
+              <a:t>AND</a:t>
+            </a:r>
+            <a:r>
+              <a:rPr lang="en-US" sz="6000" dirty="0" smtClean="0"/>
+              <a:t> </a:t>
+            </a:r>
+            <a:r>
+              <a:rPr lang="en-US" sz="6000" dirty="0" smtClean="0">
+                <a:solidFill>
+                  <a:srgbClr val="3333FF"/>
+                </a:solidFill>
+              </a:rPr>
+              <a:t>R</a:t>
+            </a:r>
+            <a:r>
+              <a:rPr lang="en-US" sz="6000" baseline="-25000" dirty="0" smtClean="0">
+                <a:solidFill>
+                  <a:srgbClr val="3333FF"/>
+                </a:solidFill>
+              </a:rPr>
+              <a:t>2</a:t>
+            </a:r>
+            <a:r>
+              <a:rPr lang="en-US" sz="6000" dirty="0" smtClean="0"/>
+              <a:t>=</a:t>
+            </a:r>
+            <a:r>
+              <a:rPr lang="en-US" sz="6000" dirty="0" smtClean="0">
+                <a:solidFill>
+                  <a:srgbClr val="3333FF"/>
+                </a:solidFill>
+              </a:rPr>
+              <a:t>a</a:t>
+            </a:r>
+            <a:r>
+              <a:rPr lang="en-US" sz="6000" baseline="-25000" dirty="0" smtClean="0">
+                <a:solidFill>
+                  <a:srgbClr val="3333FF"/>
+                </a:solidFill>
+              </a:rPr>
+              <a:t>2</a:t>
+            </a:r>
+            <a:r>
+              <a:rPr lang="en-US" sz="6000" dirty="0" smtClean="0"/>
+              <a:t> </a:t>
+            </a:r>
+            <a:r>
+              <a:rPr lang="en-US" sz="4400" dirty="0" smtClean="0">
+                <a:solidFill>
+                  <a:srgbClr val="006600"/>
+                </a:solidFill>
+                <a:sym typeface="Symbol" pitchFamily="18" charset="2"/>
+              </a:rPr>
+              <a:t>AND</a:t>
+            </a:r>
+            <a:endParaRPr lang="en-US" sz="6000" dirty="0" smtClean="0">
+              <a:solidFill>
+                <a:srgbClr val="006600"/>
+              </a:solidFill>
+            </a:endParaRPr>
+          </a:p>
+          <a:p>
+            <a:pPr eaLnBrk="1" hangingPunct="1">
+              <a:lnSpc>
+                <a:spcPct val="90000"/>
+              </a:lnSpc>
+            </a:pPr>
+            <a:r>
+              <a:rPr lang="en-US" sz="6000" dirty="0" smtClean="0">
+                <a:solidFill>
+                  <a:srgbClr val="006600"/>
+                </a:solidFill>
+                <a:cs typeface="Times New Roman" pitchFamily="18" charset="0"/>
+              </a:rPr>
+              <a:t>        ··· </a:t>
+            </a:r>
+            <a:r>
+              <a:rPr lang="en-US" sz="4400" dirty="0" smtClean="0">
+                <a:solidFill>
+                  <a:srgbClr val="006600"/>
+                </a:solidFill>
+                <a:sym typeface="Symbol" pitchFamily="18" charset="2"/>
+              </a:rPr>
+              <a:t>AND</a:t>
+            </a:r>
+            <a:r>
+              <a:rPr lang="en-US" sz="6000" dirty="0" smtClean="0">
+                <a:solidFill>
+                  <a:srgbClr val="006600"/>
+                </a:solidFill>
+                <a:cs typeface="Times New Roman" pitchFamily="18" charset="0"/>
+              </a:rPr>
+              <a:t> </a:t>
+            </a:r>
+            <a:r>
+              <a:rPr lang="en-US" sz="6000" dirty="0" err="1" smtClean="0">
+                <a:solidFill>
+                  <a:srgbClr val="3333FF"/>
+                </a:solidFill>
+              </a:rPr>
+              <a:t>R</a:t>
+            </a:r>
+            <a:r>
+              <a:rPr lang="en-US" sz="6000" baseline="-25000" dirty="0" err="1" smtClean="0">
+                <a:solidFill>
+                  <a:srgbClr val="3333FF"/>
+                </a:solidFill>
+              </a:rPr>
+              <a:t>n</a:t>
+            </a:r>
+            <a:r>
+              <a:rPr lang="en-US" sz="6000" dirty="0" smtClean="0"/>
+              <a:t>=</a:t>
+            </a:r>
+            <a:r>
+              <a:rPr lang="en-US" sz="6000" dirty="0" smtClean="0">
+                <a:solidFill>
+                  <a:srgbClr val="3333FF"/>
+                </a:solidFill>
+              </a:rPr>
+              <a:t>a</a:t>
+            </a:r>
+            <a:r>
+              <a:rPr lang="en-US" sz="6000" baseline="-25000" dirty="0" smtClean="0">
+                <a:solidFill>
+                  <a:srgbClr val="3333FF"/>
+                </a:solidFill>
+              </a:rPr>
+              <a:t>n</a:t>
+            </a:r>
+            <a:r>
+              <a:rPr lang="en-US" sz="6000" dirty="0" smtClean="0"/>
+              <a:t>]</a:t>
+            </a:r>
+          </a:p>
+          <a:p>
+            <a:pPr eaLnBrk="1" hangingPunct="1">
+              <a:lnSpc>
+                <a:spcPct val="90000"/>
+              </a:lnSpc>
+            </a:pPr>
+            <a:r>
+              <a:rPr lang="en-US" sz="6000" dirty="0" smtClean="0"/>
+              <a:t>  </a:t>
+            </a:r>
+            <a:r>
+              <a:rPr lang="en-US" sz="6000" b="1" dirty="0" smtClean="0">
+                <a:solidFill>
+                  <a:schemeClr val="accent4"/>
+                </a:solidFill>
+                <a:latin typeface="Euclid Symbol" charset="2"/>
+                <a:cs typeface="Euclid Symbol" charset="2"/>
+              </a:rPr>
+              <a:t>=</a:t>
+            </a:r>
+            <a:r>
+              <a:rPr lang="en-US" sz="6000" dirty="0" smtClean="0"/>
+              <a:t> </a:t>
+            </a:r>
+            <a:r>
+              <a:rPr lang="en-US" sz="6000" dirty="0" err="1" smtClean="0"/>
+              <a:t>Pr</a:t>
+            </a:r>
+            <a:r>
+              <a:rPr lang="en-US" sz="6000" dirty="0" smtClean="0"/>
+              <a:t>[</a:t>
+            </a:r>
+            <a:r>
+              <a:rPr lang="en-US" sz="6000" dirty="0" smtClean="0">
+                <a:solidFill>
+                  <a:srgbClr val="3333FF"/>
+                </a:solidFill>
+              </a:rPr>
+              <a:t>R</a:t>
+            </a:r>
+            <a:r>
+              <a:rPr lang="en-US" sz="6000" baseline="-25000" dirty="0" smtClean="0">
+                <a:solidFill>
+                  <a:srgbClr val="3333FF"/>
+                </a:solidFill>
+              </a:rPr>
+              <a:t>1</a:t>
+            </a:r>
+            <a:r>
+              <a:rPr lang="en-US" sz="6000" dirty="0" smtClean="0"/>
+              <a:t>=</a:t>
+            </a:r>
+            <a:r>
+              <a:rPr lang="en-US" sz="6000" dirty="0" smtClean="0">
+                <a:solidFill>
+                  <a:srgbClr val="3333FF"/>
+                </a:solidFill>
+              </a:rPr>
+              <a:t>a</a:t>
+            </a:r>
+            <a:r>
+              <a:rPr lang="en-US" sz="6000" baseline="-25000" dirty="0" smtClean="0">
+                <a:solidFill>
+                  <a:srgbClr val="3333FF"/>
+                </a:solidFill>
+              </a:rPr>
+              <a:t>1</a:t>
+            </a:r>
+            <a:r>
+              <a:rPr lang="en-US" sz="6000" dirty="0" smtClean="0"/>
+              <a:t>]</a:t>
+            </a:r>
+            <a:r>
+              <a:rPr lang="en-US" sz="6000" b="1" dirty="0" smtClean="0">
+                <a:solidFill>
+                  <a:srgbClr val="006600"/>
+                </a:solidFill>
+                <a:cs typeface="Times New Roman" pitchFamily="18" charset="0"/>
+              </a:rPr>
+              <a:t>·</a:t>
+            </a:r>
+            <a:r>
+              <a:rPr lang="en-US" sz="6000" dirty="0" err="1" smtClean="0"/>
+              <a:t>Pr</a:t>
+            </a:r>
+            <a:r>
+              <a:rPr lang="en-US" sz="6000" dirty="0" smtClean="0"/>
+              <a:t>[</a:t>
+            </a:r>
+            <a:r>
+              <a:rPr lang="en-US" sz="6000" dirty="0" smtClean="0">
+                <a:solidFill>
+                  <a:srgbClr val="3333FF"/>
+                </a:solidFill>
+              </a:rPr>
+              <a:t>R</a:t>
+            </a:r>
+            <a:r>
+              <a:rPr lang="en-US" sz="6000" baseline="-25000" dirty="0" smtClean="0">
+                <a:solidFill>
+                  <a:srgbClr val="3333FF"/>
+                </a:solidFill>
+              </a:rPr>
+              <a:t>2</a:t>
+            </a:r>
+            <a:r>
+              <a:rPr lang="en-US" sz="6000" dirty="0" smtClean="0"/>
+              <a:t>=</a:t>
+            </a:r>
+            <a:r>
+              <a:rPr lang="en-US" sz="6000" dirty="0" smtClean="0">
+                <a:solidFill>
+                  <a:srgbClr val="3333FF"/>
+                </a:solidFill>
+              </a:rPr>
+              <a:t>a</a:t>
+            </a:r>
+            <a:r>
+              <a:rPr lang="en-US" sz="6000" baseline="-25000" dirty="0" smtClean="0">
+                <a:solidFill>
+                  <a:srgbClr val="3333FF"/>
+                </a:solidFill>
+              </a:rPr>
+              <a:t>2</a:t>
+            </a:r>
+            <a:r>
+              <a:rPr lang="en-US" sz="6000" dirty="0" smtClean="0"/>
+              <a:t>]</a:t>
+            </a:r>
+            <a:r>
+              <a:rPr lang="en-US" sz="6000" b="1" dirty="0" smtClean="0">
+                <a:solidFill>
+                  <a:srgbClr val="006600"/>
+                </a:solidFill>
+                <a:cs typeface="Times New Roman" pitchFamily="18" charset="0"/>
+              </a:rPr>
+              <a:t>·</a:t>
+            </a:r>
+            <a:r>
+              <a:rPr lang="en-US" sz="6000" dirty="0" smtClean="0"/>
+              <a:t> </a:t>
+            </a:r>
+          </a:p>
+          <a:p>
+            <a:pPr eaLnBrk="1" hangingPunct="1">
+              <a:lnSpc>
+                <a:spcPct val="90000"/>
+              </a:lnSpc>
+            </a:pPr>
+            <a:r>
+              <a:rPr lang="en-US" sz="6000" dirty="0" smtClean="0">
+                <a:solidFill>
+                  <a:srgbClr val="006600"/>
+                </a:solidFill>
+                <a:cs typeface="Times New Roman" pitchFamily="18" charset="0"/>
+              </a:rPr>
+              <a:t>       </a:t>
+            </a:r>
+            <a:r>
+              <a:rPr lang="en-US" sz="6000" dirty="0" smtClean="0">
+                <a:solidFill>
+                  <a:srgbClr val="00B050"/>
+                </a:solidFill>
+                <a:cs typeface="Times New Roman" pitchFamily="18" charset="0"/>
+              </a:rPr>
+              <a:t> </a:t>
+            </a:r>
+            <a:r>
+              <a:rPr lang="en-US" sz="6000" dirty="0" smtClean="0">
+                <a:solidFill>
+                  <a:srgbClr val="006600"/>
+                </a:solidFill>
+                <a:cs typeface="Times New Roman" pitchFamily="18" charset="0"/>
+              </a:rPr>
+              <a:t>··· </a:t>
+            </a:r>
+            <a:r>
+              <a:rPr lang="en-US" sz="6000" dirty="0" err="1" smtClean="0"/>
+              <a:t>Pr</a:t>
+            </a:r>
+            <a:r>
+              <a:rPr lang="en-US" sz="6000" dirty="0" smtClean="0"/>
+              <a:t>[</a:t>
+            </a:r>
+            <a:r>
+              <a:rPr lang="en-US" sz="6000" dirty="0" err="1" smtClean="0">
+                <a:solidFill>
+                  <a:srgbClr val="3333FF"/>
+                </a:solidFill>
+              </a:rPr>
+              <a:t>R</a:t>
+            </a:r>
+            <a:r>
+              <a:rPr lang="en-US" sz="6000" baseline="-25000" dirty="0" err="1" smtClean="0">
+                <a:solidFill>
+                  <a:srgbClr val="3333FF"/>
+                </a:solidFill>
+              </a:rPr>
+              <a:t>n</a:t>
+            </a:r>
+            <a:r>
+              <a:rPr lang="en-US" sz="6000" dirty="0" smtClean="0"/>
+              <a:t>=</a:t>
+            </a:r>
+            <a:r>
+              <a:rPr lang="en-US" sz="6000" dirty="0" smtClean="0">
+                <a:solidFill>
+                  <a:srgbClr val="3333FF"/>
+                </a:solidFill>
+              </a:rPr>
+              <a:t>a</a:t>
+            </a:r>
+            <a:r>
+              <a:rPr lang="en-US" sz="6000" baseline="-25000" dirty="0" smtClean="0">
+                <a:solidFill>
+                  <a:srgbClr val="3333FF"/>
+                </a:solidFill>
+              </a:rPr>
+              <a:t>n</a:t>
+            </a:r>
+            <a:r>
+              <a:rPr lang="en-US" sz="6000" dirty="0" smtClean="0"/>
+              <a:t>]</a:t>
+            </a:r>
+          </a:p>
+        </p:txBody>
+      </p:sp>
+    </p:spTree>
+    <p:extLst>
+      <p:ext uri="{BB962C8B-B14F-4D97-AF65-F5344CB8AC3E}">
+        <p14:creationId xmlns:p14="http://schemas.microsoft.com/office/powerpoint/2010/main" val="1007803604"/>
+      </p:ext>
+    </p:extLst>
+  </p:cSld>
+  <p:clrMapOvr>
+    <a:masterClrMapping/>
+  </p:clrMapOvr>
+  <p:transition xmlns:p14="http://schemas.microsoft.com/office/powerpoint/2010/main" spd="slow" advClick="0">
+    <p:fade/>
+  </p:transition>
+  <p:timing>
+    <p:tnLst>
+      <p:par>
+        <p:cTn xmlns:p14="http://schemas.microsoft.com/office/powerpoint/2010/main" id="1" dur="indefinite" restart="never" nodeType="tmRoot">
+          <p:childTnLst>
+            <p:seq concurrent="1" nextAc="seek">
+              <p:cTn id="2" dur="indefinite" nodeType="mainSeq">
+                <p:childTnLst>
+                  <p:par>
+                    <p:cTn id="3" fill="hold">
+                      <p:stCondLst>
+                        <p:cond delay="indefinite"/>
+                      </p:stCondLst>
+                      <p:childTnLst>
+                        <p:par>
+                          <p:cTn id="4" fill="hold">
+                            <p:stCondLst>
+                              <p:cond delay="0"/>
+                            </p:stCondLst>
+                            <p:childTnLst>
+                              <p:par>
+                                <p:cTn id="5" presetID="22" presetClass="entr" presetSubtype="8" fill="hold" nodeType="clickEffect">
+                                  <p:stCondLst>
+                                    <p:cond delay="0"/>
+                                  </p:stCondLst>
+                                  <p:childTnLst>
+                                    <p:set>
+                                      <p:cBhvr>
+                                        <p:cTn id="6" dur="1" fill="hold">
+                                          <p:stCondLst>
+                                            <p:cond delay="0"/>
+                                          </p:stCondLst>
+                                        </p:cTn>
+                                        <p:tgtEl>
+                                          <p:spTgt spid="149507">
+                                            <p:txEl>
+                                              <p:pRg st="1" end="1"/>
+                                            </p:txEl>
+                                          </p:spTgt>
+                                        </p:tgtEl>
+                                        <p:attrNameLst>
+                                          <p:attrName>style.visibility</p:attrName>
+                                        </p:attrNameLst>
+                                      </p:cBhvr>
+                                      <p:to>
+                                        <p:strVal val="visible"/>
+                                      </p:to>
+                                    </p:set>
+                                    <p:animEffect transition="in" filter="wipe(left)">
+                                      <p:cBhvr>
+                                        <p:cTn id="7" dur="1000"/>
+                                        <p:tgtEl>
+                                          <p:spTgt spid="149507">
+                                            <p:txEl>
+                                              <p:pRg st="1" end="1"/>
+                                            </p:txEl>
+                                          </p:spTgt>
+                                        </p:tgtEl>
+                                      </p:cBhvr>
+                                    </p:animEffect>
+                                  </p:childTnLst>
+                                </p:cTn>
+                              </p:par>
+                            </p:childTnLst>
+                          </p:cTn>
+                        </p:par>
+                        <p:par>
+                          <p:cTn id="8" fill="hold">
+                            <p:stCondLst>
+                              <p:cond delay="1000"/>
+                            </p:stCondLst>
+                            <p:childTnLst>
+                              <p:par>
+                                <p:cTn id="9" presetID="22" presetClass="entr" presetSubtype="8" fill="hold" nodeType="afterEffect">
+                                  <p:stCondLst>
+                                    <p:cond delay="0"/>
+                                  </p:stCondLst>
+                                  <p:childTnLst>
+                                    <p:set>
+                                      <p:cBhvr>
+                                        <p:cTn id="10" dur="1" fill="hold">
+                                          <p:stCondLst>
+                                            <p:cond delay="0"/>
+                                          </p:stCondLst>
+                                        </p:cTn>
+                                        <p:tgtEl>
+                                          <p:spTgt spid="149507">
+                                            <p:txEl>
+                                              <p:pRg st="2" end="2"/>
+                                            </p:txEl>
+                                          </p:spTgt>
+                                        </p:tgtEl>
+                                        <p:attrNameLst>
+                                          <p:attrName>style.visibility</p:attrName>
+                                        </p:attrNameLst>
+                                      </p:cBhvr>
+                                      <p:to>
+                                        <p:strVal val="visible"/>
+                                      </p:to>
+                                    </p:set>
+                                    <p:animEffect transition="in" filter="wipe(left)">
+                                      <p:cBhvr>
+                                        <p:cTn id="11" dur="1000"/>
+                                        <p:tgtEl>
+                                          <p:spTgt spid="149507">
+                                            <p:txEl>
+                                              <p:pRg st="2" end="2"/>
+                                            </p:txEl>
+                                          </p:spTgt>
+                                        </p:tgtEl>
+                                      </p:cBhvr>
+                                    </p:animEffect>
+                                  </p:childTnLst>
+                                </p:cTn>
+                              </p:par>
+                            </p:childTnLst>
+                          </p:cTn>
+                        </p:par>
+                      </p:childTnLst>
+                    </p:cTn>
+                  </p:par>
+                  <p:par>
+                    <p:cTn id="12" fill="hold">
+                      <p:stCondLst>
+                        <p:cond delay="indefinite"/>
+                      </p:stCondLst>
+                      <p:childTnLst>
+                        <p:par>
+                          <p:cTn id="13" fill="hold">
+                            <p:stCondLst>
+                              <p:cond delay="0"/>
+                            </p:stCondLst>
+                            <p:childTnLst>
+                              <p:par>
+                                <p:cTn id="14" presetID="22" presetClass="entr" presetSubtype="8" fill="hold" nodeType="clickEffect">
+                                  <p:stCondLst>
+                                    <p:cond delay="0"/>
+                                  </p:stCondLst>
+                                  <p:childTnLst>
+                                    <p:set>
+                                      <p:cBhvr>
+                                        <p:cTn id="15" dur="1" fill="hold">
+                                          <p:stCondLst>
+                                            <p:cond delay="0"/>
+                                          </p:stCondLst>
+                                        </p:cTn>
+                                        <p:tgtEl>
+                                          <p:spTgt spid="149507">
+                                            <p:txEl>
+                                              <p:pRg st="3" end="3"/>
+                                            </p:txEl>
+                                          </p:spTgt>
+                                        </p:tgtEl>
+                                        <p:attrNameLst>
+                                          <p:attrName>style.visibility</p:attrName>
+                                        </p:attrNameLst>
+                                      </p:cBhvr>
+                                      <p:to>
+                                        <p:strVal val="visible"/>
+                                      </p:to>
+                                    </p:set>
+                                    <p:animEffect transition="in" filter="wipe(left)">
+                                      <p:cBhvr>
+                                        <p:cTn id="16" dur="1000"/>
+                                        <p:tgtEl>
+                                          <p:spTgt spid="149507">
+                                            <p:txEl>
+                                              <p:pRg st="3" end="3"/>
+                                            </p:txEl>
+                                          </p:spTgt>
+                                        </p:tgtEl>
+                                      </p:cBhvr>
+                                    </p:animEffect>
+                                  </p:childTnLst>
+                                </p:cTn>
+                              </p:par>
+                            </p:childTnLst>
+                          </p:cTn>
+                        </p:par>
+                        <p:par>
+                          <p:cTn id="17" fill="hold">
+                            <p:stCondLst>
+                              <p:cond delay="1000"/>
+                            </p:stCondLst>
+                            <p:childTnLst>
+                              <p:par>
+                                <p:cTn id="18" presetID="22" presetClass="entr" presetSubtype="8" fill="hold" nodeType="afterEffect">
+                                  <p:stCondLst>
+                                    <p:cond delay="0"/>
+                                  </p:stCondLst>
+                                  <p:childTnLst>
+                                    <p:set>
+                                      <p:cBhvr>
+                                        <p:cTn id="19" dur="1" fill="hold">
+                                          <p:stCondLst>
+                                            <p:cond delay="0"/>
+                                          </p:stCondLst>
+                                        </p:cTn>
+                                        <p:tgtEl>
+                                          <p:spTgt spid="149507">
+                                            <p:txEl>
+                                              <p:pRg st="4" end="4"/>
+                                            </p:txEl>
+                                          </p:spTgt>
+                                        </p:tgtEl>
+                                        <p:attrNameLst>
+                                          <p:attrName>style.visibility</p:attrName>
+                                        </p:attrNameLst>
+                                      </p:cBhvr>
+                                      <p:to>
+                                        <p:strVal val="visible"/>
+                                      </p:to>
+                                    </p:set>
+                                    <p:animEffect transition="in" filter="wipe(left)">
+                                      <p:cBhvr>
+                                        <p:cTn id="20" dur="1000"/>
+                                        <p:tgtEl>
+                                          <p:spTgt spid="149507">
+                                            <p:txEl>
+                                              <p:pRg st="4" end="4"/>
+                                            </p:txEl>
+                                          </p:spTgt>
+                                        </p:tgtEl>
+                                      </p:cBhvr>
+                                    </p:animEffect>
+                                  </p:childTnLst>
+                                </p:cTn>
+                              </p:par>
+                            </p:childTnLst>
+                          </p:cTn>
+                        </p:par>
+                      </p:childTnLst>
+                    </p:cTn>
+                  </p:par>
+                </p:childTnLst>
+              </p:cTn>
+              <p:prevCondLst>
+                <p:cond evt="onPrev" delay="0">
+                  <p:tgtEl>
+                    <p:sldTgt/>
+                  </p:tgtEl>
+                </p:cond>
+              </p:prevCondLst>
+              <p:nextCondLst>
+                <p:cond evt="onNext" delay="0">
+                  <p:tgtEl>
+                    <p:sldTgt/>
+                  </p:tgtEl>
+                </p:cond>
+              </p:nextCondLst>
+            </p:seq>
+          </p:childTnLst>
+        </p:cTn>
+      </p:par>
+    </p:tnLst>
+  </p:timing>
+</p:sld>
+</file>
+
+<file path=ppt/slides/slide9.xml><?xml version="1.0" encoding="utf-8"?>
+<p:sld xmlns:a="http://schemas.openxmlformats.org/drawingml/2006/main" xmlns:r="http://schemas.openxmlformats.org/officeDocument/2006/relationships" xmlns:p="http://schemas.openxmlformats.org/presentationml/2006/main" show="0">
+  <p:cSld>
+    <p:spTree>
+      <p:nvGrpSpPr>
+        <p:cNvPr id="1" name=""/>
+        <p:cNvGrpSpPr/>
+        <p:nvPr/>
+      </p:nvGrpSpPr>
+      <p:grpSpPr>
+        <a:xfrm>
+          <a:off x="0" y="0"/>
+          <a:ext cx="0" cy="0"/>
+          <a:chOff x="0" y="0"/>
+          <a:chExt cx="0" cy="0"/>
+        </a:xfrm>
+      </p:grpSpPr>
+      <p:sp>
+        <p:nvSpPr>
+          <p:cNvPr id="6" name="Slide Number Placeholder 3"/>
+          <p:cNvSpPr>
+            <a:spLocks noGrp="1"/>
+          </p:cNvSpPr>
+          <p:nvPr>
+            <p:ph type="sldNum" sz="quarter" idx="11"/>
+          </p:nvPr>
+        </p:nvSpPr>
+        <p:spPr/>
+        <p:txBody>
+          <a:bodyPr/>
+          <a:lstStyle/>
+          <a:p>
+            <a:pPr>
+              <a:defRPr/>
+            </a:pPr>
+            <a:r>
+              <a:rPr lang="en-US" dirty="0" err="1" smtClean="0"/>
               <a:t>ranvarindep</a:t>
             </a:r>
             <a:r>
@@ -8124,7 +14218,7 @@
               <a:pPr>
                 <a:defRPr/>
               </a:pPr>
-              <a:t>7</a:t>
+              <a:t>9</a:t>
             </a:fld>
             <a:endParaRPr lang="en-US" dirty="0"/>
           </a:p>
@@ -8356,18 +14450,9 @@
   <p:clrMapOvr>
     <a:masterClrMapping/>
   </p:clrMapOvr>
-  <mc:AlternateContent xmlns:mc="http://schemas.openxmlformats.org/markup-compatibility/2006">
-    <mc:Choice xmlns:p14="http://schemas.microsoft.com/office/powerpoint/2010/main" Requires="p14">
-      <p:transition spd="slow" p14:dur="900" advClick="0">
-        <p:fade thruBlk="1"/>
-      </p:transition>
-    </mc:Choice>
-    <mc:Fallback>
-      <p:transition xmlns:p14="http://schemas.microsoft.com/office/powerpoint/2010/main" spd="slow" advClick="0">
-        <p:fade thruBlk="1"/>
-      </p:transition>
-    </mc:Fallback>
-  </mc:AlternateContent>
+  <p:transition xmlns:p14="http://schemas.microsoft.com/office/powerpoint/2010/main" spd="slow" advClick="0">
+    <p:fade/>
+  </p:transition>
   <p:timing>
     <p:tnLst>
       <p:par>
@@ -8544,1134 +14629,6 @@
         </p:cTn>
       </p:par>
     </p:tnLst>
-  </p:timing>
-</p:sld>
-</file>
-
-<file path=ppt/slides/slide8.xml><?xml version="1.0" encoding="utf-8"?>
-<p:sld xmlns:a="http://schemas.openxmlformats.org/drawingml/2006/main" xmlns:r="http://schemas.openxmlformats.org/officeDocument/2006/relationships" xmlns:p="http://schemas.openxmlformats.org/presentationml/2006/main">
-  <p:cSld>
-    <p:spTree>
-      <p:nvGrpSpPr>
-        <p:cNvPr id="1" name=""/>
-        <p:cNvGrpSpPr/>
-        <p:nvPr/>
-      </p:nvGrpSpPr>
-      <p:grpSpPr>
-        <a:xfrm>
-          <a:off x="0" y="0"/>
-          <a:ext cx="0" cy="0"/>
-          <a:chOff x="0" y="0"/>
-          <a:chExt cx="0" cy="0"/>
-        </a:xfrm>
-      </p:grpSpPr>
-      <p:sp>
-        <p:nvSpPr>
-          <p:cNvPr id="6" name="Slide Number Placeholder 3"/>
-          <p:cNvSpPr>
-            <a:spLocks noGrp="1"/>
-          </p:cNvSpPr>
-          <p:nvPr>
-            <p:ph type="sldNum" sz="quarter" idx="11"/>
-          </p:nvPr>
-        </p:nvSpPr>
-        <p:spPr/>
-        <p:txBody>
-          <a:bodyPr/>
-          <a:lstStyle/>
-          <a:p>
-            <a:pPr>
-              <a:defRPr/>
-            </a:pPr>
-            <a:r>
-              <a:rPr lang="en-US" dirty="0" err="1" smtClean="0"/>
-              <a:t>ranvarindep</a:t>
-            </a:r>
-            <a:r>
-              <a:rPr lang="en-US" dirty="0" smtClean="0"/>
-              <a:t>.</a:t>
-            </a:r>
-            <a:fld id="{4BEEAA87-0C16-438F-8FC8-D5EDAE475F35}" type="slidenum">
-              <a:rPr lang="en-US" smtClean="0"/>
-              <a:pPr>
-                <a:defRPr/>
-              </a:pPr>
-              <a:t>8</a:t>
-            </a:fld>
-            <a:endParaRPr lang="en-US" dirty="0"/>
-          </a:p>
-        </p:txBody>
-      </p:sp>
-      <p:sp>
-        <p:nvSpPr>
-          <p:cNvPr id="146435" name="Rectangle 3"/>
-          <p:cNvSpPr>
-            <a:spLocks noGrp="1" noChangeArrowheads="1"/>
-          </p:cNvSpPr>
-          <p:nvPr>
-            <p:ph idx="4294967295"/>
-          </p:nvPr>
-        </p:nvSpPr>
-        <p:spPr>
-          <a:xfrm>
-            <a:off x="576383" y="1767846"/>
-            <a:ext cx="8001000" cy="3321904"/>
-          </a:xfrm>
-        </p:spPr>
-        <p:txBody>
-          <a:bodyPr/>
-          <a:lstStyle/>
-          <a:p>
-            <a:pPr eaLnBrk="1" hangingPunct="1">
-              <a:lnSpc>
-                <a:spcPct val="90000"/>
-              </a:lnSpc>
-            </a:pPr>
-            <a:r>
-              <a:rPr lang="en-US" sz="6000" dirty="0" smtClean="0">
-                <a:sym typeface="Symbol" pitchFamily="18" charset="2"/>
-              </a:rPr>
-              <a:t>alternate version:</a:t>
-            </a:r>
-          </a:p>
-          <a:p>
-            <a:pPr algn="ctr" eaLnBrk="1" hangingPunct="1">
-              <a:lnSpc>
-                <a:spcPct val="90000"/>
-              </a:lnSpc>
-            </a:pPr>
-            <a:r>
-              <a:rPr lang="en-US" sz="6000" dirty="0" err="1" smtClean="0"/>
-              <a:t>Pr</a:t>
-            </a:r>
-            <a:r>
-              <a:rPr lang="en-US" sz="6000" dirty="0" smtClean="0"/>
-              <a:t>[</a:t>
-            </a:r>
-            <a:r>
-              <a:rPr lang="en-US" sz="6000" dirty="0" smtClean="0">
-                <a:solidFill>
-                  <a:srgbClr val="3333FF"/>
-                </a:solidFill>
-              </a:rPr>
-              <a:t>R</a:t>
-            </a:r>
-            <a:r>
-              <a:rPr lang="en-US" sz="6000" dirty="0" smtClean="0">
-                <a:solidFill>
-                  <a:srgbClr val="008000"/>
-                </a:solidFill>
-              </a:rPr>
-              <a:t> </a:t>
-            </a:r>
-            <a:r>
-              <a:rPr lang="en-US" sz="6000" dirty="0" smtClean="0">
-                <a:solidFill>
-                  <a:srgbClr val="0000FF"/>
-                </a:solidFill>
-              </a:rPr>
-              <a:t>=</a:t>
-            </a:r>
-            <a:r>
-              <a:rPr lang="en-US" sz="6000" dirty="0" smtClean="0">
-                <a:solidFill>
-                  <a:srgbClr val="008000"/>
-                </a:solidFill>
-              </a:rPr>
-              <a:t> </a:t>
-            </a:r>
-            <a:r>
-              <a:rPr lang="en-US" sz="6000" dirty="0" smtClean="0">
-                <a:solidFill>
-                  <a:srgbClr val="3333FF"/>
-                </a:solidFill>
-              </a:rPr>
-              <a:t>a</a:t>
-            </a:r>
-            <a:r>
-              <a:rPr lang="en-US" sz="6000" dirty="0" smtClean="0">
-                <a:solidFill>
-                  <a:srgbClr val="008000"/>
-                </a:solidFill>
-              </a:rPr>
-              <a:t> </a:t>
-            </a:r>
-            <a:r>
-              <a:rPr lang="en-US" dirty="0" smtClean="0">
-                <a:solidFill>
-                  <a:srgbClr val="006600"/>
-                </a:solidFill>
-                <a:sym typeface="Symbol" pitchFamily="18" charset="2"/>
-              </a:rPr>
-              <a:t>AND</a:t>
-            </a:r>
-            <a:r>
-              <a:rPr lang="en-US" sz="6000" dirty="0" smtClean="0">
-                <a:solidFill>
-                  <a:srgbClr val="008000"/>
-                </a:solidFill>
-              </a:rPr>
-              <a:t> </a:t>
-            </a:r>
-            <a:r>
-              <a:rPr lang="en-US" sz="6000" dirty="0" smtClean="0">
-                <a:solidFill>
-                  <a:srgbClr val="3333FF"/>
-                </a:solidFill>
-              </a:rPr>
-              <a:t>S</a:t>
-            </a:r>
-            <a:r>
-              <a:rPr lang="en-US" sz="6000" dirty="0" smtClean="0">
-                <a:solidFill>
-                  <a:srgbClr val="008000"/>
-                </a:solidFill>
-              </a:rPr>
-              <a:t> </a:t>
-            </a:r>
-            <a:r>
-              <a:rPr lang="en-US" sz="6000" dirty="0" smtClean="0">
-                <a:solidFill>
-                  <a:srgbClr val="0000FF"/>
-                </a:solidFill>
-              </a:rPr>
-              <a:t>=</a:t>
-            </a:r>
-            <a:r>
-              <a:rPr lang="en-US" sz="6000" dirty="0" smtClean="0">
-                <a:solidFill>
-                  <a:srgbClr val="008000"/>
-                </a:solidFill>
-              </a:rPr>
-              <a:t> </a:t>
-            </a:r>
-            <a:r>
-              <a:rPr lang="en-US" sz="6000" dirty="0" smtClean="0">
-                <a:solidFill>
-                  <a:srgbClr val="3333FF"/>
-                </a:solidFill>
-              </a:rPr>
-              <a:t>b</a:t>
-            </a:r>
-            <a:r>
-              <a:rPr lang="en-US" sz="6000" dirty="0" smtClean="0"/>
-              <a:t>] =</a:t>
-            </a:r>
-            <a:endParaRPr lang="en-US" sz="6000" dirty="0" smtClean="0">
-              <a:solidFill>
-                <a:srgbClr val="008000"/>
-              </a:solidFill>
-            </a:endParaRPr>
-          </a:p>
-          <a:p>
-            <a:pPr algn="ctr" eaLnBrk="1" hangingPunct="1">
-              <a:lnSpc>
-                <a:spcPct val="90000"/>
-              </a:lnSpc>
-              <a:spcBef>
-                <a:spcPts val="600"/>
-              </a:spcBef>
-            </a:pPr>
-            <a:r>
-              <a:rPr lang="en-US" sz="6000" dirty="0" err="1" smtClean="0"/>
-              <a:t>Pr</a:t>
-            </a:r>
-            <a:r>
-              <a:rPr lang="en-US" sz="6000" dirty="0" smtClean="0"/>
-              <a:t>[</a:t>
-            </a:r>
-            <a:r>
-              <a:rPr lang="en-US" sz="6000" dirty="0" smtClean="0">
-                <a:solidFill>
-                  <a:srgbClr val="3333FF"/>
-                </a:solidFill>
-              </a:rPr>
-              <a:t>R</a:t>
-            </a:r>
-            <a:r>
-              <a:rPr lang="en-US" sz="6000" dirty="0" smtClean="0">
-                <a:solidFill>
-                  <a:srgbClr val="008000"/>
-                </a:solidFill>
-              </a:rPr>
-              <a:t> </a:t>
-            </a:r>
-            <a:r>
-              <a:rPr lang="en-US" sz="6000" dirty="0" smtClean="0">
-                <a:solidFill>
-                  <a:srgbClr val="0000FF"/>
-                </a:solidFill>
-              </a:rPr>
-              <a:t>=</a:t>
-            </a:r>
-            <a:r>
-              <a:rPr lang="en-US" sz="6000" dirty="0" smtClean="0">
-                <a:solidFill>
-                  <a:srgbClr val="008000"/>
-                </a:solidFill>
-              </a:rPr>
-              <a:t> </a:t>
-            </a:r>
-            <a:r>
-              <a:rPr lang="en-US" sz="6000" dirty="0" smtClean="0">
-                <a:solidFill>
-                  <a:srgbClr val="3333FF"/>
-                </a:solidFill>
-              </a:rPr>
-              <a:t>a</a:t>
-            </a:r>
-            <a:r>
-              <a:rPr lang="en-US" sz="6000" dirty="0" smtClean="0"/>
-              <a:t>]</a:t>
-            </a:r>
-            <a:r>
-              <a:rPr lang="en-US" sz="6000" dirty="0" smtClean="0">
-                <a:solidFill>
-                  <a:srgbClr val="008000"/>
-                </a:solidFill>
-              </a:rPr>
-              <a:t> </a:t>
-            </a:r>
-            <a:r>
-              <a:rPr lang="en-US" sz="6000" dirty="0" smtClean="0">
-                <a:solidFill>
-                  <a:srgbClr val="006600"/>
-                </a:solidFill>
-                <a:cs typeface="Times New Roman" pitchFamily="18" charset="0"/>
-              </a:rPr>
-              <a:t>·</a:t>
-            </a:r>
-            <a:r>
-              <a:rPr lang="en-US" sz="6000" dirty="0" smtClean="0">
-                <a:solidFill>
-                  <a:srgbClr val="008000"/>
-                </a:solidFill>
-                <a:cs typeface="Times New Roman" pitchFamily="18" charset="0"/>
-              </a:rPr>
-              <a:t> </a:t>
-            </a:r>
-            <a:r>
-              <a:rPr lang="en-US" sz="6000" dirty="0" err="1" smtClean="0"/>
-              <a:t>Pr</a:t>
-            </a:r>
-            <a:r>
-              <a:rPr lang="en-US" sz="6000" dirty="0" smtClean="0"/>
-              <a:t>[</a:t>
-            </a:r>
-            <a:r>
-              <a:rPr lang="en-US" sz="6000" dirty="0" smtClean="0">
-                <a:solidFill>
-                  <a:srgbClr val="3333FF"/>
-                </a:solidFill>
-              </a:rPr>
-              <a:t>S</a:t>
-            </a:r>
-            <a:r>
-              <a:rPr lang="en-US" sz="6000" dirty="0" smtClean="0">
-                <a:solidFill>
-                  <a:srgbClr val="008000"/>
-                </a:solidFill>
-              </a:rPr>
-              <a:t> </a:t>
-            </a:r>
-            <a:r>
-              <a:rPr lang="en-US" sz="6000" dirty="0" smtClean="0">
-                <a:solidFill>
-                  <a:srgbClr val="0000FF"/>
-                </a:solidFill>
-              </a:rPr>
-              <a:t>=</a:t>
-            </a:r>
-            <a:r>
-              <a:rPr lang="en-US" sz="6000" dirty="0" smtClean="0">
-                <a:solidFill>
-                  <a:srgbClr val="008000"/>
-                </a:solidFill>
-              </a:rPr>
-              <a:t> </a:t>
-            </a:r>
-            <a:r>
-              <a:rPr lang="en-US" sz="6000" dirty="0" smtClean="0">
-                <a:solidFill>
-                  <a:srgbClr val="3333FF"/>
-                </a:solidFill>
-              </a:rPr>
-              <a:t>b</a:t>
-            </a:r>
-            <a:r>
-              <a:rPr lang="en-US" sz="6000" dirty="0" smtClean="0"/>
-              <a:t>]</a:t>
-            </a:r>
-          </a:p>
-        </p:txBody>
-      </p:sp>
-      <p:sp>
-        <p:nvSpPr>
-          <p:cNvPr id="7" name="Rectangle 2"/>
-          <p:cNvSpPr txBox="1">
-            <a:spLocks noChangeArrowheads="1"/>
-          </p:cNvSpPr>
-          <p:nvPr/>
-        </p:nvSpPr>
-        <p:spPr bwMode="auto">
-          <a:xfrm>
-            <a:off x="1143000" y="58738"/>
-            <a:ext cx="7543800" cy="1143000"/>
-          </a:xfrm>
-          <a:prstGeom prst="rect">
-            <a:avLst/>
-          </a:prstGeom>
-          <a:noFill/>
-          <a:ln w="9525">
-            <a:noFill/>
-            <a:miter lim="800000"/>
-            <a:headEnd/>
-            <a:tailEnd/>
-          </a:ln>
-        </p:spPr>
-        <p:txBody>
-          <a:bodyPr vert="horz" wrap="square" lIns="91440" tIns="45720" rIns="91440" bIns="45720" numCol="1" anchor="ctr" anchorCtr="0" compatLnSpc="1">
-            <a:prstTxWarp prst="textNoShape">
-              <a:avLst/>
-            </a:prstTxWarp>
-          </a:bodyPr>
-          <a:lstStyle/>
-          <a:p>
-            <a:pPr marL="0" marR="0" lvl="0" indent="0" algn="ctr" defTabSz="914400" rtl="0" eaLnBrk="1" fontAlgn="base" latinLnBrk="0" hangingPunct="1">
-              <a:lnSpc>
-                <a:spcPct val="100000"/>
-              </a:lnSpc>
-              <a:spcBef>
-                <a:spcPct val="0"/>
-              </a:spcBef>
-              <a:spcAft>
-                <a:spcPct val="0"/>
-              </a:spcAft>
-              <a:buClrTx/>
-              <a:buSzTx/>
-              <a:buFontTx/>
-              <a:buNone/>
-              <a:tabLst/>
-              <a:defRPr/>
-            </a:pPr>
-            <a:r>
-              <a:rPr kumimoji="0" lang="en-US" sz="4000" b="1" i="0" u="none" strike="noStrike" kern="0" cap="none" spc="0" normalizeH="0" baseline="0" noProof="0" smtClean="0">
-                <a:ln>
-                  <a:noFill/>
-                </a:ln>
-                <a:solidFill>
-                  <a:schemeClr val="tx2"/>
-                </a:solidFill>
-                <a:effectLst/>
-                <a:uLnTx/>
-                <a:uFillTx/>
-                <a:latin typeface="+mj-lt"/>
-                <a:ea typeface="+mj-ea"/>
-                <a:cs typeface="+mj-cs"/>
-              </a:rPr>
-              <a:t>Independent Variables</a:t>
-            </a:r>
-            <a:endParaRPr kumimoji="0" lang="en-US" sz="4000" b="1" i="0" u="none" strike="noStrike" kern="0" cap="none" spc="0" normalizeH="0" baseline="0" noProof="0" dirty="0" smtClean="0">
-              <a:ln>
-                <a:noFill/>
-              </a:ln>
-              <a:solidFill>
-                <a:schemeClr val="tx2"/>
-              </a:solidFill>
-              <a:effectLst/>
-              <a:uLnTx/>
-              <a:uFillTx/>
-              <a:latin typeface="+mj-lt"/>
-              <a:ea typeface="+mj-ea"/>
-              <a:cs typeface="+mj-cs"/>
-            </a:endParaRPr>
-          </a:p>
-        </p:txBody>
-      </p:sp>
-    </p:spTree>
-  </p:cSld>
-  <p:clrMapOvr>
-    <a:masterClrMapping/>
-  </p:clrMapOvr>
-  <p:transition xmlns:p14="http://schemas.microsoft.com/office/powerpoint/2010/main" spd="slow" advClick="0">
-    <p:fade/>
-  </p:transition>
-  <p:timing>
-    <p:tnLst>
-      <p:par>
-        <p:cTn xmlns:p14="http://schemas.microsoft.com/office/powerpoint/2010/main" id="1" dur="indefinite" restart="never" nodeType="tmRoot">
-          <p:childTnLst>
-            <p:seq concurrent="1" nextAc="seek">
-              <p:cTn id="2" dur="indefinite" nodeType="mainSeq">
-                <p:childTnLst>
-                  <p:par>
-                    <p:cTn id="3" fill="hold">
-                      <p:stCondLst>
-                        <p:cond delay="indefinite"/>
-                        <p:cond evt="onBegin" delay="0">
-                          <p:tn val="2"/>
-                        </p:cond>
-                      </p:stCondLst>
-                      <p:childTnLst>
-                        <p:par>
-                          <p:cTn id="4" fill="hold">
-                            <p:stCondLst>
-                              <p:cond delay="0"/>
-                            </p:stCondLst>
-                            <p:childTnLst>
-                              <p:par>
-                                <p:cTn id="5" presetID="1" presetClass="entr" presetSubtype="0" fill="hold" nodeType="withEffect">
-                                  <p:stCondLst>
-                                    <p:cond delay="0"/>
-                                  </p:stCondLst>
-                                  <p:childTnLst>
-                                    <p:set>
-                                      <p:cBhvr>
-                                        <p:cTn id="6" dur="1" fill="hold">
-                                          <p:stCondLst>
-                                            <p:cond delay="0"/>
-                                          </p:stCondLst>
-                                        </p:cTn>
-                                        <p:tgtEl>
-                                          <p:spTgt spid="146435">
-                                            <p:txEl>
-                                              <p:pRg st="1" end="1"/>
-                                            </p:txEl>
-                                          </p:spTgt>
-                                        </p:tgtEl>
-                                        <p:attrNameLst>
-                                          <p:attrName>style.visibility</p:attrName>
-                                        </p:attrNameLst>
-                                      </p:cBhvr>
-                                      <p:to>
-                                        <p:strVal val="visible"/>
-                                      </p:to>
-                                    </p:set>
-                                  </p:childTnLst>
-                                </p:cTn>
-                              </p:par>
-                              <p:par>
-                                <p:cTn id="7" presetID="1" presetClass="entr" presetSubtype="0" fill="hold" nodeType="withEffect">
-                                  <p:stCondLst>
-                                    <p:cond delay="0"/>
-                                  </p:stCondLst>
-                                  <p:childTnLst>
-                                    <p:set>
-                                      <p:cBhvr>
-                                        <p:cTn id="8" dur="1" fill="hold">
-                                          <p:stCondLst>
-                                            <p:cond delay="0"/>
-                                          </p:stCondLst>
-                                        </p:cTn>
-                                        <p:tgtEl>
-                                          <p:spTgt spid="146435">
-                                            <p:txEl>
-                                              <p:pRg st="2" end="2"/>
-                                            </p:txEl>
-                                          </p:spTgt>
-                                        </p:tgtEl>
-                                        <p:attrNameLst>
-                                          <p:attrName>style.visibility</p:attrName>
-                                        </p:attrNameLst>
-                                      </p:cBhvr>
-                                      <p:to>
-                                        <p:strVal val="visible"/>
-                                      </p:to>
-                                    </p:set>
-                                  </p:childTnLst>
-                                </p:cTn>
-                              </p:par>
-                            </p:childTnLst>
-                          </p:cTn>
-                        </p:par>
-                      </p:childTnLst>
-                    </p:cTn>
-                  </p:par>
-                </p:childTnLst>
-              </p:cTn>
-              <p:prevCondLst>
-                <p:cond evt="onPrev" delay="0">
-                  <p:tgtEl>
-                    <p:sldTgt/>
-                  </p:tgtEl>
-                </p:cond>
-              </p:prevCondLst>
-              <p:nextCondLst>
-                <p:cond evt="onNext" delay="0">
-                  <p:tgtEl>
-                    <p:sldTgt/>
-                  </p:tgtEl>
-                </p:cond>
-              </p:nextCondLst>
-            </p:seq>
-          </p:childTnLst>
-        </p:cTn>
-      </p:par>
-    </p:tnLst>
-  </p:timing>
-</p:sld>
-</file>
-
-<file path=ppt/slides/slide9.xml><?xml version="1.0" encoding="utf-8"?>
-<p:sld xmlns:a="http://schemas.openxmlformats.org/drawingml/2006/main" xmlns:r="http://schemas.openxmlformats.org/officeDocument/2006/relationships" xmlns:p="http://schemas.openxmlformats.org/presentationml/2006/main">
-  <p:cSld>
-    <p:spTree>
-      <p:nvGrpSpPr>
-        <p:cNvPr id="1" name=""/>
-        <p:cNvGrpSpPr/>
-        <p:nvPr/>
-      </p:nvGrpSpPr>
-      <p:grpSpPr>
-        <a:xfrm>
-          <a:off x="0" y="0"/>
-          <a:ext cx="0" cy="0"/>
-          <a:chOff x="0" y="0"/>
-          <a:chExt cx="0" cy="0"/>
-        </a:xfrm>
-      </p:grpSpPr>
-      <p:sp>
-        <p:nvSpPr>
-          <p:cNvPr id="6" name="Slide Number Placeholder 3"/>
-          <p:cNvSpPr>
-            <a:spLocks noGrp="1"/>
-          </p:cNvSpPr>
-          <p:nvPr>
-            <p:ph type="sldNum" sz="quarter" idx="11"/>
-          </p:nvPr>
-        </p:nvSpPr>
-        <p:spPr/>
-        <p:txBody>
-          <a:bodyPr/>
-          <a:lstStyle/>
-          <a:p>
-            <a:pPr>
-              <a:defRPr/>
-            </a:pPr>
-            <a:r>
-              <a:rPr lang="en-US" dirty="0" err="1" smtClean="0"/>
-              <a:t>ranvarindep</a:t>
-            </a:r>
-            <a:r>
-              <a:rPr lang="en-US" dirty="0" smtClean="0"/>
-              <a:t>.</a:t>
-            </a:r>
-            <a:fld id="{95F672D9-7FDA-4DF5-84B2-B60196FF4FEA}" type="slidenum">
-              <a:rPr lang="en-US" smtClean="0"/>
-              <a:pPr>
-                <a:defRPr/>
-              </a:pPr>
-              <a:t>9</a:t>
-            </a:fld>
-            <a:endParaRPr lang="en-US" dirty="0"/>
-          </a:p>
-        </p:txBody>
-      </p:sp>
-      <p:sp>
-        <p:nvSpPr>
-          <p:cNvPr id="32772" name="Rectangle 3"/>
-          <p:cNvSpPr>
-            <a:spLocks noGrp="1" noChangeArrowheads="1"/>
-          </p:cNvSpPr>
-          <p:nvPr>
-            <p:ph idx="4294967295"/>
-          </p:nvPr>
-        </p:nvSpPr>
-        <p:spPr>
-          <a:xfrm>
-            <a:off x="149290" y="1143761"/>
-            <a:ext cx="8870719" cy="4585523"/>
-          </a:xfrm>
-        </p:spPr>
-        <p:txBody>
-          <a:bodyPr/>
-          <a:lstStyle/>
-          <a:p>
-            <a:pPr eaLnBrk="1" hangingPunct="1"/>
-            <a:r>
-              <a:rPr lang="en-US" sz="6000" dirty="0" smtClean="0"/>
-              <a:t>    Are </a:t>
-            </a:r>
-            <a:r>
-              <a:rPr lang="en-US" sz="6000" dirty="0" smtClean="0">
-                <a:solidFill>
-                  <a:srgbClr val="3333FF"/>
-                </a:solidFill>
-              </a:rPr>
-              <a:t>C</a:t>
-            </a:r>
-            <a:r>
-              <a:rPr lang="en-US" sz="6000" dirty="0" smtClean="0"/>
-              <a:t> and </a:t>
-            </a:r>
-            <a:r>
-              <a:rPr lang="en-US" sz="6000" dirty="0" smtClean="0">
-                <a:solidFill>
-                  <a:srgbClr val="3333FF"/>
-                </a:solidFill>
-              </a:rPr>
-              <a:t>M</a:t>
-            </a:r>
-            <a:r>
-              <a:rPr lang="en-US" sz="6000" dirty="0" smtClean="0"/>
-              <a:t> </a:t>
-            </a:r>
-          </a:p>
-          <a:p>
-            <a:pPr eaLnBrk="1" hangingPunct="1"/>
-            <a:r>
-              <a:rPr lang="en-US" sz="6000" dirty="0" smtClean="0"/>
-              <a:t>    independent?</a:t>
-            </a:r>
-          </a:p>
-          <a:p>
-            <a:pPr algn="ctr" eaLnBrk="1" hangingPunct="1"/>
-            <a:r>
-              <a:rPr lang="en-US" sz="6000" dirty="0" err="1" smtClean="0"/>
-              <a:t>Pr</a:t>
-            </a:r>
-            <a:r>
-              <a:rPr lang="en-US" sz="6000" dirty="0" smtClean="0"/>
-              <a:t>[</a:t>
-            </a:r>
-            <a:r>
-              <a:rPr lang="en-US" sz="6000" dirty="0" smtClean="0">
-                <a:solidFill>
-                  <a:srgbClr val="0000FF"/>
-                </a:solidFill>
-              </a:rPr>
-              <a:t>M</a:t>
-            </a:r>
-            <a:r>
-              <a:rPr lang="en-US" sz="6000" dirty="0" smtClean="0"/>
-              <a:t>=1]⋅</a:t>
-            </a:r>
-            <a:r>
-              <a:rPr lang="en-US" sz="6000" dirty="0" err="1" smtClean="0"/>
-              <a:t>Pr</a:t>
-            </a:r>
-            <a:r>
-              <a:rPr lang="en-US" sz="6000" dirty="0" smtClean="0"/>
-              <a:t>[</a:t>
-            </a:r>
-            <a:r>
-              <a:rPr lang="en-US" sz="6000" dirty="0" smtClean="0">
-                <a:solidFill>
-                  <a:srgbClr val="0000FF"/>
-                </a:solidFill>
-              </a:rPr>
-              <a:t>C</a:t>
-            </a:r>
-            <a:r>
-              <a:rPr lang="en-US" sz="6000" dirty="0" smtClean="0"/>
-              <a:t>=1] </a:t>
-            </a:r>
-            <a:r>
-              <a:rPr lang="en-US" sz="6000" b="1" dirty="0" smtClean="0">
-                <a:solidFill>
-                  <a:srgbClr val="FF00FF"/>
-                </a:solidFill>
-                <a:latin typeface="Euclid Symbol" charset="2"/>
-                <a:cs typeface="Euclid Symbol" charset="2"/>
-              </a:rPr>
-              <a:t>&gt;</a:t>
-            </a:r>
-            <a:r>
-              <a:rPr lang="en-US" sz="6000" dirty="0" smtClean="0"/>
-              <a:t> </a:t>
-            </a:r>
-            <a:r>
-              <a:rPr lang="en-US" sz="6000" dirty="0" smtClean="0">
-                <a:solidFill>
-                  <a:schemeClr val="tx2"/>
-                </a:solidFill>
-              </a:rPr>
-              <a:t>0</a:t>
-            </a:r>
-          </a:p>
-          <a:p>
-            <a:pPr algn="ctr" eaLnBrk="1" hangingPunct="1"/>
-            <a:r>
-              <a:rPr lang="en-US" sz="6000" dirty="0" err="1" smtClean="0"/>
-              <a:t>Pr</a:t>
-            </a:r>
-            <a:r>
-              <a:rPr lang="en-US" sz="6000" dirty="0" smtClean="0"/>
-              <a:t>[</a:t>
-            </a:r>
-            <a:r>
-              <a:rPr lang="en-US" sz="6000" dirty="0" smtClean="0">
-                <a:solidFill>
-                  <a:srgbClr val="0000FF"/>
-                </a:solidFill>
-              </a:rPr>
-              <a:t>M</a:t>
-            </a:r>
-            <a:r>
-              <a:rPr lang="en-US" sz="6000" dirty="0" smtClean="0"/>
-              <a:t>=1 and </a:t>
-            </a:r>
-            <a:r>
-              <a:rPr lang="en-US" sz="6000" dirty="0" smtClean="0">
-                <a:solidFill>
-                  <a:srgbClr val="0000FF"/>
-                </a:solidFill>
-              </a:rPr>
-              <a:t>C</a:t>
-            </a:r>
-            <a:r>
-              <a:rPr lang="en-US" sz="6000" dirty="0" smtClean="0"/>
-              <a:t>=1] </a:t>
-            </a:r>
-            <a:r>
-              <a:rPr lang="en-US" sz="6000" b="1" dirty="0" smtClean="0">
-                <a:solidFill>
-                  <a:srgbClr val="FF00FF"/>
-                </a:solidFill>
-                <a:latin typeface="Euclid Symbol" charset="2"/>
-                <a:cs typeface="Euclid Symbol" charset="2"/>
-              </a:rPr>
-              <a:t>=</a:t>
-            </a:r>
-            <a:r>
-              <a:rPr lang="en-US" sz="6000" dirty="0" smtClean="0"/>
-              <a:t> 0</a:t>
-            </a:r>
-          </a:p>
-        </p:txBody>
-      </p:sp>
-      <p:sp>
-        <p:nvSpPr>
-          <p:cNvPr id="8" name="Rectangle 2"/>
-          <p:cNvSpPr txBox="1">
-            <a:spLocks noChangeArrowheads="1"/>
-          </p:cNvSpPr>
-          <p:nvPr/>
-        </p:nvSpPr>
-        <p:spPr bwMode="auto">
-          <a:xfrm>
-            <a:off x="1143000" y="58738"/>
-            <a:ext cx="7543800" cy="1143000"/>
-          </a:xfrm>
-          <a:prstGeom prst="rect">
-            <a:avLst/>
-          </a:prstGeom>
-          <a:noFill/>
-          <a:ln w="9525">
-            <a:noFill/>
-            <a:miter lim="800000"/>
-            <a:headEnd/>
-            <a:tailEnd/>
-          </a:ln>
-        </p:spPr>
-        <p:txBody>
-          <a:bodyPr vert="horz" wrap="square" lIns="91440" tIns="45720" rIns="91440" bIns="45720" numCol="1" anchor="ctr" anchorCtr="0" compatLnSpc="1">
-            <a:prstTxWarp prst="textNoShape">
-              <a:avLst/>
-            </a:prstTxWarp>
-          </a:bodyPr>
-          <a:lstStyle/>
-          <a:p>
-            <a:pPr marL="0" marR="0" lvl="0" indent="0" algn="ctr" defTabSz="914400" rtl="0" eaLnBrk="1" fontAlgn="base" latinLnBrk="0" hangingPunct="1">
-              <a:lnSpc>
-                <a:spcPct val="100000"/>
-              </a:lnSpc>
-              <a:spcBef>
-                <a:spcPct val="0"/>
-              </a:spcBef>
-              <a:spcAft>
-                <a:spcPct val="0"/>
-              </a:spcAft>
-              <a:buClrTx/>
-              <a:buSzTx/>
-              <a:buFontTx/>
-              <a:buNone/>
-              <a:tabLst/>
-              <a:defRPr/>
-            </a:pPr>
-            <a:r>
-              <a:rPr kumimoji="0" lang="en-US" sz="4000" b="1" i="0" u="none" strike="noStrike" kern="0" cap="none" spc="0" normalizeH="0" baseline="0" noProof="0" smtClean="0">
-                <a:ln>
-                  <a:noFill/>
-                </a:ln>
-                <a:solidFill>
-                  <a:schemeClr val="tx2"/>
-                </a:solidFill>
-                <a:effectLst/>
-                <a:uLnTx/>
-                <a:uFillTx/>
-                <a:latin typeface="+mj-lt"/>
-                <a:ea typeface="+mj-ea"/>
-                <a:cs typeface="+mj-cs"/>
-              </a:rPr>
-              <a:t>Independent Variables</a:t>
-            </a:r>
-            <a:endParaRPr kumimoji="0" lang="en-US" sz="4000" b="1" i="0" u="none" strike="noStrike" kern="0" cap="none" spc="0" normalizeH="0" baseline="0" noProof="0" dirty="0" smtClean="0">
-              <a:ln>
-                <a:noFill/>
-              </a:ln>
-              <a:solidFill>
-                <a:schemeClr val="tx2"/>
-              </a:solidFill>
-              <a:effectLst/>
-              <a:uLnTx/>
-              <a:uFillTx/>
-              <a:latin typeface="+mj-lt"/>
-              <a:ea typeface="+mj-ea"/>
-              <a:cs typeface="+mj-cs"/>
-            </a:endParaRPr>
-          </a:p>
-        </p:txBody>
-      </p:sp>
-      <p:sp>
-        <p:nvSpPr>
-          <p:cNvPr id="5" name="TextBox 4"/>
-          <p:cNvSpPr txBox="1"/>
-          <p:nvPr/>
-        </p:nvSpPr>
-        <p:spPr>
-          <a:xfrm>
-            <a:off x="6378151" y="2134416"/>
-            <a:ext cx="1789272" cy="1107996"/>
-          </a:xfrm>
-          <a:prstGeom prst="rect">
-            <a:avLst/>
-          </a:prstGeom>
-          <a:noFill/>
-        </p:spPr>
-        <p:txBody>
-          <a:bodyPr wrap="none" rtlCol="0">
-            <a:spAutoFit/>
-          </a:bodyPr>
-          <a:lstStyle/>
-          <a:p>
-            <a:r>
-              <a:rPr lang="en-US" sz="6600" dirty="0" smtClean="0">
-                <a:solidFill>
-                  <a:srgbClr val="C00000"/>
-                </a:solidFill>
-                <a:latin typeface="+mj-lt"/>
-              </a:rPr>
-              <a:t>NO</a:t>
-            </a:r>
-            <a:r>
-              <a:rPr lang="en-US" sz="6600" dirty="0" smtClean="0">
-                <a:latin typeface="+mj-lt"/>
-              </a:rPr>
-              <a:t>:</a:t>
-            </a:r>
-            <a:endParaRPr lang="en-US" sz="6600" dirty="0">
-              <a:latin typeface="+mj-lt"/>
-            </a:endParaRPr>
-          </a:p>
-        </p:txBody>
-      </p:sp>
-    </p:spTree>
-  </p:cSld>
-  <p:clrMapOvr>
-    <a:masterClrMapping/>
-  </p:clrMapOvr>
-  <p:transition xmlns:p14="http://schemas.microsoft.com/office/powerpoint/2010/main" spd="slow" advClick="0">
-    <p:fade/>
-  </p:transition>
-  <p:timing>
-    <p:tnLst>
-      <p:par>
-        <p:cTn xmlns:p14="http://schemas.microsoft.com/office/powerpoint/2010/main" id="1" dur="indefinite" restart="never" nodeType="tmRoot">
-          <p:childTnLst>
-            <p:seq concurrent="1" nextAc="seek">
-              <p:cTn id="2" dur="indefinite" nodeType="mainSeq">
-                <p:childTnLst>
-                  <p:par>
-                    <p:cTn id="3" fill="hold">
-                      <p:stCondLst>
-                        <p:cond delay="indefinite"/>
-                      </p:stCondLst>
-                      <p:childTnLst>
-                        <p:par>
-                          <p:cTn id="4" fill="hold">
-                            <p:stCondLst>
-                              <p:cond delay="0"/>
-                            </p:stCondLst>
-                            <p:childTnLst>
-                              <p:par>
-                                <p:cTn id="5" presetID="1" presetClass="entr" presetSubtype="0" fill="hold" grpId="0" nodeType="clickEffect">
-                                  <p:stCondLst>
-                                    <p:cond delay="0"/>
-                                  </p:stCondLst>
-                                  <p:childTnLst>
-                                    <p:set>
-                                      <p:cBhvr>
-                                        <p:cTn id="6" dur="1" fill="hold">
-                                          <p:stCondLst>
-                                            <p:cond delay="0"/>
-                                          </p:stCondLst>
-                                        </p:cTn>
-                                        <p:tgtEl>
-                                          <p:spTgt spid="5"/>
-                                        </p:tgtEl>
-                                        <p:attrNameLst>
-                                          <p:attrName>style.visibility</p:attrName>
-                                        </p:attrNameLst>
-                                      </p:cBhvr>
-                                      <p:to>
-                                        <p:strVal val="visible"/>
-                                      </p:to>
-                                    </p:set>
-                                  </p:childTnLst>
-                                </p:cTn>
-                              </p:par>
-                            </p:childTnLst>
-                          </p:cTn>
-                        </p:par>
-                      </p:childTnLst>
-                    </p:cTn>
-                  </p:par>
-                  <p:par>
-                    <p:cTn id="7" fill="hold">
-                      <p:stCondLst>
-                        <p:cond delay="indefinite"/>
-                      </p:stCondLst>
-                      <p:childTnLst>
-                        <p:par>
-                          <p:cTn id="8" fill="hold">
-                            <p:stCondLst>
-                              <p:cond delay="0"/>
-                            </p:stCondLst>
-                            <p:childTnLst>
-                              <p:par>
-                                <p:cTn id="9" presetID="9" presetClass="entr" presetSubtype="0" fill="hold" nodeType="clickEffect">
-                                  <p:stCondLst>
-                                    <p:cond delay="0"/>
-                                  </p:stCondLst>
-                                  <p:childTnLst>
-                                    <p:set>
-                                      <p:cBhvr>
-                                        <p:cTn id="10" dur="1" fill="hold">
-                                          <p:stCondLst>
-                                            <p:cond delay="0"/>
-                                          </p:stCondLst>
-                                        </p:cTn>
-                                        <p:tgtEl>
-                                          <p:spTgt spid="32772">
-                                            <p:txEl>
-                                              <p:pRg st="2" end="2"/>
-                                            </p:txEl>
-                                          </p:spTgt>
-                                        </p:tgtEl>
-                                        <p:attrNameLst>
-                                          <p:attrName>style.visibility</p:attrName>
-                                        </p:attrNameLst>
-                                      </p:cBhvr>
-                                      <p:to>
-                                        <p:strVal val="visible"/>
-                                      </p:to>
-                                    </p:set>
-                                    <p:animEffect transition="in" filter="dissolve">
-                                      <p:cBhvr>
-                                        <p:cTn id="11" dur="500"/>
-                                        <p:tgtEl>
-                                          <p:spTgt spid="32772">
-                                            <p:txEl>
-                                              <p:pRg st="2" end="2"/>
-                                            </p:txEl>
-                                          </p:spTgt>
-                                        </p:tgtEl>
-                                      </p:cBhvr>
-                                    </p:animEffect>
-                                  </p:childTnLst>
-                                </p:cTn>
-                              </p:par>
-                            </p:childTnLst>
-                          </p:cTn>
-                        </p:par>
-                      </p:childTnLst>
-                    </p:cTn>
-                  </p:par>
-                  <p:par>
-                    <p:cTn id="12" fill="hold">
-                      <p:stCondLst>
-                        <p:cond delay="indefinite"/>
-                      </p:stCondLst>
-                      <p:childTnLst>
-                        <p:par>
-                          <p:cTn id="13" fill="hold">
-                            <p:stCondLst>
-                              <p:cond delay="0"/>
-                            </p:stCondLst>
-                            <p:childTnLst>
-                              <p:par>
-                                <p:cTn id="14" presetID="9" presetClass="entr" presetSubtype="0" fill="hold" nodeType="clickEffect">
-                                  <p:stCondLst>
-                                    <p:cond delay="0"/>
-                                  </p:stCondLst>
-                                  <p:childTnLst>
-                                    <p:set>
-                                      <p:cBhvr>
-                                        <p:cTn id="15" dur="1" fill="hold">
-                                          <p:stCondLst>
-                                            <p:cond delay="0"/>
-                                          </p:stCondLst>
-                                        </p:cTn>
-                                        <p:tgtEl>
-                                          <p:spTgt spid="32772">
-                                            <p:txEl>
-                                              <p:pRg st="3" end="3"/>
-                                            </p:txEl>
-                                          </p:spTgt>
-                                        </p:tgtEl>
-                                        <p:attrNameLst>
-                                          <p:attrName>style.visibility</p:attrName>
-                                        </p:attrNameLst>
-                                      </p:cBhvr>
-                                      <p:to>
-                                        <p:strVal val="visible"/>
-                                      </p:to>
-                                    </p:set>
-                                    <p:animEffect transition="in" filter="dissolve">
-                                      <p:cBhvr>
-                                        <p:cTn id="16" dur="500"/>
-                                        <p:tgtEl>
-                                          <p:spTgt spid="32772">
-                                            <p:txEl>
-                                              <p:pRg st="3" end="3"/>
-                                            </p:txEl>
-                                          </p:spTgt>
-                                        </p:tgtEl>
-                                      </p:cBhvr>
-                                    </p:animEffect>
-                                  </p:childTnLst>
-                                </p:cTn>
-                              </p:par>
-                            </p:childTnLst>
-                          </p:cTn>
-                        </p:par>
-                      </p:childTnLst>
-                    </p:cTn>
-                  </p:par>
-                </p:childTnLst>
-              </p:cTn>
-              <p:prevCondLst>
-                <p:cond evt="onPrev" delay="0">
-                  <p:tgtEl>
-                    <p:sldTgt/>
-                  </p:tgtEl>
-                </p:cond>
-              </p:prevCondLst>
-              <p:nextCondLst>
-                <p:cond evt="onNext" delay="0">
-                  <p:tgtEl>
-                    <p:sldTgt/>
-                  </p:tgtEl>
-                </p:cond>
-              </p:nextCondLst>
-            </p:seq>
-          </p:childTnLst>
-        </p:cTn>
-      </p:par>
-    </p:tnLst>
-    <p:bldLst>
-      <p:bldP spid="5" grpId="0"/>
-    </p:bldLst>
   </p:timing>
 </p:sld>
 </file>
@@ -9928,6 +14885,22 @@
         </a:fontRef>
       </a:style>
     </a:spDef>
+    <a:txDef>
+      <a:spPr>
+        <a:noFill/>
+      </a:spPr>
+      <a:bodyPr wrap="none" rtlCol="0">
+        <a:spAutoFit/>
+      </a:bodyPr>
+      <a:lstStyle>
+        <a:defPPr>
+          <a:defRPr sz="5400" dirty="0" smtClean="0">
+            <a:latin typeface="Comic Sans MS"/>
+            <a:cs typeface="Comic Sans MS"/>
+          </a:defRPr>
+        </a:defPPr>
+      </a:lstStyle>
+    </a:txDef>
   </a:objectDefaults>
   <a:extraClrSchemeLst>
     <a:extraClrScheme>
